--- a/design.pptx
+++ b/design.pptx
@@ -8,10 +8,16 @@
     <p:sldId id="257" r:id="rId2"/>
     <p:sldId id="258" r:id="rId3"/>
     <p:sldId id="263" r:id="rId4"/>
-    <p:sldId id="259" r:id="rId5"/>
-    <p:sldId id="260" r:id="rId6"/>
-    <p:sldId id="261" r:id="rId7"/>
-    <p:sldId id="262" r:id="rId8"/>
+    <p:sldId id="264" r:id="rId5"/>
+    <p:sldId id="259" r:id="rId6"/>
+    <p:sldId id="262" r:id="rId7"/>
+    <p:sldId id="260" r:id="rId8"/>
+    <p:sldId id="261" r:id="rId9"/>
+    <p:sldId id="269" r:id="rId10"/>
+    <p:sldId id="265" r:id="rId11"/>
+    <p:sldId id="267" r:id="rId12"/>
+    <p:sldId id="268" r:id="rId13"/>
+    <p:sldId id="266" r:id="rId14"/>
   </p:sldIdLst>
   <p:sldSz cx="12192000" cy="6858000"/>
   <p:notesSz cx="6858000" cy="9144000"/>
@@ -110,6 +116,11 @@
       </a:defRPr>
     </a:lvl9pPr>
   </p:defaultTextStyle>
+  <p:extLst>
+    <p:ext uri="{EFAFB233-063F-42B5-8137-9DF3F51BA10A}">
+      <p15:sldGuideLst xmlns:p15="http://schemas.microsoft.com/office/powerpoint/2012/main"/>
+    </p:ext>
+  </p:extLst>
 </p:presentation>
 </file>
 
@@ -3645,15 +3656,7 @@
           <a:p>
             <a:r>
               <a:rPr kumimoji="1" lang="ja-JP" altLang="en-US" sz="4000" b="1" dirty="0"/>
-              <a:t>タイトル</a:t>
-            </a:r>
-            <a:r>
-              <a:rPr lang="ja-JP" altLang="en-US" sz="4000" b="1" dirty="0"/>
-              <a:t>兼モード選択</a:t>
-            </a:r>
-            <a:r>
-              <a:rPr kumimoji="1" lang="ja-JP" altLang="en-US" sz="4000" b="1" dirty="0"/>
-              <a:t>画面</a:t>
+              <a:t>タイトル画面</a:t>
             </a:r>
           </a:p>
         </p:txBody>
@@ -3757,7 +3760,7 @@
         <p:spPr>
           <a:xfrm>
             <a:off x="1055931" y="5369676"/>
-            <a:ext cx="5519040" cy="369332"/>
+            <a:ext cx="5519040" cy="646331"/>
           </a:xfrm>
           <a:prstGeom prst="rect">
             <a:avLst/>
@@ -3782,7 +3785,21 @@
               <a:rPr lang="ja-JP" altLang="en-US" dirty="0"/>
               <a:t>問題データ選択画面</a:t>
             </a:r>
-            <a:endParaRPr kumimoji="1" lang="ja-JP" altLang="en-US" dirty="0"/>
+            <a:endParaRPr lang="en-US" altLang="ja-JP" dirty="0"/>
+          </a:p>
+          <a:p>
+            <a:r>
+              <a:rPr kumimoji="1" lang="ja-JP" altLang="en-US" dirty="0"/>
+              <a:t>履歴 </a:t>
+            </a:r>
+            <a:r>
+              <a:rPr kumimoji="1" lang="en-US" altLang="ja-JP" dirty="0"/>
+              <a:t>-&gt; </a:t>
+            </a:r>
+            <a:r>
+              <a:rPr kumimoji="1" lang="ja-JP" altLang="en-US" dirty="0"/>
+              <a:t>問題ログ一覧画面</a:t>
+            </a:r>
           </a:p>
         </p:txBody>
       </p:sp>
@@ -3869,10 +3886,2045 @@
           </a:p>
         </p:txBody>
       </p:sp>
+      <p:sp>
+        <p:nvSpPr>
+          <p:cNvPr id="4" name="テキスト ボックス 3">
+            <a:extLst>
+              <a:ext uri="{FF2B5EF4-FFF2-40B4-BE49-F238E27FC236}">
+                <a16:creationId xmlns:a16="http://schemas.microsoft.com/office/drawing/2014/main" id="{954589D0-ADFF-57D5-50A3-C8728171BA7C}"/>
+              </a:ext>
+            </a:extLst>
+          </p:cNvPr>
+          <p:cNvSpPr txBox="1"/>
+          <p:nvPr/>
+        </p:nvSpPr>
+        <p:spPr>
+          <a:xfrm>
+            <a:off x="7507705" y="3948963"/>
+            <a:ext cx="1176578" cy="646331"/>
+          </a:xfrm>
+          <a:prstGeom prst="rect">
+            <a:avLst/>
+          </a:prstGeom>
+        </p:spPr>
+        <p:style>
+          <a:lnRef idx="2">
+            <a:schemeClr val="dk1"/>
+          </a:lnRef>
+          <a:fillRef idx="1">
+            <a:schemeClr val="lt1"/>
+          </a:fillRef>
+          <a:effectRef idx="0">
+            <a:schemeClr val="dk1"/>
+          </a:effectRef>
+          <a:fontRef idx="minor">
+            <a:schemeClr val="dk1"/>
+          </a:fontRef>
+        </p:style>
+        <p:txBody>
+          <a:bodyPr wrap="square">
+            <a:spAutoFit/>
+          </a:bodyPr>
+          <a:lstStyle/>
+          <a:p>
+            <a:r>
+              <a:rPr lang="ja-JP" altLang="en-US" sz="3600" dirty="0"/>
+              <a:t>履歴</a:t>
+            </a:r>
+          </a:p>
+        </p:txBody>
+      </p:sp>
     </p:spTree>
     <p:extLst>
       <p:ext uri="{BB962C8B-B14F-4D97-AF65-F5344CB8AC3E}">
         <p14:creationId xmlns:p14="http://schemas.microsoft.com/office/powerpoint/2010/main" val="4170091435"/>
+      </p:ext>
+    </p:extLst>
+  </p:cSld>
+  <p:clrMapOvr>
+    <a:masterClrMapping/>
+  </p:clrMapOvr>
+</p:sld>
+</file>
+
+<file path=ppt/slides/slide10.xml><?xml version="1.0" encoding="utf-8"?>
+<p:sld xmlns:a="http://schemas.openxmlformats.org/drawingml/2006/main" xmlns:r="http://schemas.openxmlformats.org/officeDocument/2006/relationships" xmlns:p="http://schemas.openxmlformats.org/presentationml/2006/main">
+  <p:cSld>
+    <p:spTree>
+      <p:nvGrpSpPr>
+        <p:cNvPr id="1" name=""/>
+        <p:cNvGrpSpPr/>
+        <p:nvPr/>
+      </p:nvGrpSpPr>
+      <p:grpSpPr>
+        <a:xfrm>
+          <a:off x="0" y="0"/>
+          <a:ext cx="0" cy="0"/>
+          <a:chOff x="0" y="0"/>
+          <a:chExt cx="0" cy="0"/>
+        </a:xfrm>
+      </p:grpSpPr>
+      <p:sp>
+        <p:nvSpPr>
+          <p:cNvPr id="2" name="テキスト ボックス 1">
+            <a:extLst>
+              <a:ext uri="{FF2B5EF4-FFF2-40B4-BE49-F238E27FC236}">
+                <a16:creationId xmlns:a16="http://schemas.microsoft.com/office/drawing/2014/main" id="{71C894B5-824C-9C81-F076-F6FB31C079C3}"/>
+              </a:ext>
+            </a:extLst>
+          </p:cNvPr>
+          <p:cNvSpPr txBox="1"/>
+          <p:nvPr/>
+        </p:nvSpPr>
+        <p:spPr>
+          <a:xfrm>
+            <a:off x="985172" y="426448"/>
+            <a:ext cx="9404531" cy="707886"/>
+          </a:xfrm>
+          <a:prstGeom prst="rect">
+            <a:avLst/>
+          </a:prstGeom>
+          <a:noFill/>
+        </p:spPr>
+        <p:txBody>
+          <a:bodyPr wrap="square" rtlCol="0">
+            <a:spAutoFit/>
+          </a:bodyPr>
+          <a:lstStyle/>
+          <a:p>
+            <a:r>
+              <a:rPr kumimoji="1" lang="ja-JP" altLang="en-US" sz="4000" b="1" dirty="0"/>
+              <a:t>結果画面（時間制限モードの時</a:t>
+            </a:r>
+            <a:r>
+              <a:rPr kumimoji="1" lang="ja-JP" altLang="en-US" sz="2400" b="1" dirty="0"/>
+              <a:t>） </a:t>
+            </a:r>
+            <a:endParaRPr kumimoji="1" lang="ja-JP" altLang="en-US" sz="4000" b="1" dirty="0"/>
+          </a:p>
+        </p:txBody>
+      </p:sp>
+      <p:sp>
+        <p:nvSpPr>
+          <p:cNvPr id="3" name="正方形/長方形 2">
+            <a:extLst>
+              <a:ext uri="{FF2B5EF4-FFF2-40B4-BE49-F238E27FC236}">
+                <a16:creationId xmlns:a16="http://schemas.microsoft.com/office/drawing/2014/main" id="{E1AEB3B7-CA22-D0AC-646B-5B21723E41E5}"/>
+              </a:ext>
+            </a:extLst>
+          </p:cNvPr>
+          <p:cNvSpPr/>
+          <p:nvPr/>
+        </p:nvSpPr>
+        <p:spPr>
+          <a:xfrm>
+            <a:off x="1055931" y="1488324"/>
+            <a:ext cx="9830242" cy="4315710"/>
+          </a:xfrm>
+          <a:prstGeom prst="rect">
+            <a:avLst/>
+          </a:prstGeom>
+          <a:ln w="57150">
+            <a:solidFill>
+              <a:schemeClr val="tx1"/>
+            </a:solidFill>
+          </a:ln>
+        </p:spPr>
+        <p:style>
+          <a:lnRef idx="2">
+            <a:schemeClr val="accent6"/>
+          </a:lnRef>
+          <a:fillRef idx="1">
+            <a:schemeClr val="lt1"/>
+          </a:fillRef>
+          <a:effectRef idx="0">
+            <a:schemeClr val="accent6"/>
+          </a:effectRef>
+          <a:fontRef idx="minor">
+            <a:schemeClr val="dk1"/>
+          </a:fontRef>
+        </p:style>
+        <p:txBody>
+          <a:bodyPr rtlCol="0" anchor="ctr"/>
+          <a:lstStyle/>
+          <a:p>
+            <a:pPr algn="ctr"/>
+            <a:endParaRPr kumimoji="1" lang="ja-JP" altLang="en-US"/>
+          </a:p>
+        </p:txBody>
+      </p:sp>
+      <p:sp>
+        <p:nvSpPr>
+          <p:cNvPr id="4" name="テキスト ボックス 3">
+            <a:extLst>
+              <a:ext uri="{FF2B5EF4-FFF2-40B4-BE49-F238E27FC236}">
+                <a16:creationId xmlns:a16="http://schemas.microsoft.com/office/drawing/2014/main" id="{559FAFC1-893D-B748-14C3-239299784AD7}"/>
+              </a:ext>
+            </a:extLst>
+          </p:cNvPr>
+          <p:cNvSpPr txBox="1"/>
+          <p:nvPr/>
+        </p:nvSpPr>
+        <p:spPr>
+          <a:xfrm>
+            <a:off x="8852452" y="4929744"/>
+            <a:ext cx="1766849" cy="646331"/>
+          </a:xfrm>
+          <a:prstGeom prst="rect">
+            <a:avLst/>
+          </a:prstGeom>
+          <a:ln w="28575">
+            <a:solidFill>
+              <a:schemeClr val="tx1"/>
+            </a:solidFill>
+          </a:ln>
+        </p:spPr>
+        <p:style>
+          <a:lnRef idx="2">
+            <a:schemeClr val="dk1"/>
+          </a:lnRef>
+          <a:fillRef idx="1">
+            <a:schemeClr val="lt1"/>
+          </a:fillRef>
+          <a:effectRef idx="0">
+            <a:schemeClr val="dk1"/>
+          </a:effectRef>
+          <a:fontRef idx="minor">
+            <a:schemeClr val="dk1"/>
+          </a:fontRef>
+        </p:style>
+        <p:txBody>
+          <a:bodyPr wrap="square" rtlCol="0">
+            <a:spAutoFit/>
+          </a:bodyPr>
+          <a:lstStyle/>
+          <a:p>
+            <a:r>
+              <a:rPr lang="ja-JP" altLang="en-US" dirty="0"/>
+              <a:t>問題選択画面に行くボタン</a:t>
+            </a:r>
+            <a:endParaRPr kumimoji="1" lang="ja-JP" altLang="en-US" dirty="0"/>
+          </a:p>
+        </p:txBody>
+      </p:sp>
+      <p:sp>
+        <p:nvSpPr>
+          <p:cNvPr id="5" name="テキスト ボックス 4">
+            <a:extLst>
+              <a:ext uri="{FF2B5EF4-FFF2-40B4-BE49-F238E27FC236}">
+                <a16:creationId xmlns:a16="http://schemas.microsoft.com/office/drawing/2014/main" id="{4BBE3F23-4AC9-B4C5-0DCD-504915DA803A}"/>
+              </a:ext>
+            </a:extLst>
+          </p:cNvPr>
+          <p:cNvSpPr txBox="1"/>
+          <p:nvPr/>
+        </p:nvSpPr>
+        <p:spPr>
+          <a:xfrm>
+            <a:off x="2161055" y="2021478"/>
+            <a:ext cx="2530216" cy="830997"/>
+          </a:xfrm>
+          <a:prstGeom prst="rect">
+            <a:avLst/>
+          </a:prstGeom>
+          <a:ln>
+            <a:noFill/>
+          </a:ln>
+        </p:spPr>
+        <p:style>
+          <a:lnRef idx="2">
+            <a:schemeClr val="dk1"/>
+          </a:lnRef>
+          <a:fillRef idx="1">
+            <a:schemeClr val="lt1"/>
+          </a:fillRef>
+          <a:effectRef idx="0">
+            <a:schemeClr val="dk1"/>
+          </a:effectRef>
+          <a:fontRef idx="minor">
+            <a:schemeClr val="dk1"/>
+          </a:fontRef>
+        </p:style>
+        <p:txBody>
+          <a:bodyPr wrap="square">
+            <a:spAutoFit/>
+          </a:bodyPr>
+          <a:lstStyle/>
+          <a:p>
+            <a:r>
+              <a:rPr lang="ja-JP" altLang="en-US" sz="4800" dirty="0"/>
+              <a:t>正解数</a:t>
+            </a:r>
+          </a:p>
+        </p:txBody>
+      </p:sp>
+      <p:sp>
+        <p:nvSpPr>
+          <p:cNvPr id="6" name="テキスト ボックス 5">
+            <a:extLst>
+              <a:ext uri="{FF2B5EF4-FFF2-40B4-BE49-F238E27FC236}">
+                <a16:creationId xmlns:a16="http://schemas.microsoft.com/office/drawing/2014/main" id="{A9F7DC1F-5A6B-4500-8B46-A29798449391}"/>
+              </a:ext>
+            </a:extLst>
+          </p:cNvPr>
+          <p:cNvSpPr txBox="1"/>
+          <p:nvPr/>
+        </p:nvSpPr>
+        <p:spPr>
+          <a:xfrm>
+            <a:off x="2002501" y="3378346"/>
+            <a:ext cx="6439134" cy="1323439"/>
+          </a:xfrm>
+          <a:prstGeom prst="rect">
+            <a:avLst/>
+          </a:prstGeom>
+          <a:ln>
+            <a:noFill/>
+          </a:ln>
+        </p:spPr>
+        <p:style>
+          <a:lnRef idx="2">
+            <a:schemeClr val="dk1"/>
+          </a:lnRef>
+          <a:fillRef idx="1">
+            <a:schemeClr val="lt1"/>
+          </a:fillRef>
+          <a:effectRef idx="0">
+            <a:schemeClr val="dk1"/>
+          </a:effectRef>
+          <a:fontRef idx="minor">
+            <a:schemeClr val="dk1"/>
+          </a:fontRef>
+        </p:style>
+        <p:txBody>
+          <a:bodyPr wrap="square">
+            <a:spAutoFit/>
+          </a:bodyPr>
+          <a:lstStyle/>
+          <a:p>
+            <a:r>
+              <a:rPr lang="ja-JP" altLang="en-US" sz="4000" dirty="0"/>
+              <a:t>この問題のログの表</a:t>
+            </a:r>
+            <a:r>
+              <a:rPr lang="ja-JP" altLang="en-US" sz="4000" b="1" dirty="0"/>
+              <a:t>（問題ログ一覧画面を参照）</a:t>
+            </a:r>
+            <a:endParaRPr kumimoji="1" lang="ja-JP" altLang="en-US" sz="4000" b="1" dirty="0"/>
+          </a:p>
+        </p:txBody>
+      </p:sp>
+      <p:sp>
+        <p:nvSpPr>
+          <p:cNvPr id="7" name="テキスト ボックス 6">
+            <a:extLst>
+              <a:ext uri="{FF2B5EF4-FFF2-40B4-BE49-F238E27FC236}">
+                <a16:creationId xmlns:a16="http://schemas.microsoft.com/office/drawing/2014/main" id="{9D7EDFD4-F039-B544-E749-F958A4990821}"/>
+              </a:ext>
+            </a:extLst>
+          </p:cNvPr>
+          <p:cNvSpPr txBox="1"/>
+          <p:nvPr/>
+        </p:nvSpPr>
+        <p:spPr>
+          <a:xfrm>
+            <a:off x="6664015" y="5000344"/>
+            <a:ext cx="1921565" cy="369332"/>
+          </a:xfrm>
+          <a:prstGeom prst="rect">
+            <a:avLst/>
+          </a:prstGeom>
+          <a:ln w="28575">
+            <a:solidFill>
+              <a:schemeClr val="tx1"/>
+            </a:solidFill>
+          </a:ln>
+        </p:spPr>
+        <p:style>
+          <a:lnRef idx="2">
+            <a:schemeClr val="dk1"/>
+          </a:lnRef>
+          <a:fillRef idx="1">
+            <a:schemeClr val="lt1"/>
+          </a:fillRef>
+          <a:effectRef idx="0">
+            <a:schemeClr val="dk1"/>
+          </a:effectRef>
+          <a:fontRef idx="minor">
+            <a:schemeClr val="dk1"/>
+          </a:fontRef>
+        </p:style>
+        <p:txBody>
+          <a:bodyPr wrap="square" rtlCol="0">
+            <a:spAutoFit/>
+          </a:bodyPr>
+          <a:lstStyle/>
+          <a:p>
+            <a:r>
+              <a:rPr lang="ja-JP" altLang="en-US" dirty="0"/>
+              <a:t>リトライボタン</a:t>
+            </a:r>
+            <a:endParaRPr kumimoji="1" lang="ja-JP" altLang="en-US" dirty="0"/>
+          </a:p>
+        </p:txBody>
+      </p:sp>
+      <p:sp>
+        <p:nvSpPr>
+          <p:cNvPr id="8" name="テキスト ボックス 7">
+            <a:extLst>
+              <a:ext uri="{FF2B5EF4-FFF2-40B4-BE49-F238E27FC236}">
+                <a16:creationId xmlns:a16="http://schemas.microsoft.com/office/drawing/2014/main" id="{82CB7637-BE40-C5E9-C619-F77FA7B90CDA}"/>
+              </a:ext>
+            </a:extLst>
+          </p:cNvPr>
+          <p:cNvSpPr txBox="1"/>
+          <p:nvPr/>
+        </p:nvSpPr>
+        <p:spPr>
+          <a:xfrm>
+            <a:off x="7500729" y="1923708"/>
+            <a:ext cx="2530216" cy="830997"/>
+          </a:xfrm>
+          <a:prstGeom prst="rect">
+            <a:avLst/>
+          </a:prstGeom>
+          <a:ln>
+            <a:noFill/>
+          </a:ln>
+        </p:spPr>
+        <p:style>
+          <a:lnRef idx="2">
+            <a:schemeClr val="dk1"/>
+          </a:lnRef>
+          <a:fillRef idx="1">
+            <a:schemeClr val="lt1"/>
+          </a:fillRef>
+          <a:effectRef idx="0">
+            <a:schemeClr val="dk1"/>
+          </a:effectRef>
+          <a:fontRef idx="minor">
+            <a:schemeClr val="dk1"/>
+          </a:fontRef>
+        </p:style>
+        <p:txBody>
+          <a:bodyPr wrap="square">
+            <a:spAutoFit/>
+          </a:bodyPr>
+          <a:lstStyle/>
+          <a:p>
+            <a:r>
+              <a:rPr lang="ja-JP" altLang="en-US" sz="2400" dirty="0"/>
+              <a:t>リタイアの際はその旨を表示</a:t>
+            </a:r>
+          </a:p>
+        </p:txBody>
+      </p:sp>
+    </p:spTree>
+    <p:extLst>
+      <p:ext uri="{BB962C8B-B14F-4D97-AF65-F5344CB8AC3E}">
+        <p14:creationId xmlns:p14="http://schemas.microsoft.com/office/powerpoint/2010/main" val="3219819816"/>
+      </p:ext>
+    </p:extLst>
+  </p:cSld>
+  <p:clrMapOvr>
+    <a:masterClrMapping/>
+  </p:clrMapOvr>
+</p:sld>
+</file>
+
+<file path=ppt/slides/slide11.xml><?xml version="1.0" encoding="utf-8"?>
+<p:sld xmlns:a="http://schemas.openxmlformats.org/drawingml/2006/main" xmlns:r="http://schemas.openxmlformats.org/officeDocument/2006/relationships" xmlns:p="http://schemas.openxmlformats.org/presentationml/2006/main">
+  <p:cSld>
+    <p:spTree>
+      <p:nvGrpSpPr>
+        <p:cNvPr id="1" name=""/>
+        <p:cNvGrpSpPr/>
+        <p:nvPr/>
+      </p:nvGrpSpPr>
+      <p:grpSpPr>
+        <a:xfrm>
+          <a:off x="0" y="0"/>
+          <a:ext cx="0" cy="0"/>
+          <a:chOff x="0" y="0"/>
+          <a:chExt cx="0" cy="0"/>
+        </a:xfrm>
+      </p:grpSpPr>
+      <p:sp>
+        <p:nvSpPr>
+          <p:cNvPr id="2" name="テキスト ボックス 1">
+            <a:extLst>
+              <a:ext uri="{FF2B5EF4-FFF2-40B4-BE49-F238E27FC236}">
+                <a16:creationId xmlns:a16="http://schemas.microsoft.com/office/drawing/2014/main" id="{71C894B5-824C-9C81-F076-F6FB31C079C3}"/>
+              </a:ext>
+            </a:extLst>
+          </p:cNvPr>
+          <p:cNvSpPr txBox="1"/>
+          <p:nvPr/>
+        </p:nvSpPr>
+        <p:spPr>
+          <a:xfrm>
+            <a:off x="985172" y="426448"/>
+            <a:ext cx="9404531" cy="707886"/>
+          </a:xfrm>
+          <a:prstGeom prst="rect">
+            <a:avLst/>
+          </a:prstGeom>
+          <a:noFill/>
+        </p:spPr>
+        <p:txBody>
+          <a:bodyPr wrap="square" rtlCol="0">
+            <a:spAutoFit/>
+          </a:bodyPr>
+          <a:lstStyle/>
+          <a:p>
+            <a:r>
+              <a:rPr kumimoji="1" lang="ja-JP" altLang="en-US" sz="4000" b="1" dirty="0"/>
+              <a:t>結果画面（問題数固定モードの時） </a:t>
+            </a:r>
+          </a:p>
+        </p:txBody>
+      </p:sp>
+      <p:sp>
+        <p:nvSpPr>
+          <p:cNvPr id="3" name="正方形/長方形 2">
+            <a:extLst>
+              <a:ext uri="{FF2B5EF4-FFF2-40B4-BE49-F238E27FC236}">
+                <a16:creationId xmlns:a16="http://schemas.microsoft.com/office/drawing/2014/main" id="{E1AEB3B7-CA22-D0AC-646B-5B21723E41E5}"/>
+              </a:ext>
+            </a:extLst>
+          </p:cNvPr>
+          <p:cNvSpPr/>
+          <p:nvPr/>
+        </p:nvSpPr>
+        <p:spPr>
+          <a:xfrm>
+            <a:off x="1055931" y="1488324"/>
+            <a:ext cx="9830242" cy="4315710"/>
+          </a:xfrm>
+          <a:prstGeom prst="rect">
+            <a:avLst/>
+          </a:prstGeom>
+          <a:ln w="57150">
+            <a:solidFill>
+              <a:schemeClr val="tx1"/>
+            </a:solidFill>
+          </a:ln>
+        </p:spPr>
+        <p:style>
+          <a:lnRef idx="2">
+            <a:schemeClr val="accent6"/>
+          </a:lnRef>
+          <a:fillRef idx="1">
+            <a:schemeClr val="lt1"/>
+          </a:fillRef>
+          <a:effectRef idx="0">
+            <a:schemeClr val="accent6"/>
+          </a:effectRef>
+          <a:fontRef idx="minor">
+            <a:schemeClr val="dk1"/>
+          </a:fontRef>
+        </p:style>
+        <p:txBody>
+          <a:bodyPr rtlCol="0" anchor="ctr"/>
+          <a:lstStyle/>
+          <a:p>
+            <a:pPr algn="ctr"/>
+            <a:endParaRPr kumimoji="1" lang="ja-JP" altLang="en-US"/>
+          </a:p>
+        </p:txBody>
+      </p:sp>
+      <p:sp>
+        <p:nvSpPr>
+          <p:cNvPr id="4" name="テキスト ボックス 3">
+            <a:extLst>
+              <a:ext uri="{FF2B5EF4-FFF2-40B4-BE49-F238E27FC236}">
+                <a16:creationId xmlns:a16="http://schemas.microsoft.com/office/drawing/2014/main" id="{559FAFC1-893D-B748-14C3-239299784AD7}"/>
+              </a:ext>
+            </a:extLst>
+          </p:cNvPr>
+          <p:cNvSpPr txBox="1"/>
+          <p:nvPr/>
+        </p:nvSpPr>
+        <p:spPr>
+          <a:xfrm>
+            <a:off x="8852452" y="4929744"/>
+            <a:ext cx="1766849" cy="646331"/>
+          </a:xfrm>
+          <a:prstGeom prst="rect">
+            <a:avLst/>
+          </a:prstGeom>
+          <a:ln w="28575">
+            <a:solidFill>
+              <a:schemeClr val="tx1"/>
+            </a:solidFill>
+          </a:ln>
+        </p:spPr>
+        <p:style>
+          <a:lnRef idx="2">
+            <a:schemeClr val="dk1"/>
+          </a:lnRef>
+          <a:fillRef idx="1">
+            <a:schemeClr val="lt1"/>
+          </a:fillRef>
+          <a:effectRef idx="0">
+            <a:schemeClr val="dk1"/>
+          </a:effectRef>
+          <a:fontRef idx="minor">
+            <a:schemeClr val="dk1"/>
+          </a:fontRef>
+        </p:style>
+        <p:txBody>
+          <a:bodyPr wrap="square" rtlCol="0">
+            <a:spAutoFit/>
+          </a:bodyPr>
+          <a:lstStyle/>
+          <a:p>
+            <a:r>
+              <a:rPr lang="ja-JP" altLang="en-US" dirty="0"/>
+              <a:t>問題選択画面に行くボタン</a:t>
+            </a:r>
+            <a:endParaRPr kumimoji="1" lang="ja-JP" altLang="en-US" dirty="0"/>
+          </a:p>
+        </p:txBody>
+      </p:sp>
+      <p:sp>
+        <p:nvSpPr>
+          <p:cNvPr id="5" name="テキスト ボックス 4">
+            <a:extLst>
+              <a:ext uri="{FF2B5EF4-FFF2-40B4-BE49-F238E27FC236}">
+                <a16:creationId xmlns:a16="http://schemas.microsoft.com/office/drawing/2014/main" id="{4BBE3F23-4AC9-B4C5-0DCD-504915DA803A}"/>
+              </a:ext>
+            </a:extLst>
+          </p:cNvPr>
+          <p:cNvSpPr txBox="1"/>
+          <p:nvPr/>
+        </p:nvSpPr>
+        <p:spPr>
+          <a:xfrm>
+            <a:off x="1736985" y="1928256"/>
+            <a:ext cx="8259398" cy="1692771"/>
+          </a:xfrm>
+          <a:prstGeom prst="rect">
+            <a:avLst/>
+          </a:prstGeom>
+          <a:ln>
+            <a:noFill/>
+          </a:ln>
+        </p:spPr>
+        <p:style>
+          <a:lnRef idx="2">
+            <a:schemeClr val="dk1"/>
+          </a:lnRef>
+          <a:fillRef idx="1">
+            <a:schemeClr val="lt1"/>
+          </a:fillRef>
+          <a:effectRef idx="0">
+            <a:schemeClr val="dk1"/>
+          </a:effectRef>
+          <a:fontRef idx="minor">
+            <a:schemeClr val="dk1"/>
+          </a:fontRef>
+        </p:style>
+        <p:txBody>
+          <a:bodyPr wrap="square">
+            <a:spAutoFit/>
+          </a:bodyPr>
+          <a:lstStyle/>
+          <a:p>
+            <a:r>
+              <a:rPr lang="ja-JP" altLang="en-US" sz="3200" dirty="0"/>
+              <a:t>正解を出すのにかかる平均時間</a:t>
+            </a:r>
+            <a:endParaRPr lang="en-US" altLang="ja-JP" sz="3200" dirty="0"/>
+          </a:p>
+          <a:p>
+            <a:r>
+              <a:rPr lang="ja-JP" altLang="en-US" sz="3200" dirty="0"/>
+              <a:t>（合計時間 </a:t>
+            </a:r>
+            <a:r>
+              <a:rPr lang="en-US" altLang="ja-JP" sz="3200" dirty="0"/>
+              <a:t>/ </a:t>
+            </a:r>
+            <a:r>
+              <a:rPr lang="ja-JP" altLang="en-US" sz="3200" dirty="0"/>
+              <a:t>正解数）</a:t>
+            </a:r>
+            <a:endParaRPr lang="en-US" altLang="ja-JP" sz="3200" dirty="0"/>
+          </a:p>
+          <a:p>
+            <a:r>
+              <a:rPr lang="ja-JP" altLang="en-US" sz="2000" dirty="0"/>
+              <a:t>不正解にペナルティを課してもいい（間違うと時間が</a:t>
+            </a:r>
+            <a:r>
+              <a:rPr lang="en-US" altLang="ja-JP" sz="2000" dirty="0"/>
+              <a:t>5</a:t>
+            </a:r>
+            <a:r>
+              <a:rPr lang="ja-JP" altLang="en-US" sz="2000" dirty="0"/>
+              <a:t>秒増えるとか、別途スコアを作るとか）</a:t>
+            </a:r>
+          </a:p>
+        </p:txBody>
+      </p:sp>
+      <p:sp>
+        <p:nvSpPr>
+          <p:cNvPr id="7" name="テキスト ボックス 6">
+            <a:extLst>
+              <a:ext uri="{FF2B5EF4-FFF2-40B4-BE49-F238E27FC236}">
+                <a16:creationId xmlns:a16="http://schemas.microsoft.com/office/drawing/2014/main" id="{5B755F5C-9648-FB8C-9BA6-573AC7322C5C}"/>
+              </a:ext>
+            </a:extLst>
+          </p:cNvPr>
+          <p:cNvSpPr txBox="1"/>
+          <p:nvPr/>
+        </p:nvSpPr>
+        <p:spPr>
+          <a:xfrm>
+            <a:off x="1896484" y="3778394"/>
+            <a:ext cx="6439134" cy="1323439"/>
+          </a:xfrm>
+          <a:prstGeom prst="rect">
+            <a:avLst/>
+          </a:prstGeom>
+          <a:ln>
+            <a:noFill/>
+          </a:ln>
+        </p:spPr>
+        <p:style>
+          <a:lnRef idx="2">
+            <a:schemeClr val="dk1"/>
+          </a:lnRef>
+          <a:fillRef idx="1">
+            <a:schemeClr val="lt1"/>
+          </a:fillRef>
+          <a:effectRef idx="0">
+            <a:schemeClr val="dk1"/>
+          </a:effectRef>
+          <a:fontRef idx="minor">
+            <a:schemeClr val="dk1"/>
+          </a:fontRef>
+        </p:style>
+        <p:txBody>
+          <a:bodyPr wrap="square">
+            <a:spAutoFit/>
+          </a:bodyPr>
+          <a:lstStyle/>
+          <a:p>
+            <a:r>
+              <a:rPr lang="ja-JP" altLang="en-US" sz="4000" dirty="0"/>
+              <a:t>この問題のログの表</a:t>
+            </a:r>
+            <a:r>
+              <a:rPr lang="ja-JP" altLang="en-US" sz="4000" b="1" dirty="0"/>
+              <a:t>（問題ログ一覧画面を参照）</a:t>
+            </a:r>
+            <a:endParaRPr kumimoji="1" lang="ja-JP" altLang="en-US" sz="4000" b="1" dirty="0"/>
+          </a:p>
+        </p:txBody>
+      </p:sp>
+      <p:sp>
+        <p:nvSpPr>
+          <p:cNvPr id="8" name="テキスト ボックス 7">
+            <a:extLst>
+              <a:ext uri="{FF2B5EF4-FFF2-40B4-BE49-F238E27FC236}">
+                <a16:creationId xmlns:a16="http://schemas.microsoft.com/office/drawing/2014/main" id="{20DDD99C-1D13-521B-3244-C4AA23398E57}"/>
+              </a:ext>
+            </a:extLst>
+          </p:cNvPr>
+          <p:cNvSpPr txBox="1"/>
+          <p:nvPr/>
+        </p:nvSpPr>
+        <p:spPr>
+          <a:xfrm>
+            <a:off x="6672470" y="5186583"/>
+            <a:ext cx="1921565" cy="369332"/>
+          </a:xfrm>
+          <a:prstGeom prst="rect">
+            <a:avLst/>
+          </a:prstGeom>
+          <a:ln w="28575">
+            <a:solidFill>
+              <a:schemeClr val="tx1"/>
+            </a:solidFill>
+          </a:ln>
+        </p:spPr>
+        <p:style>
+          <a:lnRef idx="2">
+            <a:schemeClr val="dk1"/>
+          </a:lnRef>
+          <a:fillRef idx="1">
+            <a:schemeClr val="lt1"/>
+          </a:fillRef>
+          <a:effectRef idx="0">
+            <a:schemeClr val="dk1"/>
+          </a:effectRef>
+          <a:fontRef idx="minor">
+            <a:schemeClr val="dk1"/>
+          </a:fontRef>
+        </p:style>
+        <p:txBody>
+          <a:bodyPr wrap="square" rtlCol="0">
+            <a:spAutoFit/>
+          </a:bodyPr>
+          <a:lstStyle/>
+          <a:p>
+            <a:r>
+              <a:rPr lang="ja-JP" altLang="en-US" dirty="0"/>
+              <a:t>リトライボタン</a:t>
+            </a:r>
+            <a:endParaRPr kumimoji="1" lang="ja-JP" altLang="en-US" dirty="0"/>
+          </a:p>
+        </p:txBody>
+      </p:sp>
+      <p:sp>
+        <p:nvSpPr>
+          <p:cNvPr id="9" name="テキスト ボックス 8">
+            <a:extLst>
+              <a:ext uri="{FF2B5EF4-FFF2-40B4-BE49-F238E27FC236}">
+                <a16:creationId xmlns:a16="http://schemas.microsoft.com/office/drawing/2014/main" id="{4FE0F7DD-C96E-C660-1130-56FC9727800B}"/>
+              </a:ext>
+            </a:extLst>
+          </p:cNvPr>
+          <p:cNvSpPr txBox="1"/>
+          <p:nvPr/>
+        </p:nvSpPr>
+        <p:spPr>
+          <a:xfrm>
+            <a:off x="8089085" y="1843506"/>
+            <a:ext cx="2530216" cy="830997"/>
+          </a:xfrm>
+          <a:prstGeom prst="rect">
+            <a:avLst/>
+          </a:prstGeom>
+          <a:ln>
+            <a:noFill/>
+          </a:ln>
+        </p:spPr>
+        <p:style>
+          <a:lnRef idx="2">
+            <a:schemeClr val="dk1"/>
+          </a:lnRef>
+          <a:fillRef idx="1">
+            <a:schemeClr val="lt1"/>
+          </a:fillRef>
+          <a:effectRef idx="0">
+            <a:schemeClr val="dk1"/>
+          </a:effectRef>
+          <a:fontRef idx="minor">
+            <a:schemeClr val="dk1"/>
+          </a:fontRef>
+        </p:style>
+        <p:txBody>
+          <a:bodyPr wrap="square">
+            <a:spAutoFit/>
+          </a:bodyPr>
+          <a:lstStyle/>
+          <a:p>
+            <a:r>
+              <a:rPr lang="ja-JP" altLang="en-US" sz="2400" dirty="0"/>
+              <a:t>リタイアの際はその旨を表示</a:t>
+            </a:r>
+          </a:p>
+        </p:txBody>
+      </p:sp>
+    </p:spTree>
+    <p:extLst>
+      <p:ext uri="{BB962C8B-B14F-4D97-AF65-F5344CB8AC3E}">
+        <p14:creationId xmlns:p14="http://schemas.microsoft.com/office/powerpoint/2010/main" val="38032540"/>
+      </p:ext>
+    </p:extLst>
+  </p:cSld>
+  <p:clrMapOvr>
+    <a:masterClrMapping/>
+  </p:clrMapOvr>
+</p:sld>
+</file>
+
+<file path=ppt/slides/slide12.xml><?xml version="1.0" encoding="utf-8"?>
+<p:sld xmlns:a="http://schemas.openxmlformats.org/drawingml/2006/main" xmlns:r="http://schemas.openxmlformats.org/officeDocument/2006/relationships" xmlns:p="http://schemas.openxmlformats.org/presentationml/2006/main">
+  <p:cSld>
+    <p:spTree>
+      <p:nvGrpSpPr>
+        <p:cNvPr id="1" name=""/>
+        <p:cNvGrpSpPr/>
+        <p:nvPr/>
+      </p:nvGrpSpPr>
+      <p:grpSpPr>
+        <a:xfrm>
+          <a:off x="0" y="0"/>
+          <a:ext cx="0" cy="0"/>
+          <a:chOff x="0" y="0"/>
+          <a:chExt cx="0" cy="0"/>
+        </a:xfrm>
+      </p:grpSpPr>
+      <p:sp>
+        <p:nvSpPr>
+          <p:cNvPr id="2" name="テキスト ボックス 1">
+            <a:extLst>
+              <a:ext uri="{FF2B5EF4-FFF2-40B4-BE49-F238E27FC236}">
+                <a16:creationId xmlns:a16="http://schemas.microsoft.com/office/drawing/2014/main" id="{71C894B5-824C-9C81-F076-F6FB31C079C3}"/>
+              </a:ext>
+            </a:extLst>
+          </p:cNvPr>
+          <p:cNvSpPr txBox="1"/>
+          <p:nvPr/>
+        </p:nvSpPr>
+        <p:spPr>
+          <a:xfrm>
+            <a:off x="985172" y="426448"/>
+            <a:ext cx="9404531" cy="707886"/>
+          </a:xfrm>
+          <a:prstGeom prst="rect">
+            <a:avLst/>
+          </a:prstGeom>
+          <a:noFill/>
+        </p:spPr>
+        <p:txBody>
+          <a:bodyPr wrap="square" rtlCol="0">
+            <a:spAutoFit/>
+          </a:bodyPr>
+          <a:lstStyle/>
+          <a:p>
+            <a:r>
+              <a:rPr kumimoji="1" lang="ja-JP" altLang="en-US" sz="4000" b="1" dirty="0"/>
+              <a:t>結果画面（エンドレスモードの時） </a:t>
+            </a:r>
+          </a:p>
+        </p:txBody>
+      </p:sp>
+      <p:sp>
+        <p:nvSpPr>
+          <p:cNvPr id="3" name="正方形/長方形 2">
+            <a:extLst>
+              <a:ext uri="{FF2B5EF4-FFF2-40B4-BE49-F238E27FC236}">
+                <a16:creationId xmlns:a16="http://schemas.microsoft.com/office/drawing/2014/main" id="{E1AEB3B7-CA22-D0AC-646B-5B21723E41E5}"/>
+              </a:ext>
+            </a:extLst>
+          </p:cNvPr>
+          <p:cNvSpPr/>
+          <p:nvPr/>
+        </p:nvSpPr>
+        <p:spPr>
+          <a:xfrm>
+            <a:off x="1055931" y="1488324"/>
+            <a:ext cx="9830242" cy="4315710"/>
+          </a:xfrm>
+          <a:prstGeom prst="rect">
+            <a:avLst/>
+          </a:prstGeom>
+          <a:ln w="57150">
+            <a:solidFill>
+              <a:schemeClr val="tx1"/>
+            </a:solidFill>
+          </a:ln>
+        </p:spPr>
+        <p:style>
+          <a:lnRef idx="2">
+            <a:schemeClr val="accent6"/>
+          </a:lnRef>
+          <a:fillRef idx="1">
+            <a:schemeClr val="lt1"/>
+          </a:fillRef>
+          <a:effectRef idx="0">
+            <a:schemeClr val="accent6"/>
+          </a:effectRef>
+          <a:fontRef idx="minor">
+            <a:schemeClr val="dk1"/>
+          </a:fontRef>
+        </p:style>
+        <p:txBody>
+          <a:bodyPr rtlCol="0" anchor="ctr"/>
+          <a:lstStyle/>
+          <a:p>
+            <a:pPr algn="ctr"/>
+            <a:endParaRPr kumimoji="1" lang="ja-JP" altLang="en-US"/>
+          </a:p>
+        </p:txBody>
+      </p:sp>
+      <p:sp>
+        <p:nvSpPr>
+          <p:cNvPr id="4" name="テキスト ボックス 3">
+            <a:extLst>
+              <a:ext uri="{FF2B5EF4-FFF2-40B4-BE49-F238E27FC236}">
+                <a16:creationId xmlns:a16="http://schemas.microsoft.com/office/drawing/2014/main" id="{559FAFC1-893D-B748-14C3-239299784AD7}"/>
+              </a:ext>
+            </a:extLst>
+          </p:cNvPr>
+          <p:cNvSpPr txBox="1"/>
+          <p:nvPr/>
+        </p:nvSpPr>
+        <p:spPr>
+          <a:xfrm>
+            <a:off x="8852452" y="4929744"/>
+            <a:ext cx="1766849" cy="646331"/>
+          </a:xfrm>
+          <a:prstGeom prst="rect">
+            <a:avLst/>
+          </a:prstGeom>
+          <a:ln w="28575">
+            <a:solidFill>
+              <a:schemeClr val="tx1"/>
+            </a:solidFill>
+          </a:ln>
+        </p:spPr>
+        <p:style>
+          <a:lnRef idx="2">
+            <a:schemeClr val="dk1"/>
+          </a:lnRef>
+          <a:fillRef idx="1">
+            <a:schemeClr val="lt1"/>
+          </a:fillRef>
+          <a:effectRef idx="0">
+            <a:schemeClr val="dk1"/>
+          </a:effectRef>
+          <a:fontRef idx="minor">
+            <a:schemeClr val="dk1"/>
+          </a:fontRef>
+        </p:style>
+        <p:txBody>
+          <a:bodyPr wrap="square" rtlCol="0">
+            <a:spAutoFit/>
+          </a:bodyPr>
+          <a:lstStyle/>
+          <a:p>
+            <a:r>
+              <a:rPr lang="ja-JP" altLang="en-US" dirty="0"/>
+              <a:t>問題選択画面に行くボタン</a:t>
+            </a:r>
+            <a:endParaRPr kumimoji="1" lang="ja-JP" altLang="en-US" dirty="0"/>
+          </a:p>
+        </p:txBody>
+      </p:sp>
+      <p:sp>
+        <p:nvSpPr>
+          <p:cNvPr id="5" name="テキスト ボックス 4">
+            <a:extLst>
+              <a:ext uri="{FF2B5EF4-FFF2-40B4-BE49-F238E27FC236}">
+                <a16:creationId xmlns:a16="http://schemas.microsoft.com/office/drawing/2014/main" id="{4BBE3F23-4AC9-B4C5-0DCD-504915DA803A}"/>
+              </a:ext>
+            </a:extLst>
+          </p:cNvPr>
+          <p:cNvSpPr txBox="1"/>
+          <p:nvPr/>
+        </p:nvSpPr>
+        <p:spPr>
+          <a:xfrm>
+            <a:off x="1736985" y="1928256"/>
+            <a:ext cx="8259398" cy="1077218"/>
+          </a:xfrm>
+          <a:prstGeom prst="rect">
+            <a:avLst/>
+          </a:prstGeom>
+          <a:ln>
+            <a:noFill/>
+          </a:ln>
+        </p:spPr>
+        <p:style>
+          <a:lnRef idx="2">
+            <a:schemeClr val="dk1"/>
+          </a:lnRef>
+          <a:fillRef idx="1">
+            <a:schemeClr val="lt1"/>
+          </a:fillRef>
+          <a:effectRef idx="0">
+            <a:schemeClr val="dk1"/>
+          </a:effectRef>
+          <a:fontRef idx="minor">
+            <a:schemeClr val="dk1"/>
+          </a:fontRef>
+        </p:style>
+        <p:txBody>
+          <a:bodyPr wrap="square">
+            <a:spAutoFit/>
+          </a:bodyPr>
+          <a:lstStyle/>
+          <a:p>
+            <a:r>
+              <a:rPr lang="ja-JP" altLang="en-US" sz="3200" dirty="0"/>
+              <a:t>正解問題数 </a:t>
+            </a:r>
+            <a:r>
+              <a:rPr lang="en-US" altLang="ja-JP" sz="3200" dirty="0"/>
+              <a:t>/ </a:t>
+            </a:r>
+            <a:r>
+              <a:rPr lang="ja-JP" altLang="en-US" sz="3200" dirty="0"/>
+              <a:t>問題数</a:t>
+            </a:r>
+            <a:endParaRPr lang="en-US" altLang="ja-JP" sz="3200" dirty="0"/>
+          </a:p>
+          <a:p>
+            <a:r>
+              <a:rPr lang="ja-JP" altLang="en-US" sz="3200" dirty="0"/>
+              <a:t>経過時間</a:t>
+            </a:r>
+            <a:endParaRPr lang="ja-JP" altLang="en-US" sz="2000" dirty="0"/>
+          </a:p>
+        </p:txBody>
+      </p:sp>
+      <p:sp>
+        <p:nvSpPr>
+          <p:cNvPr id="7" name="テキスト ボックス 6">
+            <a:extLst>
+              <a:ext uri="{FF2B5EF4-FFF2-40B4-BE49-F238E27FC236}">
+                <a16:creationId xmlns:a16="http://schemas.microsoft.com/office/drawing/2014/main" id="{5B755F5C-9648-FB8C-9BA6-573AC7322C5C}"/>
+              </a:ext>
+            </a:extLst>
+          </p:cNvPr>
+          <p:cNvSpPr txBox="1"/>
+          <p:nvPr/>
+        </p:nvSpPr>
+        <p:spPr>
+          <a:xfrm>
+            <a:off x="1736985" y="3359464"/>
+            <a:ext cx="6439134" cy="1323439"/>
+          </a:xfrm>
+          <a:prstGeom prst="rect">
+            <a:avLst/>
+          </a:prstGeom>
+          <a:ln>
+            <a:noFill/>
+          </a:ln>
+        </p:spPr>
+        <p:style>
+          <a:lnRef idx="2">
+            <a:schemeClr val="dk1"/>
+          </a:lnRef>
+          <a:fillRef idx="1">
+            <a:schemeClr val="lt1"/>
+          </a:fillRef>
+          <a:effectRef idx="0">
+            <a:schemeClr val="dk1"/>
+          </a:effectRef>
+          <a:fontRef idx="minor">
+            <a:schemeClr val="dk1"/>
+          </a:fontRef>
+        </p:style>
+        <p:txBody>
+          <a:bodyPr wrap="square">
+            <a:spAutoFit/>
+          </a:bodyPr>
+          <a:lstStyle/>
+          <a:p>
+            <a:r>
+              <a:rPr lang="ja-JP" altLang="en-US" sz="4000" dirty="0"/>
+              <a:t>この問題のログの表</a:t>
+            </a:r>
+            <a:r>
+              <a:rPr lang="ja-JP" altLang="en-US" sz="4000" b="1" dirty="0"/>
+              <a:t>（問題ログ一覧画面を参照）</a:t>
+            </a:r>
+            <a:endParaRPr kumimoji="1" lang="ja-JP" altLang="en-US" sz="4000" b="1" dirty="0"/>
+          </a:p>
+        </p:txBody>
+      </p:sp>
+      <p:sp>
+        <p:nvSpPr>
+          <p:cNvPr id="8" name="テキスト ボックス 7">
+            <a:extLst>
+              <a:ext uri="{FF2B5EF4-FFF2-40B4-BE49-F238E27FC236}">
+                <a16:creationId xmlns:a16="http://schemas.microsoft.com/office/drawing/2014/main" id="{20DDD99C-1D13-521B-3244-C4AA23398E57}"/>
+              </a:ext>
+            </a:extLst>
+          </p:cNvPr>
+          <p:cNvSpPr txBox="1"/>
+          <p:nvPr/>
+        </p:nvSpPr>
+        <p:spPr>
+          <a:xfrm>
+            <a:off x="6672470" y="5186583"/>
+            <a:ext cx="1921565" cy="369332"/>
+          </a:xfrm>
+          <a:prstGeom prst="rect">
+            <a:avLst/>
+          </a:prstGeom>
+          <a:ln w="28575">
+            <a:solidFill>
+              <a:schemeClr val="tx1"/>
+            </a:solidFill>
+          </a:ln>
+        </p:spPr>
+        <p:style>
+          <a:lnRef idx="2">
+            <a:schemeClr val="dk1"/>
+          </a:lnRef>
+          <a:fillRef idx="1">
+            <a:schemeClr val="lt1"/>
+          </a:fillRef>
+          <a:effectRef idx="0">
+            <a:schemeClr val="dk1"/>
+          </a:effectRef>
+          <a:fontRef idx="minor">
+            <a:schemeClr val="dk1"/>
+          </a:fontRef>
+        </p:style>
+        <p:txBody>
+          <a:bodyPr wrap="square" rtlCol="0">
+            <a:spAutoFit/>
+          </a:bodyPr>
+          <a:lstStyle/>
+          <a:p>
+            <a:r>
+              <a:rPr lang="ja-JP" altLang="en-US" dirty="0"/>
+              <a:t>リトライボタン</a:t>
+            </a:r>
+            <a:endParaRPr kumimoji="1" lang="ja-JP" altLang="en-US" dirty="0"/>
+          </a:p>
+        </p:txBody>
+      </p:sp>
+    </p:spTree>
+    <p:extLst>
+      <p:ext uri="{BB962C8B-B14F-4D97-AF65-F5344CB8AC3E}">
+        <p14:creationId xmlns:p14="http://schemas.microsoft.com/office/powerpoint/2010/main" val="1341027343"/>
+      </p:ext>
+    </p:extLst>
+  </p:cSld>
+  <p:clrMapOvr>
+    <a:masterClrMapping/>
+  </p:clrMapOvr>
+</p:sld>
+</file>
+
+<file path=ppt/slides/slide13.xml><?xml version="1.0" encoding="utf-8"?>
+<p:sld xmlns:a="http://schemas.openxmlformats.org/drawingml/2006/main" xmlns:r="http://schemas.openxmlformats.org/officeDocument/2006/relationships" xmlns:p="http://schemas.openxmlformats.org/presentationml/2006/main">
+  <p:cSld>
+    <p:spTree>
+      <p:nvGrpSpPr>
+        <p:cNvPr id="1" name=""/>
+        <p:cNvGrpSpPr/>
+        <p:nvPr/>
+      </p:nvGrpSpPr>
+      <p:grpSpPr>
+        <a:xfrm>
+          <a:off x="0" y="0"/>
+          <a:ext cx="0" cy="0"/>
+          <a:chOff x="0" y="0"/>
+          <a:chExt cx="0" cy="0"/>
+        </a:xfrm>
+      </p:grpSpPr>
+      <p:sp>
+        <p:nvSpPr>
+          <p:cNvPr id="2" name="テキスト ボックス 1">
+            <a:extLst>
+              <a:ext uri="{FF2B5EF4-FFF2-40B4-BE49-F238E27FC236}">
+                <a16:creationId xmlns:a16="http://schemas.microsoft.com/office/drawing/2014/main" id="{CEA4546F-D68D-B31E-81D1-DF0A1146E790}"/>
+              </a:ext>
+            </a:extLst>
+          </p:cNvPr>
+          <p:cNvSpPr txBox="1"/>
+          <p:nvPr/>
+        </p:nvSpPr>
+        <p:spPr>
+          <a:xfrm>
+            <a:off x="985173" y="426448"/>
+            <a:ext cx="7043056" cy="707886"/>
+          </a:xfrm>
+          <a:prstGeom prst="rect">
+            <a:avLst/>
+          </a:prstGeom>
+          <a:noFill/>
+        </p:spPr>
+        <p:txBody>
+          <a:bodyPr wrap="square" rtlCol="0">
+            <a:spAutoFit/>
+          </a:bodyPr>
+          <a:lstStyle/>
+          <a:p>
+            <a:r>
+              <a:rPr lang="ja-JP" altLang="en-US" sz="4000" b="1" dirty="0"/>
+              <a:t>問題ログ一覧</a:t>
+            </a:r>
+            <a:r>
+              <a:rPr kumimoji="1" lang="ja-JP" altLang="en-US" sz="4000" b="1" dirty="0"/>
+              <a:t>画面</a:t>
+            </a:r>
+          </a:p>
+        </p:txBody>
+      </p:sp>
+      <p:sp>
+        <p:nvSpPr>
+          <p:cNvPr id="3" name="正方形/長方形 2">
+            <a:extLst>
+              <a:ext uri="{FF2B5EF4-FFF2-40B4-BE49-F238E27FC236}">
+                <a16:creationId xmlns:a16="http://schemas.microsoft.com/office/drawing/2014/main" id="{F9D8EA29-369B-F15C-5ED9-5D2970779004}"/>
+              </a:ext>
+            </a:extLst>
+          </p:cNvPr>
+          <p:cNvSpPr/>
+          <p:nvPr/>
+        </p:nvSpPr>
+        <p:spPr>
+          <a:xfrm>
+            <a:off x="1055930" y="1488324"/>
+            <a:ext cx="10818017" cy="4315710"/>
+          </a:xfrm>
+          <a:prstGeom prst="rect">
+            <a:avLst/>
+          </a:prstGeom>
+          <a:ln w="57150">
+            <a:solidFill>
+              <a:schemeClr val="tx1"/>
+            </a:solidFill>
+          </a:ln>
+        </p:spPr>
+        <p:style>
+          <a:lnRef idx="2">
+            <a:schemeClr val="accent6"/>
+          </a:lnRef>
+          <a:fillRef idx="1">
+            <a:schemeClr val="lt1"/>
+          </a:fillRef>
+          <a:effectRef idx="0">
+            <a:schemeClr val="accent6"/>
+          </a:effectRef>
+          <a:fontRef idx="minor">
+            <a:schemeClr val="dk1"/>
+          </a:fontRef>
+        </p:style>
+        <p:txBody>
+          <a:bodyPr rtlCol="0" anchor="ctr"/>
+          <a:lstStyle/>
+          <a:p>
+            <a:pPr algn="ctr"/>
+            <a:endParaRPr kumimoji="1" lang="ja-JP" altLang="en-US"/>
+          </a:p>
+        </p:txBody>
+      </p:sp>
+      <p:sp>
+        <p:nvSpPr>
+          <p:cNvPr id="5" name="テキスト ボックス 4">
+            <a:extLst>
+              <a:ext uri="{FF2B5EF4-FFF2-40B4-BE49-F238E27FC236}">
+                <a16:creationId xmlns:a16="http://schemas.microsoft.com/office/drawing/2014/main" id="{6815FBCF-1123-A27A-35AC-0B57BF0E8B6F}"/>
+              </a:ext>
+            </a:extLst>
+          </p:cNvPr>
+          <p:cNvSpPr txBox="1"/>
+          <p:nvPr/>
+        </p:nvSpPr>
+        <p:spPr>
+          <a:xfrm>
+            <a:off x="10416613" y="4667569"/>
+            <a:ext cx="1153836" cy="923330"/>
+          </a:xfrm>
+          <a:prstGeom prst="rect">
+            <a:avLst/>
+          </a:prstGeom>
+          <a:ln w="28575">
+            <a:solidFill>
+              <a:schemeClr val="tx1"/>
+            </a:solidFill>
+          </a:ln>
+        </p:spPr>
+        <p:style>
+          <a:lnRef idx="2">
+            <a:schemeClr val="dk1"/>
+          </a:lnRef>
+          <a:fillRef idx="1">
+            <a:schemeClr val="lt1"/>
+          </a:fillRef>
+          <a:effectRef idx="0">
+            <a:schemeClr val="dk1"/>
+          </a:effectRef>
+          <a:fontRef idx="minor">
+            <a:schemeClr val="dk1"/>
+          </a:fontRef>
+        </p:style>
+        <p:txBody>
+          <a:bodyPr wrap="square" rtlCol="0">
+            <a:spAutoFit/>
+          </a:bodyPr>
+          <a:lstStyle/>
+          <a:p>
+            <a:r>
+              <a:rPr lang="ja-JP" altLang="en-US" dirty="0"/>
+              <a:t>タイトルへ戻るボタン</a:t>
+            </a:r>
+            <a:endParaRPr kumimoji="1" lang="ja-JP" altLang="en-US" dirty="0"/>
+          </a:p>
+        </p:txBody>
+      </p:sp>
+      <p:graphicFrame>
+        <p:nvGraphicFramePr>
+          <p:cNvPr id="6" name="表 13">
+            <a:extLst>
+              <a:ext uri="{FF2B5EF4-FFF2-40B4-BE49-F238E27FC236}">
+                <a16:creationId xmlns:a16="http://schemas.microsoft.com/office/drawing/2014/main" id="{9523FBE2-FEC5-B04B-25FD-A9D61F332044}"/>
+              </a:ext>
+            </a:extLst>
+          </p:cNvPr>
+          <p:cNvGraphicFramePr>
+            <a:graphicFrameLocks noGrp="1"/>
+          </p:cNvGraphicFramePr>
+          <p:nvPr>
+            <p:extLst>
+              <p:ext uri="{D42A27DB-BD31-4B8C-83A1-F6EECF244321}">
+                <p14:modId xmlns:p14="http://schemas.microsoft.com/office/powerpoint/2010/main" val="2953767081"/>
+              </p:ext>
+            </p:extLst>
+          </p:nvPr>
+        </p:nvGraphicFramePr>
+        <p:xfrm>
+          <a:off x="1434908" y="1928256"/>
+          <a:ext cx="8678207" cy="3477861"/>
+        </p:xfrm>
+        <a:graphic>
+          <a:graphicData uri="http://schemas.openxmlformats.org/drawingml/2006/table">
+            <a:tbl>
+              <a:tblPr firstRow="1" bandRow="1">
+                <a:tableStyleId>{5940675A-B579-460E-94D1-54222C63F5DA}</a:tableStyleId>
+              </a:tblPr>
+              <a:tblGrid>
+                <a:gridCol w="2912644">
+                  <a:extLst>
+                    <a:ext uri="{9D8B030D-6E8A-4147-A177-3AD203B41FA5}">
+                      <a16:colId xmlns:a16="http://schemas.microsoft.com/office/drawing/2014/main" val="1140306715"/>
+                    </a:ext>
+                  </a:extLst>
+                </a:gridCol>
+                <a:gridCol w="760425">
+                  <a:extLst>
+                    <a:ext uri="{9D8B030D-6E8A-4147-A177-3AD203B41FA5}">
+                      <a16:colId xmlns:a16="http://schemas.microsoft.com/office/drawing/2014/main" val="2668394776"/>
+                    </a:ext>
+                  </a:extLst>
+                </a:gridCol>
+                <a:gridCol w="1463040">
+                  <a:extLst>
+                    <a:ext uri="{9D8B030D-6E8A-4147-A177-3AD203B41FA5}">
+                      <a16:colId xmlns:a16="http://schemas.microsoft.com/office/drawing/2014/main" val="1416238860"/>
+                    </a:ext>
+                  </a:extLst>
+                </a:gridCol>
+                <a:gridCol w="1645920">
+                  <a:extLst>
+                    <a:ext uri="{9D8B030D-6E8A-4147-A177-3AD203B41FA5}">
+                      <a16:colId xmlns:a16="http://schemas.microsoft.com/office/drawing/2014/main" val="397404979"/>
+                    </a:ext>
+                  </a:extLst>
+                </a:gridCol>
+                <a:gridCol w="1896178">
+                  <a:extLst>
+                    <a:ext uri="{9D8B030D-6E8A-4147-A177-3AD203B41FA5}">
+                      <a16:colId xmlns:a16="http://schemas.microsoft.com/office/drawing/2014/main" val="3402532407"/>
+                    </a:ext>
+                  </a:extLst>
+                </a:gridCol>
+              </a:tblGrid>
+              <a:tr h="244748">
+                <a:tc>
+                  <a:txBody>
+                    <a:bodyPr/>
+                    <a:lstStyle/>
+                    <a:p>
+                      <a:r>
+                        <a:rPr kumimoji="1" lang="ja-JP" altLang="en-US" dirty="0"/>
+                        <a:t>日付</a:t>
+                      </a:r>
+                    </a:p>
+                  </a:txBody>
+                  <a:tcPr/>
+                </a:tc>
+                <a:tc>
+                  <a:txBody>
+                    <a:bodyPr/>
+                    <a:lstStyle/>
+                    <a:p>
+                      <a:r>
+                        <a:rPr kumimoji="1" lang="ja-JP" altLang="en-US" dirty="0"/>
+                        <a:t>正誤</a:t>
+                      </a:r>
+                    </a:p>
+                  </a:txBody>
+                  <a:tcPr/>
+                </a:tc>
+                <a:tc>
+                  <a:txBody>
+                    <a:bodyPr/>
+                    <a:lstStyle/>
+                    <a:p>
+                      <a:r>
+                        <a:rPr kumimoji="1" lang="ja-JP" altLang="en-US" dirty="0"/>
+                        <a:t>問題</a:t>
+                      </a:r>
+                    </a:p>
+                  </a:txBody>
+                  <a:tcPr/>
+                </a:tc>
+                <a:tc>
+                  <a:txBody>
+                    <a:bodyPr/>
+                    <a:lstStyle/>
+                    <a:p>
+                      <a:r>
+                        <a:rPr kumimoji="1" lang="ja-JP" altLang="en-US" dirty="0"/>
+                        <a:t>正解</a:t>
+                      </a:r>
+                    </a:p>
+                  </a:txBody>
+                  <a:tcPr/>
+                </a:tc>
+                <a:tc>
+                  <a:txBody>
+                    <a:bodyPr/>
+                    <a:lstStyle/>
+                    <a:p>
+                      <a:r>
+                        <a:rPr kumimoji="1" lang="ja-JP" altLang="en-US" dirty="0"/>
+                        <a:t>解説</a:t>
+                      </a:r>
+                    </a:p>
+                  </a:txBody>
+                  <a:tcPr/>
+                </a:tc>
+                <a:extLst>
+                  <a:ext uri="{0D108BD9-81ED-4DB2-BD59-A6C34878D82A}">
+                    <a16:rowId xmlns:a16="http://schemas.microsoft.com/office/drawing/2014/main" val="2490753621"/>
+                  </a:ext>
+                </a:extLst>
+              </a:tr>
+              <a:tr h="611871">
+                <a:tc>
+                  <a:txBody>
+                    <a:bodyPr/>
+                    <a:lstStyle/>
+                    <a:p>
+                      <a:r>
+                        <a:rPr kumimoji="1" lang="en-US" altLang="ja-JP" sz="1800" b="1" i="0" kern="1200" dirty="0">
+                          <a:solidFill>
+                            <a:schemeClr val="tx1"/>
+                          </a:solidFill>
+                          <a:effectLst/>
+                          <a:latin typeface="+mn-lt"/>
+                          <a:ea typeface="+mn-ea"/>
+                          <a:cs typeface="+mn-cs"/>
+                        </a:rPr>
+                        <a:t>2022-09-04T17:07:48.53</a:t>
+                      </a:r>
+                      <a:endParaRPr kumimoji="1" lang="ja-JP" altLang="en-US" dirty="0"/>
+                    </a:p>
+                  </a:txBody>
+                  <a:tcPr/>
+                </a:tc>
+                <a:tc>
+                  <a:txBody>
+                    <a:bodyPr/>
+                    <a:lstStyle/>
+                    <a:p>
+                      <a:r>
+                        <a:rPr kumimoji="1" lang="ja-JP" altLang="en-US" dirty="0"/>
+                        <a:t>〇</a:t>
+                      </a:r>
+                    </a:p>
+                  </a:txBody>
+                  <a:tcPr/>
+                </a:tc>
+                <a:tc>
+                  <a:txBody>
+                    <a:bodyPr/>
+                    <a:lstStyle/>
+                    <a:p>
+                      <a:r>
+                        <a:rPr kumimoji="1" lang="ja-JP" altLang="en-US" dirty="0"/>
+                        <a:t>瀞</a:t>
+                      </a:r>
+                    </a:p>
+                  </a:txBody>
+                  <a:tcPr/>
+                </a:tc>
+                <a:tc>
+                  <a:txBody>
+                    <a:bodyPr/>
+                    <a:lstStyle/>
+                    <a:p>
+                      <a:r>
+                        <a:rPr kumimoji="1" lang="ja-JP" altLang="en-US" dirty="0"/>
+                        <a:t>とろ</a:t>
+                      </a:r>
+                    </a:p>
+                  </a:txBody>
+                  <a:tcPr/>
+                </a:tc>
+                <a:tc>
+                  <a:txBody>
+                    <a:bodyPr/>
+                    <a:lstStyle/>
+                    <a:p>
+                      <a:pPr marL="0" marR="0" lvl="0" indent="0" algn="l" defTabSz="914400" rtl="0" eaLnBrk="1" fontAlgn="auto" latinLnBrk="0" hangingPunct="1">
+                        <a:lnSpc>
+                          <a:spcPct val="100000"/>
+                        </a:lnSpc>
+                        <a:spcBef>
+                          <a:spcPts val="0"/>
+                        </a:spcBef>
+                        <a:spcAft>
+                          <a:spcPts val="0"/>
+                        </a:spcAft>
+                        <a:buClrTx/>
+                        <a:buSzTx/>
+                        <a:buFontTx/>
+                        <a:buNone/>
+                        <a:tabLst/>
+                        <a:defRPr/>
+                      </a:pPr>
+                      <a:r>
+                        <a:rPr kumimoji="1" lang="ja-JP" altLang="en-US" sz="1800" b="0" i="0" kern="1200" dirty="0">
+                          <a:solidFill>
+                            <a:schemeClr val="tx1"/>
+                          </a:solidFill>
+                          <a:effectLst/>
+                          <a:latin typeface="+mn-lt"/>
+                          <a:ea typeface="+mn-ea"/>
+                          <a:cs typeface="+mn-cs"/>
+                        </a:rPr>
+                        <a:t>川の水が深くて流れが非常に静かな所。</a:t>
+                      </a:r>
+                    </a:p>
+                  </a:txBody>
+                  <a:tcPr/>
+                </a:tc>
+                <a:extLst>
+                  <a:ext uri="{0D108BD9-81ED-4DB2-BD59-A6C34878D82A}">
+                    <a16:rowId xmlns:a16="http://schemas.microsoft.com/office/drawing/2014/main" val="798617971"/>
+                  </a:ext>
+                </a:extLst>
+              </a:tr>
+              <a:tr h="732567">
+                <a:tc>
+                  <a:txBody>
+                    <a:bodyPr/>
+                    <a:lstStyle/>
+                    <a:p>
+                      <a:pPr marL="0" marR="0" lvl="0" indent="0" algn="l" defTabSz="914400" rtl="0" eaLnBrk="1" fontAlgn="auto" latinLnBrk="0" hangingPunct="1">
+                        <a:lnSpc>
+                          <a:spcPct val="100000"/>
+                        </a:lnSpc>
+                        <a:spcBef>
+                          <a:spcPts val="0"/>
+                        </a:spcBef>
+                        <a:spcAft>
+                          <a:spcPts val="0"/>
+                        </a:spcAft>
+                        <a:buClrTx/>
+                        <a:buSzTx/>
+                        <a:buFontTx/>
+                        <a:buNone/>
+                        <a:tabLst/>
+                        <a:defRPr/>
+                      </a:pPr>
+                      <a:r>
+                        <a:rPr kumimoji="1" lang="en-US" altLang="ja-JP" sz="1800" b="1" i="0" kern="1200" dirty="0">
+                          <a:solidFill>
+                            <a:schemeClr val="tx1"/>
+                          </a:solidFill>
+                          <a:effectLst/>
+                          <a:latin typeface="+mn-lt"/>
+                          <a:ea typeface="+mn-ea"/>
+                          <a:cs typeface="+mn-cs"/>
+                        </a:rPr>
+                        <a:t>2022-09-04T16:08:53.01</a:t>
+                      </a:r>
+                      <a:endParaRPr kumimoji="1" lang="ja-JP" altLang="en-US" dirty="0"/>
+                    </a:p>
+                    <a:p>
+                      <a:endParaRPr kumimoji="1" lang="ja-JP" altLang="en-US" dirty="0"/>
+                    </a:p>
+                  </a:txBody>
+                  <a:tcPr/>
+                </a:tc>
+                <a:tc>
+                  <a:txBody>
+                    <a:bodyPr/>
+                    <a:lstStyle/>
+                    <a:p>
+                      <a:r>
+                        <a:rPr kumimoji="1" lang="en-US" altLang="ja-JP" dirty="0"/>
+                        <a:t>None</a:t>
+                      </a:r>
+                      <a:endParaRPr kumimoji="1" lang="ja-JP" altLang="en-US" dirty="0"/>
+                    </a:p>
+                  </a:txBody>
+                  <a:tcPr/>
+                </a:tc>
+                <a:tc>
+                  <a:txBody>
+                    <a:bodyPr/>
+                    <a:lstStyle/>
+                    <a:p>
+                      <a:r>
+                        <a:rPr kumimoji="1" lang="en-US" altLang="ja-JP" dirty="0"/>
+                        <a:t>cat</a:t>
+                      </a:r>
+                      <a:endParaRPr kumimoji="1" lang="ja-JP" altLang="en-US" dirty="0"/>
+                    </a:p>
+                  </a:txBody>
+                  <a:tcPr/>
+                </a:tc>
+                <a:tc>
+                  <a:txBody>
+                    <a:bodyPr/>
+                    <a:lstStyle/>
+                    <a:p>
+                      <a:r>
+                        <a:rPr kumimoji="1" lang="en-US" altLang="ja-JP" dirty="0"/>
+                        <a:t>cat</a:t>
+                      </a:r>
+                      <a:endParaRPr kumimoji="1" lang="ja-JP" altLang="en-US" dirty="0"/>
+                    </a:p>
+                  </a:txBody>
+                  <a:tcPr/>
+                </a:tc>
+                <a:tc>
+                  <a:txBody>
+                    <a:bodyPr/>
+                    <a:lstStyle/>
+                    <a:p>
+                      <a:r>
+                        <a:rPr kumimoji="1" lang="en-US" altLang="ja-JP" dirty="0"/>
+                        <a:t>‘’</a:t>
+                      </a:r>
+                      <a:endParaRPr kumimoji="1" lang="ja-JP" altLang="en-US" dirty="0"/>
+                    </a:p>
+                  </a:txBody>
+                  <a:tcPr/>
+                </a:tc>
+                <a:extLst>
+                  <a:ext uri="{0D108BD9-81ED-4DB2-BD59-A6C34878D82A}">
+                    <a16:rowId xmlns:a16="http://schemas.microsoft.com/office/drawing/2014/main" val="4264653679"/>
+                  </a:ext>
+                </a:extLst>
+              </a:tr>
+              <a:tr h="732567">
+                <a:tc>
+                  <a:txBody>
+                    <a:bodyPr/>
+                    <a:lstStyle/>
+                    <a:p>
+                      <a:pPr marL="0" marR="0" lvl="0" indent="0" algn="l" defTabSz="914400" rtl="0" eaLnBrk="1" fontAlgn="auto" latinLnBrk="0" hangingPunct="1">
+                        <a:lnSpc>
+                          <a:spcPct val="100000"/>
+                        </a:lnSpc>
+                        <a:spcBef>
+                          <a:spcPts val="0"/>
+                        </a:spcBef>
+                        <a:spcAft>
+                          <a:spcPts val="0"/>
+                        </a:spcAft>
+                        <a:buClrTx/>
+                        <a:buSzTx/>
+                        <a:buFontTx/>
+                        <a:buNone/>
+                        <a:tabLst/>
+                        <a:defRPr/>
+                      </a:pPr>
+                      <a:r>
+                        <a:rPr kumimoji="1" lang="en-US" altLang="ja-JP" sz="1800" b="1" i="0" kern="1200" dirty="0">
+                          <a:solidFill>
+                            <a:schemeClr val="tx1"/>
+                          </a:solidFill>
+                          <a:effectLst/>
+                          <a:latin typeface="+mn-lt"/>
+                          <a:ea typeface="+mn-ea"/>
+                          <a:cs typeface="+mn-cs"/>
+                        </a:rPr>
+                        <a:t>2022-09-04T16:05:53.01</a:t>
+                      </a:r>
+                      <a:endParaRPr kumimoji="1" lang="ja-JP" altLang="en-US" dirty="0"/>
+                    </a:p>
+                    <a:p>
+                      <a:endParaRPr kumimoji="1" lang="ja-JP" altLang="en-US" dirty="0"/>
+                    </a:p>
+                  </a:txBody>
+                  <a:tcPr/>
+                </a:tc>
+                <a:tc>
+                  <a:txBody>
+                    <a:bodyPr/>
+                    <a:lstStyle/>
+                    <a:p>
+                      <a:r>
+                        <a:rPr kumimoji="1" lang="en-US" altLang="ja-JP" dirty="0"/>
+                        <a:t>×</a:t>
+                      </a:r>
+                      <a:endParaRPr kumimoji="1" lang="ja-JP" altLang="en-US" dirty="0"/>
+                    </a:p>
+                  </a:txBody>
+                  <a:tcPr/>
+                </a:tc>
+                <a:tc>
+                  <a:txBody>
+                    <a:bodyPr/>
+                    <a:lstStyle/>
+                    <a:p>
+                      <a:r>
+                        <a:rPr kumimoji="1" lang="en-US" altLang="ja-JP" dirty="0"/>
+                        <a:t>dog</a:t>
+                      </a:r>
+                      <a:endParaRPr kumimoji="1" lang="ja-JP" altLang="en-US" dirty="0"/>
+                    </a:p>
+                  </a:txBody>
+                  <a:tcPr/>
+                </a:tc>
+                <a:tc>
+                  <a:txBody>
+                    <a:bodyPr/>
+                    <a:lstStyle/>
+                    <a:p>
+                      <a:r>
+                        <a:rPr kumimoji="1" lang="en-US" altLang="ja-JP" dirty="0"/>
+                        <a:t>dog</a:t>
+                      </a:r>
+                      <a:endParaRPr kumimoji="1" lang="ja-JP" altLang="en-US" dirty="0"/>
+                    </a:p>
+                  </a:txBody>
+                  <a:tcPr/>
+                </a:tc>
+                <a:tc>
+                  <a:txBody>
+                    <a:bodyPr/>
+                    <a:lstStyle/>
+                    <a:p>
+                      <a:r>
+                        <a:rPr kumimoji="1" lang="en-US" altLang="ja-JP" dirty="0"/>
+                        <a:t>‘’</a:t>
+                      </a:r>
+                      <a:endParaRPr kumimoji="1" lang="ja-JP" altLang="en-US" dirty="0"/>
+                    </a:p>
+                  </a:txBody>
+                  <a:tcPr/>
+                </a:tc>
+                <a:extLst>
+                  <a:ext uri="{0D108BD9-81ED-4DB2-BD59-A6C34878D82A}">
+                    <a16:rowId xmlns:a16="http://schemas.microsoft.com/office/drawing/2014/main" val="1740069473"/>
+                  </a:ext>
+                </a:extLst>
+              </a:tr>
+              <a:tr h="732567">
+                <a:tc>
+                  <a:txBody>
+                    <a:bodyPr/>
+                    <a:lstStyle/>
+                    <a:p>
+                      <a:r>
+                        <a:rPr kumimoji="1" lang="en-US" altLang="ja-JP" dirty="0"/>
+                        <a:t>…</a:t>
+                      </a:r>
+                      <a:endParaRPr kumimoji="1" lang="ja-JP" altLang="en-US" dirty="0"/>
+                    </a:p>
+                  </a:txBody>
+                  <a:tcPr/>
+                </a:tc>
+                <a:tc>
+                  <a:txBody>
+                    <a:bodyPr/>
+                    <a:lstStyle/>
+                    <a:p>
+                      <a:pPr marL="0" marR="0" lvl="0" indent="0" algn="l" defTabSz="914400" rtl="0" eaLnBrk="1" fontAlgn="auto" latinLnBrk="0" hangingPunct="1">
+                        <a:lnSpc>
+                          <a:spcPct val="100000"/>
+                        </a:lnSpc>
+                        <a:spcBef>
+                          <a:spcPts val="0"/>
+                        </a:spcBef>
+                        <a:spcAft>
+                          <a:spcPts val="0"/>
+                        </a:spcAft>
+                        <a:buClrTx/>
+                        <a:buSzTx/>
+                        <a:buFontTx/>
+                        <a:buNone/>
+                        <a:tabLst/>
+                        <a:defRPr/>
+                      </a:pPr>
+                      <a:r>
+                        <a:rPr kumimoji="1" lang="en-US" altLang="ja-JP" dirty="0"/>
+                        <a:t>…</a:t>
+                      </a:r>
+                      <a:endParaRPr kumimoji="1" lang="ja-JP" altLang="en-US" dirty="0"/>
+                    </a:p>
+                    <a:p>
+                      <a:endParaRPr kumimoji="1" lang="ja-JP" altLang="en-US" dirty="0"/>
+                    </a:p>
+                  </a:txBody>
+                  <a:tcPr/>
+                </a:tc>
+                <a:tc>
+                  <a:txBody>
+                    <a:bodyPr/>
+                    <a:lstStyle/>
+                    <a:p>
+                      <a:pPr marL="0" marR="0" lvl="0" indent="0" algn="l" defTabSz="914400" rtl="0" eaLnBrk="1" fontAlgn="auto" latinLnBrk="0" hangingPunct="1">
+                        <a:lnSpc>
+                          <a:spcPct val="100000"/>
+                        </a:lnSpc>
+                        <a:spcBef>
+                          <a:spcPts val="0"/>
+                        </a:spcBef>
+                        <a:spcAft>
+                          <a:spcPts val="0"/>
+                        </a:spcAft>
+                        <a:buClrTx/>
+                        <a:buSzTx/>
+                        <a:buFontTx/>
+                        <a:buNone/>
+                        <a:tabLst/>
+                        <a:defRPr/>
+                      </a:pPr>
+                      <a:r>
+                        <a:rPr kumimoji="1" lang="en-US" altLang="ja-JP" dirty="0"/>
+                        <a:t>…</a:t>
+                      </a:r>
+                      <a:endParaRPr kumimoji="1" lang="ja-JP" altLang="en-US" dirty="0"/>
+                    </a:p>
+                    <a:p>
+                      <a:endParaRPr kumimoji="1" lang="ja-JP" altLang="en-US" dirty="0"/>
+                    </a:p>
+                  </a:txBody>
+                  <a:tcPr/>
+                </a:tc>
+                <a:tc>
+                  <a:txBody>
+                    <a:bodyPr/>
+                    <a:lstStyle/>
+                    <a:p>
+                      <a:pPr marL="0" marR="0" lvl="0" indent="0" algn="l" defTabSz="914400" rtl="0" eaLnBrk="1" fontAlgn="auto" latinLnBrk="0" hangingPunct="1">
+                        <a:lnSpc>
+                          <a:spcPct val="100000"/>
+                        </a:lnSpc>
+                        <a:spcBef>
+                          <a:spcPts val="0"/>
+                        </a:spcBef>
+                        <a:spcAft>
+                          <a:spcPts val="0"/>
+                        </a:spcAft>
+                        <a:buClrTx/>
+                        <a:buSzTx/>
+                        <a:buFontTx/>
+                        <a:buNone/>
+                        <a:tabLst/>
+                        <a:defRPr/>
+                      </a:pPr>
+                      <a:r>
+                        <a:rPr kumimoji="1" lang="en-US" altLang="ja-JP" dirty="0"/>
+                        <a:t>…</a:t>
+                      </a:r>
+                      <a:endParaRPr kumimoji="1" lang="ja-JP" altLang="en-US" dirty="0"/>
+                    </a:p>
+                    <a:p>
+                      <a:endParaRPr kumimoji="1" lang="ja-JP" altLang="en-US" dirty="0"/>
+                    </a:p>
+                  </a:txBody>
+                  <a:tcPr/>
+                </a:tc>
+                <a:tc>
+                  <a:txBody>
+                    <a:bodyPr/>
+                    <a:lstStyle/>
+                    <a:p>
+                      <a:pPr marL="0" marR="0" lvl="0" indent="0" algn="l" defTabSz="914400" rtl="0" eaLnBrk="1" fontAlgn="auto" latinLnBrk="0" hangingPunct="1">
+                        <a:lnSpc>
+                          <a:spcPct val="100000"/>
+                        </a:lnSpc>
+                        <a:spcBef>
+                          <a:spcPts val="0"/>
+                        </a:spcBef>
+                        <a:spcAft>
+                          <a:spcPts val="0"/>
+                        </a:spcAft>
+                        <a:buClrTx/>
+                        <a:buSzTx/>
+                        <a:buFontTx/>
+                        <a:buNone/>
+                        <a:tabLst/>
+                        <a:defRPr/>
+                      </a:pPr>
+                      <a:r>
+                        <a:rPr kumimoji="1" lang="en-US" altLang="ja-JP" dirty="0"/>
+                        <a:t>…</a:t>
+                      </a:r>
+                      <a:endParaRPr kumimoji="1" lang="ja-JP" altLang="en-US" dirty="0"/>
+                    </a:p>
+                    <a:p>
+                      <a:endParaRPr kumimoji="1" lang="ja-JP" altLang="en-US" dirty="0"/>
+                    </a:p>
+                  </a:txBody>
+                  <a:tcPr/>
+                </a:tc>
+                <a:extLst>
+                  <a:ext uri="{0D108BD9-81ED-4DB2-BD59-A6C34878D82A}">
+                    <a16:rowId xmlns:a16="http://schemas.microsoft.com/office/drawing/2014/main" val="3824716258"/>
+                  </a:ext>
+                </a:extLst>
+              </a:tr>
+            </a:tbl>
+          </a:graphicData>
+        </a:graphic>
+      </p:graphicFrame>
+      <p:sp>
+        <p:nvSpPr>
+          <p:cNvPr id="7" name="テキスト ボックス 6">
+            <a:extLst>
+              <a:ext uri="{FF2B5EF4-FFF2-40B4-BE49-F238E27FC236}">
+                <a16:creationId xmlns:a16="http://schemas.microsoft.com/office/drawing/2014/main" id="{2F0B4D93-DFEF-F6D5-ADD3-E26C90BA02CD}"/>
+              </a:ext>
+            </a:extLst>
+          </p:cNvPr>
+          <p:cNvSpPr txBox="1"/>
+          <p:nvPr/>
+        </p:nvSpPr>
+        <p:spPr>
+          <a:xfrm>
+            <a:off x="1434908" y="5920800"/>
+            <a:ext cx="5519040" cy="646331"/>
+          </a:xfrm>
+          <a:prstGeom prst="rect">
+            <a:avLst/>
+          </a:prstGeom>
+          <a:noFill/>
+        </p:spPr>
+        <p:txBody>
+          <a:bodyPr wrap="square" rtlCol="0">
+            <a:spAutoFit/>
+          </a:bodyPr>
+          <a:lstStyle/>
+          <a:p>
+            <a:r>
+              <a:rPr kumimoji="1" lang="en-US" altLang="ja-JP" dirty="0"/>
+              <a:t>./.</a:t>
+            </a:r>
+            <a:r>
+              <a:rPr kumimoji="1" lang="en-US" altLang="ja-JP" dirty="0" err="1"/>
+              <a:t>quiz_log.db</a:t>
+            </a:r>
+            <a:r>
+              <a:rPr kumimoji="1" lang="en-US" altLang="ja-JP" dirty="0"/>
+              <a:t> </a:t>
+            </a:r>
+            <a:r>
+              <a:rPr kumimoji="1" lang="ja-JP" altLang="en-US" dirty="0"/>
+              <a:t>から取ってくる</a:t>
+            </a:r>
+            <a:endParaRPr kumimoji="1" lang="en-US" altLang="ja-JP" dirty="0"/>
+          </a:p>
+          <a:p>
+            <a:r>
+              <a:rPr lang="en-US" altLang="ja-JP" dirty="0"/>
+              <a:t>None </a:t>
+            </a:r>
+            <a:r>
+              <a:rPr lang="ja-JP" altLang="en-US" dirty="0"/>
+              <a:t>はリタイアなどで値がない場合</a:t>
+            </a:r>
+            <a:endParaRPr kumimoji="1" lang="ja-JP" altLang="en-US" dirty="0"/>
+          </a:p>
+        </p:txBody>
+      </p:sp>
+    </p:spTree>
+    <p:extLst>
+      <p:ext uri="{BB962C8B-B14F-4D97-AF65-F5344CB8AC3E}">
+        <p14:creationId xmlns:p14="http://schemas.microsoft.com/office/powerpoint/2010/main" val="3907037983"/>
       </p:ext>
     </p:extLst>
   </p:cSld>
@@ -4103,7 +6155,7 @@
           <p:nvPr>
             <p:extLst>
               <p:ext uri="{D42A27DB-BD31-4B8C-83A1-F6EECF244321}">
-                <p14:modId xmlns:p14="http://schemas.microsoft.com/office/powerpoint/2010/main" val="3219115852"/>
+                <p14:modId xmlns:p14="http://schemas.microsoft.com/office/powerpoint/2010/main" val="851275538"/>
               </p:ext>
             </p:extLst>
           </p:nvPr>
@@ -4208,7 +6260,7 @@
                     <a:p>
                       <a:r>
                         <a:rPr kumimoji="1" lang="ja-JP" altLang="en-US" dirty="0"/>
-                        <a:t>何曜日？</a:t>
+                        <a:t>今日何曜日？</a:t>
                       </a:r>
                     </a:p>
                   </a:txBody>
@@ -4472,7 +6524,18 @@
               <a:rPr lang="ja-JP" altLang="en-US" sz="2000" dirty="0"/>
               <a:t>時間制限</a:t>
             </a:r>
-            <a:endParaRPr lang="en-US" altLang="ja-JP" sz="2000" dirty="0"/>
+            <a:r>
+              <a:rPr lang="en-US" altLang="ja-JP" sz="2000" dirty="0"/>
+              <a:t>       [</a:t>
+            </a:r>
+            <a:r>
+              <a:rPr lang="ja-JP" altLang="en-US" sz="2000" dirty="0"/>
+              <a:t>数入力</a:t>
+            </a:r>
+            <a:r>
+              <a:rPr lang="en-US" altLang="ja-JP" sz="2000" dirty="0"/>
+              <a:t>]</a:t>
+            </a:r>
           </a:p>
           <a:p>
             <a:pPr marL="571500" indent="-571500">
@@ -4481,9 +6544,20 @@
             </a:pPr>
             <a:r>
               <a:rPr lang="ja-JP" altLang="en-US" sz="2000" dirty="0"/>
-              <a:t>固定問題数</a:t>
-            </a:r>
-            <a:endParaRPr lang="en-US" altLang="ja-JP" sz="2000" dirty="0"/>
+              <a:t>固定問題数   </a:t>
+            </a:r>
+            <a:r>
+              <a:rPr lang="en-US" altLang="ja-JP" sz="2000" dirty="0"/>
+              <a:t>[</a:t>
+            </a:r>
+            <a:r>
+              <a:rPr lang="ja-JP" altLang="en-US" sz="2000" dirty="0"/>
+              <a:t>数入力</a:t>
+            </a:r>
+            <a:r>
+              <a:rPr lang="en-US" altLang="ja-JP" sz="2000" dirty="0"/>
+              <a:t>]</a:t>
+            </a:r>
           </a:p>
           <a:p>
             <a:pPr marL="571500" indent="-571500">
@@ -4492,7 +6566,7 @@
             </a:pPr>
             <a:r>
               <a:rPr lang="ja-JP" altLang="en-US" sz="2000" dirty="0"/>
-              <a:t>無制限問題</a:t>
+              <a:t>エンドレス</a:t>
             </a:r>
           </a:p>
         </p:txBody>
@@ -4703,7 +6777,7 @@
             </a:r>
             <a:r>
               <a:rPr lang="en-US" altLang="ja-JP" dirty="0" err="1"/>
-              <a:t>QuizData</a:t>
+              <a:t>QuizTopic</a:t>
             </a:r>
             <a:r>
               <a:rPr lang="en-US" altLang="ja-JP" dirty="0"/>
@@ -4715,7 +6789,7 @@
             </a:r>
             <a:r>
               <a:rPr lang="en-US" altLang="ja-JP" dirty="0" err="1"/>
-              <a:t>QuizData</a:t>
+              <a:t>QuizTopic</a:t>
             </a:r>
             <a:r>
               <a:rPr lang="en-US" altLang="ja-JP" dirty="0"/>
@@ -4723,7 +6797,7 @@
             </a:r>
             <a:r>
               <a:rPr lang="ja-JP" altLang="en-US" dirty="0"/>
-              <a:t>クラスないでは </a:t>
+              <a:t>クラスは </a:t>
             </a:r>
             <a:r>
               <a:rPr lang="en-US" altLang="ja-JP" dirty="0"/>
@@ -4731,7 +6805,7 @@
             </a:r>
             <a:r>
               <a:rPr lang="ja-JP" altLang="en-US" dirty="0"/>
-              <a:t>クラスを（右例では</a:t>
+              <a:t>クラスのリストを（右例では</a:t>
             </a:r>
             <a:r>
               <a:rPr lang="en-US" altLang="ja-JP" dirty="0"/>
@@ -4739,7 +6813,7 @@
             </a:r>
             <a:r>
               <a:rPr lang="ja-JP" altLang="en-US" dirty="0"/>
-              <a:t>テーブルの行数ぶんだけ）保持する．</a:t>
+              <a:t>テーブルの行数が要素数で）保持する．</a:t>
             </a:r>
             <a:endParaRPr lang="en-US" altLang="ja-JP" dirty="0"/>
           </a:p>
@@ -4798,7 +6872,7 @@
             </a:r>
             <a:r>
               <a:rPr lang="en-US" altLang="ja-JP" dirty="0" err="1"/>
-              <a:t>animaly_typing.db</a:t>
+              <a:t>animal_typing.db</a:t>
             </a:r>
             <a:endParaRPr lang="en-US" altLang="ja-JP" dirty="0"/>
           </a:p>
@@ -4809,7 +6883,7 @@
             </a:r>
             <a:r>
               <a:rPr lang="en-US" altLang="ja-JP" dirty="0" err="1"/>
-              <a:t>kenchosyozaichi.db</a:t>
+              <a:t>kenchoshozaichi.db</a:t>
             </a:r>
             <a:endParaRPr lang="en-US" altLang="ja-JP" dirty="0"/>
           </a:p>
@@ -5031,14 +7105,14 @@
           <p:nvPr>
             <p:extLst>
               <p:ext uri="{D42A27DB-BD31-4B8C-83A1-F6EECF244321}">
-                <p14:modId xmlns:p14="http://schemas.microsoft.com/office/powerpoint/2010/main" val="2351214732"/>
+                <p14:modId xmlns:p14="http://schemas.microsoft.com/office/powerpoint/2010/main" val="4068216613"/>
               </p:ext>
             </p:extLst>
           </p:nvPr>
         </p:nvGraphicFramePr>
         <p:xfrm>
           <a:off x="7249890" y="3429000"/>
-          <a:ext cx="4582883" cy="2403957"/>
+          <a:ext cx="4582883" cy="2129637"/>
         </p:xfrm>
         <a:graphic>
           <a:graphicData uri="http://schemas.openxmlformats.org/drawingml/2006/table">
@@ -5172,7 +7246,7 @@
                     <a:p>
                       <a:r>
                         <a:rPr kumimoji="1" lang="ja-JP" altLang="en-US" dirty="0"/>
-                        <a:t>瀞</a:t>
+                        <a:t>蟷螂</a:t>
                       </a:r>
                     </a:p>
                   </a:txBody>
@@ -5185,7 +7259,15 @@
                     <a:p>
                       <a:r>
                         <a:rPr kumimoji="1" lang="ja-JP" altLang="en-US" dirty="0"/>
-                        <a:t>とろ</a:t>
+                        <a:t>かまきり</a:t>
+                      </a:r>
+                      <a:r>
+                        <a:rPr kumimoji="1" lang="en-US" altLang="ja-JP" dirty="0"/>
+                        <a:t>\t</a:t>
+                      </a:r>
+                      <a:r>
+                        <a:rPr kumimoji="1" lang="ja-JP" altLang="en-US" dirty="0"/>
+                        <a:t>とうろう</a:t>
                       </a:r>
                     </a:p>
                   </a:txBody>
@@ -5223,7 +7305,7 @@
                           <a:ea typeface="+mn-ea"/>
                           <a:cs typeface="+mn-cs"/>
                         </a:rPr>
-                        <a:t>川の水が深くて流れが非常に静かな所</a:t>
+                        <a:t>前脚が鎌状に変化した昆虫</a:t>
                       </a:r>
                     </a:p>
                   </a:txBody>
@@ -5276,6 +7358,42 @@
               <a:t>テーブル</a:t>
             </a:r>
             <a:endParaRPr lang="en-US" altLang="ja-JP" dirty="0"/>
+          </a:p>
+        </p:txBody>
+      </p:sp>
+      <p:sp>
+        <p:nvSpPr>
+          <p:cNvPr id="3" name="テキスト ボックス 2">
+            <a:extLst>
+              <a:ext uri="{FF2B5EF4-FFF2-40B4-BE49-F238E27FC236}">
+                <a16:creationId xmlns:a16="http://schemas.microsoft.com/office/drawing/2014/main" id="{DFA2491B-A3BD-36EF-E600-E9FE67F2EDD9}"/>
+              </a:ext>
+            </a:extLst>
+          </p:cNvPr>
+          <p:cNvSpPr txBox="1"/>
+          <p:nvPr/>
+        </p:nvSpPr>
+        <p:spPr>
+          <a:xfrm>
+            <a:off x="7374962" y="5916382"/>
+            <a:ext cx="4506900" cy="646331"/>
+          </a:xfrm>
+          <a:prstGeom prst="rect">
+            <a:avLst/>
+          </a:prstGeom>
+          <a:noFill/>
+        </p:spPr>
+        <p:txBody>
+          <a:bodyPr wrap="square" rtlCol="0">
+            <a:spAutoFit/>
+          </a:bodyPr>
+          <a:lstStyle/>
+          <a:p>
+            <a:r>
+              <a:rPr lang="ja-JP" altLang="en-US" b="1" dirty="0"/>
+              <a:t>複数の回答がある場合はタブ文字で繋げて格納する（プログラム側で処理する）</a:t>
+            </a:r>
+            <a:endParaRPr lang="en-US" altLang="ja-JP" b="1" dirty="0"/>
           </a:p>
         </p:txBody>
       </p:sp>
@@ -5314,7 +7432,7 @@
           <p:cNvPr id="2" name="テキスト ボックス 1">
             <a:extLst>
               <a:ext uri="{FF2B5EF4-FFF2-40B4-BE49-F238E27FC236}">
-                <a16:creationId xmlns:a16="http://schemas.microsoft.com/office/drawing/2014/main" id="{54AB1246-4924-AD44-3DCE-CCD6677E1431}"/>
+                <a16:creationId xmlns:a16="http://schemas.microsoft.com/office/drawing/2014/main" id="{CEA4546F-D68D-B31E-81D1-DF0A1146E790}"/>
               </a:ext>
             </a:extLst>
           </p:cNvPr>
@@ -5324,7 +7442,7 @@
         <p:spPr>
           <a:xfrm>
             <a:off x="1219199" y="477875"/>
-            <a:ext cx="8164287" cy="707886"/>
+            <a:ext cx="6694715" cy="707886"/>
           </a:xfrm>
           <a:prstGeom prst="rect">
             <a:avLst/>
@@ -5338,67 +7456,62 @@
           <a:lstStyle/>
           <a:p>
             <a:r>
-              <a:rPr kumimoji="1" lang="ja-JP" altLang="en-US" sz="4000" b="1" dirty="0"/>
-              <a:t>問題画面（漢字の読み問題の例）</a:t>
-            </a:r>
-          </a:p>
-        </p:txBody>
-      </p:sp>
-      <p:sp>
-        <p:nvSpPr>
-          <p:cNvPr id="3" name="正方形/長方形 2">
-            <a:extLst>
-              <a:ext uri="{FF2B5EF4-FFF2-40B4-BE49-F238E27FC236}">
-                <a16:creationId xmlns:a16="http://schemas.microsoft.com/office/drawing/2014/main" id="{3CB6FD18-3889-D4C4-A955-9E06E979290E}"/>
-              </a:ext>
-            </a:extLst>
-          </p:cNvPr>
-          <p:cNvSpPr/>
+              <a:rPr lang="ja-JP" altLang="en-US" sz="4000" b="1" dirty="0"/>
+              <a:t>問題データベース</a:t>
+            </a:r>
+            <a:endParaRPr kumimoji="1" lang="ja-JP" altLang="en-US" sz="4000" b="1" dirty="0"/>
+          </a:p>
+        </p:txBody>
+      </p:sp>
+      <p:sp>
+        <p:nvSpPr>
+          <p:cNvPr id="4" name="テキスト ボックス 3">
+            <a:extLst>
+              <a:ext uri="{FF2B5EF4-FFF2-40B4-BE49-F238E27FC236}">
+                <a16:creationId xmlns:a16="http://schemas.microsoft.com/office/drawing/2014/main" id="{F7A52D29-3049-1EE3-FAAB-B4106E9777F3}"/>
+              </a:ext>
+            </a:extLst>
+          </p:cNvPr>
+          <p:cNvSpPr txBox="1"/>
           <p:nvPr/>
         </p:nvSpPr>
         <p:spPr>
           <a:xfrm>
-            <a:off x="1088570" y="1295009"/>
-            <a:ext cx="9644744" cy="4256705"/>
+            <a:off x="359228" y="1545771"/>
+            <a:ext cx="1565062" cy="646331"/>
           </a:xfrm>
           <a:prstGeom prst="rect">
             <a:avLst/>
           </a:prstGeom>
-          <a:ln w="57150">
-            <a:solidFill>
-              <a:schemeClr val="tx1"/>
-            </a:solidFill>
-          </a:ln>
-        </p:spPr>
-        <p:style>
-          <a:lnRef idx="2">
-            <a:schemeClr val="accent6"/>
-          </a:lnRef>
-          <a:fillRef idx="1">
-            <a:schemeClr val="lt1"/>
-          </a:fillRef>
-          <a:effectRef idx="0">
-            <a:schemeClr val="accent6"/>
-          </a:effectRef>
-          <a:fontRef idx="minor">
-            <a:schemeClr val="dk1"/>
-          </a:fontRef>
-        </p:style>
-        <p:txBody>
-          <a:bodyPr rtlCol="0" anchor="ctr"/>
-          <a:lstStyle/>
-          <a:p>
-            <a:pPr algn="ctr"/>
-            <a:endParaRPr kumimoji="1" lang="ja-JP" altLang="en-US"/>
-          </a:p>
-        </p:txBody>
-      </p:sp>
-      <p:sp>
-        <p:nvSpPr>
-          <p:cNvPr id="4" name="テキスト ボックス 3">
-            <a:extLst>
-              <a:ext uri="{FF2B5EF4-FFF2-40B4-BE49-F238E27FC236}">
-                <a16:creationId xmlns:a16="http://schemas.microsoft.com/office/drawing/2014/main" id="{15D0BA63-D82B-82DA-09D9-5E6900FE0C7D}"/>
+          <a:noFill/>
+        </p:spPr>
+        <p:txBody>
+          <a:bodyPr wrap="square" rtlCol="0">
+            <a:spAutoFit/>
+          </a:bodyPr>
+          <a:lstStyle/>
+          <a:p>
+            <a:r>
+              <a:rPr lang="ja-JP" altLang="en-US" b="1" dirty="0"/>
+              <a:t>タイピング</a:t>
+            </a:r>
+            <a:endParaRPr lang="en-US" altLang="ja-JP" b="1" dirty="0"/>
+          </a:p>
+          <a:p>
+            <a:r>
+              <a:rPr lang="ja-JP" altLang="en-US" b="1" dirty="0"/>
+              <a:t>問題の例</a:t>
+            </a:r>
+            <a:endParaRPr lang="en-US" altLang="ja-JP" b="1" dirty="0"/>
+          </a:p>
+        </p:txBody>
+      </p:sp>
+      <p:sp>
+        <p:nvSpPr>
+          <p:cNvPr id="3" name="テキスト ボックス 2">
+            <a:extLst>
+              <a:ext uri="{FF2B5EF4-FFF2-40B4-BE49-F238E27FC236}">
+                <a16:creationId xmlns:a16="http://schemas.microsoft.com/office/drawing/2014/main" id="{2FADB024-F2F7-1DC8-D17E-1E4BD1B7E0FE}"/>
               </a:ext>
             </a:extLst>
           </p:cNvPr>
@@ -5407,51 +7520,419 @@
         </p:nvSpPr>
         <p:spPr>
           <a:xfrm>
-            <a:off x="3897088" y="4078472"/>
-            <a:ext cx="3396344" cy="646331"/>
+            <a:off x="2049475" y="1579096"/>
+            <a:ext cx="2198914" cy="646331"/>
           </a:xfrm>
           <a:prstGeom prst="rect">
             <a:avLst/>
           </a:prstGeom>
-        </p:spPr>
-        <p:style>
-          <a:lnRef idx="2">
-            <a:schemeClr val="dk1"/>
-          </a:lnRef>
-          <a:fillRef idx="1">
-            <a:schemeClr val="lt1"/>
-          </a:fillRef>
-          <a:effectRef idx="0">
-            <a:schemeClr val="dk1"/>
-          </a:effectRef>
-          <a:fontRef idx="minor">
-            <a:schemeClr val="dk1"/>
-          </a:fontRef>
-        </p:style>
-        <p:txBody>
-          <a:bodyPr wrap="square">
+          <a:noFill/>
+        </p:spPr>
+        <p:txBody>
+          <a:bodyPr wrap="square" rtlCol="0">
             <a:spAutoFit/>
           </a:bodyPr>
           <a:lstStyle/>
           <a:p>
             <a:r>
-              <a:rPr lang="ja-JP" altLang="en-US" sz="3600" dirty="0"/>
-              <a:t>おみおつ</a:t>
-            </a:r>
-            <a:r>
-              <a:rPr lang="en-US" altLang="ja-JP" sz="3600" dirty="0"/>
-              <a:t>…</a:t>
-            </a:r>
-            <a:endParaRPr lang="ja-JP" altLang="en-US" sz="3600" dirty="0"/>
-          </a:p>
-        </p:txBody>
-      </p:sp>
-      <p:sp>
-        <p:nvSpPr>
-          <p:cNvPr id="5" name="テキスト ボックス 4">
-            <a:extLst>
-              <a:ext uri="{FF2B5EF4-FFF2-40B4-BE49-F238E27FC236}">
-                <a16:creationId xmlns:a16="http://schemas.microsoft.com/office/drawing/2014/main" id="{DD48ADE1-B327-3848-D767-5904E25C9E79}"/>
+              <a:rPr lang="en-US" altLang="ja-JP" dirty="0"/>
+              <a:t>abstract </a:t>
+            </a:r>
+            <a:r>
+              <a:rPr lang="ja-JP" altLang="en-US" dirty="0"/>
+              <a:t>テーブル</a:t>
+            </a:r>
+            <a:endParaRPr lang="en-US" altLang="ja-JP" dirty="0"/>
+          </a:p>
+          <a:p>
+            <a:r>
+              <a:rPr lang="ja-JP" altLang="en-US" dirty="0"/>
+              <a:t>（行は一つだけ）</a:t>
+            </a:r>
+            <a:endParaRPr lang="en-US" altLang="ja-JP" dirty="0"/>
+          </a:p>
+        </p:txBody>
+      </p:sp>
+      <p:graphicFrame>
+        <p:nvGraphicFramePr>
+          <p:cNvPr id="9" name="表 6">
+            <a:extLst>
+              <a:ext uri="{FF2B5EF4-FFF2-40B4-BE49-F238E27FC236}">
+                <a16:creationId xmlns:a16="http://schemas.microsoft.com/office/drawing/2014/main" id="{05DDBD42-E810-DCF6-0B9A-071F04EF1752}"/>
+              </a:ext>
+            </a:extLst>
+          </p:cNvPr>
+          <p:cNvGraphicFramePr>
+            <a:graphicFrameLocks noGrp="1"/>
+          </p:cNvGraphicFramePr>
+          <p:nvPr>
+            <p:extLst>
+              <p:ext uri="{D42A27DB-BD31-4B8C-83A1-F6EECF244321}">
+                <p14:modId xmlns:p14="http://schemas.microsoft.com/office/powerpoint/2010/main" val="2031698045"/>
+              </p:ext>
+            </p:extLst>
+          </p:nvPr>
+        </p:nvGraphicFramePr>
+        <p:xfrm>
+          <a:off x="1374557" y="2308438"/>
+          <a:ext cx="3799115" cy="1010920"/>
+        </p:xfrm>
+        <a:graphic>
+          <a:graphicData uri="http://schemas.openxmlformats.org/drawingml/2006/table">
+            <a:tbl>
+              <a:tblPr firstRow="1" bandRow="1">
+                <a:tableStyleId>{5940675A-B579-460E-94D1-54222C63F5DA}</a:tableStyleId>
+              </a:tblPr>
+              <a:tblGrid>
+                <a:gridCol w="1517179">
+                  <a:extLst>
+                    <a:ext uri="{9D8B030D-6E8A-4147-A177-3AD203B41FA5}">
+                      <a16:colId xmlns:a16="http://schemas.microsoft.com/office/drawing/2014/main" val="809760655"/>
+                    </a:ext>
+                  </a:extLst>
+                </a:gridCol>
+                <a:gridCol w="2281936">
+                  <a:extLst>
+                    <a:ext uri="{9D8B030D-6E8A-4147-A177-3AD203B41FA5}">
+                      <a16:colId xmlns:a16="http://schemas.microsoft.com/office/drawing/2014/main" val="879576999"/>
+                    </a:ext>
+                  </a:extLst>
+                </a:gridCol>
+              </a:tblGrid>
+              <a:tr h="370840">
+                <a:tc>
+                  <a:txBody>
+                    <a:bodyPr/>
+                    <a:lstStyle/>
+                    <a:p>
+                      <a:r>
+                        <a:rPr kumimoji="1" lang="en-US" altLang="ja-JP" dirty="0"/>
+                        <a:t>name</a:t>
+                      </a:r>
+                      <a:endParaRPr kumimoji="1" lang="ja-JP" altLang="en-US" dirty="0"/>
+                    </a:p>
+                  </a:txBody>
+                  <a:tcPr/>
+                </a:tc>
+                <a:tc>
+                  <a:txBody>
+                    <a:bodyPr/>
+                    <a:lstStyle/>
+                    <a:p>
+                      <a:r>
+                        <a:rPr kumimoji="1" lang="en-US" altLang="ja-JP" dirty="0"/>
+                        <a:t>description</a:t>
+                      </a:r>
+                      <a:endParaRPr kumimoji="1" lang="ja-JP" altLang="en-US" dirty="0"/>
+                    </a:p>
+                  </a:txBody>
+                  <a:tcPr/>
+                </a:tc>
+                <a:extLst>
+                  <a:ext uri="{0D108BD9-81ED-4DB2-BD59-A6C34878D82A}">
+                    <a16:rowId xmlns:a16="http://schemas.microsoft.com/office/drawing/2014/main" val="1976899287"/>
+                  </a:ext>
+                </a:extLst>
+              </a:tr>
+              <a:tr h="370840">
+                <a:tc>
+                  <a:txBody>
+                    <a:bodyPr/>
+                    <a:lstStyle/>
+                    <a:p>
+                      <a:r>
+                        <a:rPr kumimoji="1" lang="ja-JP" altLang="en-US" dirty="0"/>
+                        <a:t>アニマルタイピング</a:t>
+                      </a:r>
+                    </a:p>
+                  </a:txBody>
+                  <a:tcPr/>
+                </a:tc>
+                <a:tc>
+                  <a:txBody>
+                    <a:bodyPr/>
+                    <a:lstStyle/>
+                    <a:p>
+                      <a:r>
+                        <a:rPr kumimoji="1" lang="ja-JP" altLang="en-US" dirty="0"/>
+                        <a:t>動物を表す英単語のタイピング</a:t>
+                      </a:r>
+                    </a:p>
+                  </a:txBody>
+                  <a:tcPr/>
+                </a:tc>
+                <a:extLst>
+                  <a:ext uri="{0D108BD9-81ED-4DB2-BD59-A6C34878D82A}">
+                    <a16:rowId xmlns:a16="http://schemas.microsoft.com/office/drawing/2014/main" val="3231092690"/>
+                  </a:ext>
+                </a:extLst>
+              </a:tr>
+            </a:tbl>
+          </a:graphicData>
+        </a:graphic>
+      </p:graphicFrame>
+      <p:graphicFrame>
+        <p:nvGraphicFramePr>
+          <p:cNvPr id="10" name="表 9">
+            <a:extLst>
+              <a:ext uri="{FF2B5EF4-FFF2-40B4-BE49-F238E27FC236}">
+                <a16:creationId xmlns:a16="http://schemas.microsoft.com/office/drawing/2014/main" id="{B0FC69DA-7A96-D4B0-0E60-214EE77EE25F}"/>
+              </a:ext>
+            </a:extLst>
+          </p:cNvPr>
+          <p:cNvGraphicFramePr>
+            <a:graphicFrameLocks noGrp="1"/>
+          </p:cNvGraphicFramePr>
+          <p:nvPr>
+            <p:extLst>
+              <p:ext uri="{D42A27DB-BD31-4B8C-83A1-F6EECF244321}">
+                <p14:modId xmlns:p14="http://schemas.microsoft.com/office/powerpoint/2010/main" val="2601700076"/>
+              </p:ext>
+            </p:extLst>
+          </p:nvPr>
+        </p:nvGraphicFramePr>
+        <p:xfrm>
+          <a:off x="895592" y="3831657"/>
+          <a:ext cx="4582883" cy="1855317"/>
+        </p:xfrm>
+        <a:graphic>
+          <a:graphicData uri="http://schemas.openxmlformats.org/drawingml/2006/table">
+            <a:tbl>
+              <a:tblPr firstRow="1" bandRow="1">
+                <a:tableStyleId>{5940675A-B579-460E-94D1-54222C63F5DA}</a:tableStyleId>
+              </a:tblPr>
+              <a:tblGrid>
+                <a:gridCol w="1143397">
+                  <a:extLst>
+                    <a:ext uri="{9D8B030D-6E8A-4147-A177-3AD203B41FA5}">
+                      <a16:colId xmlns:a16="http://schemas.microsoft.com/office/drawing/2014/main" val="809760655"/>
+                    </a:ext>
+                  </a:extLst>
+                </a:gridCol>
+                <a:gridCol w="1108472">
+                  <a:extLst>
+                    <a:ext uri="{9D8B030D-6E8A-4147-A177-3AD203B41FA5}">
+                      <a16:colId xmlns:a16="http://schemas.microsoft.com/office/drawing/2014/main" val="879576999"/>
+                    </a:ext>
+                  </a:extLst>
+                </a:gridCol>
+                <a:gridCol w="2331014">
+                  <a:extLst>
+                    <a:ext uri="{9D8B030D-6E8A-4147-A177-3AD203B41FA5}">
+                      <a16:colId xmlns:a16="http://schemas.microsoft.com/office/drawing/2014/main" val="3499435264"/>
+                    </a:ext>
+                  </a:extLst>
+                </a:gridCol>
+              </a:tblGrid>
+              <a:tr h="575157">
+                <a:tc>
+                  <a:txBody>
+                    <a:bodyPr/>
+                    <a:lstStyle/>
+                    <a:p>
+                      <a:r>
+                        <a:rPr kumimoji="1" lang="en-US" altLang="ja-JP" dirty="0"/>
+                        <a:t>question</a:t>
+                      </a:r>
+                      <a:endParaRPr kumimoji="1" lang="ja-JP" altLang="en-US" dirty="0"/>
+                    </a:p>
+                  </a:txBody>
+                  <a:tcPr/>
+                </a:tc>
+                <a:tc>
+                  <a:txBody>
+                    <a:bodyPr/>
+                    <a:lstStyle/>
+                    <a:p>
+                      <a:r>
+                        <a:rPr kumimoji="1" lang="en-US" altLang="ja-JP" dirty="0"/>
+                        <a:t>answer</a:t>
+                      </a:r>
+                      <a:endParaRPr kumimoji="1" lang="ja-JP" altLang="en-US" dirty="0"/>
+                    </a:p>
+                  </a:txBody>
+                  <a:tcPr/>
+                </a:tc>
+                <a:tc>
+                  <a:txBody>
+                    <a:bodyPr/>
+                    <a:lstStyle/>
+                    <a:p>
+                      <a:r>
+                        <a:rPr kumimoji="1" lang="en-US" altLang="ja-JP" dirty="0"/>
+                        <a:t>Explanation</a:t>
+                      </a:r>
+                      <a:endParaRPr kumimoji="1" lang="ja-JP" altLang="en-US" dirty="0"/>
+                    </a:p>
+                  </a:txBody>
+                  <a:tcPr/>
+                </a:tc>
+                <a:extLst>
+                  <a:ext uri="{0D108BD9-81ED-4DB2-BD59-A6C34878D82A}">
+                    <a16:rowId xmlns:a16="http://schemas.microsoft.com/office/drawing/2014/main" val="1976899287"/>
+                  </a:ext>
+                </a:extLst>
+              </a:tr>
+              <a:tr h="575157">
+                <a:tc>
+                  <a:txBody>
+                    <a:bodyPr/>
+                    <a:lstStyle/>
+                    <a:p>
+                      <a:r>
+                        <a:rPr kumimoji="1" lang="en-US" altLang="ja-JP" dirty="0"/>
+                        <a:t>cat</a:t>
+                      </a:r>
+                      <a:endParaRPr kumimoji="1" lang="ja-JP" altLang="en-US" dirty="0"/>
+                    </a:p>
+                  </a:txBody>
+                  <a:tcPr/>
+                </a:tc>
+                <a:tc>
+                  <a:txBody>
+                    <a:bodyPr/>
+                    <a:lstStyle/>
+                    <a:p>
+                      <a:r>
+                        <a:rPr kumimoji="1" lang="en-US" altLang="ja-JP" dirty="0"/>
+                        <a:t>cat</a:t>
+                      </a:r>
+                      <a:endParaRPr kumimoji="1" lang="ja-JP" altLang="en-US" dirty="0"/>
+                    </a:p>
+                  </a:txBody>
+                  <a:tcPr/>
+                </a:tc>
+                <a:tc>
+                  <a:txBody>
+                    <a:bodyPr/>
+                    <a:lstStyle/>
+                    <a:p>
+                      <a:r>
+                        <a:rPr kumimoji="1" lang="en-US" altLang="ja-JP" dirty="0"/>
+                        <a:t>cat\n</a:t>
+                      </a:r>
+                      <a:r>
+                        <a:rPr kumimoji="1" lang="ja-JP" altLang="en-US" dirty="0"/>
+                        <a:t>これは猫を意味する英単語なのだ</a:t>
+                      </a:r>
+                      <a:endParaRPr kumimoji="1" lang="en-US" altLang="ja-JP" dirty="0"/>
+                    </a:p>
+                  </a:txBody>
+                  <a:tcPr/>
+                </a:tc>
+                <a:extLst>
+                  <a:ext uri="{0D108BD9-81ED-4DB2-BD59-A6C34878D82A}">
+                    <a16:rowId xmlns:a16="http://schemas.microsoft.com/office/drawing/2014/main" val="3231092690"/>
+                  </a:ext>
+                </a:extLst>
+              </a:tr>
+              <a:tr h="575157">
+                <a:tc>
+                  <a:txBody>
+                    <a:bodyPr/>
+                    <a:lstStyle/>
+                    <a:p>
+                      <a:r>
+                        <a:rPr kumimoji="1" lang="en-US" altLang="ja-JP" dirty="0"/>
+                        <a:t>dog</a:t>
+                      </a:r>
+                      <a:endParaRPr kumimoji="1" lang="ja-JP" altLang="en-US" dirty="0"/>
+                    </a:p>
+                  </a:txBody>
+                  <a:tcPr/>
+                </a:tc>
+                <a:tc>
+                  <a:txBody>
+                    <a:bodyPr/>
+                    <a:lstStyle/>
+                    <a:p>
+                      <a:r>
+                        <a:rPr kumimoji="1" lang="en-US" altLang="ja-JP" dirty="0"/>
+                        <a:t>dog</a:t>
+                      </a:r>
+                      <a:endParaRPr kumimoji="1" lang="ja-JP" altLang="en-US" dirty="0"/>
+                    </a:p>
+                  </a:txBody>
+                  <a:tcPr/>
+                </a:tc>
+                <a:tc>
+                  <a:txBody>
+                    <a:bodyPr/>
+                    <a:lstStyle/>
+                    <a:p>
+                      <a:pPr marL="0" marR="0" lvl="0" indent="0" algn="l" defTabSz="914400" rtl="0" eaLnBrk="1" fontAlgn="auto" latinLnBrk="0" hangingPunct="1">
+                        <a:lnSpc>
+                          <a:spcPct val="100000"/>
+                        </a:lnSpc>
+                        <a:spcBef>
+                          <a:spcPts val="0"/>
+                        </a:spcBef>
+                        <a:spcAft>
+                          <a:spcPts val="0"/>
+                        </a:spcAft>
+                        <a:buClrTx/>
+                        <a:buSzTx/>
+                        <a:buFontTx/>
+                        <a:buNone/>
+                        <a:tabLst/>
+                        <a:defRPr/>
+                      </a:pPr>
+                      <a:r>
+                        <a:rPr kumimoji="1" lang="ja-JP" altLang="en-US" sz="1800" b="0" i="0" kern="1200" dirty="0">
+                          <a:solidFill>
+                            <a:schemeClr val="tx1"/>
+                          </a:solidFill>
+                          <a:effectLst/>
+                          <a:latin typeface="+mn-lt"/>
+                          <a:ea typeface="+mn-ea"/>
+                          <a:cs typeface="+mn-cs"/>
+                        </a:rPr>
+                        <a:t>ちなみに犬の鳴き声は</a:t>
+                      </a:r>
+                      <a:r>
+                        <a:rPr kumimoji="1" lang="en-US" altLang="ja-JP" sz="1800" b="0" i="0" kern="1200" dirty="0">
+                          <a:solidFill>
+                            <a:schemeClr val="tx1"/>
+                          </a:solidFill>
+                          <a:effectLst/>
+                          <a:latin typeface="+mn-lt"/>
+                          <a:ea typeface="+mn-ea"/>
+                          <a:cs typeface="+mn-cs"/>
+                        </a:rPr>
+                        <a:t>bow-wow </a:t>
+                      </a:r>
+                      <a:r>
+                        <a:rPr kumimoji="1" lang="ja-JP" altLang="en-US" sz="1800" b="0" i="0" kern="1200" dirty="0">
+                          <a:solidFill>
+                            <a:schemeClr val="tx1"/>
+                          </a:solidFill>
+                          <a:effectLst/>
+                          <a:latin typeface="+mn-lt"/>
+                          <a:ea typeface="+mn-ea"/>
+                          <a:cs typeface="+mn-cs"/>
+                        </a:rPr>
+                        <a:t>など</a:t>
+                      </a:r>
+                    </a:p>
+                  </a:txBody>
+                  <a:tcPr/>
+                </a:tc>
+                <a:extLst>
+                  <a:ext uri="{0D108BD9-81ED-4DB2-BD59-A6C34878D82A}">
+                    <a16:rowId xmlns:a16="http://schemas.microsoft.com/office/drawing/2014/main" val="1868498888"/>
+                  </a:ext>
+                </a:extLst>
+              </a:tr>
+            </a:tbl>
+          </a:graphicData>
+        </a:graphic>
+      </p:graphicFrame>
+      <p:sp>
+        <p:nvSpPr>
+          <p:cNvPr id="11" name="テキスト ボックス 10">
+            <a:extLst>
+              <a:ext uri="{FF2B5EF4-FFF2-40B4-BE49-F238E27FC236}">
+                <a16:creationId xmlns:a16="http://schemas.microsoft.com/office/drawing/2014/main" id="{8C4DA471-6F4A-A2DA-8386-71B7CD2497ED}"/>
               </a:ext>
             </a:extLst>
           </p:cNvPr>
@@ -5460,44 +7941,644 @@
         </p:nvSpPr>
         <p:spPr>
           <a:xfrm>
-            <a:off x="3897088" y="2127495"/>
-            <a:ext cx="2906483" cy="830997"/>
+            <a:off x="1924289" y="3400806"/>
+            <a:ext cx="2525487" cy="369332"/>
           </a:xfrm>
           <a:prstGeom prst="rect">
             <a:avLst/>
           </a:prstGeom>
-        </p:spPr>
-        <p:style>
-          <a:lnRef idx="2">
-            <a:schemeClr val="dk1"/>
-          </a:lnRef>
-          <a:fillRef idx="1">
-            <a:schemeClr val="lt1"/>
-          </a:fillRef>
-          <a:effectRef idx="0">
-            <a:schemeClr val="dk1"/>
-          </a:effectRef>
-          <a:fontRef idx="minor">
-            <a:schemeClr val="dk1"/>
-          </a:fontRef>
-        </p:style>
-        <p:txBody>
-          <a:bodyPr wrap="square">
+          <a:noFill/>
+        </p:spPr>
+        <p:txBody>
+          <a:bodyPr wrap="square" rtlCol="0">
             <a:spAutoFit/>
           </a:bodyPr>
           <a:lstStyle/>
           <a:p>
             <a:r>
-              <a:rPr lang="ja-JP" altLang="en-US" sz="4800" dirty="0"/>
-              <a:t>御御御付</a:t>
-            </a:r>
+              <a:rPr lang="en-US" altLang="ja-JP" dirty="0"/>
+              <a:t>quizzes </a:t>
+            </a:r>
+            <a:r>
+              <a:rPr lang="ja-JP" altLang="en-US" dirty="0"/>
+              <a:t>テーブル</a:t>
+            </a:r>
+            <a:endParaRPr lang="en-US" altLang="ja-JP" dirty="0"/>
+          </a:p>
+        </p:txBody>
+      </p:sp>
+      <p:sp>
+        <p:nvSpPr>
+          <p:cNvPr id="12" name="テキスト ボックス 11">
+            <a:extLst>
+              <a:ext uri="{FF2B5EF4-FFF2-40B4-BE49-F238E27FC236}">
+                <a16:creationId xmlns:a16="http://schemas.microsoft.com/office/drawing/2014/main" id="{0AF72126-E007-B0DD-A626-DF0DC6C4581E}"/>
+              </a:ext>
+            </a:extLst>
+          </p:cNvPr>
+          <p:cNvSpPr txBox="1"/>
+          <p:nvPr/>
+        </p:nvSpPr>
+        <p:spPr>
+          <a:xfrm>
+            <a:off x="5995866" y="311495"/>
+            <a:ext cx="1565062" cy="646331"/>
+          </a:xfrm>
+          <a:prstGeom prst="rect">
+            <a:avLst/>
+          </a:prstGeom>
+          <a:noFill/>
+        </p:spPr>
+        <p:txBody>
+          <a:bodyPr wrap="square" rtlCol="0">
+            <a:spAutoFit/>
+          </a:bodyPr>
+          <a:lstStyle/>
+          <a:p>
+            <a:r>
+              <a:rPr lang="ja-JP" altLang="en-US" b="1" dirty="0"/>
+              <a:t>四字熟語の意味の例</a:t>
+            </a:r>
+            <a:endParaRPr lang="en-US" altLang="ja-JP" b="1" dirty="0"/>
+          </a:p>
+        </p:txBody>
+      </p:sp>
+      <p:sp>
+        <p:nvSpPr>
+          <p:cNvPr id="13" name="テキスト ボックス 12">
+            <a:extLst>
+              <a:ext uri="{FF2B5EF4-FFF2-40B4-BE49-F238E27FC236}">
+                <a16:creationId xmlns:a16="http://schemas.microsoft.com/office/drawing/2014/main" id="{34FB4DA3-2FFC-C3DE-695E-388846244F61}"/>
+              </a:ext>
+            </a:extLst>
+          </p:cNvPr>
+          <p:cNvSpPr txBox="1"/>
+          <p:nvPr/>
+        </p:nvSpPr>
+        <p:spPr>
+          <a:xfrm>
+            <a:off x="8403773" y="387166"/>
+            <a:ext cx="2198914" cy="646331"/>
+          </a:xfrm>
+          <a:prstGeom prst="rect">
+            <a:avLst/>
+          </a:prstGeom>
+          <a:noFill/>
+        </p:spPr>
+        <p:txBody>
+          <a:bodyPr wrap="square" rtlCol="0">
+            <a:spAutoFit/>
+          </a:bodyPr>
+          <a:lstStyle/>
+          <a:p>
+            <a:r>
+              <a:rPr lang="en-US" altLang="ja-JP" dirty="0"/>
+              <a:t>abstract </a:t>
+            </a:r>
+            <a:r>
+              <a:rPr lang="ja-JP" altLang="en-US" dirty="0"/>
+              <a:t>テーブル</a:t>
+            </a:r>
+            <a:endParaRPr lang="en-US" altLang="ja-JP" dirty="0"/>
+          </a:p>
+          <a:p>
+            <a:r>
+              <a:rPr lang="ja-JP" altLang="en-US" dirty="0"/>
+              <a:t>（行は一つだけ）</a:t>
+            </a:r>
+            <a:endParaRPr lang="en-US" altLang="ja-JP" dirty="0"/>
+          </a:p>
+        </p:txBody>
+      </p:sp>
+      <p:graphicFrame>
+        <p:nvGraphicFramePr>
+          <p:cNvPr id="14" name="表 6">
+            <a:extLst>
+              <a:ext uri="{FF2B5EF4-FFF2-40B4-BE49-F238E27FC236}">
+                <a16:creationId xmlns:a16="http://schemas.microsoft.com/office/drawing/2014/main" id="{3D35A022-6CA5-2571-AD37-697D053399E9}"/>
+              </a:ext>
+            </a:extLst>
+          </p:cNvPr>
+          <p:cNvGraphicFramePr>
+            <a:graphicFrameLocks noGrp="1"/>
+          </p:cNvGraphicFramePr>
+          <p:nvPr>
+            <p:extLst>
+              <p:ext uri="{D42A27DB-BD31-4B8C-83A1-F6EECF244321}">
+                <p14:modId xmlns:p14="http://schemas.microsoft.com/office/powerpoint/2010/main" val="4012518618"/>
+              </p:ext>
+            </p:extLst>
+          </p:nvPr>
+        </p:nvGraphicFramePr>
+        <p:xfrm>
+          <a:off x="6879766" y="1019345"/>
+          <a:ext cx="4876914" cy="1285240"/>
+        </p:xfrm>
+        <a:graphic>
+          <a:graphicData uri="http://schemas.openxmlformats.org/drawingml/2006/table">
+            <a:tbl>
+              <a:tblPr firstRow="1" bandRow="1">
+                <a:tableStyleId>{5940675A-B579-460E-94D1-54222C63F5DA}</a:tableStyleId>
+              </a:tblPr>
+              <a:tblGrid>
+                <a:gridCol w="1947599">
+                  <a:extLst>
+                    <a:ext uri="{9D8B030D-6E8A-4147-A177-3AD203B41FA5}">
+                      <a16:colId xmlns:a16="http://schemas.microsoft.com/office/drawing/2014/main" val="809760655"/>
+                    </a:ext>
+                  </a:extLst>
+                </a:gridCol>
+                <a:gridCol w="2929315">
+                  <a:extLst>
+                    <a:ext uri="{9D8B030D-6E8A-4147-A177-3AD203B41FA5}">
+                      <a16:colId xmlns:a16="http://schemas.microsoft.com/office/drawing/2014/main" val="879576999"/>
+                    </a:ext>
+                  </a:extLst>
+                </a:gridCol>
+              </a:tblGrid>
+              <a:tr h="370840">
+                <a:tc>
+                  <a:txBody>
+                    <a:bodyPr/>
+                    <a:lstStyle/>
+                    <a:p>
+                      <a:r>
+                        <a:rPr kumimoji="1" lang="en-US" altLang="ja-JP" dirty="0"/>
+                        <a:t>name</a:t>
+                      </a:r>
+                      <a:endParaRPr kumimoji="1" lang="ja-JP" altLang="en-US" dirty="0"/>
+                    </a:p>
+                  </a:txBody>
+                  <a:tcPr/>
+                </a:tc>
+                <a:tc>
+                  <a:txBody>
+                    <a:bodyPr/>
+                    <a:lstStyle/>
+                    <a:p>
+                      <a:r>
+                        <a:rPr kumimoji="1" lang="en-US" altLang="ja-JP" dirty="0"/>
+                        <a:t>description</a:t>
+                      </a:r>
+                      <a:endParaRPr kumimoji="1" lang="ja-JP" altLang="en-US" dirty="0"/>
+                    </a:p>
+                  </a:txBody>
+                  <a:tcPr/>
+                </a:tc>
+                <a:extLst>
+                  <a:ext uri="{0D108BD9-81ED-4DB2-BD59-A6C34878D82A}">
+                    <a16:rowId xmlns:a16="http://schemas.microsoft.com/office/drawing/2014/main" val="1976899287"/>
+                  </a:ext>
+                </a:extLst>
+              </a:tr>
+              <a:tr h="129962">
+                <a:tc>
+                  <a:txBody>
+                    <a:bodyPr/>
+                    <a:lstStyle/>
+                    <a:p>
+                      <a:r>
+                        <a:rPr kumimoji="1" lang="ja-JP" altLang="en-US" dirty="0"/>
+                        <a:t>四字熟語の意味クイズ</a:t>
+                      </a:r>
+                    </a:p>
+                  </a:txBody>
+                  <a:tcPr/>
+                </a:tc>
+                <a:tc>
+                  <a:txBody>
+                    <a:bodyPr/>
+                    <a:lstStyle/>
+                    <a:p>
+                      <a:r>
+                        <a:rPr kumimoji="1" lang="ja-JP" altLang="en-US" dirty="0"/>
+                        <a:t>四字熟語の意味として最も適切なものを</a:t>
+                      </a:r>
+                      <a:r>
+                        <a:rPr kumimoji="1" lang="en-US" altLang="ja-JP" dirty="0"/>
+                        <a:t>4</a:t>
+                      </a:r>
+                      <a:r>
+                        <a:rPr kumimoji="1" lang="ja-JP" altLang="en-US" dirty="0"/>
+                        <a:t>つの選択肢から選ぼう！</a:t>
+                      </a:r>
+                    </a:p>
+                  </a:txBody>
+                  <a:tcPr/>
+                </a:tc>
+                <a:extLst>
+                  <a:ext uri="{0D108BD9-81ED-4DB2-BD59-A6C34878D82A}">
+                    <a16:rowId xmlns:a16="http://schemas.microsoft.com/office/drawing/2014/main" val="3231092690"/>
+                  </a:ext>
+                </a:extLst>
+              </a:tr>
+            </a:tbl>
+          </a:graphicData>
+        </a:graphic>
+      </p:graphicFrame>
+      <p:graphicFrame>
+        <p:nvGraphicFramePr>
+          <p:cNvPr id="15" name="表 14">
+            <a:extLst>
+              <a:ext uri="{FF2B5EF4-FFF2-40B4-BE49-F238E27FC236}">
+                <a16:creationId xmlns:a16="http://schemas.microsoft.com/office/drawing/2014/main" id="{092FA371-2357-345B-3551-38C0492C2299}"/>
+              </a:ext>
+            </a:extLst>
+          </p:cNvPr>
+          <p:cNvGraphicFramePr>
+            <a:graphicFrameLocks noGrp="1"/>
+          </p:cNvGraphicFramePr>
+          <p:nvPr>
+            <p:extLst>
+              <p:ext uri="{D42A27DB-BD31-4B8C-83A1-F6EECF244321}">
+                <p14:modId xmlns:p14="http://schemas.microsoft.com/office/powerpoint/2010/main" val="80261530"/>
+              </p:ext>
+            </p:extLst>
+          </p:nvPr>
+        </p:nvGraphicFramePr>
+        <p:xfrm>
+          <a:off x="5995866" y="2864769"/>
+          <a:ext cx="5836907" cy="2926080"/>
+        </p:xfrm>
+        <a:graphic>
+          <a:graphicData uri="http://schemas.openxmlformats.org/drawingml/2006/table">
+            <a:tbl>
+              <a:tblPr firstRow="1" bandRow="1">
+                <a:tableStyleId>{5940675A-B579-460E-94D1-54222C63F5DA}</a:tableStyleId>
+              </a:tblPr>
+              <a:tblGrid>
+                <a:gridCol w="4235789">
+                  <a:extLst>
+                    <a:ext uri="{9D8B030D-6E8A-4147-A177-3AD203B41FA5}">
+                      <a16:colId xmlns:a16="http://schemas.microsoft.com/office/drawing/2014/main" val="809760655"/>
+                    </a:ext>
+                  </a:extLst>
+                </a:gridCol>
+                <a:gridCol w="750770">
+                  <a:extLst>
+                    <a:ext uri="{9D8B030D-6E8A-4147-A177-3AD203B41FA5}">
+                      <a16:colId xmlns:a16="http://schemas.microsoft.com/office/drawing/2014/main" val="879576999"/>
+                    </a:ext>
+                  </a:extLst>
+                </a:gridCol>
+                <a:gridCol w="850348">
+                  <a:extLst>
+                    <a:ext uri="{9D8B030D-6E8A-4147-A177-3AD203B41FA5}">
+                      <a16:colId xmlns:a16="http://schemas.microsoft.com/office/drawing/2014/main" val="3499435264"/>
+                    </a:ext>
+                  </a:extLst>
+                </a:gridCol>
+              </a:tblGrid>
+              <a:tr h="598060">
+                <a:tc>
+                  <a:txBody>
+                    <a:bodyPr/>
+                    <a:lstStyle/>
+                    <a:p>
+                      <a:r>
+                        <a:rPr kumimoji="1" lang="en-US" altLang="ja-JP" dirty="0"/>
+                        <a:t>question</a:t>
+                      </a:r>
+                      <a:endParaRPr kumimoji="1" lang="ja-JP" altLang="en-US" dirty="0"/>
+                    </a:p>
+                  </a:txBody>
+                  <a:tcPr/>
+                </a:tc>
+                <a:tc>
+                  <a:txBody>
+                    <a:bodyPr/>
+                    <a:lstStyle/>
+                    <a:p>
+                      <a:r>
+                        <a:rPr kumimoji="1" lang="en-US" altLang="ja-JP" dirty="0"/>
+                        <a:t>answer</a:t>
+                      </a:r>
+                      <a:endParaRPr kumimoji="1" lang="ja-JP" altLang="en-US" dirty="0"/>
+                    </a:p>
+                  </a:txBody>
+                  <a:tcPr/>
+                </a:tc>
+                <a:tc>
+                  <a:txBody>
+                    <a:bodyPr/>
+                    <a:lstStyle/>
+                    <a:p>
+                      <a:r>
+                        <a:rPr kumimoji="1" lang="en-US" altLang="ja-JP" dirty="0"/>
+                        <a:t>explanation</a:t>
+                      </a:r>
+                      <a:endParaRPr kumimoji="1" lang="ja-JP" altLang="en-US" dirty="0"/>
+                    </a:p>
+                  </a:txBody>
+                  <a:tcPr/>
+                </a:tc>
+                <a:extLst>
+                  <a:ext uri="{0D108BD9-81ED-4DB2-BD59-A6C34878D82A}">
+                    <a16:rowId xmlns:a16="http://schemas.microsoft.com/office/drawing/2014/main" val="1976899287"/>
+                  </a:ext>
+                </a:extLst>
+              </a:tr>
+              <a:tr h="1683167">
+                <a:tc>
+                  <a:txBody>
+                    <a:bodyPr/>
+                    <a:lstStyle/>
+                    <a:p>
+                      <a:pPr marL="0" marR="0" lvl="0" indent="0" algn="l" defTabSz="914400" rtl="0" eaLnBrk="1" fontAlgn="auto" latinLnBrk="0" hangingPunct="1">
+                        <a:lnSpc>
+                          <a:spcPct val="100000"/>
+                        </a:lnSpc>
+                        <a:spcBef>
+                          <a:spcPts val="0"/>
+                        </a:spcBef>
+                        <a:spcAft>
+                          <a:spcPts val="0"/>
+                        </a:spcAft>
+                        <a:buClrTx/>
+                        <a:buSzTx/>
+                        <a:buFontTx/>
+                        <a:buNone/>
+                        <a:tabLst/>
+                        <a:defRPr/>
+                      </a:pPr>
+                      <a:r>
+                        <a:rPr kumimoji="1" lang="ja-JP" altLang="en-US" dirty="0"/>
+                        <a:t>「羊頭狗肉」</a:t>
+                      </a:r>
+                      <a:r>
+                        <a:rPr kumimoji="1" lang="en-US" altLang="ja-JP" dirty="0"/>
+                        <a:t>\n1.</a:t>
+                      </a:r>
+                      <a:r>
+                        <a:rPr kumimoji="1" lang="ja-JP" altLang="en-US" sz="1800" b="0" i="0" kern="1200" dirty="0">
+                          <a:solidFill>
+                            <a:schemeClr val="tx1"/>
+                          </a:solidFill>
+                          <a:effectLst/>
+                          <a:latin typeface="+mn-lt"/>
+                          <a:ea typeface="+mn-ea"/>
+                          <a:cs typeface="+mn-cs"/>
+                        </a:rPr>
+                        <a:t>見た目や表面と、実際・実質が一致しないことのたとえ</a:t>
+                      </a:r>
+                      <a:r>
+                        <a:rPr kumimoji="1" lang="en-US" altLang="ja-JP" sz="1800" b="0" i="0" kern="1200" dirty="0">
+                          <a:solidFill>
+                            <a:schemeClr val="tx1"/>
+                          </a:solidFill>
+                          <a:effectLst/>
+                          <a:latin typeface="+mn-lt"/>
+                          <a:ea typeface="+mn-ea"/>
+                          <a:cs typeface="+mn-cs"/>
+                        </a:rPr>
+                        <a:t>\n2.</a:t>
+                      </a:r>
+                      <a:r>
+                        <a:rPr kumimoji="1" lang="ja-JP" altLang="en-US" sz="1800" b="0" i="0" kern="1200" dirty="0">
+                          <a:solidFill>
+                            <a:schemeClr val="tx1"/>
+                          </a:solidFill>
+                          <a:effectLst/>
+                          <a:latin typeface="+mn-lt"/>
+                          <a:ea typeface="+mn-ea"/>
+                          <a:cs typeface="+mn-cs"/>
+                        </a:rPr>
+                        <a:t>大きな集団や組織の末端にいるより、小さくてもよいから長となって重んじられるほうがよいということ</a:t>
+                      </a:r>
+                      <a:r>
+                        <a:rPr kumimoji="1" lang="en-US" altLang="ja-JP" sz="1800" b="0" i="0" kern="1200" dirty="0">
+                          <a:solidFill>
+                            <a:schemeClr val="tx1"/>
+                          </a:solidFill>
+                          <a:effectLst/>
+                          <a:latin typeface="+mn-lt"/>
+                          <a:ea typeface="+mn-ea"/>
+                          <a:cs typeface="+mn-cs"/>
+                        </a:rPr>
+                        <a:t>\n3.</a:t>
+                      </a:r>
+                      <a:r>
+                        <a:rPr kumimoji="1" lang="ja-JP" altLang="en-US" sz="1800" b="0" i="0" kern="1200" dirty="0">
+                          <a:solidFill>
+                            <a:schemeClr val="tx1"/>
+                          </a:solidFill>
+                          <a:effectLst/>
+                          <a:latin typeface="+mn-lt"/>
+                          <a:ea typeface="+mn-ea"/>
+                          <a:cs typeface="+mn-cs"/>
+                        </a:rPr>
+                        <a:t>助けがなく、まわりが敵・反対者ばかりであること。</a:t>
+                      </a:r>
+                      <a:r>
+                        <a:rPr kumimoji="1" lang="en-US" altLang="ja-JP" sz="1800" b="0" i="0" kern="1200" dirty="0">
+                          <a:solidFill>
+                            <a:schemeClr val="tx1"/>
+                          </a:solidFill>
+                          <a:effectLst/>
+                          <a:latin typeface="+mn-lt"/>
+                          <a:ea typeface="+mn-ea"/>
+                          <a:cs typeface="+mn-cs"/>
+                        </a:rPr>
+                        <a:t>\n4.</a:t>
+                      </a:r>
+                      <a:r>
+                        <a:rPr kumimoji="1" lang="ja-JP" altLang="en-US" sz="1800" b="0" i="0" kern="1200" dirty="0">
+                          <a:solidFill>
+                            <a:schemeClr val="tx1"/>
+                          </a:solidFill>
+                          <a:effectLst/>
+                          <a:latin typeface="+mn-lt"/>
+                          <a:ea typeface="+mn-ea"/>
+                          <a:cs typeface="+mn-cs"/>
+                        </a:rPr>
+                        <a:t>主君のために力を尽くすこと。</a:t>
+                      </a:r>
+                    </a:p>
+                  </a:txBody>
+                  <a:tcPr/>
+                </a:tc>
+                <a:tc>
+                  <a:txBody>
+                    <a:bodyPr/>
+                    <a:lstStyle/>
+                    <a:p>
+                      <a:r>
+                        <a:rPr kumimoji="1" lang="en-US" altLang="ja-JP" dirty="0"/>
+                        <a:t>1</a:t>
+                      </a:r>
+                      <a:endParaRPr kumimoji="1" lang="ja-JP" altLang="en-US" dirty="0"/>
+                    </a:p>
+                  </a:txBody>
+                  <a:tcPr/>
+                </a:tc>
+                <a:tc>
+                  <a:txBody>
+                    <a:bodyPr/>
+                    <a:lstStyle/>
+                    <a:p>
+                      <a:r>
+                        <a:rPr kumimoji="1" lang="ja-JP" altLang="en-US" dirty="0"/>
+                        <a:t>羊頭狗肉という言葉の由来は</a:t>
+                      </a:r>
+                      <a:r>
+                        <a:rPr kumimoji="1" lang="en-US" altLang="ja-JP" dirty="0"/>
+                        <a:t>…</a:t>
+                      </a:r>
+                      <a:endParaRPr kumimoji="1" lang="ja-JP" altLang="en-US" dirty="0"/>
+                    </a:p>
+                  </a:txBody>
+                  <a:tcPr/>
+                </a:tc>
+                <a:extLst>
+                  <a:ext uri="{0D108BD9-81ED-4DB2-BD59-A6C34878D82A}">
+                    <a16:rowId xmlns:a16="http://schemas.microsoft.com/office/drawing/2014/main" val="3231092690"/>
+                  </a:ext>
+                </a:extLst>
+              </a:tr>
+            </a:tbl>
+          </a:graphicData>
+        </a:graphic>
+      </p:graphicFrame>
+      <p:sp>
+        <p:nvSpPr>
+          <p:cNvPr id="16" name="テキスト ボックス 15">
+            <a:extLst>
+              <a:ext uri="{FF2B5EF4-FFF2-40B4-BE49-F238E27FC236}">
+                <a16:creationId xmlns:a16="http://schemas.microsoft.com/office/drawing/2014/main" id="{0FB636A1-AC8A-BF61-B118-F4F04089AC00}"/>
+              </a:ext>
+            </a:extLst>
+          </p:cNvPr>
+          <p:cNvSpPr txBox="1"/>
+          <p:nvPr/>
+        </p:nvSpPr>
+        <p:spPr>
+          <a:xfrm>
+            <a:off x="8240486" y="2400011"/>
+            <a:ext cx="2525487" cy="369332"/>
+          </a:xfrm>
+          <a:prstGeom prst="rect">
+            <a:avLst/>
+          </a:prstGeom>
+          <a:noFill/>
+        </p:spPr>
+        <p:txBody>
+          <a:bodyPr wrap="square" rtlCol="0">
+            <a:spAutoFit/>
+          </a:bodyPr>
+          <a:lstStyle/>
+          <a:p>
+            <a:r>
+              <a:rPr lang="en-US" altLang="ja-JP" dirty="0"/>
+              <a:t>quizzes </a:t>
+            </a:r>
+            <a:r>
+              <a:rPr lang="ja-JP" altLang="en-US" dirty="0"/>
+              <a:t>テーブル</a:t>
+            </a:r>
+            <a:endParaRPr lang="en-US" altLang="ja-JP" dirty="0"/>
+          </a:p>
+        </p:txBody>
+      </p:sp>
+      <p:sp>
+        <p:nvSpPr>
+          <p:cNvPr id="17" name="テキスト ボックス 16">
+            <a:extLst>
+              <a:ext uri="{FF2B5EF4-FFF2-40B4-BE49-F238E27FC236}">
+                <a16:creationId xmlns:a16="http://schemas.microsoft.com/office/drawing/2014/main" id="{5C842E7C-7643-FA7F-2466-A3498FBBF9E5}"/>
+              </a:ext>
+            </a:extLst>
+          </p:cNvPr>
+          <p:cNvSpPr txBox="1"/>
+          <p:nvPr/>
+        </p:nvSpPr>
+        <p:spPr>
+          <a:xfrm>
+            <a:off x="6593492" y="5947005"/>
+            <a:ext cx="4506900" cy="646331"/>
+          </a:xfrm>
+          <a:prstGeom prst="rect">
+            <a:avLst/>
+          </a:prstGeom>
+          <a:noFill/>
+        </p:spPr>
+        <p:txBody>
+          <a:bodyPr wrap="square" rtlCol="0">
+            <a:spAutoFit/>
+          </a:bodyPr>
+          <a:lstStyle/>
+          <a:p>
+            <a:r>
+              <a:rPr lang="ja-JP" altLang="en-US" b="1" dirty="0"/>
+              <a:t>複数の選択肢がある問題でも、</a:t>
+            </a:r>
+            <a:r>
+              <a:rPr lang="en-US" altLang="ja-JP" b="1" dirty="0"/>
+              <a:t>question </a:t>
+            </a:r>
+            <a:r>
+              <a:rPr lang="ja-JP" altLang="en-US" b="1" dirty="0"/>
+              <a:t>でなんとかする</a:t>
+            </a:r>
+            <a:endParaRPr lang="en-US" altLang="ja-JP" b="1" dirty="0"/>
+          </a:p>
+        </p:txBody>
+      </p:sp>
+      <p:sp>
+        <p:nvSpPr>
+          <p:cNvPr id="19" name="テキスト ボックス 18">
+            <a:extLst>
+              <a:ext uri="{FF2B5EF4-FFF2-40B4-BE49-F238E27FC236}">
+                <a16:creationId xmlns:a16="http://schemas.microsoft.com/office/drawing/2014/main" id="{84A78E69-55F1-AF3A-F8FA-F62B53A084B6}"/>
+              </a:ext>
+            </a:extLst>
+          </p:cNvPr>
+          <p:cNvSpPr txBox="1"/>
+          <p:nvPr/>
+        </p:nvSpPr>
+        <p:spPr>
+          <a:xfrm>
+            <a:off x="1219199" y="5947005"/>
+            <a:ext cx="4506900" cy="923330"/>
+          </a:xfrm>
+          <a:prstGeom prst="rect">
+            <a:avLst/>
+          </a:prstGeom>
+          <a:noFill/>
+        </p:spPr>
+        <p:txBody>
+          <a:bodyPr wrap="square" rtlCol="0">
+            <a:spAutoFit/>
+          </a:bodyPr>
+          <a:lstStyle/>
+          <a:p>
+            <a:r>
+              <a:rPr lang="ja-JP" altLang="en-US" b="1" dirty="0"/>
+              <a:t>タイピングは </a:t>
+            </a:r>
+            <a:r>
+              <a:rPr lang="en-US" altLang="ja-JP" b="1" dirty="0"/>
+              <a:t>question </a:t>
+            </a:r>
+            <a:r>
+              <a:rPr lang="ja-JP" altLang="en-US" b="1" dirty="0"/>
+              <a:t>と </a:t>
+            </a:r>
+            <a:r>
+              <a:rPr lang="en-US" altLang="ja-JP" b="1" dirty="0"/>
+              <a:t>answer </a:t>
+            </a:r>
+            <a:r>
+              <a:rPr lang="ja-JP" altLang="en-US" b="1" dirty="0"/>
+              <a:t>が完全に重複する（重複させずに効率よいデータ保存形式はあるのか？）</a:t>
+            </a:r>
+            <a:endParaRPr lang="en-US" altLang="ja-JP" b="1" dirty="0"/>
           </a:p>
         </p:txBody>
       </p:sp>
     </p:spTree>
     <p:extLst>
       <p:ext uri="{BB962C8B-B14F-4D97-AF65-F5344CB8AC3E}">
-        <p14:creationId xmlns:p14="http://schemas.microsoft.com/office/powerpoint/2010/main" val="1318474976"/>
+        <p14:creationId xmlns:p14="http://schemas.microsoft.com/office/powerpoint/2010/main" val="247273116"/>
       </p:ext>
     </p:extLst>
   </p:cSld>
@@ -5538,8 +8619,8 @@
         </p:nvSpPr>
         <p:spPr>
           <a:xfrm>
-            <a:off x="1219198" y="477875"/>
-            <a:ext cx="8229601" cy="707886"/>
+            <a:off x="1219199" y="477875"/>
+            <a:ext cx="8600662" cy="707886"/>
           </a:xfrm>
           <a:prstGeom prst="rect">
             <a:avLst/>
@@ -5554,7 +8635,7 @@
           <a:p>
             <a:r>
               <a:rPr kumimoji="1" lang="ja-JP" altLang="en-US" sz="4000" b="1" dirty="0"/>
-              <a:t>問題画面（タイピング問題の例）</a:t>
+              <a:t>問題画面（エンドレスモードの例）</a:t>
             </a:r>
           </a:p>
         </p:txBody>
@@ -5573,7 +8654,7 @@
         </p:nvSpPr>
         <p:spPr>
           <a:xfrm>
-            <a:off x="1088570" y="1295009"/>
+            <a:off x="1219199" y="1300647"/>
             <a:ext cx="9644744" cy="4256705"/>
           </a:xfrm>
           <a:prstGeom prst="rect">
@@ -5622,7 +8703,7 @@
         </p:nvSpPr>
         <p:spPr>
           <a:xfrm>
-            <a:off x="3897088" y="4078472"/>
+            <a:off x="3207975" y="3928739"/>
             <a:ext cx="3396344" cy="646331"/>
           </a:xfrm>
           <a:prstGeom prst="rect">
@@ -5650,8 +8731,8 @@
           <a:lstStyle/>
           <a:p>
             <a:r>
-              <a:rPr lang="en-US" altLang="ja-JP" sz="3600" dirty="0" err="1"/>
-              <a:t>hor</a:t>
+              <a:rPr lang="ja-JP" altLang="en-US" sz="3600" dirty="0"/>
+              <a:t>おみおつ</a:t>
             </a:r>
             <a:r>
               <a:rPr lang="en-US" altLang="ja-JP" sz="3600" dirty="0"/>
@@ -5675,7 +8756,7 @@
         </p:nvSpPr>
         <p:spPr>
           <a:xfrm>
-            <a:off x="3897088" y="2127495"/>
+            <a:off x="3452905" y="2119248"/>
             <a:ext cx="2906483" cy="830997"/>
           </a:xfrm>
           <a:prstGeom prst="rect">
@@ -5703,17 +8784,176 @@
           <a:lstStyle/>
           <a:p>
             <a:r>
-              <a:rPr lang="en-US" altLang="ja-JP" sz="4800" dirty="0"/>
-              <a:t>horse</a:t>
-            </a:r>
-            <a:endParaRPr lang="ja-JP" altLang="en-US" sz="4800" dirty="0"/>
+              <a:rPr lang="ja-JP" altLang="en-US" sz="4800" dirty="0"/>
+              <a:t>御御御付</a:t>
+            </a:r>
+          </a:p>
+        </p:txBody>
+      </p:sp>
+      <p:sp>
+        <p:nvSpPr>
+          <p:cNvPr id="6" name="テキスト ボックス 5">
+            <a:extLst>
+              <a:ext uri="{FF2B5EF4-FFF2-40B4-BE49-F238E27FC236}">
+                <a16:creationId xmlns:a16="http://schemas.microsoft.com/office/drawing/2014/main" id="{2D528DB1-8433-317F-9877-66A00AA446EB}"/>
+              </a:ext>
+            </a:extLst>
+          </p:cNvPr>
+          <p:cNvSpPr txBox="1"/>
+          <p:nvPr/>
+        </p:nvSpPr>
+        <p:spPr>
+          <a:xfrm>
+            <a:off x="8811010" y="1681901"/>
+            <a:ext cx="1591262" cy="584775"/>
+          </a:xfrm>
+          <a:prstGeom prst="rect">
+            <a:avLst/>
+          </a:prstGeom>
+        </p:spPr>
+        <p:style>
+          <a:lnRef idx="2">
+            <a:schemeClr val="dk1"/>
+          </a:lnRef>
+          <a:fillRef idx="1">
+            <a:schemeClr val="lt1"/>
+          </a:fillRef>
+          <a:effectRef idx="0">
+            <a:schemeClr val="dk1"/>
+          </a:effectRef>
+          <a:fontRef idx="minor">
+            <a:schemeClr val="dk1"/>
+          </a:fontRef>
+        </p:style>
+        <p:txBody>
+          <a:bodyPr wrap="square">
+            <a:spAutoFit/>
+          </a:bodyPr>
+          <a:lstStyle/>
+          <a:p>
+            <a:r>
+              <a:rPr lang="ja-JP" altLang="en-US" sz="1600" dirty="0"/>
+              <a:t>累計問題数 </a:t>
+            </a:r>
+            <a:r>
+              <a:rPr lang="en-US" altLang="ja-JP" sz="1600" dirty="0"/>
+              <a:t>or </a:t>
+            </a:r>
+            <a:r>
+              <a:rPr lang="ja-JP" altLang="en-US" sz="1600" dirty="0"/>
+              <a:t>残り問題数</a:t>
+            </a:r>
+          </a:p>
+        </p:txBody>
+      </p:sp>
+      <p:sp>
+        <p:nvSpPr>
+          <p:cNvPr id="7" name="テキスト ボックス 6">
+            <a:extLst>
+              <a:ext uri="{FF2B5EF4-FFF2-40B4-BE49-F238E27FC236}">
+                <a16:creationId xmlns:a16="http://schemas.microsoft.com/office/drawing/2014/main" id="{9C4CBB7A-B823-E577-FF84-8CEA6A450518}"/>
+              </a:ext>
+            </a:extLst>
+          </p:cNvPr>
+          <p:cNvSpPr txBox="1"/>
+          <p:nvPr/>
+        </p:nvSpPr>
+        <p:spPr>
+          <a:xfrm>
+            <a:off x="8914767" y="2589842"/>
+            <a:ext cx="1383747" cy="646331"/>
+          </a:xfrm>
+          <a:prstGeom prst="rect">
+            <a:avLst/>
+          </a:prstGeom>
+        </p:spPr>
+        <p:style>
+          <a:lnRef idx="2">
+            <a:schemeClr val="dk1"/>
+          </a:lnRef>
+          <a:fillRef idx="1">
+            <a:schemeClr val="lt1"/>
+          </a:fillRef>
+          <a:effectRef idx="0">
+            <a:schemeClr val="dk1"/>
+          </a:effectRef>
+          <a:fontRef idx="minor">
+            <a:schemeClr val="dk1"/>
+          </a:fontRef>
+        </p:style>
+        <p:txBody>
+          <a:bodyPr wrap="square">
+            <a:spAutoFit/>
+          </a:bodyPr>
+          <a:lstStyle/>
+          <a:p>
+            <a:r>
+              <a:rPr lang="ja-JP" altLang="en-US" dirty="0"/>
+              <a:t>経過時間 </a:t>
+            </a:r>
+            <a:r>
+              <a:rPr lang="en-US" altLang="ja-JP" dirty="0"/>
+              <a:t>or </a:t>
+            </a:r>
+            <a:r>
+              <a:rPr lang="ja-JP" altLang="en-US" dirty="0"/>
+              <a:t>残り時間</a:t>
+            </a:r>
+          </a:p>
+        </p:txBody>
+      </p:sp>
+      <p:sp>
+        <p:nvSpPr>
+          <p:cNvPr id="8" name="テキスト ボックス 7">
+            <a:extLst>
+              <a:ext uri="{FF2B5EF4-FFF2-40B4-BE49-F238E27FC236}">
+                <a16:creationId xmlns:a16="http://schemas.microsoft.com/office/drawing/2014/main" id="{B1FFFFE8-FC08-C94A-0F90-697474D48E89}"/>
+              </a:ext>
+            </a:extLst>
+          </p:cNvPr>
+          <p:cNvSpPr txBox="1"/>
+          <p:nvPr/>
+        </p:nvSpPr>
+        <p:spPr>
+          <a:xfrm>
+            <a:off x="8707251" y="4076667"/>
+            <a:ext cx="1591263" cy="646331"/>
+          </a:xfrm>
+          <a:prstGeom prst="rect">
+            <a:avLst/>
+          </a:prstGeom>
+        </p:spPr>
+        <p:style>
+          <a:lnRef idx="2">
+            <a:schemeClr val="dk1"/>
+          </a:lnRef>
+          <a:fillRef idx="1">
+            <a:schemeClr val="lt1"/>
+          </a:fillRef>
+          <a:effectRef idx="0">
+            <a:schemeClr val="dk1"/>
+          </a:effectRef>
+          <a:fontRef idx="minor">
+            <a:schemeClr val="dk1"/>
+          </a:fontRef>
+        </p:style>
+        <p:txBody>
+          <a:bodyPr wrap="square">
+            <a:spAutoFit/>
+          </a:bodyPr>
+          <a:lstStyle/>
+          <a:p>
+            <a:r>
+              <a:rPr lang="ja-JP" altLang="en-US" dirty="0"/>
+              <a:t>結果画面へ進むボタン</a:t>
+            </a:r>
           </a:p>
         </p:txBody>
       </p:sp>
     </p:spTree>
     <p:extLst>
       <p:ext uri="{BB962C8B-B14F-4D97-AF65-F5344CB8AC3E}">
-        <p14:creationId xmlns:p14="http://schemas.microsoft.com/office/powerpoint/2010/main" val="2152166199"/>
+        <p14:creationId xmlns:p14="http://schemas.microsoft.com/office/powerpoint/2010/main" val="1318474976"/>
       </p:ext>
     </p:extLst>
   </p:cSld>
@@ -5754,8 +8994,8 @@
         </p:nvSpPr>
         <p:spPr>
           <a:xfrm>
-            <a:off x="1219198" y="477875"/>
-            <a:ext cx="8229601" cy="707886"/>
+            <a:off x="794655" y="458108"/>
+            <a:ext cx="9833588" cy="707886"/>
           </a:xfrm>
           <a:prstGeom prst="rect">
             <a:avLst/>
@@ -5769,8 +9009,12 @@
           <a:lstStyle/>
           <a:p>
             <a:r>
+              <a:rPr lang="ja-JP" altLang="en-US" sz="4000" b="1" dirty="0"/>
+              <a:t>エンドレスモードでの正解確認</a:t>
+            </a:r>
+            <a:r>
               <a:rPr kumimoji="1" lang="ja-JP" altLang="en-US" sz="4000" b="1" dirty="0"/>
-              <a:t>問題画面（選択問題の例）</a:t>
+              <a:t>画面</a:t>
             </a:r>
           </a:p>
         </p:txBody>
@@ -5789,7 +9033,7 @@
         </p:nvSpPr>
         <p:spPr>
           <a:xfrm>
-            <a:off x="1088570" y="1300647"/>
+            <a:off x="1088570" y="2225933"/>
             <a:ext cx="9644744" cy="4256705"/>
           </a:xfrm>
           <a:prstGeom prst="rect">
@@ -5838,8 +9082,8 @@
         </p:nvSpPr>
         <p:spPr>
           <a:xfrm>
-            <a:off x="3897088" y="4078472"/>
-            <a:ext cx="3396344" cy="646331"/>
+            <a:off x="2264229" y="4232825"/>
+            <a:ext cx="6923314" cy="646331"/>
           </a:xfrm>
           <a:prstGeom prst="rect">
             <a:avLst/>
@@ -5866,10 +9110,9 @@
           <a:lstStyle/>
           <a:p>
             <a:r>
-              <a:rPr lang="en-US" altLang="ja-JP" sz="3600" dirty="0"/>
-              <a:t>3</a:t>
-            </a:r>
-            <a:endParaRPr lang="ja-JP" altLang="en-US" sz="3600" dirty="0"/>
+              <a:rPr lang="ja-JP" altLang="en-US" sz="3600" dirty="0"/>
+              <a:t>解説文章</a:t>
+            </a:r>
           </a:p>
         </p:txBody>
       </p:sp>
@@ -5887,8 +9130,8 @@
         </p:nvSpPr>
         <p:spPr>
           <a:xfrm>
-            <a:off x="2215243" y="1681901"/>
-            <a:ext cx="7391398" cy="1815882"/>
+            <a:off x="3445328" y="2931614"/>
+            <a:ext cx="4751615" cy="707886"/>
           </a:xfrm>
           <a:prstGeom prst="rect">
             <a:avLst/>
@@ -5915,38 +9158,296 @@
           <a:lstStyle/>
           <a:p>
             <a:r>
-              <a:rPr lang="ja-JP" altLang="en-US" sz="2800" dirty="0"/>
-              <a:t>〇〇の意味に最も近いものの番号を選べ</a:t>
-            </a:r>
-            <a:endParaRPr lang="en-US" altLang="ja-JP" sz="2800" dirty="0"/>
-          </a:p>
-          <a:p>
-            <a:pPr marL="914400" indent="-914400">
-              <a:buAutoNum type="arabicPeriod"/>
-            </a:pPr>
-            <a:r>
-              <a:rPr lang="ja-JP" altLang="en-US" sz="2800" dirty="0"/>
-              <a:t>～</a:t>
-            </a:r>
-            <a:endParaRPr lang="en-US" altLang="ja-JP" sz="2800" dirty="0"/>
-          </a:p>
-          <a:p>
-            <a:pPr marL="914400" indent="-914400">
-              <a:buAutoNum type="arabicPeriod"/>
-            </a:pPr>
-            <a:r>
-              <a:rPr lang="ja-JP" altLang="en-US" sz="2800" dirty="0"/>
-              <a:t>～</a:t>
-            </a:r>
-            <a:endParaRPr lang="en-US" altLang="ja-JP" sz="2800" dirty="0"/>
-          </a:p>
-          <a:p>
-            <a:pPr marL="914400" indent="-914400">
-              <a:buAutoNum type="arabicPeriod"/>
-            </a:pPr>
-            <a:r>
-              <a:rPr lang="ja-JP" altLang="en-US" sz="2800" dirty="0"/>
-              <a:t>～</a:t>
+              <a:rPr lang="ja-JP" altLang="en-US" sz="4000" dirty="0"/>
+              <a:t>正解 （</a:t>
+            </a:r>
+            <a:r>
+              <a:rPr lang="en-US" altLang="ja-JP" sz="4000" dirty="0"/>
+              <a:t>or </a:t>
+            </a:r>
+            <a:r>
+              <a:rPr lang="ja-JP" altLang="en-US" sz="4000" dirty="0"/>
+              <a:t>不正解）</a:t>
+            </a:r>
+          </a:p>
+        </p:txBody>
+      </p:sp>
+      <p:sp>
+        <p:nvSpPr>
+          <p:cNvPr id="6" name="テキスト ボックス 5">
+            <a:extLst>
+              <a:ext uri="{FF2B5EF4-FFF2-40B4-BE49-F238E27FC236}">
+                <a16:creationId xmlns:a16="http://schemas.microsoft.com/office/drawing/2014/main" id="{6923AB51-2387-AF99-2D77-70426C439AD5}"/>
+              </a:ext>
+            </a:extLst>
+          </p:cNvPr>
+          <p:cNvSpPr txBox="1"/>
+          <p:nvPr/>
+        </p:nvSpPr>
+        <p:spPr>
+          <a:xfrm>
+            <a:off x="969301" y="1249868"/>
+            <a:ext cx="9764013" cy="707886"/>
+          </a:xfrm>
+          <a:prstGeom prst="rect">
+            <a:avLst/>
+          </a:prstGeom>
+          <a:noFill/>
+        </p:spPr>
+        <p:txBody>
+          <a:bodyPr wrap="square" rtlCol="0">
+            <a:spAutoFit/>
+          </a:bodyPr>
+          <a:lstStyle/>
+          <a:p>
+            <a:r>
+              <a:rPr kumimoji="1" lang="ja-JP" altLang="en-US" sz="2000" dirty="0"/>
+              <a:t>時間制限モードや問題数固定モードでは</a:t>
+            </a:r>
+            <a:r>
+              <a:rPr lang="ja-JP" altLang="en-US" sz="2000" dirty="0"/>
+              <a:t>出さない</a:t>
+            </a:r>
+            <a:r>
+              <a:rPr kumimoji="1" lang="ja-JP" altLang="en-US" sz="2000" dirty="0"/>
+              <a:t>。エンドレスモードでは</a:t>
+            </a:r>
+            <a:r>
+              <a:rPr lang="ja-JP" altLang="en-US" sz="2000" dirty="0"/>
+              <a:t>この画面で停止し、</a:t>
+            </a:r>
+            <a:r>
+              <a:rPr kumimoji="1" lang="ja-JP" altLang="en-US" sz="2000" dirty="0"/>
+              <a:t> </a:t>
+            </a:r>
+            <a:r>
+              <a:rPr kumimoji="1" lang="en-US" altLang="ja-JP" sz="2000" dirty="0"/>
+              <a:t>Enter </a:t>
+            </a:r>
+            <a:r>
+              <a:rPr kumimoji="1" lang="ja-JP" altLang="en-US" sz="2000" dirty="0"/>
+              <a:t>キーを押して進めるまでじっくり確認できる</a:t>
+            </a:r>
+            <a:r>
+              <a:rPr lang="ja-JP" altLang="en-US" sz="2000" dirty="0"/>
+              <a:t>。</a:t>
+            </a:r>
+            <a:endParaRPr kumimoji="1" lang="ja-JP" altLang="en-US" sz="2000" dirty="0"/>
+          </a:p>
+        </p:txBody>
+      </p:sp>
+      <p:sp>
+        <p:nvSpPr>
+          <p:cNvPr id="7" name="テキスト ボックス 6">
+            <a:extLst>
+              <a:ext uri="{FF2B5EF4-FFF2-40B4-BE49-F238E27FC236}">
+                <a16:creationId xmlns:a16="http://schemas.microsoft.com/office/drawing/2014/main" id="{AC42F77C-B2CA-D0D0-1548-3A9DEF936FFE}"/>
+              </a:ext>
+            </a:extLst>
+          </p:cNvPr>
+          <p:cNvSpPr txBox="1"/>
+          <p:nvPr/>
+        </p:nvSpPr>
+        <p:spPr>
+          <a:xfrm>
+            <a:off x="4250160" y="5461726"/>
+            <a:ext cx="3321563" cy="369332"/>
+          </a:xfrm>
+          <a:prstGeom prst="rect">
+            <a:avLst/>
+          </a:prstGeom>
+        </p:spPr>
+        <p:style>
+          <a:lnRef idx="2">
+            <a:schemeClr val="dk1"/>
+          </a:lnRef>
+          <a:fillRef idx="1">
+            <a:schemeClr val="lt1"/>
+          </a:fillRef>
+          <a:effectRef idx="0">
+            <a:schemeClr val="dk1"/>
+          </a:effectRef>
+          <a:fontRef idx="minor">
+            <a:schemeClr val="dk1"/>
+          </a:fontRef>
+        </p:style>
+        <p:txBody>
+          <a:bodyPr wrap="square">
+            <a:spAutoFit/>
+          </a:bodyPr>
+          <a:lstStyle/>
+          <a:p>
+            <a:r>
+              <a:rPr lang="ja-JP" altLang="en-US" dirty="0"/>
+              <a:t>次へボタン（ </a:t>
+            </a:r>
+            <a:r>
+              <a:rPr lang="en-US" altLang="ja-JP" dirty="0"/>
+              <a:t>Enter </a:t>
+            </a:r>
+            <a:r>
+              <a:rPr lang="ja-JP" altLang="en-US" dirty="0"/>
+              <a:t>でも可）</a:t>
+            </a:r>
+          </a:p>
+        </p:txBody>
+      </p:sp>
+      <p:sp>
+        <p:nvSpPr>
+          <p:cNvPr id="8" name="テキスト ボックス 7">
+            <a:extLst>
+              <a:ext uri="{FF2B5EF4-FFF2-40B4-BE49-F238E27FC236}">
+                <a16:creationId xmlns:a16="http://schemas.microsoft.com/office/drawing/2014/main" id="{0E2DCC2C-0882-A7AD-95C4-C754924711B4}"/>
+              </a:ext>
+            </a:extLst>
+          </p:cNvPr>
+          <p:cNvSpPr txBox="1"/>
+          <p:nvPr/>
+        </p:nvSpPr>
+        <p:spPr>
+          <a:xfrm>
+            <a:off x="8849054" y="2608359"/>
+            <a:ext cx="1591262" cy="584775"/>
+          </a:xfrm>
+          <a:prstGeom prst="rect">
+            <a:avLst/>
+          </a:prstGeom>
+        </p:spPr>
+        <p:style>
+          <a:lnRef idx="2">
+            <a:schemeClr val="dk1"/>
+          </a:lnRef>
+          <a:fillRef idx="1">
+            <a:schemeClr val="lt1"/>
+          </a:fillRef>
+          <a:effectRef idx="0">
+            <a:schemeClr val="dk1"/>
+          </a:effectRef>
+          <a:fontRef idx="minor">
+            <a:schemeClr val="dk1"/>
+          </a:fontRef>
+        </p:style>
+        <p:txBody>
+          <a:bodyPr wrap="square">
+            <a:spAutoFit/>
+          </a:bodyPr>
+          <a:lstStyle/>
+          <a:p>
+            <a:r>
+              <a:rPr lang="ja-JP" altLang="en-US" sz="1600" dirty="0"/>
+              <a:t>累計問題数 </a:t>
+            </a:r>
+            <a:r>
+              <a:rPr lang="en-US" altLang="ja-JP" sz="1600" dirty="0"/>
+              <a:t>or </a:t>
+            </a:r>
+            <a:r>
+              <a:rPr lang="ja-JP" altLang="en-US" sz="1600" dirty="0"/>
+              <a:t>残り問題数</a:t>
+            </a:r>
+          </a:p>
+        </p:txBody>
+      </p:sp>
+      <p:sp>
+        <p:nvSpPr>
+          <p:cNvPr id="9" name="テキスト ボックス 8">
+            <a:extLst>
+              <a:ext uri="{FF2B5EF4-FFF2-40B4-BE49-F238E27FC236}">
+                <a16:creationId xmlns:a16="http://schemas.microsoft.com/office/drawing/2014/main" id="{DEB15813-F4F8-4FA4-A4C2-6667D304E996}"/>
+              </a:ext>
+            </a:extLst>
+          </p:cNvPr>
+          <p:cNvSpPr txBox="1"/>
+          <p:nvPr/>
+        </p:nvSpPr>
+        <p:spPr>
+          <a:xfrm>
+            <a:off x="8952811" y="3302525"/>
+            <a:ext cx="1383747" cy="646331"/>
+          </a:xfrm>
+          <a:prstGeom prst="rect">
+            <a:avLst/>
+          </a:prstGeom>
+        </p:spPr>
+        <p:style>
+          <a:lnRef idx="2">
+            <a:schemeClr val="dk1"/>
+          </a:lnRef>
+          <a:fillRef idx="1">
+            <a:schemeClr val="lt1"/>
+          </a:fillRef>
+          <a:effectRef idx="0">
+            <a:schemeClr val="dk1"/>
+          </a:effectRef>
+          <a:fontRef idx="minor">
+            <a:schemeClr val="dk1"/>
+          </a:fontRef>
+        </p:style>
+        <p:txBody>
+          <a:bodyPr wrap="square">
+            <a:spAutoFit/>
+          </a:bodyPr>
+          <a:lstStyle/>
+          <a:p>
+            <a:r>
+              <a:rPr lang="ja-JP" altLang="en-US" dirty="0"/>
+              <a:t>経過時間 </a:t>
+            </a:r>
+            <a:r>
+              <a:rPr lang="en-US" altLang="ja-JP" dirty="0"/>
+              <a:t>or </a:t>
+            </a:r>
+            <a:r>
+              <a:rPr lang="ja-JP" altLang="en-US" dirty="0"/>
+              <a:t>残り時間</a:t>
+            </a:r>
+          </a:p>
+        </p:txBody>
+      </p:sp>
+      <p:sp>
+        <p:nvSpPr>
+          <p:cNvPr id="10" name="テキスト ボックス 9">
+            <a:extLst>
+              <a:ext uri="{FF2B5EF4-FFF2-40B4-BE49-F238E27FC236}">
+                <a16:creationId xmlns:a16="http://schemas.microsoft.com/office/drawing/2014/main" id="{9B70BF88-3CB8-88EC-7B38-B1F35AD54500}"/>
+              </a:ext>
+            </a:extLst>
+          </p:cNvPr>
+          <p:cNvSpPr txBox="1"/>
+          <p:nvPr/>
+        </p:nvSpPr>
+        <p:spPr>
+          <a:xfrm>
+            <a:off x="8521148" y="5335429"/>
+            <a:ext cx="1919168" cy="646331"/>
+          </a:xfrm>
+          <a:prstGeom prst="rect">
+            <a:avLst/>
+          </a:prstGeom>
+        </p:spPr>
+        <p:style>
+          <a:lnRef idx="2">
+            <a:schemeClr val="dk1"/>
+          </a:lnRef>
+          <a:fillRef idx="1">
+            <a:schemeClr val="lt1"/>
+          </a:fillRef>
+          <a:effectRef idx="0">
+            <a:schemeClr val="dk1"/>
+          </a:effectRef>
+          <a:fontRef idx="minor">
+            <a:schemeClr val="dk1"/>
+          </a:fontRef>
+        </p:style>
+        <p:txBody>
+          <a:bodyPr wrap="square">
+            <a:spAutoFit/>
+          </a:bodyPr>
+          <a:lstStyle/>
+          <a:p>
+            <a:r>
+              <a:rPr lang="ja-JP" altLang="en-US" dirty="0"/>
+              <a:t>終了し結果画面へ行くボタン</a:t>
             </a:r>
           </a:p>
         </p:txBody>
@@ -5954,7 +9455,7 @@
     </p:spTree>
     <p:extLst>
       <p:ext uri="{BB962C8B-B14F-4D97-AF65-F5344CB8AC3E}">
-        <p14:creationId xmlns:p14="http://schemas.microsoft.com/office/powerpoint/2010/main" val="3536260854"/>
+        <p14:creationId xmlns:p14="http://schemas.microsoft.com/office/powerpoint/2010/main" val="1448487327"/>
       </p:ext>
     </p:extLst>
   </p:cSld>
@@ -5995,7 +9496,7 @@
         </p:nvSpPr>
         <p:spPr>
           <a:xfrm>
-            <a:off x="794655" y="458108"/>
+            <a:off x="1219198" y="477875"/>
             <a:ext cx="8229601" cy="707886"/>
           </a:xfrm>
           <a:prstGeom prst="rect">
@@ -6010,12 +9511,16 @@
           <a:lstStyle/>
           <a:p>
             <a:r>
+              <a:rPr kumimoji="1" lang="ja-JP" altLang="en-US" sz="4000" b="1" dirty="0"/>
+              <a:t>問題画面（</a:t>
+            </a:r>
+            <a:r>
               <a:rPr lang="ja-JP" altLang="en-US" sz="4000" b="1" dirty="0"/>
-              <a:t>正解確認</a:t>
+              <a:t>時間制限モード</a:t>
             </a:r>
             <a:r>
               <a:rPr kumimoji="1" lang="ja-JP" altLang="en-US" sz="4000" b="1" dirty="0"/>
-              <a:t>画面</a:t>
+              <a:t>の例）</a:t>
             </a:r>
           </a:p>
         </p:txBody>
@@ -6034,7 +9539,7 @@
         </p:nvSpPr>
         <p:spPr>
           <a:xfrm>
-            <a:off x="1088570" y="2225933"/>
+            <a:off x="1088570" y="1295009"/>
             <a:ext cx="9644744" cy="4256705"/>
           </a:xfrm>
           <a:prstGeom prst="rect">
@@ -6083,8 +9588,8 @@
         </p:nvSpPr>
         <p:spPr>
           <a:xfrm>
-            <a:off x="2264229" y="4382080"/>
-            <a:ext cx="6923314" cy="646331"/>
+            <a:off x="3897088" y="4078472"/>
+            <a:ext cx="3396344" cy="646331"/>
           </a:xfrm>
           <a:prstGeom prst="rect">
             <a:avLst/>
@@ -6111,9 +9616,14 @@
           <a:lstStyle/>
           <a:p>
             <a:r>
-              <a:rPr lang="ja-JP" altLang="en-US" sz="3600" dirty="0"/>
-              <a:t>解説文章</a:t>
-            </a:r>
+              <a:rPr lang="en-US" altLang="ja-JP" sz="3600" dirty="0" err="1"/>
+              <a:t>hor</a:t>
+            </a:r>
+            <a:r>
+              <a:rPr lang="en-US" altLang="ja-JP" sz="3600" dirty="0"/>
+              <a:t>…</a:t>
+            </a:r>
+            <a:endParaRPr lang="ja-JP" altLang="en-US" sz="3600" dirty="0"/>
           </a:p>
         </p:txBody>
       </p:sp>
@@ -6131,8 +9641,8 @@
         </p:nvSpPr>
         <p:spPr>
           <a:xfrm>
-            <a:off x="3445328" y="2931614"/>
-            <a:ext cx="4751615" cy="707886"/>
+            <a:off x="3897088" y="2127495"/>
+            <a:ext cx="2906483" cy="830997"/>
           </a:xfrm>
           <a:prstGeom prst="rect">
             <a:avLst/>
@@ -6159,17 +9669,10 @@
           <a:lstStyle/>
           <a:p>
             <a:r>
-              <a:rPr lang="ja-JP" altLang="en-US" sz="4000" dirty="0"/>
-              <a:t>正解 （</a:t>
-            </a:r>
-            <a:r>
-              <a:rPr lang="en-US" altLang="ja-JP" sz="4000" dirty="0"/>
-              <a:t>or </a:t>
-            </a:r>
-            <a:r>
-              <a:rPr lang="ja-JP" altLang="en-US" sz="4000" dirty="0"/>
-              <a:t>不正解）</a:t>
-            </a:r>
+              <a:rPr lang="en-US" altLang="ja-JP" sz="4800" dirty="0"/>
+              <a:t>horse</a:t>
+            </a:r>
+            <a:endParaRPr lang="ja-JP" altLang="en-US" sz="4800" dirty="0"/>
           </a:p>
         </p:txBody>
       </p:sp>
@@ -6178,7 +9681,7 @@
           <p:cNvPr id="6" name="テキスト ボックス 5">
             <a:extLst>
               <a:ext uri="{FF2B5EF4-FFF2-40B4-BE49-F238E27FC236}">
-                <a16:creationId xmlns:a16="http://schemas.microsoft.com/office/drawing/2014/main" id="{6923AB51-2387-AF99-2D77-70426C439AD5}"/>
+                <a16:creationId xmlns:a16="http://schemas.microsoft.com/office/drawing/2014/main" id="{78FB05A2-E15A-AE9A-324F-10EB5FF92ADD}"/>
               </a:ext>
             </a:extLst>
           </p:cNvPr>
@@ -6187,64 +9690,8 @@
         </p:nvSpPr>
         <p:spPr>
           <a:xfrm>
-            <a:off x="4169230" y="317313"/>
-            <a:ext cx="7445828" cy="1815882"/>
-          </a:xfrm>
-          <a:prstGeom prst="rect">
-            <a:avLst/>
-          </a:prstGeom>
-          <a:noFill/>
-        </p:spPr>
-        <p:txBody>
-          <a:bodyPr wrap="square" rtlCol="0">
-            <a:spAutoFit/>
-          </a:bodyPr>
-          <a:lstStyle/>
-          <a:p>
-            <a:r>
-              <a:rPr kumimoji="1" lang="ja-JP" altLang="en-US" sz="2800" dirty="0"/>
-              <a:t>時間制限モードや問題数固定モードでは解説は最後に一覧で出る。エンドレスモードでは</a:t>
-            </a:r>
-            <a:r>
-              <a:rPr lang="ja-JP" altLang="en-US" sz="2800" dirty="0"/>
-              <a:t>この画面で停止し、</a:t>
-            </a:r>
-            <a:r>
-              <a:rPr kumimoji="1" lang="ja-JP" altLang="en-US" sz="2800" dirty="0"/>
-              <a:t> </a:t>
-            </a:r>
-            <a:r>
-              <a:rPr kumimoji="1" lang="en-US" altLang="ja-JP" sz="2800" dirty="0"/>
-              <a:t>Enter </a:t>
-            </a:r>
-            <a:r>
-              <a:rPr kumimoji="1" lang="ja-JP" altLang="en-US" sz="2800" dirty="0"/>
-              <a:t>キーを押して進めるまでじっくり確認できる</a:t>
-            </a:r>
-            <a:r>
-              <a:rPr lang="ja-JP" altLang="en-US" sz="2800" dirty="0"/>
-              <a:t>。</a:t>
-            </a:r>
-            <a:endParaRPr kumimoji="1" lang="ja-JP" altLang="en-US" sz="2800" dirty="0"/>
-          </a:p>
-        </p:txBody>
-      </p:sp>
-      <p:sp>
-        <p:nvSpPr>
-          <p:cNvPr id="7" name="テキスト ボックス 6">
-            <a:extLst>
-              <a:ext uri="{FF2B5EF4-FFF2-40B4-BE49-F238E27FC236}">
-                <a16:creationId xmlns:a16="http://schemas.microsoft.com/office/drawing/2014/main" id="{AC42F77C-B2CA-D0D0-1548-3A9DEF936FFE}"/>
-              </a:ext>
-            </a:extLst>
-          </p:cNvPr>
-          <p:cNvSpPr txBox="1"/>
-          <p:nvPr/>
-        </p:nvSpPr>
-        <p:spPr>
-          <a:xfrm>
-            <a:off x="6672943" y="5350909"/>
-            <a:ext cx="3592286" cy="954107"/>
+            <a:off x="8811009" y="1681901"/>
+            <a:ext cx="1764225" cy="338554"/>
           </a:xfrm>
           <a:prstGeom prst="rect">
             <a:avLst/>
@@ -6271,8 +9718,104 @@
           <a:lstStyle/>
           <a:p>
             <a:r>
-              <a:rPr lang="ja-JP" altLang="en-US" sz="2800" dirty="0"/>
-              <a:t>エンドレスモードのみ 次へボタン</a:t>
+              <a:rPr lang="ja-JP" altLang="en-US" sz="1600" dirty="0"/>
+              <a:t>累計正解問題数</a:t>
+            </a:r>
+          </a:p>
+        </p:txBody>
+      </p:sp>
+      <p:sp>
+        <p:nvSpPr>
+          <p:cNvPr id="7" name="テキスト ボックス 6">
+            <a:extLst>
+              <a:ext uri="{FF2B5EF4-FFF2-40B4-BE49-F238E27FC236}">
+                <a16:creationId xmlns:a16="http://schemas.microsoft.com/office/drawing/2014/main" id="{039969D7-E4EE-0587-8A36-0DB56A8D5672}"/>
+              </a:ext>
+            </a:extLst>
+          </p:cNvPr>
+          <p:cNvSpPr txBox="1"/>
+          <p:nvPr/>
+        </p:nvSpPr>
+        <p:spPr>
+          <a:xfrm>
+            <a:off x="8920215" y="2397392"/>
+            <a:ext cx="1383747" cy="369332"/>
+          </a:xfrm>
+          <a:prstGeom prst="rect">
+            <a:avLst/>
+          </a:prstGeom>
+        </p:spPr>
+        <p:style>
+          <a:lnRef idx="2">
+            <a:schemeClr val="dk1"/>
+          </a:lnRef>
+          <a:fillRef idx="1">
+            <a:schemeClr val="lt1"/>
+          </a:fillRef>
+          <a:effectRef idx="0">
+            <a:schemeClr val="dk1"/>
+          </a:effectRef>
+          <a:fontRef idx="minor">
+            <a:schemeClr val="dk1"/>
+          </a:fontRef>
+        </p:style>
+        <p:txBody>
+          <a:bodyPr wrap="square">
+            <a:spAutoFit/>
+          </a:bodyPr>
+          <a:lstStyle/>
+          <a:p>
+            <a:r>
+              <a:rPr lang="ja-JP" altLang="en-US" dirty="0"/>
+              <a:t>残り時間</a:t>
+            </a:r>
+          </a:p>
+        </p:txBody>
+      </p:sp>
+      <p:sp>
+        <p:nvSpPr>
+          <p:cNvPr id="8" name="テキスト ボックス 7">
+            <a:extLst>
+              <a:ext uri="{FF2B5EF4-FFF2-40B4-BE49-F238E27FC236}">
+                <a16:creationId xmlns:a16="http://schemas.microsoft.com/office/drawing/2014/main" id="{18B6D70E-AD55-5AC9-061E-C127DC4982A9}"/>
+              </a:ext>
+            </a:extLst>
+          </p:cNvPr>
+          <p:cNvSpPr txBox="1"/>
+          <p:nvPr/>
+        </p:nvSpPr>
+        <p:spPr>
+          <a:xfrm>
+            <a:off x="8337727" y="4078472"/>
+            <a:ext cx="1764224" cy="923330"/>
+          </a:xfrm>
+          <a:prstGeom prst="rect">
+            <a:avLst/>
+          </a:prstGeom>
+        </p:spPr>
+        <p:style>
+          <a:lnRef idx="2">
+            <a:schemeClr val="dk1"/>
+          </a:lnRef>
+          <a:fillRef idx="1">
+            <a:schemeClr val="lt1"/>
+          </a:fillRef>
+          <a:effectRef idx="0">
+            <a:schemeClr val="dk1"/>
+          </a:effectRef>
+          <a:fontRef idx="minor">
+            <a:schemeClr val="dk1"/>
+          </a:fontRef>
+        </p:style>
+        <p:txBody>
+          <a:bodyPr wrap="square">
+            <a:spAutoFit/>
+          </a:bodyPr>
+          <a:lstStyle/>
+          <a:p>
+            <a:r>
+              <a:rPr lang="ja-JP" altLang="en-US" dirty="0"/>
+              <a:t>リタイアボタン（強制的に結果画面へ）</a:t>
             </a:r>
           </a:p>
         </p:txBody>
@@ -6280,7 +9823,725 @@
     </p:spTree>
     <p:extLst>
       <p:ext uri="{BB962C8B-B14F-4D97-AF65-F5344CB8AC3E}">
-        <p14:creationId xmlns:p14="http://schemas.microsoft.com/office/powerpoint/2010/main" val="1448487327"/>
+        <p14:creationId xmlns:p14="http://schemas.microsoft.com/office/powerpoint/2010/main" val="2152166199"/>
+      </p:ext>
+    </p:extLst>
+  </p:cSld>
+  <p:clrMapOvr>
+    <a:masterClrMapping/>
+  </p:clrMapOvr>
+</p:sld>
+</file>
+
+<file path=ppt/slides/slide8.xml><?xml version="1.0" encoding="utf-8"?>
+<p:sld xmlns:a="http://schemas.openxmlformats.org/drawingml/2006/main" xmlns:r="http://schemas.openxmlformats.org/officeDocument/2006/relationships" xmlns:p="http://schemas.openxmlformats.org/presentationml/2006/main">
+  <p:cSld>
+    <p:spTree>
+      <p:nvGrpSpPr>
+        <p:cNvPr id="1" name=""/>
+        <p:cNvGrpSpPr/>
+        <p:nvPr/>
+      </p:nvGrpSpPr>
+      <p:grpSpPr>
+        <a:xfrm>
+          <a:off x="0" y="0"/>
+          <a:ext cx="0" cy="0"/>
+          <a:chOff x="0" y="0"/>
+          <a:chExt cx="0" cy="0"/>
+        </a:xfrm>
+      </p:grpSpPr>
+      <p:sp>
+        <p:nvSpPr>
+          <p:cNvPr id="2" name="テキスト ボックス 1">
+            <a:extLst>
+              <a:ext uri="{FF2B5EF4-FFF2-40B4-BE49-F238E27FC236}">
+                <a16:creationId xmlns:a16="http://schemas.microsoft.com/office/drawing/2014/main" id="{54AB1246-4924-AD44-3DCE-CCD6677E1431}"/>
+              </a:ext>
+            </a:extLst>
+          </p:cNvPr>
+          <p:cNvSpPr txBox="1"/>
+          <p:nvPr/>
+        </p:nvSpPr>
+        <p:spPr>
+          <a:xfrm>
+            <a:off x="1219198" y="477875"/>
+            <a:ext cx="8613915" cy="707886"/>
+          </a:xfrm>
+          <a:prstGeom prst="rect">
+            <a:avLst/>
+          </a:prstGeom>
+          <a:noFill/>
+        </p:spPr>
+        <p:txBody>
+          <a:bodyPr wrap="square" rtlCol="0">
+            <a:spAutoFit/>
+          </a:bodyPr>
+          <a:lstStyle/>
+          <a:p>
+            <a:r>
+              <a:rPr kumimoji="1" lang="ja-JP" altLang="en-US" sz="4000" b="1" dirty="0"/>
+              <a:t>問題画面（固定問題数モードの例）</a:t>
+            </a:r>
+          </a:p>
+        </p:txBody>
+      </p:sp>
+      <p:sp>
+        <p:nvSpPr>
+          <p:cNvPr id="3" name="正方形/長方形 2">
+            <a:extLst>
+              <a:ext uri="{FF2B5EF4-FFF2-40B4-BE49-F238E27FC236}">
+                <a16:creationId xmlns:a16="http://schemas.microsoft.com/office/drawing/2014/main" id="{3CB6FD18-3889-D4C4-A955-9E06E979290E}"/>
+              </a:ext>
+            </a:extLst>
+          </p:cNvPr>
+          <p:cNvSpPr/>
+          <p:nvPr/>
+        </p:nvSpPr>
+        <p:spPr>
+          <a:xfrm>
+            <a:off x="1088570" y="1300647"/>
+            <a:ext cx="9644744" cy="4256705"/>
+          </a:xfrm>
+          <a:prstGeom prst="rect">
+            <a:avLst/>
+          </a:prstGeom>
+          <a:ln w="57150">
+            <a:solidFill>
+              <a:schemeClr val="tx1"/>
+            </a:solidFill>
+          </a:ln>
+        </p:spPr>
+        <p:style>
+          <a:lnRef idx="2">
+            <a:schemeClr val="accent6"/>
+          </a:lnRef>
+          <a:fillRef idx="1">
+            <a:schemeClr val="lt1"/>
+          </a:fillRef>
+          <a:effectRef idx="0">
+            <a:schemeClr val="accent6"/>
+          </a:effectRef>
+          <a:fontRef idx="minor">
+            <a:schemeClr val="dk1"/>
+          </a:fontRef>
+        </p:style>
+        <p:txBody>
+          <a:bodyPr rtlCol="0" anchor="ctr"/>
+          <a:lstStyle/>
+          <a:p>
+            <a:pPr algn="ctr"/>
+            <a:endParaRPr kumimoji="1" lang="ja-JP" altLang="en-US"/>
+          </a:p>
+        </p:txBody>
+      </p:sp>
+      <p:sp>
+        <p:nvSpPr>
+          <p:cNvPr id="4" name="テキスト ボックス 3">
+            <a:extLst>
+              <a:ext uri="{FF2B5EF4-FFF2-40B4-BE49-F238E27FC236}">
+                <a16:creationId xmlns:a16="http://schemas.microsoft.com/office/drawing/2014/main" id="{15D0BA63-D82B-82DA-09D9-5E6900FE0C7D}"/>
+              </a:ext>
+            </a:extLst>
+          </p:cNvPr>
+          <p:cNvSpPr txBox="1"/>
+          <p:nvPr/>
+        </p:nvSpPr>
+        <p:spPr>
+          <a:xfrm>
+            <a:off x="2982688" y="4116973"/>
+            <a:ext cx="3396344" cy="646331"/>
+          </a:xfrm>
+          <a:prstGeom prst="rect">
+            <a:avLst/>
+          </a:prstGeom>
+        </p:spPr>
+        <p:style>
+          <a:lnRef idx="2">
+            <a:schemeClr val="dk1"/>
+          </a:lnRef>
+          <a:fillRef idx="1">
+            <a:schemeClr val="lt1"/>
+          </a:fillRef>
+          <a:effectRef idx="0">
+            <a:schemeClr val="dk1"/>
+          </a:effectRef>
+          <a:fontRef idx="minor">
+            <a:schemeClr val="dk1"/>
+          </a:fontRef>
+        </p:style>
+        <p:txBody>
+          <a:bodyPr wrap="square">
+            <a:spAutoFit/>
+          </a:bodyPr>
+          <a:lstStyle/>
+          <a:p>
+            <a:r>
+              <a:rPr lang="en-US" altLang="ja-JP" sz="3600" dirty="0"/>
+              <a:t>3</a:t>
+            </a:r>
+            <a:endParaRPr lang="ja-JP" altLang="en-US" sz="3600" dirty="0"/>
+          </a:p>
+        </p:txBody>
+      </p:sp>
+      <p:sp>
+        <p:nvSpPr>
+          <p:cNvPr id="5" name="テキスト ボックス 4">
+            <a:extLst>
+              <a:ext uri="{FF2B5EF4-FFF2-40B4-BE49-F238E27FC236}">
+                <a16:creationId xmlns:a16="http://schemas.microsoft.com/office/drawing/2014/main" id="{DD48ADE1-B327-3848-D767-5904E25C9E79}"/>
+              </a:ext>
+            </a:extLst>
+          </p:cNvPr>
+          <p:cNvSpPr txBox="1"/>
+          <p:nvPr/>
+        </p:nvSpPr>
+        <p:spPr>
+          <a:xfrm>
+            <a:off x="1789728" y="1681901"/>
+            <a:ext cx="6690240" cy="1815882"/>
+          </a:xfrm>
+          <a:prstGeom prst="rect">
+            <a:avLst/>
+          </a:prstGeom>
+        </p:spPr>
+        <p:style>
+          <a:lnRef idx="2">
+            <a:schemeClr val="dk1"/>
+          </a:lnRef>
+          <a:fillRef idx="1">
+            <a:schemeClr val="lt1"/>
+          </a:fillRef>
+          <a:effectRef idx="0">
+            <a:schemeClr val="dk1"/>
+          </a:effectRef>
+          <a:fontRef idx="minor">
+            <a:schemeClr val="dk1"/>
+          </a:fontRef>
+        </p:style>
+        <p:txBody>
+          <a:bodyPr wrap="square">
+            <a:spAutoFit/>
+          </a:bodyPr>
+          <a:lstStyle/>
+          <a:p>
+            <a:r>
+              <a:rPr lang="ja-JP" altLang="en-US" sz="2800" dirty="0"/>
+              <a:t>〇〇の意味に最も近いものの番号を選べ</a:t>
+            </a:r>
+            <a:endParaRPr lang="en-US" altLang="ja-JP" sz="2800" dirty="0"/>
+          </a:p>
+          <a:p>
+            <a:pPr marL="914400" indent="-914400">
+              <a:buAutoNum type="arabicPeriod"/>
+            </a:pPr>
+            <a:r>
+              <a:rPr lang="ja-JP" altLang="en-US" sz="2800" dirty="0"/>
+              <a:t>～</a:t>
+            </a:r>
+            <a:endParaRPr lang="en-US" altLang="ja-JP" sz="2800" dirty="0"/>
+          </a:p>
+          <a:p>
+            <a:pPr marL="914400" indent="-914400">
+              <a:buAutoNum type="arabicPeriod"/>
+            </a:pPr>
+            <a:r>
+              <a:rPr lang="ja-JP" altLang="en-US" sz="2800" dirty="0"/>
+              <a:t>～</a:t>
+            </a:r>
+            <a:endParaRPr lang="en-US" altLang="ja-JP" sz="2800" dirty="0"/>
+          </a:p>
+          <a:p>
+            <a:pPr marL="914400" indent="-914400">
+              <a:buAutoNum type="arabicPeriod"/>
+            </a:pPr>
+            <a:r>
+              <a:rPr lang="ja-JP" altLang="en-US" sz="2800" dirty="0"/>
+              <a:t>～</a:t>
+            </a:r>
+          </a:p>
+        </p:txBody>
+      </p:sp>
+      <p:sp>
+        <p:nvSpPr>
+          <p:cNvPr id="6" name="テキスト ボックス 5">
+            <a:extLst>
+              <a:ext uri="{FF2B5EF4-FFF2-40B4-BE49-F238E27FC236}">
+                <a16:creationId xmlns:a16="http://schemas.microsoft.com/office/drawing/2014/main" id="{17F89CC9-0416-FA56-2750-ADA6D4B231EB}"/>
+              </a:ext>
+            </a:extLst>
+          </p:cNvPr>
+          <p:cNvSpPr txBox="1"/>
+          <p:nvPr/>
+        </p:nvSpPr>
+        <p:spPr>
+          <a:xfrm>
+            <a:off x="8914767" y="2589842"/>
+            <a:ext cx="1383747" cy="369332"/>
+          </a:xfrm>
+          <a:prstGeom prst="rect">
+            <a:avLst/>
+          </a:prstGeom>
+        </p:spPr>
+        <p:style>
+          <a:lnRef idx="2">
+            <a:schemeClr val="dk1"/>
+          </a:lnRef>
+          <a:fillRef idx="1">
+            <a:schemeClr val="lt1"/>
+          </a:fillRef>
+          <a:effectRef idx="0">
+            <a:schemeClr val="dk1"/>
+          </a:effectRef>
+          <a:fontRef idx="minor">
+            <a:schemeClr val="dk1"/>
+          </a:fontRef>
+        </p:style>
+        <p:txBody>
+          <a:bodyPr wrap="square">
+            <a:spAutoFit/>
+          </a:bodyPr>
+          <a:lstStyle/>
+          <a:p>
+            <a:r>
+              <a:rPr lang="ja-JP" altLang="en-US" dirty="0"/>
+              <a:t>経過時間</a:t>
+            </a:r>
+          </a:p>
+        </p:txBody>
+      </p:sp>
+      <p:sp>
+        <p:nvSpPr>
+          <p:cNvPr id="7" name="テキスト ボックス 6">
+            <a:extLst>
+              <a:ext uri="{FF2B5EF4-FFF2-40B4-BE49-F238E27FC236}">
+                <a16:creationId xmlns:a16="http://schemas.microsoft.com/office/drawing/2014/main" id="{35C5FE66-0440-94A5-BEDA-779821C52077}"/>
+              </a:ext>
+            </a:extLst>
+          </p:cNvPr>
+          <p:cNvSpPr txBox="1"/>
+          <p:nvPr/>
+        </p:nvSpPr>
+        <p:spPr>
+          <a:xfrm>
+            <a:off x="8914767" y="1681901"/>
+            <a:ext cx="1591262" cy="338554"/>
+          </a:xfrm>
+          <a:prstGeom prst="rect">
+            <a:avLst/>
+          </a:prstGeom>
+        </p:spPr>
+        <p:style>
+          <a:lnRef idx="2">
+            <a:schemeClr val="dk1"/>
+          </a:lnRef>
+          <a:fillRef idx="1">
+            <a:schemeClr val="lt1"/>
+          </a:fillRef>
+          <a:effectRef idx="0">
+            <a:schemeClr val="dk1"/>
+          </a:effectRef>
+          <a:fontRef idx="minor">
+            <a:schemeClr val="dk1"/>
+          </a:fontRef>
+        </p:style>
+        <p:txBody>
+          <a:bodyPr wrap="square">
+            <a:spAutoFit/>
+          </a:bodyPr>
+          <a:lstStyle/>
+          <a:p>
+            <a:r>
+              <a:rPr lang="ja-JP" altLang="en-US" sz="1600" dirty="0"/>
+              <a:t>残り問題数</a:t>
+            </a:r>
+          </a:p>
+        </p:txBody>
+      </p:sp>
+      <p:sp>
+        <p:nvSpPr>
+          <p:cNvPr id="9" name="テキスト ボックス 8">
+            <a:extLst>
+              <a:ext uri="{FF2B5EF4-FFF2-40B4-BE49-F238E27FC236}">
+                <a16:creationId xmlns:a16="http://schemas.microsoft.com/office/drawing/2014/main" id="{DBDDC2F1-C1D1-B188-BE87-01E8E86B2599}"/>
+              </a:ext>
+            </a:extLst>
+          </p:cNvPr>
+          <p:cNvSpPr txBox="1"/>
+          <p:nvPr/>
+        </p:nvSpPr>
+        <p:spPr>
+          <a:xfrm>
+            <a:off x="8337727" y="4078472"/>
+            <a:ext cx="1764224" cy="923330"/>
+          </a:xfrm>
+          <a:prstGeom prst="rect">
+            <a:avLst/>
+          </a:prstGeom>
+        </p:spPr>
+        <p:style>
+          <a:lnRef idx="2">
+            <a:schemeClr val="dk1"/>
+          </a:lnRef>
+          <a:fillRef idx="1">
+            <a:schemeClr val="lt1"/>
+          </a:fillRef>
+          <a:effectRef idx="0">
+            <a:schemeClr val="dk1"/>
+          </a:effectRef>
+          <a:fontRef idx="minor">
+            <a:schemeClr val="dk1"/>
+          </a:fontRef>
+        </p:style>
+        <p:txBody>
+          <a:bodyPr wrap="square">
+            <a:spAutoFit/>
+          </a:bodyPr>
+          <a:lstStyle/>
+          <a:p>
+            <a:r>
+              <a:rPr lang="ja-JP" altLang="en-US" dirty="0"/>
+              <a:t>リタイアボタン（強制的に結果画面へ）</a:t>
+            </a:r>
+          </a:p>
+        </p:txBody>
+      </p:sp>
+    </p:spTree>
+    <p:extLst>
+      <p:ext uri="{BB962C8B-B14F-4D97-AF65-F5344CB8AC3E}">
+        <p14:creationId xmlns:p14="http://schemas.microsoft.com/office/powerpoint/2010/main" val="3536260854"/>
+      </p:ext>
+    </p:extLst>
+  </p:cSld>
+  <p:clrMapOvr>
+    <a:masterClrMapping/>
+  </p:clrMapOvr>
+</p:sld>
+</file>
+
+<file path=ppt/slides/slide9.xml><?xml version="1.0" encoding="utf-8"?>
+<p:sld xmlns:a="http://schemas.openxmlformats.org/drawingml/2006/main" xmlns:r="http://schemas.openxmlformats.org/officeDocument/2006/relationships" xmlns:p="http://schemas.openxmlformats.org/presentationml/2006/main">
+  <p:cSld>
+    <p:spTree>
+      <p:nvGrpSpPr>
+        <p:cNvPr id="1" name=""/>
+        <p:cNvGrpSpPr/>
+        <p:nvPr/>
+      </p:nvGrpSpPr>
+      <p:grpSpPr>
+        <a:xfrm>
+          <a:off x="0" y="0"/>
+          <a:ext cx="0" cy="0"/>
+          <a:chOff x="0" y="0"/>
+          <a:chExt cx="0" cy="0"/>
+        </a:xfrm>
+      </p:grpSpPr>
+      <p:sp>
+        <p:nvSpPr>
+          <p:cNvPr id="2" name="テキスト ボックス 1">
+            <a:extLst>
+              <a:ext uri="{FF2B5EF4-FFF2-40B4-BE49-F238E27FC236}">
+                <a16:creationId xmlns:a16="http://schemas.microsoft.com/office/drawing/2014/main" id="{54AB1246-4924-AD44-3DCE-CCD6677E1431}"/>
+              </a:ext>
+            </a:extLst>
+          </p:cNvPr>
+          <p:cNvSpPr txBox="1"/>
+          <p:nvPr/>
+        </p:nvSpPr>
+        <p:spPr>
+          <a:xfrm>
+            <a:off x="794655" y="458108"/>
+            <a:ext cx="9833588" cy="1323439"/>
+          </a:xfrm>
+          <a:prstGeom prst="rect">
+            <a:avLst/>
+          </a:prstGeom>
+          <a:noFill/>
+        </p:spPr>
+        <p:txBody>
+          <a:bodyPr wrap="square" rtlCol="0">
+            <a:spAutoFit/>
+          </a:bodyPr>
+          <a:lstStyle/>
+          <a:p>
+            <a:r>
+              <a:rPr lang="ja-JP" altLang="en-US" sz="4000" b="1" dirty="0"/>
+              <a:t>時間制限モード </a:t>
+            </a:r>
+            <a:r>
+              <a:rPr lang="en-US" altLang="ja-JP" sz="4000" b="1" dirty="0"/>
+              <a:t>/ </a:t>
+            </a:r>
+            <a:r>
+              <a:rPr lang="ja-JP" altLang="en-US" sz="4000" b="1" dirty="0"/>
+              <a:t>固定問題数モードでの正解確認</a:t>
+            </a:r>
+            <a:r>
+              <a:rPr kumimoji="1" lang="ja-JP" altLang="en-US" sz="4000" b="1" dirty="0"/>
+              <a:t>画面</a:t>
+            </a:r>
+          </a:p>
+        </p:txBody>
+      </p:sp>
+      <p:sp>
+        <p:nvSpPr>
+          <p:cNvPr id="3" name="正方形/長方形 2">
+            <a:extLst>
+              <a:ext uri="{FF2B5EF4-FFF2-40B4-BE49-F238E27FC236}">
+                <a16:creationId xmlns:a16="http://schemas.microsoft.com/office/drawing/2014/main" id="{3CB6FD18-3889-D4C4-A955-9E06E979290E}"/>
+              </a:ext>
+            </a:extLst>
+          </p:cNvPr>
+          <p:cNvSpPr/>
+          <p:nvPr/>
+        </p:nvSpPr>
+        <p:spPr>
+          <a:xfrm>
+            <a:off x="1088570" y="2225933"/>
+            <a:ext cx="9644744" cy="4256705"/>
+          </a:xfrm>
+          <a:prstGeom prst="rect">
+            <a:avLst/>
+          </a:prstGeom>
+          <a:ln w="57150">
+            <a:solidFill>
+              <a:schemeClr val="tx1"/>
+            </a:solidFill>
+          </a:ln>
+        </p:spPr>
+        <p:style>
+          <a:lnRef idx="2">
+            <a:schemeClr val="accent6"/>
+          </a:lnRef>
+          <a:fillRef idx="1">
+            <a:schemeClr val="lt1"/>
+          </a:fillRef>
+          <a:effectRef idx="0">
+            <a:schemeClr val="accent6"/>
+          </a:effectRef>
+          <a:fontRef idx="minor">
+            <a:schemeClr val="dk1"/>
+          </a:fontRef>
+        </p:style>
+        <p:txBody>
+          <a:bodyPr rtlCol="0" anchor="ctr"/>
+          <a:lstStyle/>
+          <a:p>
+            <a:pPr algn="ctr"/>
+            <a:endParaRPr kumimoji="1" lang="ja-JP" altLang="en-US"/>
+          </a:p>
+        </p:txBody>
+      </p:sp>
+      <p:sp>
+        <p:nvSpPr>
+          <p:cNvPr id="5" name="テキスト ボックス 4">
+            <a:extLst>
+              <a:ext uri="{FF2B5EF4-FFF2-40B4-BE49-F238E27FC236}">
+                <a16:creationId xmlns:a16="http://schemas.microsoft.com/office/drawing/2014/main" id="{DD48ADE1-B327-3848-D767-5904E25C9E79}"/>
+              </a:ext>
+            </a:extLst>
+          </p:cNvPr>
+          <p:cNvSpPr txBox="1"/>
+          <p:nvPr/>
+        </p:nvSpPr>
+        <p:spPr>
+          <a:xfrm>
+            <a:off x="3445328" y="2931614"/>
+            <a:ext cx="4751615" cy="707886"/>
+          </a:xfrm>
+          <a:prstGeom prst="rect">
+            <a:avLst/>
+          </a:prstGeom>
+        </p:spPr>
+        <p:style>
+          <a:lnRef idx="2">
+            <a:schemeClr val="dk1"/>
+          </a:lnRef>
+          <a:fillRef idx="1">
+            <a:schemeClr val="lt1"/>
+          </a:fillRef>
+          <a:effectRef idx="0">
+            <a:schemeClr val="dk1"/>
+          </a:effectRef>
+          <a:fontRef idx="minor">
+            <a:schemeClr val="dk1"/>
+          </a:fontRef>
+        </p:style>
+        <p:txBody>
+          <a:bodyPr wrap="square">
+            <a:spAutoFit/>
+          </a:bodyPr>
+          <a:lstStyle/>
+          <a:p>
+            <a:r>
+              <a:rPr lang="ja-JP" altLang="en-US" sz="4000" dirty="0"/>
+              <a:t>正解 （</a:t>
+            </a:r>
+            <a:r>
+              <a:rPr lang="en-US" altLang="ja-JP" sz="4000" dirty="0"/>
+              <a:t>or </a:t>
+            </a:r>
+            <a:r>
+              <a:rPr lang="ja-JP" altLang="en-US" sz="4000" dirty="0"/>
+              <a:t>不正解）</a:t>
+            </a:r>
+          </a:p>
+        </p:txBody>
+      </p:sp>
+      <p:sp>
+        <p:nvSpPr>
+          <p:cNvPr id="6" name="テキスト ボックス 5">
+            <a:extLst>
+              <a:ext uri="{FF2B5EF4-FFF2-40B4-BE49-F238E27FC236}">
+                <a16:creationId xmlns:a16="http://schemas.microsoft.com/office/drawing/2014/main" id="{6923AB51-2387-AF99-2D77-70426C439AD5}"/>
+              </a:ext>
+            </a:extLst>
+          </p:cNvPr>
+          <p:cNvSpPr txBox="1"/>
+          <p:nvPr/>
+        </p:nvSpPr>
+        <p:spPr>
+          <a:xfrm>
+            <a:off x="2049353" y="1715897"/>
+            <a:ext cx="5557396" cy="400110"/>
+          </a:xfrm>
+          <a:prstGeom prst="rect">
+            <a:avLst/>
+          </a:prstGeom>
+          <a:noFill/>
+        </p:spPr>
+        <p:txBody>
+          <a:bodyPr wrap="square" rtlCol="0">
+            <a:spAutoFit/>
+          </a:bodyPr>
+          <a:lstStyle/>
+          <a:p>
+            <a:r>
+              <a:rPr lang="ja-JP" altLang="en-US" sz="2000" dirty="0"/>
+              <a:t>正誤の表示とそれに応じた</a:t>
+            </a:r>
+            <a:r>
+              <a:rPr kumimoji="1" lang="ja-JP" altLang="en-US" sz="2000" dirty="0"/>
+              <a:t>音が一瞬表示される</a:t>
+            </a:r>
+          </a:p>
+        </p:txBody>
+      </p:sp>
+      <p:sp>
+        <p:nvSpPr>
+          <p:cNvPr id="8" name="テキスト ボックス 7">
+            <a:extLst>
+              <a:ext uri="{FF2B5EF4-FFF2-40B4-BE49-F238E27FC236}">
+                <a16:creationId xmlns:a16="http://schemas.microsoft.com/office/drawing/2014/main" id="{0E2DCC2C-0882-A7AD-95C4-C754924711B4}"/>
+              </a:ext>
+            </a:extLst>
+          </p:cNvPr>
+          <p:cNvSpPr txBox="1"/>
+          <p:nvPr/>
+        </p:nvSpPr>
+        <p:spPr>
+          <a:xfrm>
+            <a:off x="8849054" y="2608359"/>
+            <a:ext cx="1591262" cy="584775"/>
+          </a:xfrm>
+          <a:prstGeom prst="rect">
+            <a:avLst/>
+          </a:prstGeom>
+        </p:spPr>
+        <p:style>
+          <a:lnRef idx="2">
+            <a:schemeClr val="dk1"/>
+          </a:lnRef>
+          <a:fillRef idx="1">
+            <a:schemeClr val="lt1"/>
+          </a:fillRef>
+          <a:effectRef idx="0">
+            <a:schemeClr val="dk1"/>
+          </a:effectRef>
+          <a:fontRef idx="minor">
+            <a:schemeClr val="dk1"/>
+          </a:fontRef>
+        </p:style>
+        <p:txBody>
+          <a:bodyPr wrap="square">
+            <a:spAutoFit/>
+          </a:bodyPr>
+          <a:lstStyle/>
+          <a:p>
+            <a:r>
+              <a:rPr lang="ja-JP" altLang="en-US" sz="1600" dirty="0"/>
+              <a:t>累計問題数 </a:t>
+            </a:r>
+            <a:r>
+              <a:rPr lang="en-US" altLang="ja-JP" sz="1600" dirty="0"/>
+              <a:t>or </a:t>
+            </a:r>
+            <a:r>
+              <a:rPr lang="ja-JP" altLang="en-US" sz="1600" dirty="0"/>
+              <a:t>残り問題数</a:t>
+            </a:r>
+          </a:p>
+        </p:txBody>
+      </p:sp>
+      <p:sp>
+        <p:nvSpPr>
+          <p:cNvPr id="9" name="テキスト ボックス 8">
+            <a:extLst>
+              <a:ext uri="{FF2B5EF4-FFF2-40B4-BE49-F238E27FC236}">
+                <a16:creationId xmlns:a16="http://schemas.microsoft.com/office/drawing/2014/main" id="{DEB15813-F4F8-4FA4-A4C2-6667D304E996}"/>
+              </a:ext>
+            </a:extLst>
+          </p:cNvPr>
+          <p:cNvSpPr txBox="1"/>
+          <p:nvPr/>
+        </p:nvSpPr>
+        <p:spPr>
+          <a:xfrm>
+            <a:off x="8952811" y="3302525"/>
+            <a:ext cx="1383747" cy="646331"/>
+          </a:xfrm>
+          <a:prstGeom prst="rect">
+            <a:avLst/>
+          </a:prstGeom>
+        </p:spPr>
+        <p:style>
+          <a:lnRef idx="2">
+            <a:schemeClr val="dk1"/>
+          </a:lnRef>
+          <a:fillRef idx="1">
+            <a:schemeClr val="lt1"/>
+          </a:fillRef>
+          <a:effectRef idx="0">
+            <a:schemeClr val="dk1"/>
+          </a:effectRef>
+          <a:fontRef idx="minor">
+            <a:schemeClr val="dk1"/>
+          </a:fontRef>
+        </p:style>
+        <p:txBody>
+          <a:bodyPr wrap="square">
+            <a:spAutoFit/>
+          </a:bodyPr>
+          <a:lstStyle/>
+          <a:p>
+            <a:r>
+              <a:rPr lang="ja-JP" altLang="en-US" dirty="0"/>
+              <a:t>経過時間 </a:t>
+            </a:r>
+            <a:r>
+              <a:rPr lang="en-US" altLang="ja-JP" dirty="0"/>
+              <a:t>or </a:t>
+            </a:r>
+            <a:r>
+              <a:rPr lang="ja-JP" altLang="en-US" dirty="0"/>
+              <a:t>残り時間</a:t>
+            </a:r>
+          </a:p>
+        </p:txBody>
+      </p:sp>
+    </p:spTree>
+    <p:extLst>
+      <p:ext uri="{BB962C8B-B14F-4D97-AF65-F5344CB8AC3E}">
+        <p14:creationId xmlns:p14="http://schemas.microsoft.com/office/powerpoint/2010/main" val="30250287"/>
       </p:ext>
     </p:extLst>
   </p:cSld>

--- a/design.pptx
+++ b/design.pptx
@@ -6776,24 +6776,16 @@
               <a:t>どちらもプログラム内では </a:t>
             </a:r>
             <a:r>
-              <a:rPr lang="en-US" altLang="ja-JP" dirty="0" err="1"/>
-              <a:t>QuizTopic</a:t>
-            </a:r>
-            <a:r>
               <a:rPr lang="en-US" altLang="ja-JP" dirty="0"/>
-              <a:t> </a:t>
+              <a:t>Quizzes </a:t>
             </a:r>
             <a:r>
               <a:rPr lang="ja-JP" altLang="en-US" dirty="0"/>
               <a:t>クラスになり扱われる．</a:t>
             </a:r>
             <a:r>
-              <a:rPr lang="en-US" altLang="ja-JP" dirty="0" err="1"/>
-              <a:t>QuizTopic</a:t>
-            </a:r>
-            <a:r>
               <a:rPr lang="en-US" altLang="ja-JP" dirty="0"/>
-              <a:t> </a:t>
+              <a:t>Quizzes </a:t>
             </a:r>
             <a:r>
               <a:rPr lang="ja-JP" altLang="en-US" dirty="0"/>
@@ -6950,7 +6942,7 @@
           <a:p>
             <a:r>
               <a:rPr lang="en-US" altLang="ja-JP" dirty="0"/>
-              <a:t>abstract </a:t>
+              <a:t>overview </a:t>
             </a:r>
             <a:r>
               <a:rPr lang="ja-JP" altLang="en-US" dirty="0"/>

--- a/design.pptx
+++ b/design.pptx
@@ -8784,10 +8784,10 @@
       </p:sp>
       <p:sp>
         <p:nvSpPr>
-          <p:cNvPr id="6" name="テキスト ボックス 5">
-            <a:extLst>
-              <a:ext uri="{FF2B5EF4-FFF2-40B4-BE49-F238E27FC236}">
-                <a16:creationId xmlns:a16="http://schemas.microsoft.com/office/drawing/2014/main" id="{2D528DB1-8433-317F-9877-66A00AA446EB}"/>
+          <p:cNvPr id="7" name="テキスト ボックス 6">
+            <a:extLst>
+              <a:ext uri="{FF2B5EF4-FFF2-40B4-BE49-F238E27FC236}">
+                <a16:creationId xmlns:a16="http://schemas.microsoft.com/office/drawing/2014/main" id="{9C4CBB7A-B823-E577-FF84-8CEA6A450518}"/>
               </a:ext>
             </a:extLst>
           </p:cNvPr>
@@ -8796,8 +8796,8 @@
         </p:nvSpPr>
         <p:spPr>
           <a:xfrm>
-            <a:off x="8811010" y="1681901"/>
-            <a:ext cx="1591262" cy="584775"/>
+            <a:off x="8914767" y="2589842"/>
+            <a:ext cx="1383747" cy="369332"/>
           </a:xfrm>
           <a:prstGeom prst="rect">
             <a:avLst/>
@@ -8824,26 +8824,18 @@
           <a:lstStyle/>
           <a:p>
             <a:r>
-              <a:rPr lang="ja-JP" altLang="en-US" sz="1600" dirty="0"/>
-              <a:t>累計問題数 </a:t>
-            </a:r>
-            <a:r>
-              <a:rPr lang="en-US" altLang="ja-JP" sz="1600" dirty="0"/>
-              <a:t>or </a:t>
-            </a:r>
-            <a:r>
-              <a:rPr lang="ja-JP" altLang="en-US" sz="1600" dirty="0"/>
-              <a:t>残り問題数</a:t>
-            </a:r>
-          </a:p>
-        </p:txBody>
-      </p:sp>
-      <p:sp>
-        <p:nvSpPr>
-          <p:cNvPr id="7" name="テキスト ボックス 6">
-            <a:extLst>
-              <a:ext uri="{FF2B5EF4-FFF2-40B4-BE49-F238E27FC236}">
-                <a16:creationId xmlns:a16="http://schemas.microsoft.com/office/drawing/2014/main" id="{9C4CBB7A-B823-E577-FF84-8CEA6A450518}"/>
+              <a:rPr lang="ja-JP" altLang="en-US" dirty="0"/>
+              <a:t>経過時間</a:t>
+            </a:r>
+          </a:p>
+        </p:txBody>
+      </p:sp>
+      <p:sp>
+        <p:nvSpPr>
+          <p:cNvPr id="8" name="テキスト ボックス 7">
+            <a:extLst>
+              <a:ext uri="{FF2B5EF4-FFF2-40B4-BE49-F238E27FC236}">
+                <a16:creationId xmlns:a16="http://schemas.microsoft.com/office/drawing/2014/main" id="{B1FFFFE8-FC08-C94A-0F90-697474D48E89}"/>
               </a:ext>
             </a:extLst>
           </p:cNvPr>
@@ -8852,8 +8844,8 @@
         </p:nvSpPr>
         <p:spPr>
           <a:xfrm>
-            <a:off x="8914767" y="2589842"/>
-            <a:ext cx="1383747" cy="646331"/>
+            <a:off x="8707251" y="4076667"/>
+            <a:ext cx="1591263" cy="646331"/>
           </a:xfrm>
           <a:prstGeom prst="rect">
             <a:avLst/>
@@ -8881,25 +8873,17 @@
           <a:p>
             <a:r>
               <a:rPr lang="ja-JP" altLang="en-US" dirty="0"/>
-              <a:t>経過時間 </a:t>
-            </a:r>
-            <a:r>
-              <a:rPr lang="en-US" altLang="ja-JP" dirty="0"/>
-              <a:t>or </a:t>
-            </a:r>
-            <a:r>
-              <a:rPr lang="ja-JP" altLang="en-US" dirty="0"/>
-              <a:t>残り時間</a:t>
-            </a:r>
-          </a:p>
-        </p:txBody>
-      </p:sp>
-      <p:sp>
-        <p:nvSpPr>
-          <p:cNvPr id="8" name="テキスト ボックス 7">
-            <a:extLst>
-              <a:ext uri="{FF2B5EF4-FFF2-40B4-BE49-F238E27FC236}">
-                <a16:creationId xmlns:a16="http://schemas.microsoft.com/office/drawing/2014/main" id="{B1FFFFE8-FC08-C94A-0F90-697474D48E89}"/>
+              <a:t>結果画面へ進むボタン</a:t>
+            </a:r>
+          </a:p>
+        </p:txBody>
+      </p:sp>
+      <p:sp>
+        <p:nvSpPr>
+          <p:cNvPr id="9" name="テキスト ボックス 8">
+            <a:extLst>
+              <a:ext uri="{FF2B5EF4-FFF2-40B4-BE49-F238E27FC236}">
+                <a16:creationId xmlns:a16="http://schemas.microsoft.com/office/drawing/2014/main" id="{B5A06080-5C62-DC67-A01C-C31568B09007}"/>
               </a:ext>
             </a:extLst>
           </p:cNvPr>
@@ -8908,8 +8892,8 @@
         </p:nvSpPr>
         <p:spPr>
           <a:xfrm>
-            <a:off x="8707251" y="4076667"/>
-            <a:ext cx="1591263" cy="646331"/>
+            <a:off x="8849054" y="1786973"/>
+            <a:ext cx="1591262" cy="584775"/>
           </a:xfrm>
           <a:prstGeom prst="rect">
             <a:avLst/>
@@ -8936,8 +8920,16 @@
           <a:lstStyle/>
           <a:p>
             <a:r>
-              <a:rPr lang="ja-JP" altLang="en-US" dirty="0"/>
-              <a:t>結果画面へ進むボタン</a:t>
+              <a:rPr lang="ja-JP" altLang="en-US" sz="1600" dirty="0"/>
+              <a:t>累計正解数 </a:t>
+            </a:r>
+            <a:r>
+              <a:rPr lang="en-US" altLang="ja-JP" sz="1600" dirty="0"/>
+              <a:t>/ </a:t>
+            </a:r>
+            <a:r>
+              <a:rPr lang="ja-JP" altLang="en-US" sz="1600" dirty="0"/>
+              <a:t>累計問題数</a:t>
             </a:r>
           </a:p>
         </p:txBody>
@@ -9298,7 +9290,7 @@
         </p:nvSpPr>
         <p:spPr>
           <a:xfrm>
-            <a:off x="8849054" y="2608359"/>
+            <a:off x="8849054" y="2625175"/>
             <a:ext cx="1591262" cy="584775"/>
           </a:xfrm>
           <a:prstGeom prst="rect">
@@ -9327,15 +9319,15 @@
           <a:p>
             <a:r>
               <a:rPr lang="ja-JP" altLang="en-US" sz="1600" dirty="0"/>
-              <a:t>累計問題数 </a:t>
+              <a:t>累計正解数 </a:t>
             </a:r>
             <a:r>
               <a:rPr lang="en-US" altLang="ja-JP" sz="1600" dirty="0"/>
-              <a:t>or </a:t>
+              <a:t>/ </a:t>
             </a:r>
             <a:r>
               <a:rPr lang="ja-JP" altLang="en-US" sz="1600" dirty="0"/>
-              <a:t>残り問題数</a:t>
+              <a:t>累計問題数</a:t>
             </a:r>
           </a:p>
         </p:txBody>
@@ -9355,7 +9347,7 @@
         <p:spPr>
           <a:xfrm>
             <a:off x="8952811" y="3302525"/>
-            <a:ext cx="1383747" cy="646331"/>
+            <a:ext cx="1383747" cy="369332"/>
           </a:xfrm>
           <a:prstGeom prst="rect">
             <a:avLst/>
@@ -9383,15 +9375,7 @@
           <a:p>
             <a:r>
               <a:rPr lang="ja-JP" altLang="en-US" dirty="0"/>
-              <a:t>経過時間 </a:t>
-            </a:r>
-            <a:r>
-              <a:rPr lang="en-US" altLang="ja-JP" dirty="0"/>
-              <a:t>or </a:t>
-            </a:r>
-            <a:r>
-              <a:rPr lang="ja-JP" altLang="en-US" dirty="0"/>
-              <a:t>残り時間</a:t>
+              <a:t>経過時間</a:t>
             </a:r>
           </a:p>
         </p:txBody>

--- a/design.pptx
+++ b/design.pptx
@@ -271,7 +271,7 @@
           <a:p>
             <a:fld id="{92A24FDA-9713-4B2A-B123-08E9636CCA2B}" type="datetimeFigureOut">
               <a:rPr kumimoji="1" lang="ja-JP" altLang="en-US" smtClean="0"/>
-              <a:t>2023/9/5</a:t>
+              <a:t>2023/9/6</a:t>
             </a:fld>
             <a:endParaRPr kumimoji="1" lang="ja-JP" altLang="en-US"/>
           </a:p>
@@ -501,7 +501,7 @@
           <a:p>
             <a:fld id="{92A24FDA-9713-4B2A-B123-08E9636CCA2B}" type="datetimeFigureOut">
               <a:rPr kumimoji="1" lang="ja-JP" altLang="en-US" smtClean="0"/>
-              <a:t>2023/9/5</a:t>
+              <a:t>2023/9/6</a:t>
             </a:fld>
             <a:endParaRPr kumimoji="1" lang="ja-JP" altLang="en-US"/>
           </a:p>
@@ -741,7 +741,7 @@
           <a:p>
             <a:fld id="{92A24FDA-9713-4B2A-B123-08E9636CCA2B}" type="datetimeFigureOut">
               <a:rPr kumimoji="1" lang="ja-JP" altLang="en-US" smtClean="0"/>
-              <a:t>2023/9/5</a:t>
+              <a:t>2023/9/6</a:t>
             </a:fld>
             <a:endParaRPr kumimoji="1" lang="ja-JP" altLang="en-US"/>
           </a:p>
@@ -971,7 +971,7 @@
           <a:p>
             <a:fld id="{92A24FDA-9713-4B2A-B123-08E9636CCA2B}" type="datetimeFigureOut">
               <a:rPr kumimoji="1" lang="ja-JP" altLang="en-US" smtClean="0"/>
-              <a:t>2023/9/5</a:t>
+              <a:t>2023/9/6</a:t>
             </a:fld>
             <a:endParaRPr kumimoji="1" lang="ja-JP" altLang="en-US"/>
           </a:p>
@@ -1246,7 +1246,7 @@
           <a:p>
             <a:fld id="{92A24FDA-9713-4B2A-B123-08E9636CCA2B}" type="datetimeFigureOut">
               <a:rPr kumimoji="1" lang="ja-JP" altLang="en-US" smtClean="0"/>
-              <a:t>2023/9/5</a:t>
+              <a:t>2023/9/6</a:t>
             </a:fld>
             <a:endParaRPr kumimoji="1" lang="ja-JP" altLang="en-US"/>
           </a:p>
@@ -1575,7 +1575,7 @@
           <a:p>
             <a:fld id="{92A24FDA-9713-4B2A-B123-08E9636CCA2B}" type="datetimeFigureOut">
               <a:rPr kumimoji="1" lang="ja-JP" altLang="en-US" smtClean="0"/>
-              <a:t>2023/9/5</a:t>
+              <a:t>2023/9/6</a:t>
             </a:fld>
             <a:endParaRPr kumimoji="1" lang="ja-JP" altLang="en-US"/>
           </a:p>
@@ -2051,7 +2051,7 @@
           <a:p>
             <a:fld id="{92A24FDA-9713-4B2A-B123-08E9636CCA2B}" type="datetimeFigureOut">
               <a:rPr kumimoji="1" lang="ja-JP" altLang="en-US" smtClean="0"/>
-              <a:t>2023/9/5</a:t>
+              <a:t>2023/9/6</a:t>
             </a:fld>
             <a:endParaRPr kumimoji="1" lang="ja-JP" altLang="en-US"/>
           </a:p>
@@ -2192,7 +2192,7 @@
           <a:p>
             <a:fld id="{92A24FDA-9713-4B2A-B123-08E9636CCA2B}" type="datetimeFigureOut">
               <a:rPr kumimoji="1" lang="ja-JP" altLang="en-US" smtClean="0"/>
-              <a:t>2023/9/5</a:t>
+              <a:t>2023/9/6</a:t>
             </a:fld>
             <a:endParaRPr kumimoji="1" lang="ja-JP" altLang="en-US"/>
           </a:p>
@@ -2305,7 +2305,7 @@
           <a:p>
             <a:fld id="{92A24FDA-9713-4B2A-B123-08E9636CCA2B}" type="datetimeFigureOut">
               <a:rPr kumimoji="1" lang="ja-JP" altLang="en-US" smtClean="0"/>
-              <a:t>2023/9/5</a:t>
+              <a:t>2023/9/6</a:t>
             </a:fld>
             <a:endParaRPr kumimoji="1" lang="ja-JP" altLang="en-US"/>
           </a:p>
@@ -2648,7 +2648,7 @@
           <a:p>
             <a:fld id="{92A24FDA-9713-4B2A-B123-08E9636CCA2B}" type="datetimeFigureOut">
               <a:rPr kumimoji="1" lang="ja-JP" altLang="en-US" smtClean="0"/>
-              <a:t>2023/9/5</a:t>
+              <a:t>2023/9/6</a:t>
             </a:fld>
             <a:endParaRPr kumimoji="1" lang="ja-JP" altLang="en-US"/>
           </a:p>
@@ -2936,7 +2936,7 @@
           <a:p>
             <a:fld id="{92A24FDA-9713-4B2A-B123-08E9636CCA2B}" type="datetimeFigureOut">
               <a:rPr kumimoji="1" lang="ja-JP" altLang="en-US" smtClean="0"/>
-              <a:t>2023/9/5</a:t>
+              <a:t>2023/9/6</a:t>
             </a:fld>
             <a:endParaRPr kumimoji="1" lang="ja-JP" altLang="en-US"/>
           </a:p>
@@ -3209,7 +3209,7 @@
           <a:p>
             <a:fld id="{92A24FDA-9713-4B2A-B123-08E9636CCA2B}" type="datetimeFigureOut">
               <a:rPr kumimoji="1" lang="ja-JP" altLang="en-US" smtClean="0"/>
-              <a:t>2023/9/5</a:t>
+              <a:t>2023/9/6</a:t>
             </a:fld>
             <a:endParaRPr kumimoji="1" lang="ja-JP" altLang="en-US"/>
           </a:p>
@@ -8892,8 +8892,8 @@
         </p:nvSpPr>
         <p:spPr>
           <a:xfrm>
-            <a:off x="8849054" y="1786973"/>
-            <a:ext cx="1591262" cy="584775"/>
+            <a:off x="8740107" y="1811495"/>
+            <a:ext cx="1733065" cy="584775"/>
           </a:xfrm>
           <a:prstGeom prst="rect">
             <a:avLst/>
@@ -8921,7 +8921,7 @@
           <a:p>
             <a:r>
               <a:rPr lang="ja-JP" altLang="en-US" sz="1600" dirty="0"/>
-              <a:t>累計正解数 </a:t>
+              <a:t>正答率（正解数 </a:t>
             </a:r>
             <a:r>
               <a:rPr lang="en-US" altLang="ja-JP" sz="1600" dirty="0"/>
@@ -8929,7 +8929,7 @@
             </a:r>
             <a:r>
               <a:rPr lang="ja-JP" altLang="en-US" sz="1600" dirty="0"/>
-              <a:t>累計問題数</a:t>
+              <a:t>累計問題数）</a:t>
             </a:r>
           </a:p>
         </p:txBody>

--- a/design.pptx
+++ b/design.pptx
@@ -18,6 +18,9 @@
     <p:sldId id="267" r:id="rId12"/>
     <p:sldId id="268" r:id="rId13"/>
     <p:sldId id="266" r:id="rId14"/>
+    <p:sldId id="270" r:id="rId15"/>
+    <p:sldId id="272" r:id="rId16"/>
+    <p:sldId id="271" r:id="rId17"/>
   </p:sldIdLst>
   <p:sldSz cx="12192000" cy="6858000"/>
   <p:notesSz cx="6858000" cy="9144000"/>
@@ -5934,6 +5937,454 @@
 </p:sld>
 </file>
 
+<file path=ppt/slides/slide14.xml><?xml version="1.0" encoding="utf-8"?>
+<p:sld xmlns:a="http://schemas.openxmlformats.org/drawingml/2006/main" xmlns:r="http://schemas.openxmlformats.org/officeDocument/2006/relationships" xmlns:p="http://schemas.openxmlformats.org/presentationml/2006/main">
+  <p:cSld>
+    <p:spTree>
+      <p:nvGrpSpPr>
+        <p:cNvPr id="1" name=""/>
+        <p:cNvGrpSpPr/>
+        <p:nvPr/>
+      </p:nvGrpSpPr>
+      <p:grpSpPr>
+        <a:xfrm>
+          <a:off x="0" y="0"/>
+          <a:ext cx="0" cy="0"/>
+          <a:chOff x="0" y="0"/>
+          <a:chExt cx="0" cy="0"/>
+        </a:xfrm>
+      </p:grpSpPr>
+      <p:sp>
+        <p:nvSpPr>
+          <p:cNvPr id="2" name="テキスト ボックス 1">
+            <a:extLst>
+              <a:ext uri="{FF2B5EF4-FFF2-40B4-BE49-F238E27FC236}">
+                <a16:creationId xmlns:a16="http://schemas.microsoft.com/office/drawing/2014/main" id="{21B82B96-5316-0995-B946-BFDEB437F778}"/>
+              </a:ext>
+            </a:extLst>
+          </p:cNvPr>
+          <p:cNvSpPr txBox="1"/>
+          <p:nvPr/>
+        </p:nvSpPr>
+        <p:spPr>
+          <a:xfrm>
+            <a:off x="1066798" y="1517666"/>
+            <a:ext cx="9725527" cy="5262979"/>
+          </a:xfrm>
+          <a:prstGeom prst="rect">
+            <a:avLst/>
+          </a:prstGeom>
+          <a:noFill/>
+        </p:spPr>
+        <p:txBody>
+          <a:bodyPr wrap="square" rtlCol="0">
+            <a:spAutoFit/>
+          </a:bodyPr>
+          <a:lstStyle/>
+          <a:p>
+            <a:pPr marL="457200" indent="-457200">
+              <a:buFont typeface="Arial" panose="020B0604020202020204" pitchFamily="34" charset="0"/>
+              <a:buChar char="•"/>
+            </a:pPr>
+            <a:r>
+              <a:rPr lang="ja-JP" altLang="en-US" sz="2800" dirty="0"/>
+              <a:t>再配布禁止な音楽素材がプログラム起動時にあるかどうかを判定して、ない場合は音楽をなくす機能</a:t>
+            </a:r>
+            <a:endParaRPr lang="en-US" altLang="ja-JP" sz="2800" dirty="0"/>
+          </a:p>
+          <a:p>
+            <a:pPr marL="457200" indent="-457200">
+              <a:buFont typeface="Arial" panose="020B0604020202020204" pitchFamily="34" charset="0"/>
+              <a:buChar char="•"/>
+            </a:pPr>
+            <a:r>
+              <a:rPr lang="ja-JP" altLang="en-US" sz="2800" dirty="0"/>
+              <a:t>クイズを解くときの音楽の設定（</a:t>
+            </a:r>
+            <a:r>
+              <a:rPr lang="en-US" altLang="ja-JP" sz="2800" dirty="0"/>
+              <a:t>sound</a:t>
+            </a:r>
+            <a:r>
+              <a:rPr lang="ja-JP" altLang="en-US" sz="2800" dirty="0"/>
+              <a:t>フォルダに事前に入れておけば選択できるように</a:t>
+            </a:r>
+            <a:r>
+              <a:rPr lang="ja-JP" altLang="en-US" sz="2800"/>
+              <a:t>する）</a:t>
+            </a:r>
+            <a:endParaRPr lang="en-US" altLang="ja-JP" sz="2800" dirty="0"/>
+          </a:p>
+          <a:p>
+            <a:pPr marL="457200" indent="-457200">
+              <a:buFont typeface="Arial" panose="020B0604020202020204" pitchFamily="34" charset="0"/>
+              <a:buChar char="•"/>
+            </a:pPr>
+            <a:r>
+              <a:rPr lang="ja-JP" altLang="en-US" sz="2800" dirty="0"/>
+              <a:t>問題文や解説文の大きさに合わせて表の縦幅や横幅を調節できる機能</a:t>
+            </a:r>
+            <a:endParaRPr lang="en-US" altLang="ja-JP" sz="2800" dirty="0"/>
+          </a:p>
+          <a:p>
+            <a:pPr marL="457200" indent="-457200">
+              <a:buFont typeface="Arial" panose="020B0604020202020204" pitchFamily="34" charset="0"/>
+              <a:buChar char="•"/>
+            </a:pPr>
+            <a:r>
+              <a:rPr lang="ja-JP" altLang="en-US" sz="2800" dirty="0"/>
+              <a:t>背景画像の追加</a:t>
+            </a:r>
+            <a:endParaRPr lang="en-US" altLang="ja-JP" sz="2800" dirty="0"/>
+          </a:p>
+          <a:p>
+            <a:pPr marL="457200" indent="-457200">
+              <a:buFont typeface="Arial" panose="020B0604020202020204" pitchFamily="34" charset="0"/>
+              <a:buChar char="•"/>
+            </a:pPr>
+            <a:r>
+              <a:rPr lang="en-US" altLang="ja-JP" sz="2800" dirty="0"/>
+              <a:t>Python </a:t>
+            </a:r>
+            <a:r>
+              <a:rPr lang="ja-JP" altLang="en-US" sz="2800" dirty="0"/>
+              <a:t>の文章の差分を計算するモジュールを用いて、間違い部分だけを赤字で出力する</a:t>
+            </a:r>
+            <a:endParaRPr lang="en-US" altLang="ja-JP" sz="2800" dirty="0"/>
+          </a:p>
+          <a:p>
+            <a:pPr marL="457200" indent="-457200">
+              <a:buFont typeface="Arial" panose="020B0604020202020204" pitchFamily="34" charset="0"/>
+              <a:buChar char="•"/>
+            </a:pPr>
+            <a:r>
+              <a:rPr lang="ja-JP" altLang="en-US" sz="2800" dirty="0"/>
+              <a:t>クレジット画面（音楽の素材などの表示）</a:t>
+            </a:r>
+            <a:endParaRPr lang="en-US" altLang="ja-JP" sz="2800" dirty="0"/>
+          </a:p>
+          <a:p>
+            <a:pPr marL="457200" indent="-457200">
+              <a:buFont typeface="Arial" panose="020B0604020202020204" pitchFamily="34" charset="0"/>
+              <a:buChar char="•"/>
+            </a:pPr>
+            <a:r>
+              <a:rPr lang="ja-JP" altLang="en-US" sz="2800" dirty="0"/>
+              <a:t>画面のサイズが動かないように固定する</a:t>
+            </a:r>
+            <a:endParaRPr lang="en-US" altLang="ja-JP" sz="2800" dirty="0"/>
+          </a:p>
+          <a:p>
+            <a:pPr marL="457200" indent="-457200">
+              <a:buFont typeface="Arial" panose="020B0604020202020204" pitchFamily="34" charset="0"/>
+              <a:buChar char="•"/>
+            </a:pPr>
+            <a:endParaRPr lang="en-US" altLang="ja-JP" sz="2800" dirty="0"/>
+          </a:p>
+        </p:txBody>
+      </p:sp>
+      <p:sp>
+        <p:nvSpPr>
+          <p:cNvPr id="3" name="テキスト ボックス 2">
+            <a:extLst>
+              <a:ext uri="{FF2B5EF4-FFF2-40B4-BE49-F238E27FC236}">
+                <a16:creationId xmlns:a16="http://schemas.microsoft.com/office/drawing/2014/main" id="{419620DA-EE65-F488-8D27-C3D68A7FC8E9}"/>
+              </a:ext>
+            </a:extLst>
+          </p:cNvPr>
+          <p:cNvSpPr txBox="1"/>
+          <p:nvPr/>
+        </p:nvSpPr>
+        <p:spPr>
+          <a:xfrm>
+            <a:off x="1066799" y="659413"/>
+            <a:ext cx="5606716" cy="646331"/>
+          </a:xfrm>
+          <a:prstGeom prst="rect">
+            <a:avLst/>
+          </a:prstGeom>
+          <a:noFill/>
+        </p:spPr>
+        <p:txBody>
+          <a:bodyPr wrap="square" rtlCol="0">
+            <a:spAutoFit/>
+          </a:bodyPr>
+          <a:lstStyle/>
+          <a:p>
+            <a:r>
+              <a:rPr kumimoji="1" lang="ja-JP" altLang="en-US" sz="3600" b="1" dirty="0"/>
+              <a:t>欲しい追加機能</a:t>
+            </a:r>
+            <a:endParaRPr kumimoji="1" lang="en-US" altLang="ja-JP" sz="3600" b="1" dirty="0"/>
+          </a:p>
+        </p:txBody>
+      </p:sp>
+    </p:spTree>
+    <p:extLst>
+      <p:ext uri="{BB962C8B-B14F-4D97-AF65-F5344CB8AC3E}">
+        <p14:creationId xmlns:p14="http://schemas.microsoft.com/office/powerpoint/2010/main" val="4286174900"/>
+      </p:ext>
+    </p:extLst>
+  </p:cSld>
+  <p:clrMapOvr>
+    <a:masterClrMapping/>
+  </p:clrMapOvr>
+</p:sld>
+</file>
+
+<file path=ppt/slides/slide15.xml><?xml version="1.0" encoding="utf-8"?>
+<p:sld xmlns:a="http://schemas.openxmlformats.org/drawingml/2006/main" xmlns:r="http://schemas.openxmlformats.org/officeDocument/2006/relationships" xmlns:p="http://schemas.openxmlformats.org/presentationml/2006/main">
+  <p:cSld>
+    <p:spTree>
+      <p:nvGrpSpPr>
+        <p:cNvPr id="1" name=""/>
+        <p:cNvGrpSpPr/>
+        <p:nvPr/>
+      </p:nvGrpSpPr>
+      <p:grpSpPr>
+        <a:xfrm>
+          <a:off x="0" y="0"/>
+          <a:ext cx="0" cy="0"/>
+          <a:chOff x="0" y="0"/>
+          <a:chExt cx="0" cy="0"/>
+        </a:xfrm>
+      </p:grpSpPr>
+      <p:sp>
+        <p:nvSpPr>
+          <p:cNvPr id="2" name="テキスト ボックス 1">
+            <a:extLst>
+              <a:ext uri="{FF2B5EF4-FFF2-40B4-BE49-F238E27FC236}">
+                <a16:creationId xmlns:a16="http://schemas.microsoft.com/office/drawing/2014/main" id="{A2570873-832A-7AA0-07EA-7B2F02CDE8BD}"/>
+              </a:ext>
+            </a:extLst>
+          </p:cNvPr>
+          <p:cNvSpPr txBox="1"/>
+          <p:nvPr/>
+        </p:nvSpPr>
+        <p:spPr>
+          <a:xfrm>
+            <a:off x="1066799" y="659413"/>
+            <a:ext cx="5606716" cy="646331"/>
+          </a:xfrm>
+          <a:prstGeom prst="rect">
+            <a:avLst/>
+          </a:prstGeom>
+          <a:noFill/>
+        </p:spPr>
+        <p:txBody>
+          <a:bodyPr wrap="square" rtlCol="0">
+            <a:spAutoFit/>
+          </a:bodyPr>
+          <a:lstStyle/>
+          <a:p>
+            <a:r>
+              <a:rPr kumimoji="1" lang="ja-JP" altLang="en-US" sz="3600" b="1" dirty="0"/>
+              <a:t>欲しいクイズ（静的）</a:t>
+            </a:r>
+            <a:endParaRPr kumimoji="1" lang="en-US" altLang="ja-JP" sz="3600" b="1" dirty="0"/>
+          </a:p>
+        </p:txBody>
+      </p:sp>
+      <p:sp>
+        <p:nvSpPr>
+          <p:cNvPr id="3" name="テキスト ボックス 2">
+            <a:extLst>
+              <a:ext uri="{FF2B5EF4-FFF2-40B4-BE49-F238E27FC236}">
+                <a16:creationId xmlns:a16="http://schemas.microsoft.com/office/drawing/2014/main" id="{11D084A0-FE85-A088-F6B2-3FC118518D1A}"/>
+              </a:ext>
+            </a:extLst>
+          </p:cNvPr>
+          <p:cNvSpPr txBox="1"/>
+          <p:nvPr/>
+        </p:nvSpPr>
+        <p:spPr>
+          <a:xfrm>
+            <a:off x="1066798" y="1517666"/>
+            <a:ext cx="9725527" cy="1384995"/>
+          </a:xfrm>
+          <a:prstGeom prst="rect">
+            <a:avLst/>
+          </a:prstGeom>
+          <a:noFill/>
+        </p:spPr>
+        <p:txBody>
+          <a:bodyPr wrap="square" rtlCol="0">
+            <a:spAutoFit/>
+          </a:bodyPr>
+          <a:lstStyle/>
+          <a:p>
+            <a:pPr marL="457200" indent="-457200">
+              <a:buFont typeface="Arial" panose="020B0604020202020204" pitchFamily="34" charset="0"/>
+              <a:buChar char="•"/>
+            </a:pPr>
+            <a:r>
+              <a:rPr kumimoji="1" lang="en-US" altLang="ja-JP" sz="2800" dirty="0"/>
+              <a:t>Hallo world </a:t>
+            </a:r>
+            <a:r>
+              <a:rPr kumimoji="1" lang="ja-JP" altLang="en-US" sz="2800" dirty="0"/>
+              <a:t>のサンプルコードを見せて、プログラミング言語を当てるクイズ</a:t>
+            </a:r>
+            <a:endParaRPr kumimoji="1" lang="en-US" altLang="ja-JP" sz="2800" dirty="0"/>
+          </a:p>
+          <a:p>
+            <a:pPr marL="457200" indent="-457200">
+              <a:buFont typeface="Arial" panose="020B0604020202020204" pitchFamily="34" charset="0"/>
+              <a:buChar char="•"/>
+            </a:pPr>
+            <a:r>
+              <a:rPr lang="ja-JP" altLang="en-US" sz="2800" dirty="0"/>
+              <a:t>世界の首都</a:t>
+            </a:r>
+            <a:endParaRPr lang="en-US" altLang="ja-JP" sz="2800" dirty="0"/>
+          </a:p>
+        </p:txBody>
+      </p:sp>
+    </p:spTree>
+    <p:extLst>
+      <p:ext uri="{BB962C8B-B14F-4D97-AF65-F5344CB8AC3E}">
+        <p14:creationId xmlns:p14="http://schemas.microsoft.com/office/powerpoint/2010/main" val="193626412"/>
+      </p:ext>
+    </p:extLst>
+  </p:cSld>
+  <p:clrMapOvr>
+    <a:masterClrMapping/>
+  </p:clrMapOvr>
+</p:sld>
+</file>
+
+<file path=ppt/slides/slide16.xml><?xml version="1.0" encoding="utf-8"?>
+<p:sld xmlns:a="http://schemas.openxmlformats.org/drawingml/2006/main" xmlns:r="http://schemas.openxmlformats.org/officeDocument/2006/relationships" xmlns:p="http://schemas.openxmlformats.org/presentationml/2006/main">
+  <p:cSld>
+    <p:spTree>
+      <p:nvGrpSpPr>
+        <p:cNvPr id="1" name=""/>
+        <p:cNvGrpSpPr/>
+        <p:nvPr/>
+      </p:nvGrpSpPr>
+      <p:grpSpPr>
+        <a:xfrm>
+          <a:off x="0" y="0"/>
+          <a:ext cx="0" cy="0"/>
+          <a:chOff x="0" y="0"/>
+          <a:chExt cx="0" cy="0"/>
+        </a:xfrm>
+      </p:grpSpPr>
+      <p:sp>
+        <p:nvSpPr>
+          <p:cNvPr id="2" name="テキスト ボックス 1">
+            <a:extLst>
+              <a:ext uri="{FF2B5EF4-FFF2-40B4-BE49-F238E27FC236}">
+                <a16:creationId xmlns:a16="http://schemas.microsoft.com/office/drawing/2014/main" id="{A2570873-832A-7AA0-07EA-7B2F02CDE8BD}"/>
+              </a:ext>
+            </a:extLst>
+          </p:cNvPr>
+          <p:cNvSpPr txBox="1"/>
+          <p:nvPr/>
+        </p:nvSpPr>
+        <p:spPr>
+          <a:xfrm>
+            <a:off x="1066799" y="659413"/>
+            <a:ext cx="5606716" cy="646331"/>
+          </a:xfrm>
+          <a:prstGeom prst="rect">
+            <a:avLst/>
+          </a:prstGeom>
+          <a:noFill/>
+        </p:spPr>
+        <p:txBody>
+          <a:bodyPr wrap="square" rtlCol="0">
+            <a:spAutoFit/>
+          </a:bodyPr>
+          <a:lstStyle/>
+          <a:p>
+            <a:r>
+              <a:rPr kumimoji="1" lang="ja-JP" altLang="en-US" sz="3600" b="1" dirty="0"/>
+              <a:t>欲しいクイズ（動的）</a:t>
+            </a:r>
+            <a:endParaRPr kumimoji="1" lang="en-US" altLang="ja-JP" sz="3600" b="1" dirty="0"/>
+          </a:p>
+        </p:txBody>
+      </p:sp>
+      <p:sp>
+        <p:nvSpPr>
+          <p:cNvPr id="3" name="テキスト ボックス 2">
+            <a:extLst>
+              <a:ext uri="{FF2B5EF4-FFF2-40B4-BE49-F238E27FC236}">
+                <a16:creationId xmlns:a16="http://schemas.microsoft.com/office/drawing/2014/main" id="{11D084A0-FE85-A088-F6B2-3FC118518D1A}"/>
+              </a:ext>
+            </a:extLst>
+          </p:cNvPr>
+          <p:cNvSpPr txBox="1"/>
+          <p:nvPr/>
+        </p:nvSpPr>
+        <p:spPr>
+          <a:xfrm>
+            <a:off x="1066798" y="1517666"/>
+            <a:ext cx="9725527" cy="1384995"/>
+          </a:xfrm>
+          <a:prstGeom prst="rect">
+            <a:avLst/>
+          </a:prstGeom>
+          <a:noFill/>
+        </p:spPr>
+        <p:txBody>
+          <a:bodyPr wrap="square" rtlCol="0">
+            <a:spAutoFit/>
+          </a:bodyPr>
+          <a:lstStyle/>
+          <a:p>
+            <a:pPr marL="457200" indent="-457200">
+              <a:buFont typeface="Arial" panose="020B0604020202020204" pitchFamily="34" charset="0"/>
+              <a:buChar char="•"/>
+            </a:pPr>
+            <a:r>
+              <a:rPr lang="en-US" altLang="ja-JP" sz="2800" dirty="0"/>
+              <a:t>Python </a:t>
+            </a:r>
+            <a:r>
+              <a:rPr lang="ja-JP" altLang="en-US" sz="2800" dirty="0"/>
+              <a:t>のキーワードやモジュール名の英単語タイピング</a:t>
+            </a:r>
+            <a:endParaRPr lang="en-US" altLang="ja-JP" sz="2800" dirty="0"/>
+          </a:p>
+          <a:p>
+            <a:pPr marL="457200" indent="-457200">
+              <a:buFont typeface="Arial" panose="020B0604020202020204" pitchFamily="34" charset="0"/>
+              <a:buChar char="•"/>
+            </a:pPr>
+            <a:r>
+              <a:rPr lang="en-US" altLang="ja-JP" sz="2800" dirty="0"/>
+              <a:t>3</a:t>
+            </a:r>
+            <a:r>
+              <a:rPr lang="ja-JP" altLang="en-US" sz="2800" dirty="0"/>
+              <a:t>桁程度の足し算や引き算、掛け算や割り算</a:t>
+            </a:r>
+            <a:endParaRPr lang="en-US" altLang="ja-JP" sz="2800" dirty="0"/>
+          </a:p>
+          <a:p>
+            <a:pPr marL="457200" indent="-457200">
+              <a:buFont typeface="Arial" panose="020B0604020202020204" pitchFamily="34" charset="0"/>
+              <a:buChar char="•"/>
+            </a:pPr>
+            <a:endParaRPr lang="en-US" altLang="ja-JP" sz="2800" dirty="0"/>
+          </a:p>
+        </p:txBody>
+      </p:sp>
+    </p:spTree>
+    <p:extLst>
+      <p:ext uri="{BB962C8B-B14F-4D97-AF65-F5344CB8AC3E}">
+        <p14:creationId xmlns:p14="http://schemas.microsoft.com/office/powerpoint/2010/main" val="99756"/>
+      </p:ext>
+    </p:extLst>
+  </p:cSld>
+  <p:clrMapOvr>
+    <a:masterClrMapping/>
+  </p:clrMapOvr>
+</p:sld>
+</file>
+
 <file path=ppt/slides/slide2.xml><?xml version="1.0" encoding="utf-8"?>
 <p:sld xmlns:a="http://schemas.openxmlformats.org/drawingml/2006/main" xmlns:r="http://schemas.openxmlformats.org/officeDocument/2006/relationships" xmlns:p="http://schemas.openxmlformats.org/presentationml/2006/main">
   <p:cSld>
@@ -9017,7 +9468,7 @@
         </p:nvSpPr>
         <p:spPr>
           <a:xfrm>
-            <a:off x="1088570" y="2225933"/>
+            <a:off x="969301" y="2158283"/>
             <a:ext cx="9644744" cy="4256705"/>
           </a:xfrm>
           <a:prstGeom prst="rect">
@@ -9066,8 +9517,8 @@
         </p:nvSpPr>
         <p:spPr>
           <a:xfrm>
-            <a:off x="2264229" y="4232825"/>
-            <a:ext cx="6923314" cy="646331"/>
+            <a:off x="1811012" y="4646828"/>
+            <a:ext cx="1112661" cy="461665"/>
           </a:xfrm>
           <a:prstGeom prst="rect">
             <a:avLst/>
@@ -9094,8 +9545,8 @@
           <a:lstStyle/>
           <a:p>
             <a:r>
-              <a:rPr lang="ja-JP" altLang="en-US" sz="3600" dirty="0"/>
-              <a:t>解説文章</a:t>
+              <a:rPr lang="ja-JP" altLang="en-US" sz="2400" dirty="0"/>
+              <a:t>正答：</a:t>
             </a:r>
           </a:p>
         </p:txBody>
@@ -9114,8 +9565,8 @@
         </p:nvSpPr>
         <p:spPr>
           <a:xfrm>
-            <a:off x="3445328" y="2931614"/>
-            <a:ext cx="4751615" cy="707886"/>
+            <a:off x="2138614" y="2443645"/>
+            <a:ext cx="5728347" cy="707886"/>
           </a:xfrm>
           <a:prstGeom prst="rect">
             <a:avLst/>
@@ -9234,7 +9685,7 @@
         </p:nvSpPr>
         <p:spPr>
           <a:xfrm>
-            <a:off x="4250160" y="5461726"/>
+            <a:off x="4190525" y="5862929"/>
             <a:ext cx="3321563" cy="369332"/>
           </a:xfrm>
           <a:prstGeom prst="rect">
@@ -9290,7 +9741,7 @@
         </p:nvSpPr>
         <p:spPr>
           <a:xfrm>
-            <a:off x="8849054" y="2625175"/>
+            <a:off x="8745295" y="2322192"/>
             <a:ext cx="1591262" cy="584775"/>
           </a:xfrm>
           <a:prstGeom prst="rect">
@@ -9346,7 +9797,7 @@
         </p:nvSpPr>
         <p:spPr>
           <a:xfrm>
-            <a:off x="8952811" y="3302525"/>
+            <a:off x="8874061" y="2957914"/>
             <a:ext cx="1383747" cy="369332"/>
           </a:xfrm>
           <a:prstGeom prst="rect">
@@ -9394,8 +9845,8 @@
         </p:nvSpPr>
         <p:spPr>
           <a:xfrm>
-            <a:off x="8521148" y="5335429"/>
-            <a:ext cx="1919168" cy="646331"/>
+            <a:off x="8486471" y="3381552"/>
+            <a:ext cx="1919168" cy="584775"/>
           </a:xfrm>
           <a:prstGeom prst="rect">
             <a:avLst/>
@@ -9422,9 +9873,288 @@
           <a:lstStyle/>
           <a:p>
             <a:r>
-              <a:rPr lang="ja-JP" altLang="en-US" dirty="0"/>
+              <a:rPr lang="ja-JP" altLang="en-US" sz="1600" dirty="0"/>
               <a:t>終了し結果画面へ行くボタン</a:t>
             </a:r>
+          </a:p>
+        </p:txBody>
+      </p:sp>
+      <p:sp>
+        <p:nvSpPr>
+          <p:cNvPr id="11" name="テキスト ボックス 10">
+            <a:extLst>
+              <a:ext uri="{FF2B5EF4-FFF2-40B4-BE49-F238E27FC236}">
+                <a16:creationId xmlns:a16="http://schemas.microsoft.com/office/drawing/2014/main" id="{5B2B84AB-B25A-8858-2783-AC6783189EDE}"/>
+              </a:ext>
+            </a:extLst>
+          </p:cNvPr>
+          <p:cNvSpPr txBox="1"/>
+          <p:nvPr/>
+        </p:nvSpPr>
+        <p:spPr>
+          <a:xfrm>
+            <a:off x="1893941" y="5198351"/>
+            <a:ext cx="1112662" cy="461665"/>
+          </a:xfrm>
+          <a:prstGeom prst="rect">
+            <a:avLst/>
+          </a:prstGeom>
+        </p:spPr>
+        <p:style>
+          <a:lnRef idx="2">
+            <a:schemeClr val="dk1"/>
+          </a:lnRef>
+          <a:fillRef idx="1">
+            <a:schemeClr val="lt1"/>
+          </a:fillRef>
+          <a:effectRef idx="0">
+            <a:schemeClr val="dk1"/>
+          </a:effectRef>
+          <a:fontRef idx="minor">
+            <a:schemeClr val="dk1"/>
+          </a:fontRef>
+        </p:style>
+        <p:txBody>
+          <a:bodyPr wrap="square">
+            <a:spAutoFit/>
+          </a:bodyPr>
+          <a:lstStyle/>
+          <a:p>
+            <a:r>
+              <a:rPr lang="ja-JP" altLang="en-US" sz="2400" dirty="0"/>
+              <a:t>解説：</a:t>
+            </a:r>
+          </a:p>
+        </p:txBody>
+      </p:sp>
+      <p:sp>
+        <p:nvSpPr>
+          <p:cNvPr id="12" name="テキスト ボックス 11">
+            <a:extLst>
+              <a:ext uri="{FF2B5EF4-FFF2-40B4-BE49-F238E27FC236}">
+                <a16:creationId xmlns:a16="http://schemas.microsoft.com/office/drawing/2014/main" id="{AE829EAD-A8E1-7920-596F-F14DC084610D}"/>
+              </a:ext>
+            </a:extLst>
+          </p:cNvPr>
+          <p:cNvSpPr txBox="1"/>
+          <p:nvPr/>
+        </p:nvSpPr>
+        <p:spPr>
+          <a:xfrm>
+            <a:off x="3224463" y="4048152"/>
+            <a:ext cx="4788569" cy="461665"/>
+          </a:xfrm>
+          <a:prstGeom prst="rect">
+            <a:avLst/>
+          </a:prstGeom>
+        </p:spPr>
+        <p:style>
+          <a:lnRef idx="2">
+            <a:schemeClr val="dk1"/>
+          </a:lnRef>
+          <a:fillRef idx="1">
+            <a:schemeClr val="lt1"/>
+          </a:fillRef>
+          <a:effectRef idx="0">
+            <a:schemeClr val="dk1"/>
+          </a:effectRef>
+          <a:fontRef idx="minor">
+            <a:schemeClr val="dk1"/>
+          </a:fontRef>
+        </p:style>
+        <p:txBody>
+          <a:bodyPr wrap="square">
+            <a:spAutoFit/>
+          </a:bodyPr>
+          <a:lstStyle/>
+          <a:p>
+            <a:endParaRPr lang="ja-JP" altLang="en-US" sz="2400" dirty="0"/>
+          </a:p>
+        </p:txBody>
+      </p:sp>
+      <p:sp>
+        <p:nvSpPr>
+          <p:cNvPr id="13" name="テキスト ボックス 12">
+            <a:extLst>
+              <a:ext uri="{FF2B5EF4-FFF2-40B4-BE49-F238E27FC236}">
+                <a16:creationId xmlns:a16="http://schemas.microsoft.com/office/drawing/2014/main" id="{495265EB-8313-7FF2-1244-47A75FBD268C}"/>
+              </a:ext>
+            </a:extLst>
+          </p:cNvPr>
+          <p:cNvSpPr txBox="1"/>
+          <p:nvPr/>
+        </p:nvSpPr>
+        <p:spPr>
+          <a:xfrm>
+            <a:off x="2138614" y="3368480"/>
+            <a:ext cx="5689044" cy="461665"/>
+          </a:xfrm>
+          <a:prstGeom prst="rect">
+            <a:avLst/>
+          </a:prstGeom>
+        </p:spPr>
+        <p:style>
+          <a:lnRef idx="2">
+            <a:schemeClr val="dk1"/>
+          </a:lnRef>
+          <a:fillRef idx="1">
+            <a:schemeClr val="lt1"/>
+          </a:fillRef>
+          <a:effectRef idx="0">
+            <a:schemeClr val="dk1"/>
+          </a:effectRef>
+          <a:fontRef idx="minor">
+            <a:schemeClr val="dk1"/>
+          </a:fontRef>
+        </p:style>
+        <p:txBody>
+          <a:bodyPr wrap="square">
+            <a:spAutoFit/>
+          </a:bodyPr>
+          <a:lstStyle/>
+          <a:p>
+            <a:r>
+              <a:rPr lang="ja-JP" altLang="en-US" sz="2400" dirty="0"/>
+              <a:t>プレイヤーの入力：</a:t>
+            </a:r>
+          </a:p>
+        </p:txBody>
+      </p:sp>
+      <p:sp>
+        <p:nvSpPr>
+          <p:cNvPr id="14" name="テキスト ボックス 13">
+            <a:extLst>
+              <a:ext uri="{FF2B5EF4-FFF2-40B4-BE49-F238E27FC236}">
+                <a16:creationId xmlns:a16="http://schemas.microsoft.com/office/drawing/2014/main" id="{255D3BF6-901D-DF3C-330F-233CA9757EF0}"/>
+              </a:ext>
+            </a:extLst>
+          </p:cNvPr>
+          <p:cNvSpPr txBox="1"/>
+          <p:nvPr/>
+        </p:nvSpPr>
+        <p:spPr>
+          <a:xfrm>
+            <a:off x="1823044" y="4055804"/>
+            <a:ext cx="1112661" cy="461665"/>
+          </a:xfrm>
+          <a:prstGeom prst="rect">
+            <a:avLst/>
+          </a:prstGeom>
+        </p:spPr>
+        <p:style>
+          <a:lnRef idx="2">
+            <a:schemeClr val="dk1"/>
+          </a:lnRef>
+          <a:fillRef idx="1">
+            <a:schemeClr val="lt1"/>
+          </a:fillRef>
+          <a:effectRef idx="0">
+            <a:schemeClr val="dk1"/>
+          </a:effectRef>
+          <a:fontRef idx="minor">
+            <a:schemeClr val="dk1"/>
+          </a:fontRef>
+        </p:style>
+        <p:txBody>
+          <a:bodyPr wrap="square">
+            <a:spAutoFit/>
+          </a:bodyPr>
+          <a:lstStyle/>
+          <a:p>
+            <a:r>
+              <a:rPr lang="ja-JP" altLang="en-US" sz="2400" dirty="0"/>
+              <a:t>問題：</a:t>
+            </a:r>
+          </a:p>
+        </p:txBody>
+      </p:sp>
+      <p:sp>
+        <p:nvSpPr>
+          <p:cNvPr id="15" name="テキスト ボックス 14">
+            <a:extLst>
+              <a:ext uri="{FF2B5EF4-FFF2-40B4-BE49-F238E27FC236}">
+                <a16:creationId xmlns:a16="http://schemas.microsoft.com/office/drawing/2014/main" id="{F8DAF7DC-B762-9020-B16F-7447BA287B75}"/>
+              </a:ext>
+            </a:extLst>
+          </p:cNvPr>
+          <p:cNvSpPr txBox="1"/>
+          <p:nvPr/>
+        </p:nvSpPr>
+        <p:spPr>
+          <a:xfrm>
+            <a:off x="3185017" y="4599675"/>
+            <a:ext cx="4828015" cy="461665"/>
+          </a:xfrm>
+          <a:prstGeom prst="rect">
+            <a:avLst/>
+          </a:prstGeom>
+        </p:spPr>
+        <p:style>
+          <a:lnRef idx="2">
+            <a:schemeClr val="dk1"/>
+          </a:lnRef>
+          <a:fillRef idx="1">
+            <a:schemeClr val="lt1"/>
+          </a:fillRef>
+          <a:effectRef idx="0">
+            <a:schemeClr val="dk1"/>
+          </a:effectRef>
+          <a:fontRef idx="minor">
+            <a:schemeClr val="dk1"/>
+          </a:fontRef>
+        </p:style>
+        <p:txBody>
+          <a:bodyPr wrap="square">
+            <a:spAutoFit/>
+          </a:bodyPr>
+          <a:lstStyle/>
+          <a:p>
+            <a:endParaRPr lang="ja-JP" altLang="en-US" sz="2400" dirty="0"/>
+          </a:p>
+        </p:txBody>
+      </p:sp>
+      <p:sp>
+        <p:nvSpPr>
+          <p:cNvPr id="16" name="テキスト ボックス 15">
+            <a:extLst>
+              <a:ext uri="{FF2B5EF4-FFF2-40B4-BE49-F238E27FC236}">
+                <a16:creationId xmlns:a16="http://schemas.microsoft.com/office/drawing/2014/main" id="{C70F0AB2-1201-B01A-7BB2-81B5F9D3F998}"/>
+              </a:ext>
+            </a:extLst>
+          </p:cNvPr>
+          <p:cNvSpPr txBox="1"/>
+          <p:nvPr/>
+        </p:nvSpPr>
+        <p:spPr>
+          <a:xfrm>
+            <a:off x="3304276" y="5221909"/>
+            <a:ext cx="4708756" cy="461665"/>
+          </a:xfrm>
+          <a:prstGeom prst="rect">
+            <a:avLst/>
+          </a:prstGeom>
+        </p:spPr>
+        <p:style>
+          <a:lnRef idx="2">
+            <a:schemeClr val="dk1"/>
+          </a:lnRef>
+          <a:fillRef idx="1">
+            <a:schemeClr val="lt1"/>
+          </a:fillRef>
+          <a:effectRef idx="0">
+            <a:schemeClr val="dk1"/>
+          </a:effectRef>
+          <a:fontRef idx="minor">
+            <a:schemeClr val="dk1"/>
+          </a:fontRef>
+        </p:style>
+        <p:txBody>
+          <a:bodyPr wrap="square">
+            <a:spAutoFit/>
+          </a:bodyPr>
+          <a:lstStyle/>
+          <a:p>
+            <a:endParaRPr lang="ja-JP" altLang="en-US" sz="2400" dirty="0"/>
           </a:p>
         </p:txBody>
       </p:sp>

--- a/design.pptx
+++ b/design.pptx
@@ -4860,7 +4860,7 @@
         </p:nvSpPr>
         <p:spPr>
           <a:xfrm>
-            <a:off x="8852452" y="4929744"/>
+            <a:off x="4804012" y="4723345"/>
             <a:ext cx="1766849" cy="646331"/>
           </a:xfrm>
           <a:prstGeom prst="rect">
@@ -5037,7 +5037,7 @@
         </p:nvSpPr>
         <p:spPr>
           <a:xfrm>
-            <a:off x="6672470" y="5186583"/>
+            <a:off x="2244849" y="4929744"/>
             <a:ext cx="1921565" cy="369332"/>
           </a:xfrm>
           <a:prstGeom prst="rect">
@@ -5072,6 +5072,60 @@
             <a:r>
               <a:rPr lang="ja-JP" altLang="en-US" dirty="0"/>
               <a:t>リトライボタン</a:t>
+            </a:r>
+            <a:endParaRPr kumimoji="1" lang="ja-JP" altLang="en-US" dirty="0"/>
+          </a:p>
+        </p:txBody>
+      </p:sp>
+      <p:sp>
+        <p:nvSpPr>
+          <p:cNvPr id="6" name="テキスト ボックス 5">
+            <a:extLst>
+              <a:ext uri="{FF2B5EF4-FFF2-40B4-BE49-F238E27FC236}">
+                <a16:creationId xmlns:a16="http://schemas.microsoft.com/office/drawing/2014/main" id="{08335B5D-A08B-37A9-5736-7FDC20F527A0}"/>
+              </a:ext>
+            </a:extLst>
+          </p:cNvPr>
+          <p:cNvSpPr txBox="1"/>
+          <p:nvPr/>
+        </p:nvSpPr>
+        <p:spPr>
+          <a:xfrm>
+            <a:off x="7031070" y="4712290"/>
+            <a:ext cx="1766849" cy="646331"/>
+          </a:xfrm>
+          <a:prstGeom prst="rect">
+            <a:avLst/>
+          </a:prstGeom>
+          <a:ln w="28575">
+            <a:solidFill>
+              <a:schemeClr val="tx1"/>
+            </a:solidFill>
+          </a:ln>
+        </p:spPr>
+        <p:style>
+          <a:lnRef idx="2">
+            <a:schemeClr val="dk1"/>
+          </a:lnRef>
+          <a:fillRef idx="1">
+            <a:schemeClr val="lt1"/>
+          </a:fillRef>
+          <a:effectRef idx="0">
+            <a:schemeClr val="dk1"/>
+          </a:effectRef>
+          <a:fontRef idx="minor">
+            <a:schemeClr val="dk1"/>
+          </a:fontRef>
+        </p:style>
+        <p:txBody>
+          <a:bodyPr wrap="square" rtlCol="0">
+            <a:spAutoFit/>
+          </a:bodyPr>
+          <a:lstStyle/>
+          <a:p>
+            <a:r>
+              <a:rPr lang="ja-JP" altLang="en-US" dirty="0"/>
+              <a:t>タイトル画面に行くボタン</a:t>
             </a:r>
             <a:endParaRPr kumimoji="1" lang="ja-JP" altLang="en-US" dirty="0"/>
           </a:p>

--- a/design.pptx
+++ b/design.pptx
@@ -274,7 +274,7 @@
           <a:p>
             <a:fld id="{92A24FDA-9713-4B2A-B123-08E9636CCA2B}" type="datetimeFigureOut">
               <a:rPr kumimoji="1" lang="ja-JP" altLang="en-US" smtClean="0"/>
-              <a:t>2023/9/6</a:t>
+              <a:t>2023/9/7</a:t>
             </a:fld>
             <a:endParaRPr kumimoji="1" lang="ja-JP" altLang="en-US"/>
           </a:p>
@@ -504,7 +504,7 @@
           <a:p>
             <a:fld id="{92A24FDA-9713-4B2A-B123-08E9636CCA2B}" type="datetimeFigureOut">
               <a:rPr kumimoji="1" lang="ja-JP" altLang="en-US" smtClean="0"/>
-              <a:t>2023/9/6</a:t>
+              <a:t>2023/9/7</a:t>
             </a:fld>
             <a:endParaRPr kumimoji="1" lang="ja-JP" altLang="en-US"/>
           </a:p>
@@ -744,7 +744,7 @@
           <a:p>
             <a:fld id="{92A24FDA-9713-4B2A-B123-08E9636CCA2B}" type="datetimeFigureOut">
               <a:rPr kumimoji="1" lang="ja-JP" altLang="en-US" smtClean="0"/>
-              <a:t>2023/9/6</a:t>
+              <a:t>2023/9/7</a:t>
             </a:fld>
             <a:endParaRPr kumimoji="1" lang="ja-JP" altLang="en-US"/>
           </a:p>
@@ -974,7 +974,7 @@
           <a:p>
             <a:fld id="{92A24FDA-9713-4B2A-B123-08E9636CCA2B}" type="datetimeFigureOut">
               <a:rPr kumimoji="1" lang="ja-JP" altLang="en-US" smtClean="0"/>
-              <a:t>2023/9/6</a:t>
+              <a:t>2023/9/7</a:t>
             </a:fld>
             <a:endParaRPr kumimoji="1" lang="ja-JP" altLang="en-US"/>
           </a:p>
@@ -1249,7 +1249,7 @@
           <a:p>
             <a:fld id="{92A24FDA-9713-4B2A-B123-08E9636CCA2B}" type="datetimeFigureOut">
               <a:rPr kumimoji="1" lang="ja-JP" altLang="en-US" smtClean="0"/>
-              <a:t>2023/9/6</a:t>
+              <a:t>2023/9/7</a:t>
             </a:fld>
             <a:endParaRPr kumimoji="1" lang="ja-JP" altLang="en-US"/>
           </a:p>
@@ -1578,7 +1578,7 @@
           <a:p>
             <a:fld id="{92A24FDA-9713-4B2A-B123-08E9636CCA2B}" type="datetimeFigureOut">
               <a:rPr kumimoji="1" lang="ja-JP" altLang="en-US" smtClean="0"/>
-              <a:t>2023/9/6</a:t>
+              <a:t>2023/9/7</a:t>
             </a:fld>
             <a:endParaRPr kumimoji="1" lang="ja-JP" altLang="en-US"/>
           </a:p>
@@ -2054,7 +2054,7 @@
           <a:p>
             <a:fld id="{92A24FDA-9713-4B2A-B123-08E9636CCA2B}" type="datetimeFigureOut">
               <a:rPr kumimoji="1" lang="ja-JP" altLang="en-US" smtClean="0"/>
-              <a:t>2023/9/6</a:t>
+              <a:t>2023/9/7</a:t>
             </a:fld>
             <a:endParaRPr kumimoji="1" lang="ja-JP" altLang="en-US"/>
           </a:p>
@@ -2195,7 +2195,7 @@
           <a:p>
             <a:fld id="{92A24FDA-9713-4B2A-B123-08E9636CCA2B}" type="datetimeFigureOut">
               <a:rPr kumimoji="1" lang="ja-JP" altLang="en-US" smtClean="0"/>
-              <a:t>2023/9/6</a:t>
+              <a:t>2023/9/7</a:t>
             </a:fld>
             <a:endParaRPr kumimoji="1" lang="ja-JP" altLang="en-US"/>
           </a:p>
@@ -2308,7 +2308,7 @@
           <a:p>
             <a:fld id="{92A24FDA-9713-4B2A-B123-08E9636CCA2B}" type="datetimeFigureOut">
               <a:rPr kumimoji="1" lang="ja-JP" altLang="en-US" smtClean="0"/>
-              <a:t>2023/9/6</a:t>
+              <a:t>2023/9/7</a:t>
             </a:fld>
             <a:endParaRPr kumimoji="1" lang="ja-JP" altLang="en-US"/>
           </a:p>
@@ -2651,7 +2651,7 @@
           <a:p>
             <a:fld id="{92A24FDA-9713-4B2A-B123-08E9636CCA2B}" type="datetimeFigureOut">
               <a:rPr kumimoji="1" lang="ja-JP" altLang="en-US" smtClean="0"/>
-              <a:t>2023/9/6</a:t>
+              <a:t>2023/9/7</a:t>
             </a:fld>
             <a:endParaRPr kumimoji="1" lang="ja-JP" altLang="en-US"/>
           </a:p>
@@ -2939,7 +2939,7 @@
           <a:p>
             <a:fld id="{92A24FDA-9713-4B2A-B123-08E9636CCA2B}" type="datetimeFigureOut">
               <a:rPr kumimoji="1" lang="ja-JP" altLang="en-US" smtClean="0"/>
-              <a:t>2023/9/6</a:t>
+              <a:t>2023/9/7</a:t>
             </a:fld>
             <a:endParaRPr kumimoji="1" lang="ja-JP" altLang="en-US"/>
           </a:p>
@@ -3212,7 +3212,7 @@
           <a:p>
             <a:fld id="{92A24FDA-9713-4B2A-B123-08E9636CCA2B}" type="datetimeFigureOut">
               <a:rPr kumimoji="1" lang="ja-JP" altLang="en-US" smtClean="0"/>
-              <a:t>2023/9/6</a:t>
+              <a:t>2023/9/7</a:t>
             </a:fld>
             <a:endParaRPr kumimoji="1" lang="ja-JP" altLang="en-US"/>
           </a:p>
@@ -4124,8 +4124,8 @@
         </p:nvSpPr>
         <p:spPr>
           <a:xfrm>
-            <a:off x="2161055" y="2021478"/>
-            <a:ext cx="2530216" cy="830997"/>
+            <a:off x="2650339" y="2002569"/>
+            <a:ext cx="3445661" cy="1077218"/>
           </a:xfrm>
           <a:prstGeom prst="rect">
             <a:avLst/>
@@ -4155,9 +4155,17 @@
           <a:lstStyle/>
           <a:p>
             <a:r>
-              <a:rPr lang="ja-JP" altLang="en-US" sz="4800" dirty="0"/>
+              <a:rPr lang="ja-JP" altLang="en-US" sz="3200" dirty="0"/>
               <a:t>正解数</a:t>
             </a:r>
+            <a:endParaRPr lang="en-US" altLang="ja-JP" sz="3200" dirty="0"/>
+          </a:p>
+          <a:p>
+            <a:r>
+              <a:rPr lang="ja-JP" altLang="en-US" sz="3200" dirty="0"/>
+              <a:t>制限時間</a:t>
+            </a:r>
+            <a:endParaRPr lang="en-US" altLang="ja-JP" sz="3200" dirty="0"/>
           </a:p>
         </p:txBody>
       </p:sp>
@@ -6023,7 +6031,7 @@
         <p:spPr>
           <a:xfrm>
             <a:off x="1066798" y="1517666"/>
-            <a:ext cx="9725527" cy="5262979"/>
+            <a:ext cx="9725527" cy="4832092"/>
           </a:xfrm>
           <a:prstGeom prst="rect">
             <a:avLst/>
@@ -6061,11 +6069,7 @@
             </a:r>
             <a:r>
               <a:rPr lang="ja-JP" altLang="en-US" sz="2800" dirty="0"/>
-              <a:t>フォルダに事前に入れておけば選択できるように</a:t>
-            </a:r>
-            <a:r>
-              <a:rPr lang="ja-JP" altLang="en-US" sz="2800"/>
-              <a:t>する）</a:t>
+              <a:t>フォルダに事前に入れておけば選択できるようにする）</a:t>
             </a:r>
             <a:endParaRPr lang="en-US" altLang="ja-JP" sz="2800" dirty="0"/>
           </a:p>
@@ -6102,18 +6106,11 @@
             </a:r>
             <a:r>
               <a:rPr lang="ja-JP" altLang="en-US" sz="2800" dirty="0"/>
-              <a:t>の文章の差分を計算するモジュールを用いて、間違い部分だけを赤字で出力する</a:t>
-            </a:r>
-            <a:endParaRPr lang="en-US" altLang="ja-JP" sz="2800" dirty="0"/>
-          </a:p>
-          <a:p>
-            <a:pPr marL="457200" indent="-457200">
-              <a:buFont typeface="Arial" panose="020B0604020202020204" pitchFamily="34" charset="0"/>
-              <a:buChar char="•"/>
-            </a:pPr>
-            <a:r>
-              <a:rPr lang="ja-JP" altLang="en-US" sz="2800" dirty="0"/>
-              <a:t>クレジット画面（音楽の素材などの表示）</a:t>
+              <a:t>の文章の差分を計算するモジュールを用いて、間違い部分だけを赤字で</a:t>
+            </a:r>
+            <a:r>
+              <a:rPr lang="ja-JP" altLang="en-US" sz="2800"/>
+              <a:t>出力する</a:t>
             </a:r>
             <a:endParaRPr lang="en-US" altLang="ja-JP" sz="2800" dirty="0"/>
           </a:p>

--- a/design.pptx
+++ b/design.pptx
@@ -21,6 +21,7 @@
     <p:sldId id="270" r:id="rId15"/>
     <p:sldId id="272" r:id="rId16"/>
     <p:sldId id="271" r:id="rId17"/>
+    <p:sldId id="273" r:id="rId18"/>
   </p:sldIdLst>
   <p:sldSz cx="12192000" cy="6858000"/>
   <p:notesSz cx="6858000" cy="9144000"/>
@@ -274,7 +275,7 @@
           <a:p>
             <a:fld id="{92A24FDA-9713-4B2A-B123-08E9636CCA2B}" type="datetimeFigureOut">
               <a:rPr kumimoji="1" lang="ja-JP" altLang="en-US" smtClean="0"/>
-              <a:t>2023/9/7</a:t>
+              <a:t>2023/9/8</a:t>
             </a:fld>
             <a:endParaRPr kumimoji="1" lang="ja-JP" altLang="en-US"/>
           </a:p>
@@ -504,7 +505,7 @@
           <a:p>
             <a:fld id="{92A24FDA-9713-4B2A-B123-08E9636CCA2B}" type="datetimeFigureOut">
               <a:rPr kumimoji="1" lang="ja-JP" altLang="en-US" smtClean="0"/>
-              <a:t>2023/9/7</a:t>
+              <a:t>2023/9/8</a:t>
             </a:fld>
             <a:endParaRPr kumimoji="1" lang="ja-JP" altLang="en-US"/>
           </a:p>
@@ -744,7 +745,7 @@
           <a:p>
             <a:fld id="{92A24FDA-9713-4B2A-B123-08E9636CCA2B}" type="datetimeFigureOut">
               <a:rPr kumimoji="1" lang="ja-JP" altLang="en-US" smtClean="0"/>
-              <a:t>2023/9/7</a:t>
+              <a:t>2023/9/8</a:t>
             </a:fld>
             <a:endParaRPr kumimoji="1" lang="ja-JP" altLang="en-US"/>
           </a:p>
@@ -974,7 +975,7 @@
           <a:p>
             <a:fld id="{92A24FDA-9713-4B2A-B123-08E9636CCA2B}" type="datetimeFigureOut">
               <a:rPr kumimoji="1" lang="ja-JP" altLang="en-US" smtClean="0"/>
-              <a:t>2023/9/7</a:t>
+              <a:t>2023/9/8</a:t>
             </a:fld>
             <a:endParaRPr kumimoji="1" lang="ja-JP" altLang="en-US"/>
           </a:p>
@@ -1249,7 +1250,7 @@
           <a:p>
             <a:fld id="{92A24FDA-9713-4B2A-B123-08E9636CCA2B}" type="datetimeFigureOut">
               <a:rPr kumimoji="1" lang="ja-JP" altLang="en-US" smtClean="0"/>
-              <a:t>2023/9/7</a:t>
+              <a:t>2023/9/8</a:t>
             </a:fld>
             <a:endParaRPr kumimoji="1" lang="ja-JP" altLang="en-US"/>
           </a:p>
@@ -1578,7 +1579,7 @@
           <a:p>
             <a:fld id="{92A24FDA-9713-4B2A-B123-08E9636CCA2B}" type="datetimeFigureOut">
               <a:rPr kumimoji="1" lang="ja-JP" altLang="en-US" smtClean="0"/>
-              <a:t>2023/9/7</a:t>
+              <a:t>2023/9/8</a:t>
             </a:fld>
             <a:endParaRPr kumimoji="1" lang="ja-JP" altLang="en-US"/>
           </a:p>
@@ -2054,7 +2055,7 @@
           <a:p>
             <a:fld id="{92A24FDA-9713-4B2A-B123-08E9636CCA2B}" type="datetimeFigureOut">
               <a:rPr kumimoji="1" lang="ja-JP" altLang="en-US" smtClean="0"/>
-              <a:t>2023/9/7</a:t>
+              <a:t>2023/9/8</a:t>
             </a:fld>
             <a:endParaRPr kumimoji="1" lang="ja-JP" altLang="en-US"/>
           </a:p>
@@ -2195,7 +2196,7 @@
           <a:p>
             <a:fld id="{92A24FDA-9713-4B2A-B123-08E9636CCA2B}" type="datetimeFigureOut">
               <a:rPr kumimoji="1" lang="ja-JP" altLang="en-US" smtClean="0"/>
-              <a:t>2023/9/7</a:t>
+              <a:t>2023/9/8</a:t>
             </a:fld>
             <a:endParaRPr kumimoji="1" lang="ja-JP" altLang="en-US"/>
           </a:p>
@@ -2308,7 +2309,7 @@
           <a:p>
             <a:fld id="{92A24FDA-9713-4B2A-B123-08E9636CCA2B}" type="datetimeFigureOut">
               <a:rPr kumimoji="1" lang="ja-JP" altLang="en-US" smtClean="0"/>
-              <a:t>2023/9/7</a:t>
+              <a:t>2023/9/8</a:t>
             </a:fld>
             <a:endParaRPr kumimoji="1" lang="ja-JP" altLang="en-US"/>
           </a:p>
@@ -2651,7 +2652,7 @@
           <a:p>
             <a:fld id="{92A24FDA-9713-4B2A-B123-08E9636CCA2B}" type="datetimeFigureOut">
               <a:rPr kumimoji="1" lang="ja-JP" altLang="en-US" smtClean="0"/>
-              <a:t>2023/9/7</a:t>
+              <a:t>2023/9/8</a:t>
             </a:fld>
             <a:endParaRPr kumimoji="1" lang="ja-JP" altLang="en-US"/>
           </a:p>
@@ -2939,7 +2940,7 @@
           <a:p>
             <a:fld id="{92A24FDA-9713-4B2A-B123-08E9636CCA2B}" type="datetimeFigureOut">
               <a:rPr kumimoji="1" lang="ja-JP" altLang="en-US" smtClean="0"/>
-              <a:t>2023/9/7</a:t>
+              <a:t>2023/9/8</a:t>
             </a:fld>
             <a:endParaRPr kumimoji="1" lang="ja-JP" altLang="en-US"/>
           </a:p>
@@ -3212,7 +3213,7 @@
           <a:p>
             <a:fld id="{92A24FDA-9713-4B2A-B123-08E9636CCA2B}" type="datetimeFigureOut">
               <a:rPr kumimoji="1" lang="ja-JP" altLang="en-US" smtClean="0"/>
-              <a:t>2023/9/7</a:t>
+              <a:t>2023/9/8</a:t>
             </a:fld>
             <a:endParaRPr kumimoji="1" lang="ja-JP" altLang="en-US"/>
           </a:p>
@@ -6436,6 +6437,146 @@
 </p:sld>
 </file>
 
+<file path=ppt/slides/slide17.xml><?xml version="1.0" encoding="utf-8"?>
+<p:sld xmlns:a="http://schemas.openxmlformats.org/drawingml/2006/main" xmlns:r="http://schemas.openxmlformats.org/officeDocument/2006/relationships" xmlns:p="http://schemas.openxmlformats.org/presentationml/2006/main">
+  <p:cSld>
+    <p:spTree>
+      <p:nvGrpSpPr>
+        <p:cNvPr id="1" name=""/>
+        <p:cNvGrpSpPr/>
+        <p:nvPr/>
+      </p:nvGrpSpPr>
+      <p:grpSpPr>
+        <a:xfrm>
+          <a:off x="0" y="0"/>
+          <a:ext cx="0" cy="0"/>
+          <a:chOff x="0" y="0"/>
+          <a:chExt cx="0" cy="0"/>
+        </a:xfrm>
+      </p:grpSpPr>
+      <p:sp>
+        <p:nvSpPr>
+          <p:cNvPr id="2" name="テキスト ボックス 1">
+            <a:extLst>
+              <a:ext uri="{FF2B5EF4-FFF2-40B4-BE49-F238E27FC236}">
+                <a16:creationId xmlns:a16="http://schemas.microsoft.com/office/drawing/2014/main" id="{F46D5EE6-9779-8D1B-E58D-1D251899DA97}"/>
+              </a:ext>
+            </a:extLst>
+          </p:cNvPr>
+          <p:cNvSpPr txBox="1"/>
+          <p:nvPr/>
+        </p:nvSpPr>
+        <p:spPr>
+          <a:xfrm>
+            <a:off x="585536" y="442845"/>
+            <a:ext cx="5606716" cy="646331"/>
+          </a:xfrm>
+          <a:prstGeom prst="rect">
+            <a:avLst/>
+          </a:prstGeom>
+          <a:noFill/>
+        </p:spPr>
+        <p:txBody>
+          <a:bodyPr wrap="square" rtlCol="0">
+            <a:spAutoFit/>
+          </a:bodyPr>
+          <a:lstStyle/>
+          <a:p>
+            <a:r>
+              <a:rPr lang="ja-JP" altLang="en-US" sz="3600" b="1" dirty="0"/>
+              <a:t>メモ</a:t>
+            </a:r>
+            <a:endParaRPr kumimoji="1" lang="en-US" altLang="ja-JP" sz="3600" b="1" dirty="0"/>
+          </a:p>
+        </p:txBody>
+      </p:sp>
+      <p:sp>
+        <p:nvSpPr>
+          <p:cNvPr id="3" name="テキスト ボックス 2">
+            <a:extLst>
+              <a:ext uri="{FF2B5EF4-FFF2-40B4-BE49-F238E27FC236}">
+                <a16:creationId xmlns:a16="http://schemas.microsoft.com/office/drawing/2014/main" id="{46EA2493-3C67-1A7D-2AA3-1D5270D3FC29}"/>
+              </a:ext>
+            </a:extLst>
+          </p:cNvPr>
+          <p:cNvSpPr txBox="1"/>
+          <p:nvPr/>
+        </p:nvSpPr>
+        <p:spPr>
+          <a:xfrm>
+            <a:off x="1233236" y="1089176"/>
+            <a:ext cx="9725527" cy="5693866"/>
+          </a:xfrm>
+          <a:prstGeom prst="rect">
+            <a:avLst/>
+          </a:prstGeom>
+          <a:noFill/>
+        </p:spPr>
+        <p:txBody>
+          <a:bodyPr wrap="square" rtlCol="0">
+            <a:spAutoFit/>
+          </a:bodyPr>
+          <a:lstStyle/>
+          <a:p>
+            <a:pPr marL="457200" indent="-457200">
+              <a:buFont typeface="Arial" panose="020B0604020202020204" pitchFamily="34" charset="0"/>
+              <a:buChar char="•"/>
+            </a:pPr>
+            <a:r>
+              <a:rPr lang="ja-JP" altLang="en-US" sz="2800" dirty="0"/>
+              <a:t>（テーブル、スクロールバー、詳細ボタン、詳細ボタンを押したら、表の下に詳細として表示されるラベル）をまとめたフレームを用意する。こうすると、タイトルからのログ画面、クイズのログ画面、クイズデータの選択画面に使える</a:t>
+            </a:r>
+            <a:endParaRPr lang="en-US" altLang="ja-JP" sz="2800" dirty="0"/>
+          </a:p>
+          <a:p>
+            <a:pPr marL="457200" indent="-457200">
+              <a:buFont typeface="Arial" panose="020B0604020202020204" pitchFamily="34" charset="0"/>
+              <a:buChar char="•"/>
+            </a:pPr>
+            <a:endParaRPr lang="en-US" altLang="ja-JP" sz="2800" dirty="0"/>
+          </a:p>
+          <a:p>
+            <a:pPr marL="457200" indent="-457200">
+              <a:buFont typeface="Arial" panose="020B0604020202020204" pitchFamily="34" charset="0"/>
+              <a:buChar char="•"/>
+            </a:pPr>
+            <a:r>
+              <a:rPr lang="ja-JP" altLang="en-US" sz="2800" dirty="0"/>
+              <a:t>現状クイズデータは起動時にデータベースを全て読み込んで作成している．起動中にデータを追加しても反映されない。クイズのデータフォルダから各クイズの </a:t>
+            </a:r>
+            <a:r>
+              <a:rPr lang="en-US" altLang="ja-JP" sz="2800" dirty="0"/>
+              <a:t>overview </a:t>
+            </a:r>
+            <a:r>
+              <a:rPr lang="ja-JP" altLang="en-US" sz="2800" dirty="0"/>
+              <a:t>だけを取得してクイズデータの選択画面に表示し、クイズデータは問題に選ばれたと時に動的に取得する方が良いか？毎回読み込み直す </a:t>
+            </a:r>
+            <a:r>
+              <a:rPr lang="en-US" altLang="ja-JP" sz="2800" dirty="0"/>
+              <a:t>or </a:t>
+            </a:r>
+            <a:r>
+              <a:rPr lang="ja-JP" altLang="en-US" sz="2800" dirty="0"/>
+              <a:t>最初にそのクイズを使うときに読み込みゲーム終了時まで保持しておく</a:t>
+            </a:r>
+            <a:endParaRPr lang="en-US" altLang="ja-JP" sz="2800" dirty="0"/>
+          </a:p>
+        </p:txBody>
+      </p:sp>
+    </p:spTree>
+    <p:extLst>
+      <p:ext uri="{BB962C8B-B14F-4D97-AF65-F5344CB8AC3E}">
+        <p14:creationId xmlns:p14="http://schemas.microsoft.com/office/powerpoint/2010/main" val="1366685118"/>
+      </p:ext>
+    </p:extLst>
+  </p:cSld>
+  <p:clrMapOvr>
+    <a:masterClrMapping/>
+  </p:clrMapOvr>
+</p:sld>
+</file>
+
 <file path=ppt/slides/slide2.xml><?xml version="1.0" encoding="utf-8"?>
 <p:sld xmlns:a="http://schemas.openxmlformats.org/drawingml/2006/main" xmlns:r="http://schemas.openxmlformats.org/officeDocument/2006/relationships" xmlns:p="http://schemas.openxmlformats.org/presentationml/2006/main">
   <p:cSld>

--- a/design.pptx
+++ b/design.pptx
@@ -18,10 +18,11 @@
     <p:sldId id="267" r:id="rId12"/>
     <p:sldId id="268" r:id="rId13"/>
     <p:sldId id="266" r:id="rId14"/>
-    <p:sldId id="270" r:id="rId15"/>
-    <p:sldId id="272" r:id="rId16"/>
-    <p:sldId id="271" r:id="rId17"/>
-    <p:sldId id="273" r:id="rId18"/>
+    <p:sldId id="274" r:id="rId15"/>
+    <p:sldId id="270" r:id="rId16"/>
+    <p:sldId id="272" r:id="rId17"/>
+    <p:sldId id="271" r:id="rId18"/>
+    <p:sldId id="273" r:id="rId19"/>
   </p:sldIdLst>
   <p:sldSz cx="12192000" cy="6858000"/>
   <p:notesSz cx="6858000" cy="9144000"/>
@@ -275,7 +276,7 @@
           <a:p>
             <a:fld id="{92A24FDA-9713-4B2A-B123-08E9636CCA2B}" type="datetimeFigureOut">
               <a:rPr kumimoji="1" lang="ja-JP" altLang="en-US" smtClean="0"/>
-              <a:t>2023/9/8</a:t>
+              <a:t>2023/9/9</a:t>
             </a:fld>
             <a:endParaRPr kumimoji="1" lang="ja-JP" altLang="en-US"/>
           </a:p>
@@ -505,7 +506,7 @@
           <a:p>
             <a:fld id="{92A24FDA-9713-4B2A-B123-08E9636CCA2B}" type="datetimeFigureOut">
               <a:rPr kumimoji="1" lang="ja-JP" altLang="en-US" smtClean="0"/>
-              <a:t>2023/9/8</a:t>
+              <a:t>2023/9/9</a:t>
             </a:fld>
             <a:endParaRPr kumimoji="1" lang="ja-JP" altLang="en-US"/>
           </a:p>
@@ -745,7 +746,7 @@
           <a:p>
             <a:fld id="{92A24FDA-9713-4B2A-B123-08E9636CCA2B}" type="datetimeFigureOut">
               <a:rPr kumimoji="1" lang="ja-JP" altLang="en-US" smtClean="0"/>
-              <a:t>2023/9/8</a:t>
+              <a:t>2023/9/9</a:t>
             </a:fld>
             <a:endParaRPr kumimoji="1" lang="ja-JP" altLang="en-US"/>
           </a:p>
@@ -975,7 +976,7 @@
           <a:p>
             <a:fld id="{92A24FDA-9713-4B2A-B123-08E9636CCA2B}" type="datetimeFigureOut">
               <a:rPr kumimoji="1" lang="ja-JP" altLang="en-US" smtClean="0"/>
-              <a:t>2023/9/8</a:t>
+              <a:t>2023/9/9</a:t>
             </a:fld>
             <a:endParaRPr kumimoji="1" lang="ja-JP" altLang="en-US"/>
           </a:p>
@@ -1250,7 +1251,7 @@
           <a:p>
             <a:fld id="{92A24FDA-9713-4B2A-B123-08E9636CCA2B}" type="datetimeFigureOut">
               <a:rPr kumimoji="1" lang="ja-JP" altLang="en-US" smtClean="0"/>
-              <a:t>2023/9/8</a:t>
+              <a:t>2023/9/9</a:t>
             </a:fld>
             <a:endParaRPr kumimoji="1" lang="ja-JP" altLang="en-US"/>
           </a:p>
@@ -1579,7 +1580,7 @@
           <a:p>
             <a:fld id="{92A24FDA-9713-4B2A-B123-08E9636CCA2B}" type="datetimeFigureOut">
               <a:rPr kumimoji="1" lang="ja-JP" altLang="en-US" smtClean="0"/>
-              <a:t>2023/9/8</a:t>
+              <a:t>2023/9/9</a:t>
             </a:fld>
             <a:endParaRPr kumimoji="1" lang="ja-JP" altLang="en-US"/>
           </a:p>
@@ -2055,7 +2056,7 @@
           <a:p>
             <a:fld id="{92A24FDA-9713-4B2A-B123-08E9636CCA2B}" type="datetimeFigureOut">
               <a:rPr kumimoji="1" lang="ja-JP" altLang="en-US" smtClean="0"/>
-              <a:t>2023/9/8</a:t>
+              <a:t>2023/9/9</a:t>
             </a:fld>
             <a:endParaRPr kumimoji="1" lang="ja-JP" altLang="en-US"/>
           </a:p>
@@ -2196,7 +2197,7 @@
           <a:p>
             <a:fld id="{92A24FDA-9713-4B2A-B123-08E9636CCA2B}" type="datetimeFigureOut">
               <a:rPr kumimoji="1" lang="ja-JP" altLang="en-US" smtClean="0"/>
-              <a:t>2023/9/8</a:t>
+              <a:t>2023/9/9</a:t>
             </a:fld>
             <a:endParaRPr kumimoji="1" lang="ja-JP" altLang="en-US"/>
           </a:p>
@@ -2309,7 +2310,7 @@
           <a:p>
             <a:fld id="{92A24FDA-9713-4B2A-B123-08E9636CCA2B}" type="datetimeFigureOut">
               <a:rPr kumimoji="1" lang="ja-JP" altLang="en-US" smtClean="0"/>
-              <a:t>2023/9/8</a:t>
+              <a:t>2023/9/9</a:t>
             </a:fld>
             <a:endParaRPr kumimoji="1" lang="ja-JP" altLang="en-US"/>
           </a:p>
@@ -2652,7 +2653,7 @@
           <a:p>
             <a:fld id="{92A24FDA-9713-4B2A-B123-08E9636CCA2B}" type="datetimeFigureOut">
               <a:rPr kumimoji="1" lang="ja-JP" altLang="en-US" smtClean="0"/>
-              <a:t>2023/9/8</a:t>
+              <a:t>2023/9/9</a:t>
             </a:fld>
             <a:endParaRPr kumimoji="1" lang="ja-JP" altLang="en-US"/>
           </a:p>
@@ -2940,7 +2941,7 @@
           <a:p>
             <a:fld id="{92A24FDA-9713-4B2A-B123-08E9636CCA2B}" type="datetimeFigureOut">
               <a:rPr kumimoji="1" lang="ja-JP" altLang="en-US" smtClean="0"/>
-              <a:t>2023/9/8</a:t>
+              <a:t>2023/9/9</a:t>
             </a:fld>
             <a:endParaRPr kumimoji="1" lang="ja-JP" altLang="en-US"/>
           </a:p>
@@ -3213,7 +3214,7 @@
           <a:p>
             <a:fld id="{92A24FDA-9713-4B2A-B123-08E9636CCA2B}" type="datetimeFigureOut">
               <a:rPr kumimoji="1" lang="ja-JP" altLang="en-US" smtClean="0"/>
-              <a:t>2023/9/8</a:t>
+              <a:t>2023/9/9</a:t>
             </a:fld>
             <a:endParaRPr kumimoji="1" lang="ja-JP" altLang="en-US"/>
           </a:p>
@@ -4059,10 +4060,10 @@
       </p:sp>
       <p:sp>
         <p:nvSpPr>
-          <p:cNvPr id="4" name="テキスト ボックス 3">
-            <a:extLst>
-              <a:ext uri="{FF2B5EF4-FFF2-40B4-BE49-F238E27FC236}">
-                <a16:creationId xmlns:a16="http://schemas.microsoft.com/office/drawing/2014/main" id="{559FAFC1-893D-B748-14C3-239299784AD7}"/>
+          <p:cNvPr id="5" name="テキスト ボックス 4">
+            <a:extLst>
+              <a:ext uri="{FF2B5EF4-FFF2-40B4-BE49-F238E27FC236}">
+                <a16:creationId xmlns:a16="http://schemas.microsoft.com/office/drawing/2014/main" id="{4BBE3F23-4AC9-B4C5-0DCD-504915DA803A}"/>
               </a:ext>
             </a:extLst>
           </p:cNvPr>
@@ -4071,7 +4072,173 @@
         </p:nvSpPr>
         <p:spPr>
           <a:xfrm>
-            <a:off x="8852452" y="4929744"/>
+            <a:off x="2650339" y="2002569"/>
+            <a:ext cx="3445661" cy="1077218"/>
+          </a:xfrm>
+          <a:prstGeom prst="rect">
+            <a:avLst/>
+          </a:prstGeom>
+          <a:ln>
+            <a:noFill/>
+          </a:ln>
+        </p:spPr>
+        <p:style>
+          <a:lnRef idx="2">
+            <a:schemeClr val="dk1"/>
+          </a:lnRef>
+          <a:fillRef idx="1">
+            <a:schemeClr val="lt1"/>
+          </a:fillRef>
+          <a:effectRef idx="0">
+            <a:schemeClr val="dk1"/>
+          </a:effectRef>
+          <a:fontRef idx="minor">
+            <a:schemeClr val="dk1"/>
+          </a:fontRef>
+        </p:style>
+        <p:txBody>
+          <a:bodyPr wrap="square">
+            <a:spAutoFit/>
+          </a:bodyPr>
+          <a:lstStyle/>
+          <a:p>
+            <a:r>
+              <a:rPr lang="ja-JP" altLang="en-US" sz="3200" dirty="0"/>
+              <a:t>正解数</a:t>
+            </a:r>
+            <a:endParaRPr lang="en-US" altLang="ja-JP" sz="3200" dirty="0"/>
+          </a:p>
+          <a:p>
+            <a:r>
+              <a:rPr lang="ja-JP" altLang="en-US" sz="3200" dirty="0"/>
+              <a:t>制限時間</a:t>
+            </a:r>
+            <a:endParaRPr lang="en-US" altLang="ja-JP" sz="3200" dirty="0"/>
+          </a:p>
+        </p:txBody>
+      </p:sp>
+      <p:sp>
+        <p:nvSpPr>
+          <p:cNvPr id="8" name="テキスト ボックス 7">
+            <a:extLst>
+              <a:ext uri="{FF2B5EF4-FFF2-40B4-BE49-F238E27FC236}">
+                <a16:creationId xmlns:a16="http://schemas.microsoft.com/office/drawing/2014/main" id="{82CB7637-BE40-C5E9-C619-F77FA7B90CDA}"/>
+              </a:ext>
+            </a:extLst>
+          </p:cNvPr>
+          <p:cNvSpPr txBox="1"/>
+          <p:nvPr/>
+        </p:nvSpPr>
+        <p:spPr>
+          <a:xfrm>
+            <a:off x="7500729" y="1923708"/>
+            <a:ext cx="2530216" cy="830997"/>
+          </a:xfrm>
+          <a:prstGeom prst="rect">
+            <a:avLst/>
+          </a:prstGeom>
+          <a:ln>
+            <a:noFill/>
+          </a:ln>
+        </p:spPr>
+        <p:style>
+          <a:lnRef idx="2">
+            <a:schemeClr val="dk1"/>
+          </a:lnRef>
+          <a:fillRef idx="1">
+            <a:schemeClr val="lt1"/>
+          </a:fillRef>
+          <a:effectRef idx="0">
+            <a:schemeClr val="dk1"/>
+          </a:effectRef>
+          <a:fontRef idx="minor">
+            <a:schemeClr val="dk1"/>
+          </a:fontRef>
+        </p:style>
+        <p:txBody>
+          <a:bodyPr wrap="square">
+            <a:spAutoFit/>
+          </a:bodyPr>
+          <a:lstStyle/>
+          <a:p>
+            <a:r>
+              <a:rPr lang="ja-JP" altLang="en-US" sz="2400" dirty="0"/>
+              <a:t>リタイアの際はその旨を表示</a:t>
+            </a:r>
+          </a:p>
+        </p:txBody>
+      </p:sp>
+      <p:sp>
+        <p:nvSpPr>
+          <p:cNvPr id="9" name="テキスト ボックス 8">
+            <a:extLst>
+              <a:ext uri="{FF2B5EF4-FFF2-40B4-BE49-F238E27FC236}">
+                <a16:creationId xmlns:a16="http://schemas.microsoft.com/office/drawing/2014/main" id="{91E4093C-4C97-92EB-2B14-20572DC4A165}"/>
+              </a:ext>
+            </a:extLst>
+          </p:cNvPr>
+          <p:cNvSpPr txBox="1"/>
+          <p:nvPr/>
+        </p:nvSpPr>
+        <p:spPr>
+          <a:xfrm>
+            <a:off x="1374020" y="3775576"/>
+            <a:ext cx="9155720" cy="584775"/>
+          </a:xfrm>
+          <a:prstGeom prst="rect">
+            <a:avLst/>
+          </a:prstGeom>
+          <a:ln>
+            <a:noFill/>
+          </a:ln>
+        </p:spPr>
+        <p:style>
+          <a:lnRef idx="2">
+            <a:schemeClr val="dk1"/>
+          </a:lnRef>
+          <a:fillRef idx="1">
+            <a:schemeClr val="lt1"/>
+          </a:fillRef>
+          <a:effectRef idx="0">
+            <a:schemeClr val="dk1"/>
+          </a:effectRef>
+          <a:fontRef idx="minor">
+            <a:schemeClr val="dk1"/>
+          </a:fontRef>
+        </p:style>
+        <p:txBody>
+          <a:bodyPr wrap="square">
+            <a:spAutoFit/>
+          </a:bodyPr>
+          <a:lstStyle/>
+          <a:p>
+            <a:r>
+              <a:rPr lang="ja-JP" altLang="en-US" sz="3200" dirty="0"/>
+              <a:t>この問題のログの表</a:t>
+            </a:r>
+            <a:r>
+              <a:rPr lang="ja-JP" altLang="en-US" sz="3200" b="1" dirty="0"/>
+              <a:t>（問題ログ一覧画面を参照）</a:t>
+            </a:r>
+            <a:endParaRPr kumimoji="1" lang="ja-JP" altLang="en-US" sz="3200" b="1" dirty="0"/>
+          </a:p>
+        </p:txBody>
+      </p:sp>
+      <p:sp>
+        <p:nvSpPr>
+          <p:cNvPr id="10" name="テキスト ボックス 9">
+            <a:extLst>
+              <a:ext uri="{FF2B5EF4-FFF2-40B4-BE49-F238E27FC236}">
+                <a16:creationId xmlns:a16="http://schemas.microsoft.com/office/drawing/2014/main" id="{401C8CAE-931E-BAD8-4492-6A2E08FE6CD1}"/>
+              </a:ext>
+            </a:extLst>
+          </p:cNvPr>
+          <p:cNvSpPr txBox="1"/>
+          <p:nvPr/>
+        </p:nvSpPr>
+        <p:spPr>
+          <a:xfrm>
+            <a:off x="4804012" y="4723345"/>
             <a:ext cx="1766849" cy="646331"/>
           </a:xfrm>
           <a:prstGeom prst="rect">
@@ -4113,10 +4280,10 @@
       </p:sp>
       <p:sp>
         <p:nvSpPr>
-          <p:cNvPr id="5" name="テキスト ボックス 4">
-            <a:extLst>
-              <a:ext uri="{FF2B5EF4-FFF2-40B4-BE49-F238E27FC236}">
-                <a16:creationId xmlns:a16="http://schemas.microsoft.com/office/drawing/2014/main" id="{4BBE3F23-4AC9-B4C5-0DCD-504915DA803A}"/>
+          <p:cNvPr id="11" name="テキスト ボックス 10">
+            <a:extLst>
+              <a:ext uri="{FF2B5EF4-FFF2-40B4-BE49-F238E27FC236}">
+                <a16:creationId xmlns:a16="http://schemas.microsoft.com/office/drawing/2014/main" id="{A2DDF1CD-D149-9F3B-56E7-B9605605FE12}"/>
               </a:ext>
             </a:extLst>
           </p:cNvPr>
@@ -4125,122 +4292,7 @@
         </p:nvSpPr>
         <p:spPr>
           <a:xfrm>
-            <a:off x="2650339" y="2002569"/>
-            <a:ext cx="3445661" cy="1077218"/>
-          </a:xfrm>
-          <a:prstGeom prst="rect">
-            <a:avLst/>
-          </a:prstGeom>
-          <a:ln>
-            <a:noFill/>
-          </a:ln>
-        </p:spPr>
-        <p:style>
-          <a:lnRef idx="2">
-            <a:schemeClr val="dk1"/>
-          </a:lnRef>
-          <a:fillRef idx="1">
-            <a:schemeClr val="lt1"/>
-          </a:fillRef>
-          <a:effectRef idx="0">
-            <a:schemeClr val="dk1"/>
-          </a:effectRef>
-          <a:fontRef idx="minor">
-            <a:schemeClr val="dk1"/>
-          </a:fontRef>
-        </p:style>
-        <p:txBody>
-          <a:bodyPr wrap="square">
-            <a:spAutoFit/>
-          </a:bodyPr>
-          <a:lstStyle/>
-          <a:p>
-            <a:r>
-              <a:rPr lang="ja-JP" altLang="en-US" sz="3200" dirty="0"/>
-              <a:t>正解数</a:t>
-            </a:r>
-            <a:endParaRPr lang="en-US" altLang="ja-JP" sz="3200" dirty="0"/>
-          </a:p>
-          <a:p>
-            <a:r>
-              <a:rPr lang="ja-JP" altLang="en-US" sz="3200" dirty="0"/>
-              <a:t>制限時間</a:t>
-            </a:r>
-            <a:endParaRPr lang="en-US" altLang="ja-JP" sz="3200" dirty="0"/>
-          </a:p>
-        </p:txBody>
-      </p:sp>
-      <p:sp>
-        <p:nvSpPr>
-          <p:cNvPr id="6" name="テキスト ボックス 5">
-            <a:extLst>
-              <a:ext uri="{FF2B5EF4-FFF2-40B4-BE49-F238E27FC236}">
-                <a16:creationId xmlns:a16="http://schemas.microsoft.com/office/drawing/2014/main" id="{A9F7DC1F-5A6B-4500-8B46-A29798449391}"/>
-              </a:ext>
-            </a:extLst>
-          </p:cNvPr>
-          <p:cNvSpPr txBox="1"/>
-          <p:nvPr/>
-        </p:nvSpPr>
-        <p:spPr>
-          <a:xfrm>
-            <a:off x="2002501" y="3378346"/>
-            <a:ext cx="6439134" cy="1323439"/>
-          </a:xfrm>
-          <a:prstGeom prst="rect">
-            <a:avLst/>
-          </a:prstGeom>
-          <a:ln>
-            <a:noFill/>
-          </a:ln>
-        </p:spPr>
-        <p:style>
-          <a:lnRef idx="2">
-            <a:schemeClr val="dk1"/>
-          </a:lnRef>
-          <a:fillRef idx="1">
-            <a:schemeClr val="lt1"/>
-          </a:fillRef>
-          <a:effectRef idx="0">
-            <a:schemeClr val="dk1"/>
-          </a:effectRef>
-          <a:fontRef idx="minor">
-            <a:schemeClr val="dk1"/>
-          </a:fontRef>
-        </p:style>
-        <p:txBody>
-          <a:bodyPr wrap="square">
-            <a:spAutoFit/>
-          </a:bodyPr>
-          <a:lstStyle/>
-          <a:p>
-            <a:r>
-              <a:rPr lang="ja-JP" altLang="en-US" sz="4000" dirty="0"/>
-              <a:t>この問題のログの表</a:t>
-            </a:r>
-            <a:r>
-              <a:rPr lang="ja-JP" altLang="en-US" sz="4000" b="1" dirty="0"/>
-              <a:t>（問題ログ一覧画面を参照）</a:t>
-            </a:r>
-            <a:endParaRPr kumimoji="1" lang="ja-JP" altLang="en-US" sz="4000" b="1" dirty="0"/>
-          </a:p>
-        </p:txBody>
-      </p:sp>
-      <p:sp>
-        <p:nvSpPr>
-          <p:cNvPr id="7" name="テキスト ボックス 6">
-            <a:extLst>
-              <a:ext uri="{FF2B5EF4-FFF2-40B4-BE49-F238E27FC236}">
-                <a16:creationId xmlns:a16="http://schemas.microsoft.com/office/drawing/2014/main" id="{9D7EDFD4-F039-B544-E749-F958A4990821}"/>
-              </a:ext>
-            </a:extLst>
-          </p:cNvPr>
-          <p:cNvSpPr txBox="1"/>
-          <p:nvPr/>
-        </p:nvSpPr>
-        <p:spPr>
-          <a:xfrm>
-            <a:off x="6664015" y="5000344"/>
+            <a:off x="2244849" y="4929744"/>
             <a:ext cx="1921565" cy="369332"/>
           </a:xfrm>
           <a:prstGeom prst="rect">
@@ -4282,10 +4334,10 @@
       </p:sp>
       <p:sp>
         <p:nvSpPr>
-          <p:cNvPr id="8" name="テキスト ボックス 7">
-            <a:extLst>
-              <a:ext uri="{FF2B5EF4-FFF2-40B4-BE49-F238E27FC236}">
-                <a16:creationId xmlns:a16="http://schemas.microsoft.com/office/drawing/2014/main" id="{82CB7637-BE40-C5E9-C619-F77FA7B90CDA}"/>
+          <p:cNvPr id="12" name="テキスト ボックス 11">
+            <a:extLst>
+              <a:ext uri="{FF2B5EF4-FFF2-40B4-BE49-F238E27FC236}">
+                <a16:creationId xmlns:a16="http://schemas.microsoft.com/office/drawing/2014/main" id="{FDEF7D89-E595-5E79-123A-4869BC9C63AE}"/>
               </a:ext>
             </a:extLst>
           </p:cNvPr>
@@ -4294,14 +4346,16 @@
         </p:nvSpPr>
         <p:spPr>
           <a:xfrm>
-            <a:off x="7500729" y="1923708"/>
-            <a:ext cx="2530216" cy="830997"/>
+            <a:off x="7031070" y="4712290"/>
+            <a:ext cx="1766849" cy="646331"/>
           </a:xfrm>
           <a:prstGeom prst="rect">
             <a:avLst/>
           </a:prstGeom>
-          <a:ln>
-            <a:noFill/>
+          <a:ln w="28575">
+            <a:solidFill>
+              <a:schemeClr val="tx1"/>
+            </a:solidFill>
           </a:ln>
         </p:spPr>
         <p:style>
@@ -4319,15 +4373,16 @@
           </a:fontRef>
         </p:style>
         <p:txBody>
-          <a:bodyPr wrap="square">
+          <a:bodyPr wrap="square" rtlCol="0">
             <a:spAutoFit/>
           </a:bodyPr>
           <a:lstStyle/>
           <a:p>
             <a:r>
-              <a:rPr lang="ja-JP" altLang="en-US" sz="2400" dirty="0"/>
-              <a:t>リタイアの際はその旨を表示</a:t>
-            </a:r>
+              <a:rPr lang="ja-JP" altLang="en-US" dirty="0"/>
+              <a:t>タイトル画面に行くボタン</a:t>
+            </a:r>
+            <a:endParaRPr kumimoji="1" lang="ja-JP" altLang="en-US" dirty="0"/>
           </a:p>
         </p:txBody>
       </p:sp>
@@ -4447,10 +4502,10 @@
       </p:sp>
       <p:sp>
         <p:nvSpPr>
-          <p:cNvPr id="4" name="テキスト ボックス 3">
-            <a:extLst>
-              <a:ext uri="{FF2B5EF4-FFF2-40B4-BE49-F238E27FC236}">
-                <a16:creationId xmlns:a16="http://schemas.microsoft.com/office/drawing/2014/main" id="{559FAFC1-893D-B748-14C3-239299784AD7}"/>
+          <p:cNvPr id="5" name="テキスト ボックス 4">
+            <a:extLst>
+              <a:ext uri="{FF2B5EF4-FFF2-40B4-BE49-F238E27FC236}">
+                <a16:creationId xmlns:a16="http://schemas.microsoft.com/office/drawing/2014/main" id="{4BBE3F23-4AC9-B4C5-0DCD-504915DA803A}"/>
               </a:ext>
             </a:extLst>
           </p:cNvPr>
@@ -4459,7 +4514,195 @@
         </p:nvSpPr>
         <p:spPr>
           <a:xfrm>
-            <a:off x="8852452" y="4929744"/>
+            <a:off x="1572699" y="1651265"/>
+            <a:ext cx="8259398" cy="1692771"/>
+          </a:xfrm>
+          <a:prstGeom prst="rect">
+            <a:avLst/>
+          </a:prstGeom>
+          <a:ln>
+            <a:noFill/>
+          </a:ln>
+        </p:spPr>
+        <p:style>
+          <a:lnRef idx="2">
+            <a:schemeClr val="dk1"/>
+          </a:lnRef>
+          <a:fillRef idx="1">
+            <a:schemeClr val="lt1"/>
+          </a:fillRef>
+          <a:effectRef idx="0">
+            <a:schemeClr val="dk1"/>
+          </a:effectRef>
+          <a:fontRef idx="minor">
+            <a:schemeClr val="dk1"/>
+          </a:fontRef>
+        </p:style>
+        <p:txBody>
+          <a:bodyPr wrap="square">
+            <a:spAutoFit/>
+          </a:bodyPr>
+          <a:lstStyle/>
+          <a:p>
+            <a:r>
+              <a:rPr lang="ja-JP" altLang="en-US" sz="3200" dirty="0"/>
+              <a:t>正解を出すのにかかる平均時間</a:t>
+            </a:r>
+            <a:endParaRPr lang="en-US" altLang="ja-JP" sz="3200" dirty="0"/>
+          </a:p>
+          <a:p>
+            <a:r>
+              <a:rPr lang="ja-JP" altLang="en-US" sz="3200" dirty="0"/>
+              <a:t>（合計時間 </a:t>
+            </a:r>
+            <a:r>
+              <a:rPr lang="en-US" altLang="ja-JP" sz="3200" dirty="0"/>
+              <a:t>/ </a:t>
+            </a:r>
+            <a:r>
+              <a:rPr lang="ja-JP" altLang="en-US" sz="3200" dirty="0"/>
+              <a:t>正解数）</a:t>
+            </a:r>
+            <a:endParaRPr lang="en-US" altLang="ja-JP" sz="3200" dirty="0"/>
+          </a:p>
+          <a:p>
+            <a:r>
+              <a:rPr lang="ja-JP" altLang="en-US" sz="2000" dirty="0"/>
+              <a:t>不正解にペナルティを課してもいい（間違うと時間が</a:t>
+            </a:r>
+            <a:r>
+              <a:rPr lang="en-US" altLang="ja-JP" sz="2000" dirty="0"/>
+              <a:t>5</a:t>
+            </a:r>
+            <a:r>
+              <a:rPr lang="ja-JP" altLang="en-US" sz="2000" dirty="0"/>
+              <a:t>秒増えるとか、別途スコアを作るとか）</a:t>
+            </a:r>
+          </a:p>
+        </p:txBody>
+      </p:sp>
+      <p:sp>
+        <p:nvSpPr>
+          <p:cNvPr id="7" name="テキスト ボックス 6">
+            <a:extLst>
+              <a:ext uri="{FF2B5EF4-FFF2-40B4-BE49-F238E27FC236}">
+                <a16:creationId xmlns:a16="http://schemas.microsoft.com/office/drawing/2014/main" id="{5B755F5C-9648-FB8C-9BA6-573AC7322C5C}"/>
+              </a:ext>
+            </a:extLst>
+          </p:cNvPr>
+          <p:cNvSpPr txBox="1"/>
+          <p:nvPr/>
+        </p:nvSpPr>
+        <p:spPr>
+          <a:xfrm>
+            <a:off x="1374020" y="3775576"/>
+            <a:ext cx="9155720" cy="584775"/>
+          </a:xfrm>
+          <a:prstGeom prst="rect">
+            <a:avLst/>
+          </a:prstGeom>
+          <a:ln>
+            <a:noFill/>
+          </a:ln>
+        </p:spPr>
+        <p:style>
+          <a:lnRef idx="2">
+            <a:schemeClr val="dk1"/>
+          </a:lnRef>
+          <a:fillRef idx="1">
+            <a:schemeClr val="lt1"/>
+          </a:fillRef>
+          <a:effectRef idx="0">
+            <a:schemeClr val="dk1"/>
+          </a:effectRef>
+          <a:fontRef idx="minor">
+            <a:schemeClr val="dk1"/>
+          </a:fontRef>
+        </p:style>
+        <p:txBody>
+          <a:bodyPr wrap="square">
+            <a:spAutoFit/>
+          </a:bodyPr>
+          <a:lstStyle/>
+          <a:p>
+            <a:r>
+              <a:rPr lang="ja-JP" altLang="en-US" sz="3200" dirty="0"/>
+              <a:t>この問題のログの表</a:t>
+            </a:r>
+            <a:r>
+              <a:rPr lang="ja-JP" altLang="en-US" sz="3200" b="1" dirty="0"/>
+              <a:t>（問題ログ一覧画面を参照）</a:t>
+            </a:r>
+            <a:endParaRPr kumimoji="1" lang="ja-JP" altLang="en-US" sz="3200" b="1" dirty="0"/>
+          </a:p>
+        </p:txBody>
+      </p:sp>
+      <p:sp>
+        <p:nvSpPr>
+          <p:cNvPr id="9" name="テキスト ボックス 8">
+            <a:extLst>
+              <a:ext uri="{FF2B5EF4-FFF2-40B4-BE49-F238E27FC236}">
+                <a16:creationId xmlns:a16="http://schemas.microsoft.com/office/drawing/2014/main" id="{4FE0F7DD-C96E-C660-1130-56FC9727800B}"/>
+              </a:ext>
+            </a:extLst>
+          </p:cNvPr>
+          <p:cNvSpPr txBox="1"/>
+          <p:nvPr/>
+        </p:nvSpPr>
+        <p:spPr>
+          <a:xfrm>
+            <a:off x="7683815" y="1666653"/>
+            <a:ext cx="2530216" cy="830997"/>
+          </a:xfrm>
+          <a:prstGeom prst="rect">
+            <a:avLst/>
+          </a:prstGeom>
+          <a:ln>
+            <a:noFill/>
+          </a:ln>
+        </p:spPr>
+        <p:style>
+          <a:lnRef idx="2">
+            <a:schemeClr val="dk1"/>
+          </a:lnRef>
+          <a:fillRef idx="1">
+            <a:schemeClr val="lt1"/>
+          </a:fillRef>
+          <a:effectRef idx="0">
+            <a:schemeClr val="dk1"/>
+          </a:effectRef>
+          <a:fontRef idx="minor">
+            <a:schemeClr val="dk1"/>
+          </a:fontRef>
+        </p:style>
+        <p:txBody>
+          <a:bodyPr wrap="square">
+            <a:spAutoFit/>
+          </a:bodyPr>
+          <a:lstStyle/>
+          <a:p>
+            <a:r>
+              <a:rPr lang="ja-JP" altLang="en-US" sz="2400" dirty="0"/>
+              <a:t>リタイアの際はその旨を表示</a:t>
+            </a:r>
+          </a:p>
+        </p:txBody>
+      </p:sp>
+      <p:sp>
+        <p:nvSpPr>
+          <p:cNvPr id="6" name="テキスト ボックス 5">
+            <a:extLst>
+              <a:ext uri="{FF2B5EF4-FFF2-40B4-BE49-F238E27FC236}">
+                <a16:creationId xmlns:a16="http://schemas.microsoft.com/office/drawing/2014/main" id="{4F2D6191-76FF-A379-C3F8-5C07C52D8419}"/>
+              </a:ext>
+            </a:extLst>
+          </p:cNvPr>
+          <p:cNvSpPr txBox="1"/>
+          <p:nvPr/>
+        </p:nvSpPr>
+        <p:spPr>
+          <a:xfrm>
+            <a:off x="4804012" y="4723345"/>
             <a:ext cx="1766849" cy="646331"/>
           </a:xfrm>
           <a:prstGeom prst="rect">
@@ -4501,10 +4744,10 @@
       </p:sp>
       <p:sp>
         <p:nvSpPr>
-          <p:cNvPr id="5" name="テキスト ボックス 4">
-            <a:extLst>
-              <a:ext uri="{FF2B5EF4-FFF2-40B4-BE49-F238E27FC236}">
-                <a16:creationId xmlns:a16="http://schemas.microsoft.com/office/drawing/2014/main" id="{4BBE3F23-4AC9-B4C5-0DCD-504915DA803A}"/>
+          <p:cNvPr id="10" name="テキスト ボックス 9">
+            <a:extLst>
+              <a:ext uri="{FF2B5EF4-FFF2-40B4-BE49-F238E27FC236}">
+                <a16:creationId xmlns:a16="http://schemas.microsoft.com/office/drawing/2014/main" id="{B65F5BE0-279A-5496-DB5B-D46D185CEF93}"/>
               </a:ext>
             </a:extLst>
           </p:cNvPr>
@@ -4513,144 +4756,7 @@
         </p:nvSpPr>
         <p:spPr>
           <a:xfrm>
-            <a:off x="1736985" y="1928256"/>
-            <a:ext cx="8259398" cy="1692771"/>
-          </a:xfrm>
-          <a:prstGeom prst="rect">
-            <a:avLst/>
-          </a:prstGeom>
-          <a:ln>
-            <a:noFill/>
-          </a:ln>
-        </p:spPr>
-        <p:style>
-          <a:lnRef idx="2">
-            <a:schemeClr val="dk1"/>
-          </a:lnRef>
-          <a:fillRef idx="1">
-            <a:schemeClr val="lt1"/>
-          </a:fillRef>
-          <a:effectRef idx="0">
-            <a:schemeClr val="dk1"/>
-          </a:effectRef>
-          <a:fontRef idx="minor">
-            <a:schemeClr val="dk1"/>
-          </a:fontRef>
-        </p:style>
-        <p:txBody>
-          <a:bodyPr wrap="square">
-            <a:spAutoFit/>
-          </a:bodyPr>
-          <a:lstStyle/>
-          <a:p>
-            <a:r>
-              <a:rPr lang="ja-JP" altLang="en-US" sz="3200" dirty="0"/>
-              <a:t>正解を出すのにかかる平均時間</a:t>
-            </a:r>
-            <a:endParaRPr lang="en-US" altLang="ja-JP" sz="3200" dirty="0"/>
-          </a:p>
-          <a:p>
-            <a:r>
-              <a:rPr lang="ja-JP" altLang="en-US" sz="3200" dirty="0"/>
-              <a:t>（合計時間 </a:t>
-            </a:r>
-            <a:r>
-              <a:rPr lang="en-US" altLang="ja-JP" sz="3200" dirty="0"/>
-              <a:t>/ </a:t>
-            </a:r>
-            <a:r>
-              <a:rPr lang="ja-JP" altLang="en-US" sz="3200" dirty="0"/>
-              <a:t>正解数）</a:t>
-            </a:r>
-            <a:endParaRPr lang="en-US" altLang="ja-JP" sz="3200" dirty="0"/>
-          </a:p>
-          <a:p>
-            <a:r>
-              <a:rPr lang="ja-JP" altLang="en-US" sz="2000" dirty="0"/>
-              <a:t>不正解にペナルティを課してもいい（間違うと時間が</a:t>
-            </a:r>
-            <a:r>
-              <a:rPr lang="en-US" altLang="ja-JP" sz="2000" dirty="0"/>
-              <a:t>5</a:t>
-            </a:r>
-            <a:r>
-              <a:rPr lang="ja-JP" altLang="en-US" sz="2000" dirty="0"/>
-              <a:t>秒増えるとか、別途スコアを作るとか）</a:t>
-            </a:r>
-          </a:p>
-        </p:txBody>
-      </p:sp>
-      <p:sp>
-        <p:nvSpPr>
-          <p:cNvPr id="7" name="テキスト ボックス 6">
-            <a:extLst>
-              <a:ext uri="{FF2B5EF4-FFF2-40B4-BE49-F238E27FC236}">
-                <a16:creationId xmlns:a16="http://schemas.microsoft.com/office/drawing/2014/main" id="{5B755F5C-9648-FB8C-9BA6-573AC7322C5C}"/>
-              </a:ext>
-            </a:extLst>
-          </p:cNvPr>
-          <p:cNvSpPr txBox="1"/>
-          <p:nvPr/>
-        </p:nvSpPr>
-        <p:spPr>
-          <a:xfrm>
-            <a:off x="1896484" y="3778394"/>
-            <a:ext cx="6439134" cy="1323439"/>
-          </a:xfrm>
-          <a:prstGeom prst="rect">
-            <a:avLst/>
-          </a:prstGeom>
-          <a:ln>
-            <a:noFill/>
-          </a:ln>
-        </p:spPr>
-        <p:style>
-          <a:lnRef idx="2">
-            <a:schemeClr val="dk1"/>
-          </a:lnRef>
-          <a:fillRef idx="1">
-            <a:schemeClr val="lt1"/>
-          </a:fillRef>
-          <a:effectRef idx="0">
-            <a:schemeClr val="dk1"/>
-          </a:effectRef>
-          <a:fontRef idx="minor">
-            <a:schemeClr val="dk1"/>
-          </a:fontRef>
-        </p:style>
-        <p:txBody>
-          <a:bodyPr wrap="square">
-            <a:spAutoFit/>
-          </a:bodyPr>
-          <a:lstStyle/>
-          <a:p>
-            <a:r>
-              <a:rPr lang="ja-JP" altLang="en-US" sz="4000" dirty="0"/>
-              <a:t>この問題のログの表</a:t>
-            </a:r>
-            <a:r>
-              <a:rPr lang="ja-JP" altLang="en-US" sz="4000" b="1" dirty="0"/>
-              <a:t>（問題ログ一覧画面を参照）</a:t>
-            </a:r>
-            <a:endParaRPr kumimoji="1" lang="ja-JP" altLang="en-US" sz="4000" b="1" dirty="0"/>
-          </a:p>
-        </p:txBody>
-      </p:sp>
-      <p:sp>
-        <p:nvSpPr>
-          <p:cNvPr id="8" name="テキスト ボックス 7">
-            <a:extLst>
-              <a:ext uri="{FF2B5EF4-FFF2-40B4-BE49-F238E27FC236}">
-                <a16:creationId xmlns:a16="http://schemas.microsoft.com/office/drawing/2014/main" id="{20DDD99C-1D13-521B-3244-C4AA23398E57}"/>
-              </a:ext>
-            </a:extLst>
-          </p:cNvPr>
-          <p:cNvSpPr txBox="1"/>
-          <p:nvPr/>
-        </p:nvSpPr>
-        <p:spPr>
-          <a:xfrm>
-            <a:off x="6672470" y="5186583"/>
+            <a:off x="2244849" y="4929744"/>
             <a:ext cx="1921565" cy="369332"/>
           </a:xfrm>
           <a:prstGeom prst="rect">
@@ -4692,10 +4798,10 @@
       </p:sp>
       <p:sp>
         <p:nvSpPr>
-          <p:cNvPr id="9" name="テキスト ボックス 8">
-            <a:extLst>
-              <a:ext uri="{FF2B5EF4-FFF2-40B4-BE49-F238E27FC236}">
-                <a16:creationId xmlns:a16="http://schemas.microsoft.com/office/drawing/2014/main" id="{4FE0F7DD-C96E-C660-1130-56FC9727800B}"/>
+          <p:cNvPr id="11" name="テキスト ボックス 10">
+            <a:extLst>
+              <a:ext uri="{FF2B5EF4-FFF2-40B4-BE49-F238E27FC236}">
+                <a16:creationId xmlns:a16="http://schemas.microsoft.com/office/drawing/2014/main" id="{167888B1-22F9-5854-D12F-AF41124BEBC7}"/>
               </a:ext>
             </a:extLst>
           </p:cNvPr>
@@ -4704,14 +4810,16 @@
         </p:nvSpPr>
         <p:spPr>
           <a:xfrm>
-            <a:off x="8089085" y="1843506"/>
-            <a:ext cx="2530216" cy="830997"/>
+            <a:off x="7031070" y="4712290"/>
+            <a:ext cx="1766849" cy="646331"/>
           </a:xfrm>
           <a:prstGeom prst="rect">
             <a:avLst/>
           </a:prstGeom>
-          <a:ln>
-            <a:noFill/>
+          <a:ln w="28575">
+            <a:solidFill>
+              <a:schemeClr val="tx1"/>
+            </a:solidFill>
           </a:ln>
         </p:spPr>
         <p:style>
@@ -4729,15 +4837,16 @@
           </a:fontRef>
         </p:style>
         <p:txBody>
-          <a:bodyPr wrap="square">
+          <a:bodyPr wrap="square" rtlCol="0">
             <a:spAutoFit/>
           </a:bodyPr>
           <a:lstStyle/>
           <a:p>
             <a:r>
-              <a:rPr lang="ja-JP" altLang="en-US" sz="2400" dirty="0"/>
-              <a:t>リタイアの際はその旨を表示</a:t>
-            </a:r>
+              <a:rPr lang="ja-JP" altLang="en-US" dirty="0"/>
+              <a:t>タイトル画面に行くボタン</a:t>
+            </a:r>
+            <a:endParaRPr kumimoji="1" lang="ja-JP" altLang="en-US" dirty="0"/>
           </a:p>
         </p:txBody>
       </p:sp>
@@ -5981,7 +6090,61 @@
             </a:r>
             <a:r>
               <a:rPr lang="ja-JP" altLang="en-US" dirty="0"/>
-              <a:t>はリタイアなどで値がない場合</a:t>
+              <a:t>はリタイアや時間切れなどで値がない場合</a:t>
+            </a:r>
+            <a:endParaRPr kumimoji="1" lang="ja-JP" altLang="en-US" dirty="0"/>
+          </a:p>
+        </p:txBody>
+      </p:sp>
+      <p:sp>
+        <p:nvSpPr>
+          <p:cNvPr id="4" name="テキスト ボックス 3">
+            <a:extLst>
+              <a:ext uri="{FF2B5EF4-FFF2-40B4-BE49-F238E27FC236}">
+                <a16:creationId xmlns:a16="http://schemas.microsoft.com/office/drawing/2014/main" id="{E76F5568-E011-8F7D-57F5-37960BB7B128}"/>
+              </a:ext>
+            </a:extLst>
+          </p:cNvPr>
+          <p:cNvSpPr txBox="1"/>
+          <p:nvPr/>
+        </p:nvSpPr>
+        <p:spPr>
+          <a:xfrm>
+            <a:off x="10416613" y="2505670"/>
+            <a:ext cx="1153836" cy="923330"/>
+          </a:xfrm>
+          <a:prstGeom prst="rect">
+            <a:avLst/>
+          </a:prstGeom>
+          <a:ln w="28575">
+            <a:solidFill>
+              <a:schemeClr val="tx1"/>
+            </a:solidFill>
+          </a:ln>
+        </p:spPr>
+        <p:style>
+          <a:lnRef idx="2">
+            <a:schemeClr val="dk1"/>
+          </a:lnRef>
+          <a:fillRef idx="1">
+            <a:schemeClr val="lt1"/>
+          </a:fillRef>
+          <a:effectRef idx="0">
+            <a:schemeClr val="dk1"/>
+          </a:effectRef>
+          <a:fontRef idx="minor">
+            <a:schemeClr val="dk1"/>
+          </a:fontRef>
+        </p:style>
+        <p:txBody>
+          <a:bodyPr wrap="square" rtlCol="0">
+            <a:spAutoFit/>
+          </a:bodyPr>
+          <a:lstStyle/>
+          <a:p>
+            <a:r>
+              <a:rPr lang="ja-JP" altLang="en-US" dirty="0"/>
+              <a:t>詳細表示のトグルボタン</a:t>
             </a:r>
             <a:endParaRPr kumimoji="1" lang="ja-JP" altLang="en-US" dirty="0"/>
           </a:p>
@@ -6019,162 +6182,960 @@
       </p:grpSpPr>
       <p:sp>
         <p:nvSpPr>
-          <p:cNvPr id="2" name="テキスト ボックス 1">
-            <a:extLst>
-              <a:ext uri="{FF2B5EF4-FFF2-40B4-BE49-F238E27FC236}">
-                <a16:creationId xmlns:a16="http://schemas.microsoft.com/office/drawing/2014/main" id="{21B82B96-5316-0995-B946-BFDEB437F778}"/>
-              </a:ext>
-            </a:extLst>
-          </p:cNvPr>
-          <p:cNvSpPr txBox="1"/>
+          <p:cNvPr id="2" name="楕円 1">
+            <a:extLst>
+              <a:ext uri="{FF2B5EF4-FFF2-40B4-BE49-F238E27FC236}">
+                <a16:creationId xmlns:a16="http://schemas.microsoft.com/office/drawing/2014/main" id="{39AF3BCB-5E0D-8E5B-DE79-35909C8C0308}"/>
+              </a:ext>
+            </a:extLst>
+          </p:cNvPr>
+          <p:cNvSpPr/>
           <p:nvPr/>
         </p:nvSpPr>
         <p:spPr>
           <a:xfrm>
-            <a:off x="1066798" y="1517666"/>
-            <a:ext cx="9725527" cy="4832092"/>
-          </a:xfrm>
-          <a:prstGeom prst="rect">
+            <a:off x="4920791" y="593887"/>
+            <a:ext cx="1640264" cy="1027521"/>
+          </a:xfrm>
+          <a:prstGeom prst="ellipse">
             <a:avLst/>
           </a:prstGeom>
-          <a:noFill/>
-        </p:spPr>
-        <p:txBody>
-          <a:bodyPr wrap="square" rtlCol="0">
-            <a:spAutoFit/>
-          </a:bodyPr>
-          <a:lstStyle/>
-          <a:p>
-            <a:pPr marL="457200" indent="-457200">
-              <a:buFont typeface="Arial" panose="020B0604020202020204" pitchFamily="34" charset="0"/>
-              <a:buChar char="•"/>
-            </a:pPr>
-            <a:r>
-              <a:rPr lang="ja-JP" altLang="en-US" sz="2800" dirty="0"/>
-              <a:t>再配布禁止な音楽素材がプログラム起動時にあるかどうかを判定して、ない場合は音楽をなくす機能</a:t>
-            </a:r>
-            <a:endParaRPr lang="en-US" altLang="ja-JP" sz="2800" dirty="0"/>
-          </a:p>
-          <a:p>
-            <a:pPr marL="457200" indent="-457200">
-              <a:buFont typeface="Arial" panose="020B0604020202020204" pitchFamily="34" charset="0"/>
-              <a:buChar char="•"/>
-            </a:pPr>
-            <a:r>
-              <a:rPr lang="ja-JP" altLang="en-US" sz="2800" dirty="0"/>
-              <a:t>クイズを解くときの音楽の設定（</a:t>
-            </a:r>
-            <a:r>
-              <a:rPr lang="en-US" altLang="ja-JP" sz="2800" dirty="0"/>
-              <a:t>sound</a:t>
-            </a:r>
-            <a:r>
-              <a:rPr lang="ja-JP" altLang="en-US" sz="2800" dirty="0"/>
-              <a:t>フォルダに事前に入れておけば選択できるようにする）</a:t>
-            </a:r>
-            <a:endParaRPr lang="en-US" altLang="ja-JP" sz="2800" dirty="0"/>
-          </a:p>
-          <a:p>
-            <a:pPr marL="457200" indent="-457200">
-              <a:buFont typeface="Arial" panose="020B0604020202020204" pitchFamily="34" charset="0"/>
-              <a:buChar char="•"/>
-            </a:pPr>
-            <a:r>
-              <a:rPr lang="ja-JP" altLang="en-US" sz="2800" dirty="0"/>
-              <a:t>問題文や解説文の大きさに合わせて表の縦幅や横幅を調節できる機能</a:t>
-            </a:r>
-            <a:endParaRPr lang="en-US" altLang="ja-JP" sz="2800" dirty="0"/>
-          </a:p>
-          <a:p>
-            <a:pPr marL="457200" indent="-457200">
-              <a:buFont typeface="Arial" panose="020B0604020202020204" pitchFamily="34" charset="0"/>
-              <a:buChar char="•"/>
-            </a:pPr>
-            <a:r>
-              <a:rPr lang="ja-JP" altLang="en-US" sz="2800" dirty="0"/>
-              <a:t>背景画像の追加</a:t>
-            </a:r>
-            <a:endParaRPr lang="en-US" altLang="ja-JP" sz="2800" dirty="0"/>
-          </a:p>
-          <a:p>
-            <a:pPr marL="457200" indent="-457200">
-              <a:buFont typeface="Arial" panose="020B0604020202020204" pitchFamily="34" charset="0"/>
-              <a:buChar char="•"/>
-            </a:pPr>
-            <a:r>
-              <a:rPr lang="en-US" altLang="ja-JP" sz="2800" dirty="0"/>
-              <a:t>Python </a:t>
-            </a:r>
-            <a:r>
-              <a:rPr lang="ja-JP" altLang="en-US" sz="2800" dirty="0"/>
-              <a:t>の文章の差分を計算するモジュールを用いて、間違い部分だけを赤字で</a:t>
-            </a:r>
-            <a:r>
-              <a:rPr lang="ja-JP" altLang="en-US" sz="2800"/>
-              <a:t>出力する</a:t>
-            </a:r>
-            <a:endParaRPr lang="en-US" altLang="ja-JP" sz="2800" dirty="0"/>
-          </a:p>
-          <a:p>
-            <a:pPr marL="457200" indent="-457200">
-              <a:buFont typeface="Arial" panose="020B0604020202020204" pitchFamily="34" charset="0"/>
-              <a:buChar char="•"/>
-            </a:pPr>
-            <a:r>
-              <a:rPr lang="ja-JP" altLang="en-US" sz="2800" dirty="0"/>
-              <a:t>画面のサイズが動かないように固定する</a:t>
-            </a:r>
-            <a:endParaRPr lang="en-US" altLang="ja-JP" sz="2800" dirty="0"/>
-          </a:p>
-          <a:p>
-            <a:pPr marL="457200" indent="-457200">
-              <a:buFont typeface="Arial" panose="020B0604020202020204" pitchFamily="34" charset="0"/>
-              <a:buChar char="•"/>
-            </a:pPr>
-            <a:endParaRPr lang="en-US" altLang="ja-JP" sz="2800" dirty="0"/>
-          </a:p>
-        </p:txBody>
-      </p:sp>
-      <p:sp>
-        <p:nvSpPr>
-          <p:cNvPr id="3" name="テキスト ボックス 2">
-            <a:extLst>
-              <a:ext uri="{FF2B5EF4-FFF2-40B4-BE49-F238E27FC236}">
-                <a16:creationId xmlns:a16="http://schemas.microsoft.com/office/drawing/2014/main" id="{419620DA-EE65-F488-8D27-C3D68A7FC8E9}"/>
-              </a:ext>
-            </a:extLst>
-          </p:cNvPr>
-          <p:cNvSpPr txBox="1"/>
+          <a:ln w="28575">
+            <a:solidFill>
+              <a:schemeClr val="tx1"/>
+            </a:solidFill>
+          </a:ln>
+        </p:spPr>
+        <p:style>
+          <a:lnRef idx="2">
+            <a:schemeClr val="accent6"/>
+          </a:lnRef>
+          <a:fillRef idx="1">
+            <a:schemeClr val="lt1"/>
+          </a:fillRef>
+          <a:effectRef idx="0">
+            <a:schemeClr val="accent6"/>
+          </a:effectRef>
+          <a:fontRef idx="minor">
+            <a:schemeClr val="dk1"/>
+          </a:fontRef>
+        </p:style>
+        <p:txBody>
+          <a:bodyPr rtlCol="0" anchor="ctr"/>
+          <a:lstStyle/>
+          <a:p>
+            <a:pPr algn="ctr"/>
+            <a:r>
+              <a:rPr kumimoji="1" lang="ja-JP" altLang="en-US" dirty="0"/>
+              <a:t>タイトル画面</a:t>
+            </a:r>
+          </a:p>
+        </p:txBody>
+      </p:sp>
+      <p:sp>
+        <p:nvSpPr>
+          <p:cNvPr id="3" name="楕円 2">
+            <a:extLst>
+              <a:ext uri="{FF2B5EF4-FFF2-40B4-BE49-F238E27FC236}">
+                <a16:creationId xmlns:a16="http://schemas.microsoft.com/office/drawing/2014/main" id="{8EF062F2-90EE-6847-E171-CEF93D24BF97}"/>
+              </a:ext>
+            </a:extLst>
+          </p:cNvPr>
+          <p:cNvSpPr/>
           <p:nvPr/>
         </p:nvSpPr>
         <p:spPr>
           <a:xfrm>
-            <a:off x="1066799" y="659413"/>
-            <a:ext cx="5606716" cy="646331"/>
-          </a:xfrm>
-          <a:prstGeom prst="rect">
+            <a:off x="8077881" y="453402"/>
+            <a:ext cx="1640264" cy="1027521"/>
+          </a:xfrm>
+          <a:prstGeom prst="ellipse">
             <a:avLst/>
           </a:prstGeom>
-          <a:noFill/>
-        </p:spPr>
-        <p:txBody>
-          <a:bodyPr wrap="square" rtlCol="0">
-            <a:spAutoFit/>
-          </a:bodyPr>
-          <a:lstStyle/>
-          <a:p>
-            <a:r>
-              <a:rPr kumimoji="1" lang="ja-JP" altLang="en-US" sz="3600" b="1" dirty="0"/>
-              <a:t>欲しい追加機能</a:t>
-            </a:r>
-            <a:endParaRPr kumimoji="1" lang="en-US" altLang="ja-JP" sz="3600" b="1" dirty="0"/>
-          </a:p>
-        </p:txBody>
-      </p:sp>
+          <a:ln w="28575">
+            <a:solidFill>
+              <a:schemeClr val="tx1"/>
+            </a:solidFill>
+          </a:ln>
+        </p:spPr>
+        <p:style>
+          <a:lnRef idx="2">
+            <a:schemeClr val="accent6"/>
+          </a:lnRef>
+          <a:fillRef idx="1">
+            <a:schemeClr val="lt1"/>
+          </a:fillRef>
+          <a:effectRef idx="0">
+            <a:schemeClr val="accent6"/>
+          </a:effectRef>
+          <a:fontRef idx="minor">
+            <a:schemeClr val="dk1"/>
+          </a:fontRef>
+        </p:style>
+        <p:txBody>
+          <a:bodyPr rtlCol="0" anchor="ctr"/>
+          <a:lstStyle/>
+          <a:p>
+            <a:pPr algn="ctr"/>
+            <a:r>
+              <a:rPr lang="ja-JP" altLang="en-US" dirty="0"/>
+              <a:t>ログ</a:t>
+            </a:r>
+            <a:r>
+              <a:rPr kumimoji="1" lang="ja-JP" altLang="en-US" dirty="0"/>
+              <a:t>画面</a:t>
+            </a:r>
+          </a:p>
+        </p:txBody>
+      </p:sp>
+      <p:sp>
+        <p:nvSpPr>
+          <p:cNvPr id="4" name="楕円 3">
+            <a:extLst>
+              <a:ext uri="{FF2B5EF4-FFF2-40B4-BE49-F238E27FC236}">
+                <a16:creationId xmlns:a16="http://schemas.microsoft.com/office/drawing/2014/main" id="{12A27FF8-FA3A-1306-2566-AA803F9AE303}"/>
+              </a:ext>
+            </a:extLst>
+          </p:cNvPr>
+          <p:cNvSpPr/>
+          <p:nvPr/>
+        </p:nvSpPr>
+        <p:spPr>
+          <a:xfrm>
+            <a:off x="1638693" y="593887"/>
+            <a:ext cx="1934066" cy="1027521"/>
+          </a:xfrm>
+          <a:prstGeom prst="ellipse">
+            <a:avLst/>
+          </a:prstGeom>
+          <a:ln w="28575">
+            <a:solidFill>
+              <a:schemeClr val="tx1"/>
+            </a:solidFill>
+          </a:ln>
+        </p:spPr>
+        <p:style>
+          <a:lnRef idx="2">
+            <a:schemeClr val="accent6"/>
+          </a:lnRef>
+          <a:fillRef idx="1">
+            <a:schemeClr val="lt1"/>
+          </a:fillRef>
+          <a:effectRef idx="0">
+            <a:schemeClr val="accent6"/>
+          </a:effectRef>
+          <a:fontRef idx="minor">
+            <a:schemeClr val="dk1"/>
+          </a:fontRef>
+        </p:style>
+        <p:txBody>
+          <a:bodyPr rtlCol="0" anchor="ctr"/>
+          <a:lstStyle/>
+          <a:p>
+            <a:pPr algn="ctr"/>
+            <a:r>
+              <a:rPr lang="en-US" altLang="ja-JP" dirty="0"/>
+              <a:t>(Windows </a:t>
+            </a:r>
+            <a:r>
+              <a:rPr lang="ja-JP" altLang="en-US" dirty="0"/>
+              <a:t>のみ</a:t>
+            </a:r>
+            <a:r>
+              <a:rPr lang="en-US" altLang="ja-JP" dirty="0"/>
+              <a:t>)</a:t>
+            </a:r>
+            <a:r>
+              <a:rPr lang="ja-JP" altLang="en-US" dirty="0"/>
+              <a:t>音声設定</a:t>
+            </a:r>
+            <a:r>
+              <a:rPr kumimoji="1" lang="ja-JP" altLang="en-US" dirty="0"/>
+              <a:t>画面</a:t>
+            </a:r>
+          </a:p>
+        </p:txBody>
+      </p:sp>
+      <p:sp>
+        <p:nvSpPr>
+          <p:cNvPr id="5" name="楕円 4">
+            <a:extLst>
+              <a:ext uri="{FF2B5EF4-FFF2-40B4-BE49-F238E27FC236}">
+                <a16:creationId xmlns:a16="http://schemas.microsoft.com/office/drawing/2014/main" id="{B7241839-DFA3-6712-54BC-3EF846853E09}"/>
+              </a:ext>
+            </a:extLst>
+          </p:cNvPr>
+          <p:cNvSpPr/>
+          <p:nvPr/>
+        </p:nvSpPr>
+        <p:spPr>
+          <a:xfrm>
+            <a:off x="1011810" y="3905748"/>
+            <a:ext cx="1640264" cy="1027521"/>
+          </a:xfrm>
+          <a:prstGeom prst="ellipse">
+            <a:avLst/>
+          </a:prstGeom>
+          <a:ln w="28575">
+            <a:solidFill>
+              <a:schemeClr val="tx1"/>
+            </a:solidFill>
+          </a:ln>
+        </p:spPr>
+        <p:style>
+          <a:lnRef idx="2">
+            <a:schemeClr val="accent6"/>
+          </a:lnRef>
+          <a:fillRef idx="1">
+            <a:schemeClr val="lt1"/>
+          </a:fillRef>
+          <a:effectRef idx="0">
+            <a:schemeClr val="accent6"/>
+          </a:effectRef>
+          <a:fontRef idx="minor">
+            <a:schemeClr val="dk1"/>
+          </a:fontRef>
+        </p:style>
+        <p:txBody>
+          <a:bodyPr rtlCol="0" anchor="ctr"/>
+          <a:lstStyle/>
+          <a:p>
+            <a:pPr algn="ctr"/>
+            <a:r>
+              <a:rPr lang="ja-JP" altLang="en-US" dirty="0"/>
+              <a:t>問題選択</a:t>
+            </a:r>
+            <a:r>
+              <a:rPr kumimoji="1" lang="ja-JP" altLang="en-US" dirty="0"/>
+              <a:t>画面</a:t>
+            </a:r>
+          </a:p>
+        </p:txBody>
+      </p:sp>
+      <p:sp>
+        <p:nvSpPr>
+          <p:cNvPr id="6" name="楕円 5">
+            <a:extLst>
+              <a:ext uri="{FF2B5EF4-FFF2-40B4-BE49-F238E27FC236}">
+                <a16:creationId xmlns:a16="http://schemas.microsoft.com/office/drawing/2014/main" id="{ECF0B877-C8BC-EB03-59A1-6EBB91370F37}"/>
+              </a:ext>
+            </a:extLst>
+          </p:cNvPr>
+          <p:cNvSpPr/>
+          <p:nvPr/>
+        </p:nvSpPr>
+        <p:spPr>
+          <a:xfrm>
+            <a:off x="8898013" y="3923901"/>
+            <a:ext cx="1640264" cy="1027521"/>
+          </a:xfrm>
+          <a:prstGeom prst="ellipse">
+            <a:avLst/>
+          </a:prstGeom>
+          <a:ln w="28575">
+            <a:solidFill>
+              <a:schemeClr val="tx1"/>
+            </a:solidFill>
+          </a:ln>
+        </p:spPr>
+        <p:style>
+          <a:lnRef idx="2">
+            <a:schemeClr val="accent6"/>
+          </a:lnRef>
+          <a:fillRef idx="1">
+            <a:schemeClr val="lt1"/>
+          </a:fillRef>
+          <a:effectRef idx="0">
+            <a:schemeClr val="accent6"/>
+          </a:effectRef>
+          <a:fontRef idx="minor">
+            <a:schemeClr val="dk1"/>
+          </a:fontRef>
+        </p:style>
+        <p:txBody>
+          <a:bodyPr rtlCol="0" anchor="ctr"/>
+          <a:lstStyle/>
+          <a:p>
+            <a:pPr algn="ctr"/>
+            <a:r>
+              <a:rPr kumimoji="1" lang="ja-JP" altLang="en-US" dirty="0"/>
+              <a:t>結果画面</a:t>
+            </a:r>
+          </a:p>
+        </p:txBody>
+      </p:sp>
+      <p:sp>
+        <p:nvSpPr>
+          <p:cNvPr id="7" name="楕円 6">
+            <a:extLst>
+              <a:ext uri="{FF2B5EF4-FFF2-40B4-BE49-F238E27FC236}">
+                <a16:creationId xmlns:a16="http://schemas.microsoft.com/office/drawing/2014/main" id="{BBA5039E-DFFC-2C22-303B-23F4E2CAF39B}"/>
+              </a:ext>
+            </a:extLst>
+          </p:cNvPr>
+          <p:cNvSpPr/>
+          <p:nvPr/>
+        </p:nvSpPr>
+        <p:spPr>
+          <a:xfrm>
+            <a:off x="6372519" y="3923901"/>
+            <a:ext cx="1640264" cy="1027521"/>
+          </a:xfrm>
+          <a:prstGeom prst="ellipse">
+            <a:avLst/>
+          </a:prstGeom>
+          <a:ln w="28575">
+            <a:solidFill>
+              <a:schemeClr val="tx1"/>
+            </a:solidFill>
+          </a:ln>
+        </p:spPr>
+        <p:style>
+          <a:lnRef idx="2">
+            <a:schemeClr val="accent6"/>
+          </a:lnRef>
+          <a:fillRef idx="1">
+            <a:schemeClr val="lt1"/>
+          </a:fillRef>
+          <a:effectRef idx="0">
+            <a:schemeClr val="accent6"/>
+          </a:effectRef>
+          <a:fontRef idx="minor">
+            <a:schemeClr val="dk1"/>
+          </a:fontRef>
+        </p:style>
+        <p:txBody>
+          <a:bodyPr rtlCol="0" anchor="ctr"/>
+          <a:lstStyle/>
+          <a:p>
+            <a:pPr algn="ctr"/>
+            <a:r>
+              <a:rPr lang="ja-JP" altLang="en-US" dirty="0"/>
+              <a:t>正解確認</a:t>
+            </a:r>
+            <a:r>
+              <a:rPr kumimoji="1" lang="ja-JP" altLang="en-US" dirty="0"/>
+              <a:t>画面</a:t>
+            </a:r>
+          </a:p>
+        </p:txBody>
+      </p:sp>
+      <p:sp>
+        <p:nvSpPr>
+          <p:cNvPr id="8" name="楕円 7">
+            <a:extLst>
+              <a:ext uri="{FF2B5EF4-FFF2-40B4-BE49-F238E27FC236}">
+                <a16:creationId xmlns:a16="http://schemas.microsoft.com/office/drawing/2014/main" id="{B552B3A3-A8FA-26C6-2C6A-8698363D668D}"/>
+              </a:ext>
+            </a:extLst>
+          </p:cNvPr>
+          <p:cNvSpPr/>
+          <p:nvPr/>
+        </p:nvSpPr>
+        <p:spPr>
+          <a:xfrm>
+            <a:off x="3566474" y="3923901"/>
+            <a:ext cx="1505147" cy="1027521"/>
+          </a:xfrm>
+          <a:prstGeom prst="ellipse">
+            <a:avLst/>
+          </a:prstGeom>
+          <a:ln w="28575">
+            <a:solidFill>
+              <a:schemeClr val="tx1"/>
+            </a:solidFill>
+          </a:ln>
+        </p:spPr>
+        <p:style>
+          <a:lnRef idx="2">
+            <a:schemeClr val="accent6"/>
+          </a:lnRef>
+          <a:fillRef idx="1">
+            <a:schemeClr val="lt1"/>
+          </a:fillRef>
+          <a:effectRef idx="0">
+            <a:schemeClr val="accent6"/>
+          </a:effectRef>
+          <a:fontRef idx="minor">
+            <a:schemeClr val="dk1"/>
+          </a:fontRef>
+        </p:style>
+        <p:txBody>
+          <a:bodyPr rtlCol="0" anchor="ctr"/>
+          <a:lstStyle/>
+          <a:p>
+            <a:pPr algn="ctr"/>
+            <a:r>
+              <a:rPr lang="ja-JP" altLang="en-US" dirty="0"/>
+              <a:t>クイズ</a:t>
+            </a:r>
+            <a:r>
+              <a:rPr kumimoji="1" lang="ja-JP" altLang="en-US" dirty="0"/>
+              <a:t>画面</a:t>
+            </a:r>
+          </a:p>
+        </p:txBody>
+      </p:sp>
+      <p:cxnSp>
+        <p:nvCxnSpPr>
+          <p:cNvPr id="20" name="コネクタ: 曲線 19">
+            <a:extLst>
+              <a:ext uri="{FF2B5EF4-FFF2-40B4-BE49-F238E27FC236}">
+                <a16:creationId xmlns:a16="http://schemas.microsoft.com/office/drawing/2014/main" id="{11A0BF3F-A699-C20A-8B8A-C21DE6788FE9}"/>
+              </a:ext>
+            </a:extLst>
+          </p:cNvPr>
+          <p:cNvCxnSpPr>
+            <a:cxnSpLocks/>
+            <a:stCxn id="4" idx="5"/>
+            <a:endCxn id="2" idx="3"/>
+          </p:cNvCxnSpPr>
+          <p:nvPr/>
+        </p:nvCxnSpPr>
+        <p:spPr>
+          <a:xfrm rot="16200000" flipH="1">
+            <a:off x="4225262" y="535191"/>
+            <a:ext cx="12700" cy="1871480"/>
+          </a:xfrm>
+          <a:prstGeom prst="curvedConnector3">
+            <a:avLst>
+              <a:gd name="adj1" fmla="val 2984858"/>
+            </a:avLst>
+          </a:prstGeom>
+          <a:ln w="28575">
+            <a:solidFill>
+              <a:schemeClr val="tx1"/>
+            </a:solidFill>
+            <a:tailEnd type="triangle"/>
+          </a:ln>
+        </p:spPr>
+        <p:style>
+          <a:lnRef idx="1">
+            <a:schemeClr val="dk1"/>
+          </a:lnRef>
+          <a:fillRef idx="0">
+            <a:schemeClr val="dk1"/>
+          </a:fillRef>
+          <a:effectRef idx="0">
+            <a:schemeClr val="dk1"/>
+          </a:effectRef>
+          <a:fontRef idx="minor">
+            <a:schemeClr val="tx1"/>
+          </a:fontRef>
+        </p:style>
+      </p:cxnSp>
+      <p:cxnSp>
+        <p:nvCxnSpPr>
+          <p:cNvPr id="22" name="コネクタ: 曲線 21">
+            <a:extLst>
+              <a:ext uri="{FF2B5EF4-FFF2-40B4-BE49-F238E27FC236}">
+                <a16:creationId xmlns:a16="http://schemas.microsoft.com/office/drawing/2014/main" id="{7E114CF6-5A08-FC35-62B8-9187CE8491C0}"/>
+              </a:ext>
+            </a:extLst>
+          </p:cNvPr>
+          <p:cNvCxnSpPr>
+            <a:cxnSpLocks/>
+            <a:stCxn id="2" idx="1"/>
+            <a:endCxn id="4" idx="7"/>
+          </p:cNvCxnSpPr>
+          <p:nvPr/>
+        </p:nvCxnSpPr>
+        <p:spPr>
+          <a:xfrm rot="16200000" flipV="1">
+            <a:off x="4225262" y="-191376"/>
+            <a:ext cx="12700" cy="1871480"/>
+          </a:xfrm>
+          <a:prstGeom prst="curvedConnector3">
+            <a:avLst>
+              <a:gd name="adj1" fmla="val 2984858"/>
+            </a:avLst>
+          </a:prstGeom>
+          <a:ln w="28575">
+            <a:solidFill>
+              <a:schemeClr val="tx1"/>
+            </a:solidFill>
+            <a:tailEnd type="triangle"/>
+          </a:ln>
+        </p:spPr>
+        <p:style>
+          <a:lnRef idx="1">
+            <a:schemeClr val="dk1"/>
+          </a:lnRef>
+          <a:fillRef idx="0">
+            <a:schemeClr val="dk1"/>
+          </a:fillRef>
+          <a:effectRef idx="0">
+            <a:schemeClr val="dk1"/>
+          </a:effectRef>
+          <a:fontRef idx="minor">
+            <a:schemeClr val="tx1"/>
+          </a:fontRef>
+        </p:style>
+      </p:cxnSp>
+      <p:cxnSp>
+        <p:nvCxnSpPr>
+          <p:cNvPr id="25" name="コネクタ: 曲線 24">
+            <a:extLst>
+              <a:ext uri="{FF2B5EF4-FFF2-40B4-BE49-F238E27FC236}">
+                <a16:creationId xmlns:a16="http://schemas.microsoft.com/office/drawing/2014/main" id="{EF22FA37-1BE5-5891-3B31-6CD9560D45D3}"/>
+              </a:ext>
+            </a:extLst>
+          </p:cNvPr>
+          <p:cNvCxnSpPr>
+            <a:cxnSpLocks/>
+            <a:stCxn id="2" idx="5"/>
+            <a:endCxn id="3" idx="3"/>
+          </p:cNvCxnSpPr>
+          <p:nvPr/>
+        </p:nvCxnSpPr>
+        <p:spPr>
+          <a:xfrm rot="5400000" flipH="1" flipV="1">
+            <a:off x="7249225" y="402065"/>
+            <a:ext cx="140485" cy="1997248"/>
+          </a:xfrm>
+          <a:prstGeom prst="curvedConnector3">
+            <a:avLst>
+              <a:gd name="adj1" fmla="val -269835"/>
+            </a:avLst>
+          </a:prstGeom>
+          <a:ln w="28575">
+            <a:solidFill>
+              <a:schemeClr val="tx1"/>
+            </a:solidFill>
+            <a:tailEnd type="triangle"/>
+          </a:ln>
+        </p:spPr>
+        <p:style>
+          <a:lnRef idx="1">
+            <a:schemeClr val="dk1"/>
+          </a:lnRef>
+          <a:fillRef idx="0">
+            <a:schemeClr val="dk1"/>
+          </a:fillRef>
+          <a:effectRef idx="0">
+            <a:schemeClr val="dk1"/>
+          </a:effectRef>
+          <a:fontRef idx="minor">
+            <a:schemeClr val="tx1"/>
+          </a:fontRef>
+        </p:style>
+      </p:cxnSp>
+      <p:cxnSp>
+        <p:nvCxnSpPr>
+          <p:cNvPr id="33" name="コネクタ: 曲線 32">
+            <a:extLst>
+              <a:ext uri="{FF2B5EF4-FFF2-40B4-BE49-F238E27FC236}">
+                <a16:creationId xmlns:a16="http://schemas.microsoft.com/office/drawing/2014/main" id="{0F8D5CC5-AE26-B0CE-C333-99DE63FD22CE}"/>
+              </a:ext>
+            </a:extLst>
+          </p:cNvPr>
+          <p:cNvCxnSpPr>
+            <a:cxnSpLocks/>
+            <a:stCxn id="3" idx="1"/>
+            <a:endCxn id="2" idx="7"/>
+          </p:cNvCxnSpPr>
+          <p:nvPr/>
+        </p:nvCxnSpPr>
+        <p:spPr>
+          <a:xfrm rot="16200000" flipH="1" flipV="1">
+            <a:off x="7249225" y="-324503"/>
+            <a:ext cx="140485" cy="1997248"/>
+          </a:xfrm>
+          <a:prstGeom prst="curvedConnector3">
+            <a:avLst>
+              <a:gd name="adj1" fmla="val -269835"/>
+            </a:avLst>
+          </a:prstGeom>
+          <a:ln w="28575">
+            <a:solidFill>
+              <a:schemeClr val="tx1"/>
+            </a:solidFill>
+            <a:tailEnd type="triangle"/>
+          </a:ln>
+        </p:spPr>
+        <p:style>
+          <a:lnRef idx="1">
+            <a:schemeClr val="dk1"/>
+          </a:lnRef>
+          <a:fillRef idx="0">
+            <a:schemeClr val="dk1"/>
+          </a:fillRef>
+          <a:effectRef idx="0">
+            <a:schemeClr val="dk1"/>
+          </a:effectRef>
+          <a:fontRef idx="minor">
+            <a:schemeClr val="tx1"/>
+          </a:fontRef>
+        </p:style>
+      </p:cxnSp>
+      <p:cxnSp>
+        <p:nvCxnSpPr>
+          <p:cNvPr id="37" name="コネクタ: 曲線 36">
+            <a:extLst>
+              <a:ext uri="{FF2B5EF4-FFF2-40B4-BE49-F238E27FC236}">
+                <a16:creationId xmlns:a16="http://schemas.microsoft.com/office/drawing/2014/main" id="{3BC688B6-FD40-0294-E9A7-E4143E887EBC}"/>
+              </a:ext>
+            </a:extLst>
+          </p:cNvPr>
+          <p:cNvCxnSpPr>
+            <a:cxnSpLocks/>
+            <a:stCxn id="8" idx="5"/>
+            <a:endCxn id="7" idx="3"/>
+          </p:cNvCxnSpPr>
+          <p:nvPr/>
+        </p:nvCxnSpPr>
+        <p:spPr>
+          <a:xfrm rot="16200000" flipH="1">
+            <a:off x="5731963" y="3920178"/>
+            <a:ext cx="12700" cy="1761533"/>
+          </a:xfrm>
+          <a:prstGeom prst="curvedConnector3">
+            <a:avLst>
+              <a:gd name="adj1" fmla="val 2984858"/>
+            </a:avLst>
+          </a:prstGeom>
+          <a:ln w="28575">
+            <a:solidFill>
+              <a:schemeClr val="tx1"/>
+            </a:solidFill>
+            <a:tailEnd type="triangle"/>
+          </a:ln>
+        </p:spPr>
+        <p:style>
+          <a:lnRef idx="1">
+            <a:schemeClr val="dk1"/>
+          </a:lnRef>
+          <a:fillRef idx="0">
+            <a:schemeClr val="dk1"/>
+          </a:fillRef>
+          <a:effectRef idx="0">
+            <a:schemeClr val="dk1"/>
+          </a:effectRef>
+          <a:fontRef idx="minor">
+            <a:schemeClr val="tx1"/>
+          </a:fontRef>
+        </p:style>
+      </p:cxnSp>
+      <p:cxnSp>
+        <p:nvCxnSpPr>
+          <p:cNvPr id="42" name="コネクタ: 曲線 41">
+            <a:extLst>
+              <a:ext uri="{FF2B5EF4-FFF2-40B4-BE49-F238E27FC236}">
+                <a16:creationId xmlns:a16="http://schemas.microsoft.com/office/drawing/2014/main" id="{F76429CE-282C-960B-32E0-ADD809A8A9BE}"/>
+              </a:ext>
+            </a:extLst>
+          </p:cNvPr>
+          <p:cNvCxnSpPr>
+            <a:cxnSpLocks/>
+            <a:stCxn id="7" idx="1"/>
+            <a:endCxn id="8" idx="7"/>
+          </p:cNvCxnSpPr>
+          <p:nvPr/>
+        </p:nvCxnSpPr>
+        <p:spPr>
+          <a:xfrm rot="16200000" flipV="1">
+            <a:off x="5731964" y="3193611"/>
+            <a:ext cx="12700" cy="1761533"/>
+          </a:xfrm>
+          <a:prstGeom prst="curvedConnector3">
+            <a:avLst>
+              <a:gd name="adj1" fmla="val 2984858"/>
+            </a:avLst>
+          </a:prstGeom>
+          <a:ln w="28575">
+            <a:solidFill>
+              <a:schemeClr val="tx1"/>
+            </a:solidFill>
+            <a:tailEnd type="triangle"/>
+          </a:ln>
+        </p:spPr>
+        <p:style>
+          <a:lnRef idx="1">
+            <a:schemeClr val="dk1"/>
+          </a:lnRef>
+          <a:fillRef idx="0">
+            <a:schemeClr val="dk1"/>
+          </a:fillRef>
+          <a:effectRef idx="0">
+            <a:schemeClr val="dk1"/>
+          </a:effectRef>
+          <a:fontRef idx="minor">
+            <a:schemeClr val="tx1"/>
+          </a:fontRef>
+        </p:style>
+      </p:cxnSp>
+      <p:cxnSp>
+        <p:nvCxnSpPr>
+          <p:cNvPr id="46" name="直線矢印コネクタ 45">
+            <a:extLst>
+              <a:ext uri="{FF2B5EF4-FFF2-40B4-BE49-F238E27FC236}">
+                <a16:creationId xmlns:a16="http://schemas.microsoft.com/office/drawing/2014/main" id="{BB928206-F2BD-B8A1-EB8D-7C9DF7F75A75}"/>
+              </a:ext>
+            </a:extLst>
+          </p:cNvPr>
+          <p:cNvCxnSpPr>
+            <a:cxnSpLocks/>
+            <a:stCxn id="2" idx="4"/>
+            <a:endCxn id="5" idx="0"/>
+          </p:cNvCxnSpPr>
+          <p:nvPr/>
+        </p:nvCxnSpPr>
+        <p:spPr>
+          <a:xfrm flipH="1">
+            <a:off x="1831942" y="1621408"/>
+            <a:ext cx="3908981" cy="2284340"/>
+          </a:xfrm>
+          <a:prstGeom prst="straightConnector1">
+            <a:avLst/>
+          </a:prstGeom>
+          <a:ln w="28575">
+            <a:tailEnd type="triangle"/>
+          </a:ln>
+        </p:spPr>
+        <p:style>
+          <a:lnRef idx="1">
+            <a:schemeClr val="dk1"/>
+          </a:lnRef>
+          <a:fillRef idx="0">
+            <a:schemeClr val="dk1"/>
+          </a:fillRef>
+          <a:effectRef idx="0">
+            <a:schemeClr val="dk1"/>
+          </a:effectRef>
+          <a:fontRef idx="minor">
+            <a:schemeClr val="tx1"/>
+          </a:fontRef>
+        </p:style>
+      </p:cxnSp>
+      <p:cxnSp>
+        <p:nvCxnSpPr>
+          <p:cNvPr id="50" name="直線矢印コネクタ 49">
+            <a:extLst>
+              <a:ext uri="{FF2B5EF4-FFF2-40B4-BE49-F238E27FC236}">
+                <a16:creationId xmlns:a16="http://schemas.microsoft.com/office/drawing/2014/main" id="{43A1E541-5E37-4FEA-D7FE-4164054A3E4B}"/>
+              </a:ext>
+            </a:extLst>
+          </p:cNvPr>
+          <p:cNvCxnSpPr>
+            <a:cxnSpLocks/>
+            <a:stCxn id="5" idx="6"/>
+            <a:endCxn id="8" idx="2"/>
+          </p:cNvCxnSpPr>
+          <p:nvPr/>
+        </p:nvCxnSpPr>
+        <p:spPr>
+          <a:xfrm>
+            <a:off x="2652074" y="4419509"/>
+            <a:ext cx="914400" cy="18153"/>
+          </a:xfrm>
+          <a:prstGeom prst="straightConnector1">
+            <a:avLst/>
+          </a:prstGeom>
+          <a:ln w="28575">
+            <a:tailEnd type="triangle"/>
+          </a:ln>
+        </p:spPr>
+        <p:style>
+          <a:lnRef idx="1">
+            <a:schemeClr val="dk1"/>
+          </a:lnRef>
+          <a:fillRef idx="0">
+            <a:schemeClr val="dk1"/>
+          </a:fillRef>
+          <a:effectRef idx="0">
+            <a:schemeClr val="dk1"/>
+          </a:effectRef>
+          <a:fontRef idx="minor">
+            <a:schemeClr val="tx1"/>
+          </a:fontRef>
+        </p:style>
+      </p:cxnSp>
+      <p:cxnSp>
+        <p:nvCxnSpPr>
+          <p:cNvPr id="53" name="直線矢印コネクタ 52">
+            <a:extLst>
+              <a:ext uri="{FF2B5EF4-FFF2-40B4-BE49-F238E27FC236}">
+                <a16:creationId xmlns:a16="http://schemas.microsoft.com/office/drawing/2014/main" id="{9D03604F-AB52-5858-92DC-4D461565D125}"/>
+              </a:ext>
+            </a:extLst>
+          </p:cNvPr>
+          <p:cNvCxnSpPr>
+            <a:cxnSpLocks/>
+            <a:stCxn id="7" idx="6"/>
+            <a:endCxn id="6" idx="2"/>
+          </p:cNvCxnSpPr>
+          <p:nvPr/>
+        </p:nvCxnSpPr>
+        <p:spPr>
+          <a:xfrm>
+            <a:off x="8012783" y="4437662"/>
+            <a:ext cx="885230" cy="0"/>
+          </a:xfrm>
+          <a:prstGeom prst="straightConnector1">
+            <a:avLst/>
+          </a:prstGeom>
+          <a:ln w="28575">
+            <a:tailEnd type="triangle"/>
+          </a:ln>
+        </p:spPr>
+        <p:style>
+          <a:lnRef idx="1">
+            <a:schemeClr val="dk1"/>
+          </a:lnRef>
+          <a:fillRef idx="0">
+            <a:schemeClr val="dk1"/>
+          </a:fillRef>
+          <a:effectRef idx="0">
+            <a:schemeClr val="dk1"/>
+          </a:effectRef>
+          <a:fontRef idx="minor">
+            <a:schemeClr val="tx1"/>
+          </a:fontRef>
+        </p:style>
+      </p:cxnSp>
+      <p:cxnSp>
+        <p:nvCxnSpPr>
+          <p:cNvPr id="56" name="コネクタ: 曲線 55">
+            <a:extLst>
+              <a:ext uri="{FF2B5EF4-FFF2-40B4-BE49-F238E27FC236}">
+                <a16:creationId xmlns:a16="http://schemas.microsoft.com/office/drawing/2014/main" id="{F33D45A3-14C0-805F-1018-BC45CFF56D3B}"/>
+              </a:ext>
+            </a:extLst>
+          </p:cNvPr>
+          <p:cNvCxnSpPr>
+            <a:cxnSpLocks/>
+            <a:stCxn id="6" idx="4"/>
+            <a:endCxn id="5" idx="4"/>
+          </p:cNvCxnSpPr>
+          <p:nvPr/>
+        </p:nvCxnSpPr>
+        <p:spPr>
+          <a:xfrm rot="5400000" flipH="1">
+            <a:off x="5765967" y="999245"/>
+            <a:ext cx="18153" cy="7886203"/>
+          </a:xfrm>
+          <a:prstGeom prst="curvedConnector3">
+            <a:avLst>
+              <a:gd name="adj1" fmla="val -4738589"/>
+            </a:avLst>
+          </a:prstGeom>
+          <a:ln w="28575">
+            <a:solidFill>
+              <a:schemeClr val="tx1"/>
+            </a:solidFill>
+            <a:tailEnd type="triangle"/>
+          </a:ln>
+        </p:spPr>
+        <p:style>
+          <a:lnRef idx="1">
+            <a:schemeClr val="dk1"/>
+          </a:lnRef>
+          <a:fillRef idx="0">
+            <a:schemeClr val="dk1"/>
+          </a:fillRef>
+          <a:effectRef idx="0">
+            <a:schemeClr val="dk1"/>
+          </a:effectRef>
+          <a:fontRef idx="minor">
+            <a:schemeClr val="tx1"/>
+          </a:fontRef>
+        </p:style>
+      </p:cxnSp>
+      <p:cxnSp>
+        <p:nvCxnSpPr>
+          <p:cNvPr id="81" name="直線矢印コネクタ 80">
+            <a:extLst>
+              <a:ext uri="{FF2B5EF4-FFF2-40B4-BE49-F238E27FC236}">
+                <a16:creationId xmlns:a16="http://schemas.microsoft.com/office/drawing/2014/main" id="{8A9655FA-AB0A-75B3-4E3C-08F564738AB1}"/>
+              </a:ext>
+            </a:extLst>
+          </p:cNvPr>
+          <p:cNvCxnSpPr>
+            <a:cxnSpLocks/>
+            <a:stCxn id="6" idx="0"/>
+            <a:endCxn id="2" idx="4"/>
+          </p:cNvCxnSpPr>
+          <p:nvPr/>
+        </p:nvCxnSpPr>
+        <p:spPr>
+          <a:xfrm flipH="1" flipV="1">
+            <a:off x="5740923" y="1621408"/>
+            <a:ext cx="3977222" cy="2302493"/>
+          </a:xfrm>
+          <a:prstGeom prst="straightConnector1">
+            <a:avLst/>
+          </a:prstGeom>
+          <a:ln w="28575">
+            <a:tailEnd type="triangle"/>
+          </a:ln>
+        </p:spPr>
+        <p:style>
+          <a:lnRef idx="1">
+            <a:schemeClr val="dk1"/>
+          </a:lnRef>
+          <a:fillRef idx="0">
+            <a:schemeClr val="dk1"/>
+          </a:fillRef>
+          <a:effectRef idx="0">
+            <a:schemeClr val="dk1"/>
+          </a:effectRef>
+          <a:fontRef idx="minor">
+            <a:schemeClr val="tx1"/>
+          </a:fontRef>
+        </p:style>
+      </p:cxnSp>
+      <p:cxnSp>
+        <p:nvCxnSpPr>
+          <p:cNvPr id="90" name="コネクタ: 曲線 89">
+            <a:extLst>
+              <a:ext uri="{FF2B5EF4-FFF2-40B4-BE49-F238E27FC236}">
+                <a16:creationId xmlns:a16="http://schemas.microsoft.com/office/drawing/2014/main" id="{D79A2586-E404-CDD3-E13C-CD52C0F64CEB}"/>
+              </a:ext>
+            </a:extLst>
+          </p:cNvPr>
+          <p:cNvCxnSpPr>
+            <a:cxnSpLocks/>
+            <a:stCxn id="6" idx="4"/>
+            <a:endCxn id="8" idx="4"/>
+          </p:cNvCxnSpPr>
+          <p:nvPr/>
+        </p:nvCxnSpPr>
+        <p:spPr>
+          <a:xfrm rot="5400000">
+            <a:off x="7018597" y="2251874"/>
+            <a:ext cx="12700" cy="5399097"/>
+          </a:xfrm>
+          <a:prstGeom prst="curvedConnector3">
+            <a:avLst>
+              <a:gd name="adj1" fmla="val 4175260"/>
+            </a:avLst>
+          </a:prstGeom>
+          <a:ln w="28575">
+            <a:solidFill>
+              <a:schemeClr val="tx1"/>
+            </a:solidFill>
+            <a:tailEnd type="triangle"/>
+          </a:ln>
+        </p:spPr>
+        <p:style>
+          <a:lnRef idx="1">
+            <a:schemeClr val="dk1"/>
+          </a:lnRef>
+          <a:fillRef idx="0">
+            <a:schemeClr val="dk1"/>
+          </a:fillRef>
+          <a:effectRef idx="0">
+            <a:schemeClr val="dk1"/>
+          </a:effectRef>
+          <a:fontRef idx="minor">
+            <a:schemeClr val="tx1"/>
+          </a:fontRef>
+        </p:style>
+      </p:cxnSp>
     </p:spTree>
     <p:extLst>
       <p:ext uri="{BB962C8B-B14F-4D97-AF65-F5344CB8AC3E}">
-        <p14:creationId xmlns:p14="http://schemas.microsoft.com/office/powerpoint/2010/main" val="4286174900"/>
+        <p14:creationId xmlns:p14="http://schemas.microsoft.com/office/powerpoint/2010/main" val="516124947"/>
       </p:ext>
     </p:extLst>
   </p:cSld>
@@ -6206,7 +7167,7 @@
           <p:cNvPr id="2" name="テキスト ボックス 1">
             <a:extLst>
               <a:ext uri="{FF2B5EF4-FFF2-40B4-BE49-F238E27FC236}">
-                <a16:creationId xmlns:a16="http://schemas.microsoft.com/office/drawing/2014/main" id="{A2570873-832A-7AA0-07EA-7B2F02CDE8BD}"/>
+                <a16:creationId xmlns:a16="http://schemas.microsoft.com/office/drawing/2014/main" id="{21B82B96-5316-0995-B946-BFDEB437F778}"/>
               </a:ext>
             </a:extLst>
           </p:cNvPr>
@@ -6215,8 +7176,8 @@
         </p:nvSpPr>
         <p:spPr>
           <a:xfrm>
-            <a:off x="1066799" y="659413"/>
-            <a:ext cx="5606716" cy="646331"/>
+            <a:off x="906542" y="1084033"/>
+            <a:ext cx="9725527" cy="5262979"/>
           </a:xfrm>
           <a:prstGeom prst="rect">
             <a:avLst/>
@@ -6229,11 +7190,82 @@
           </a:bodyPr>
           <a:lstStyle/>
           <a:p>
-            <a:r>
-              <a:rPr kumimoji="1" lang="ja-JP" altLang="en-US" sz="3600" b="1" dirty="0"/>
-              <a:t>欲しいクイズ（静的）</a:t>
-            </a:r>
-            <a:endParaRPr kumimoji="1" lang="en-US" altLang="ja-JP" sz="3600" b="1" dirty="0"/>
+            <a:pPr marL="457200" indent="-457200">
+              <a:buFont typeface="Arial" panose="020B0604020202020204" pitchFamily="34" charset="0"/>
+              <a:buChar char="•"/>
+            </a:pPr>
+            <a:r>
+              <a:rPr lang="ja-JP" altLang="en-US" sz="2800" dirty="0"/>
+              <a:t>再配布禁止な音楽素材がプログラム起動時にあるかどうかを判定して、ない場合は音楽をなくす機能</a:t>
+            </a:r>
+            <a:endParaRPr lang="en-US" altLang="ja-JP" sz="2800" dirty="0"/>
+          </a:p>
+          <a:p>
+            <a:pPr marL="457200" indent="-457200">
+              <a:buFont typeface="Arial" panose="020B0604020202020204" pitchFamily="34" charset="0"/>
+              <a:buChar char="•"/>
+            </a:pPr>
+            <a:r>
+              <a:rPr lang="ja-JP" altLang="en-US" sz="2800" dirty="0"/>
+              <a:t>クイズを解くときの音楽の設定（</a:t>
+            </a:r>
+            <a:r>
+              <a:rPr lang="en-US" altLang="ja-JP" sz="2800" dirty="0"/>
+              <a:t>sound</a:t>
+            </a:r>
+            <a:r>
+              <a:rPr lang="ja-JP" altLang="en-US" sz="2800" dirty="0"/>
+              <a:t>フォルダに事前に入れておけば選択できるようにする）</a:t>
+            </a:r>
+            <a:endParaRPr lang="en-US" altLang="ja-JP" sz="2800" dirty="0"/>
+          </a:p>
+          <a:p>
+            <a:pPr marL="457200" indent="-457200">
+              <a:buFont typeface="Arial" panose="020B0604020202020204" pitchFamily="34" charset="0"/>
+              <a:buChar char="•"/>
+            </a:pPr>
+            <a:r>
+              <a:rPr lang="ja-JP" altLang="en-US" sz="2800" dirty="0"/>
+              <a:t>問題文や解説文の大きさに合わせて表の縦幅や横幅を調節できる機能</a:t>
+            </a:r>
+            <a:endParaRPr lang="en-US" altLang="ja-JP" sz="2800" dirty="0"/>
+          </a:p>
+          <a:p>
+            <a:pPr marL="457200" indent="-457200">
+              <a:buFont typeface="Arial" panose="020B0604020202020204" pitchFamily="34" charset="0"/>
+              <a:buChar char="•"/>
+            </a:pPr>
+            <a:r>
+              <a:rPr lang="ja-JP" altLang="en-US" sz="2800" dirty="0"/>
+              <a:t>背景画像の追加</a:t>
+            </a:r>
+            <a:endParaRPr lang="en-US" altLang="ja-JP" sz="2800" dirty="0"/>
+          </a:p>
+          <a:p>
+            <a:pPr marL="457200" indent="-457200">
+              <a:buFont typeface="Arial" panose="020B0604020202020204" pitchFamily="34" charset="0"/>
+              <a:buChar char="•"/>
+            </a:pPr>
+            <a:r>
+              <a:rPr lang="en-US" altLang="ja-JP" sz="2800" dirty="0"/>
+              <a:t>Python </a:t>
+            </a:r>
+            <a:r>
+              <a:rPr lang="ja-JP" altLang="en-US" sz="2800" dirty="0"/>
+              <a:t>の文章の差分を計算するモジュールを用いて、間違い部分だけを赤字で出力する</a:t>
+            </a:r>
+            <a:endParaRPr lang="en-US" altLang="ja-JP" sz="2800" dirty="0"/>
+          </a:p>
+          <a:p>
+            <a:pPr marL="457200" indent="-457200">
+              <a:buFont typeface="Arial" panose="020B0604020202020204" pitchFamily="34" charset="0"/>
+              <a:buChar char="•"/>
+            </a:pPr>
+            <a:r>
+              <a:rPr lang="ja-JP" altLang="en-US" sz="2800" dirty="0"/>
+              <a:t>画面のサイズが動かないように固定する（現状画面ごとにサイズが変わったり、一度マウスでサイズを変えると、そのサイズに固定されたりしている）</a:t>
+            </a:r>
+            <a:endParaRPr lang="en-US" altLang="ja-JP" sz="2800" dirty="0"/>
           </a:p>
         </p:txBody>
       </p:sp>
@@ -6242,7 +7274,7 @@
           <p:cNvPr id="3" name="テキスト ボックス 2">
             <a:extLst>
               <a:ext uri="{FF2B5EF4-FFF2-40B4-BE49-F238E27FC236}">
-                <a16:creationId xmlns:a16="http://schemas.microsoft.com/office/drawing/2014/main" id="{11D084A0-FE85-A088-F6B2-3FC118518D1A}"/>
+                <a16:creationId xmlns:a16="http://schemas.microsoft.com/office/drawing/2014/main" id="{419620DA-EE65-F488-8D27-C3D68A7FC8E9}"/>
               </a:ext>
             </a:extLst>
           </p:cNvPr>
@@ -6251,8 +7283,8 @@
         </p:nvSpPr>
         <p:spPr>
           <a:xfrm>
-            <a:off x="1066798" y="1517666"/>
-            <a:ext cx="9725527" cy="1384995"/>
+            <a:off x="489284" y="159792"/>
+            <a:ext cx="5606716" cy="646331"/>
           </a:xfrm>
           <a:prstGeom prst="rect">
             <a:avLst/>
@@ -6265,37 +7297,18 @@
           </a:bodyPr>
           <a:lstStyle/>
           <a:p>
-            <a:pPr marL="457200" indent="-457200">
-              <a:buFont typeface="Arial" panose="020B0604020202020204" pitchFamily="34" charset="0"/>
-              <a:buChar char="•"/>
-            </a:pPr>
-            <a:r>
-              <a:rPr kumimoji="1" lang="en-US" altLang="ja-JP" sz="2800" dirty="0"/>
-              <a:t>Hallo world </a:t>
-            </a:r>
-            <a:r>
-              <a:rPr kumimoji="1" lang="ja-JP" altLang="en-US" sz="2800" dirty="0"/>
-              <a:t>のサンプルコードを見せて、プログラミング言語を当てるクイズ</a:t>
-            </a:r>
-            <a:endParaRPr kumimoji="1" lang="en-US" altLang="ja-JP" sz="2800" dirty="0"/>
-          </a:p>
-          <a:p>
-            <a:pPr marL="457200" indent="-457200">
-              <a:buFont typeface="Arial" panose="020B0604020202020204" pitchFamily="34" charset="0"/>
-              <a:buChar char="•"/>
-            </a:pPr>
-            <a:r>
-              <a:rPr lang="ja-JP" altLang="en-US" sz="2800" dirty="0"/>
-              <a:t>世界の首都</a:t>
-            </a:r>
-            <a:endParaRPr lang="en-US" altLang="ja-JP" sz="2800" dirty="0"/>
+            <a:r>
+              <a:rPr kumimoji="1" lang="ja-JP" altLang="en-US" sz="3600" b="1" dirty="0"/>
+              <a:t>欲しい追加機能</a:t>
+            </a:r>
+            <a:endParaRPr kumimoji="1" lang="en-US" altLang="ja-JP" sz="3600" b="1" dirty="0"/>
           </a:p>
         </p:txBody>
       </p:sp>
     </p:spTree>
     <p:extLst>
       <p:ext uri="{BB962C8B-B14F-4D97-AF65-F5344CB8AC3E}">
-        <p14:creationId xmlns:p14="http://schemas.microsoft.com/office/powerpoint/2010/main" val="193626412"/>
+        <p14:creationId xmlns:p14="http://schemas.microsoft.com/office/powerpoint/2010/main" val="4286174900"/>
       </p:ext>
     </p:extLst>
   </p:cSld>
@@ -6352,7 +7365,7 @@
           <a:p>
             <a:r>
               <a:rPr kumimoji="1" lang="ja-JP" altLang="en-US" sz="3600" b="1" dirty="0"/>
-              <a:t>欲しいクイズ（動的）</a:t>
+              <a:t>欲しいクイズ（静的）</a:t>
             </a:r>
             <a:endParaRPr kumimoji="1" lang="en-US" altLang="ja-JP" sz="3600" b="1" dirty="0"/>
           </a:p>
@@ -6373,7 +7386,7 @@
         <p:spPr>
           <a:xfrm>
             <a:off x="1066798" y="1517666"/>
-            <a:ext cx="9725527" cy="1384995"/>
+            <a:ext cx="9725527" cy="3970318"/>
           </a:xfrm>
           <a:prstGeom prst="rect">
             <a:avLst/>
@@ -6391,14 +7404,14 @@
               <a:buChar char="•"/>
             </a:pPr>
             <a:r>
-              <a:rPr lang="en-US" altLang="ja-JP" sz="2800" dirty="0"/>
-              <a:t>Python </a:t>
-            </a:r>
-            <a:r>
-              <a:rPr lang="ja-JP" altLang="en-US" sz="2800" dirty="0"/>
-              <a:t>のキーワードやモジュール名の英単語タイピング</a:t>
-            </a:r>
-            <a:endParaRPr lang="en-US" altLang="ja-JP" sz="2800" dirty="0"/>
+              <a:rPr kumimoji="1" lang="en-US" altLang="ja-JP" sz="2800" dirty="0"/>
+              <a:t>Hallo world </a:t>
+            </a:r>
+            <a:r>
+              <a:rPr kumimoji="1" lang="ja-JP" altLang="en-US" sz="2800" dirty="0"/>
+              <a:t>のサンプルコードを見せて、プログラミング言語を当てるクイズ</a:t>
+            </a:r>
+            <a:endParaRPr kumimoji="1" lang="en-US" altLang="ja-JP" sz="2800" dirty="0"/>
           </a:p>
           <a:p>
             <a:pPr marL="457200" indent="-457200">
@@ -6406,12 +7419,245 @@
               <a:buChar char="•"/>
             </a:pPr>
             <a:r>
+              <a:rPr lang="ja-JP" altLang="en-US" sz="2800" dirty="0"/>
+              <a:t>世界の首都 </a:t>
+            </a:r>
+            <a:r>
+              <a:rPr lang="en-US" altLang="ja-JP" sz="2800" dirty="0" err="1"/>
+              <a:t>CapitalQuizzes</a:t>
+            </a:r>
+            <a:endParaRPr lang="en-US" altLang="ja-JP" sz="2800" dirty="0"/>
+          </a:p>
+          <a:p>
+            <a:pPr marL="457200" indent="-457200">
+              <a:buFont typeface="Arial" panose="020B0604020202020204" pitchFamily="34" charset="0"/>
+              <a:buChar char="•"/>
+            </a:pPr>
+            <a:r>
+              <a:rPr lang="ja-JP" altLang="en-US" sz="2800" dirty="0"/>
+              <a:t>言語当てクイズ </a:t>
+            </a:r>
+            <a:r>
+              <a:rPr lang="en-US" altLang="ja-JP" sz="2800" dirty="0" err="1"/>
+              <a:t>LanguageQuizzes</a:t>
+            </a:r>
+            <a:endParaRPr lang="en-US" altLang="ja-JP" sz="2800" dirty="0"/>
+          </a:p>
+          <a:p>
+            <a:pPr marL="457200" indent="-457200">
+              <a:buFont typeface="Arial" panose="020B0604020202020204" pitchFamily="34" charset="0"/>
+              <a:buChar char="•"/>
+            </a:pPr>
+            <a:r>
+              <a:rPr lang="ja-JP" altLang="en-US" sz="2800" dirty="0"/>
+              <a:t>歴史的事象の年代クイズ </a:t>
+            </a:r>
+            <a:r>
+              <a:rPr lang="en-US" altLang="ja-JP" sz="2800" dirty="0" err="1"/>
+              <a:t>HistoricalEventsQuizzes</a:t>
+            </a:r>
+            <a:endParaRPr lang="en-US" altLang="ja-JP" sz="2800" dirty="0"/>
+          </a:p>
+          <a:p>
+            <a:pPr marL="457200" indent="-457200">
+              <a:buFont typeface="Arial" panose="020B0604020202020204" pitchFamily="34" charset="0"/>
+              <a:buChar char="•"/>
+            </a:pPr>
+            <a:r>
+              <a:rPr lang="ja-JP" altLang="en-US" sz="2800" dirty="0"/>
+              <a:t>元素記号の名前クイズ </a:t>
+            </a:r>
+            <a:r>
+              <a:rPr lang="en-US" altLang="ja-JP" sz="2800" dirty="0" err="1"/>
+              <a:t>ElementSymbolQuiz</a:t>
+            </a:r>
+            <a:endParaRPr lang="en-US" altLang="ja-JP" sz="2800" dirty="0"/>
+          </a:p>
+          <a:p>
+            <a:pPr marL="457200" indent="-457200">
+              <a:buFont typeface="Arial" panose="020B0604020202020204" pitchFamily="34" charset="0"/>
+              <a:buChar char="•"/>
+            </a:pPr>
+            <a:r>
+              <a:rPr lang="ja-JP" altLang="en-US" sz="2800" dirty="0"/>
+              <a:t>与えられた歌詞から曲のタイトルを当て </a:t>
+            </a:r>
+            <a:r>
+              <a:rPr lang="en-US" altLang="ja-JP" sz="2800" dirty="0" err="1"/>
+              <a:t>LyricsQuizzes</a:t>
+            </a:r>
+            <a:endParaRPr lang="en-US" altLang="ja-JP" sz="2800" dirty="0"/>
+          </a:p>
+          <a:p>
+            <a:pPr marL="457200" indent="-457200">
+              <a:buFont typeface="Arial" panose="020B0604020202020204" pitchFamily="34" charset="0"/>
+              <a:buChar char="•"/>
+            </a:pPr>
+            <a:r>
+              <a:rPr lang="ja-JP" altLang="en-US" sz="2800" dirty="0"/>
+              <a:t>有名な哲学的なフレーズのクイズ </a:t>
+            </a:r>
+            <a:r>
+              <a:rPr lang="en-US" altLang="ja-JP" sz="2800" dirty="0" err="1"/>
+              <a:t>FamousQuotesQuiz</a:t>
+            </a:r>
+            <a:endParaRPr lang="en-US" altLang="ja-JP" sz="2800" dirty="0"/>
+          </a:p>
+          <a:p>
+            <a:pPr marL="457200" indent="-457200">
+              <a:buFont typeface="Arial" panose="020B0604020202020204" pitchFamily="34" charset="0"/>
+              <a:buChar char="•"/>
+            </a:pPr>
+            <a:endParaRPr lang="en-US" altLang="ja-JP" sz="2800" dirty="0"/>
+          </a:p>
+        </p:txBody>
+      </p:sp>
+    </p:spTree>
+    <p:extLst>
+      <p:ext uri="{BB962C8B-B14F-4D97-AF65-F5344CB8AC3E}">
+        <p14:creationId xmlns:p14="http://schemas.microsoft.com/office/powerpoint/2010/main" val="193626412"/>
+      </p:ext>
+    </p:extLst>
+  </p:cSld>
+  <p:clrMapOvr>
+    <a:masterClrMapping/>
+  </p:clrMapOvr>
+</p:sld>
+</file>
+
+<file path=ppt/slides/slide17.xml><?xml version="1.0" encoding="utf-8"?>
+<p:sld xmlns:a="http://schemas.openxmlformats.org/drawingml/2006/main" xmlns:r="http://schemas.openxmlformats.org/officeDocument/2006/relationships" xmlns:p="http://schemas.openxmlformats.org/presentationml/2006/main">
+  <p:cSld>
+    <p:spTree>
+      <p:nvGrpSpPr>
+        <p:cNvPr id="1" name=""/>
+        <p:cNvGrpSpPr/>
+        <p:nvPr/>
+      </p:nvGrpSpPr>
+      <p:grpSpPr>
+        <a:xfrm>
+          <a:off x="0" y="0"/>
+          <a:ext cx="0" cy="0"/>
+          <a:chOff x="0" y="0"/>
+          <a:chExt cx="0" cy="0"/>
+        </a:xfrm>
+      </p:grpSpPr>
+      <p:sp>
+        <p:nvSpPr>
+          <p:cNvPr id="2" name="テキスト ボックス 1">
+            <a:extLst>
+              <a:ext uri="{FF2B5EF4-FFF2-40B4-BE49-F238E27FC236}">
+                <a16:creationId xmlns:a16="http://schemas.microsoft.com/office/drawing/2014/main" id="{A2570873-832A-7AA0-07EA-7B2F02CDE8BD}"/>
+              </a:ext>
+            </a:extLst>
+          </p:cNvPr>
+          <p:cNvSpPr txBox="1"/>
+          <p:nvPr/>
+        </p:nvSpPr>
+        <p:spPr>
+          <a:xfrm>
+            <a:off x="1066799" y="659413"/>
+            <a:ext cx="5606716" cy="646331"/>
+          </a:xfrm>
+          <a:prstGeom prst="rect">
+            <a:avLst/>
+          </a:prstGeom>
+          <a:noFill/>
+        </p:spPr>
+        <p:txBody>
+          <a:bodyPr wrap="square" rtlCol="0">
+            <a:spAutoFit/>
+          </a:bodyPr>
+          <a:lstStyle/>
+          <a:p>
+            <a:r>
+              <a:rPr kumimoji="1" lang="ja-JP" altLang="en-US" sz="3600" b="1" dirty="0"/>
+              <a:t>欲しいクイズ（動的）</a:t>
+            </a:r>
+            <a:endParaRPr kumimoji="1" lang="en-US" altLang="ja-JP" sz="3600" b="1" dirty="0"/>
+          </a:p>
+        </p:txBody>
+      </p:sp>
+      <p:sp>
+        <p:nvSpPr>
+          <p:cNvPr id="3" name="テキスト ボックス 2">
+            <a:extLst>
+              <a:ext uri="{FF2B5EF4-FFF2-40B4-BE49-F238E27FC236}">
+                <a16:creationId xmlns:a16="http://schemas.microsoft.com/office/drawing/2014/main" id="{11D084A0-FE85-A088-F6B2-3FC118518D1A}"/>
+              </a:ext>
+            </a:extLst>
+          </p:cNvPr>
+          <p:cNvSpPr txBox="1"/>
+          <p:nvPr/>
+        </p:nvSpPr>
+        <p:spPr>
+          <a:xfrm>
+            <a:off x="1066798" y="1517666"/>
+            <a:ext cx="9725527" cy="2246769"/>
+          </a:xfrm>
+          <a:prstGeom prst="rect">
+            <a:avLst/>
+          </a:prstGeom>
+          <a:noFill/>
+        </p:spPr>
+        <p:txBody>
+          <a:bodyPr wrap="square" rtlCol="0">
+            <a:spAutoFit/>
+          </a:bodyPr>
+          <a:lstStyle/>
+          <a:p>
+            <a:pPr marL="457200" indent="-457200">
+              <a:buFont typeface="Arial" panose="020B0604020202020204" pitchFamily="34" charset="0"/>
+              <a:buChar char="•"/>
+            </a:pPr>
+            <a:r>
               <a:rPr lang="en-US" altLang="ja-JP" sz="2800" dirty="0"/>
-              <a:t>3</a:t>
+              <a:t>Python </a:t>
             </a:r>
             <a:r>
               <a:rPr lang="ja-JP" altLang="en-US" sz="2800" dirty="0"/>
-              <a:t>桁程度の足し算や引き算、掛け算や割り算</a:t>
+              <a:t>のキーワードやモジュール名の英単語タイピング</a:t>
+            </a:r>
+            <a:endParaRPr lang="en-US" altLang="ja-JP" sz="2800" dirty="0"/>
+          </a:p>
+          <a:p>
+            <a:pPr marL="457200" indent="-457200">
+              <a:buFont typeface="Arial" panose="020B0604020202020204" pitchFamily="34" charset="0"/>
+              <a:buChar char="•"/>
+            </a:pPr>
+            <a:r>
+              <a:rPr lang="ja-JP" altLang="en-US" sz="2800" dirty="0"/>
+              <a:t>シーザー暗号</a:t>
+            </a:r>
+            <a:endParaRPr lang="en-US" altLang="ja-JP" sz="2800" dirty="0"/>
+          </a:p>
+          <a:p>
+            <a:pPr marL="457200" indent="-457200">
+              <a:buFont typeface="Arial" panose="020B0604020202020204" pitchFamily="34" charset="0"/>
+              <a:buChar char="•"/>
+            </a:pPr>
+            <a:r>
+              <a:rPr lang="ja-JP" altLang="en-US" sz="2800" dirty="0"/>
+              <a:t>素因数分解クイズ </a:t>
+            </a:r>
+            <a:r>
+              <a:rPr lang="en-US" altLang="ja-JP" sz="2800" dirty="0" err="1"/>
+              <a:t>PrimeFactorizationQuizzes</a:t>
+            </a:r>
+            <a:endParaRPr lang="en-US" altLang="ja-JP" sz="2800" dirty="0"/>
+          </a:p>
+          <a:p>
+            <a:pPr marL="457200" indent="-457200">
+              <a:buFont typeface="Arial" panose="020B0604020202020204" pitchFamily="34" charset="0"/>
+              <a:buChar char="•"/>
+            </a:pPr>
+            <a:r>
+              <a:rPr lang="ja-JP" altLang="en-US" sz="2800" dirty="0"/>
+              <a:t>素数判定クイズ  </a:t>
+            </a:r>
+            <a:r>
+              <a:rPr lang="en-US" altLang="ja-JP" sz="2800" dirty="0" err="1"/>
+              <a:t>PrimeQuizzes</a:t>
             </a:r>
             <a:endParaRPr lang="en-US" altLang="ja-JP" sz="2800" dirty="0"/>
           </a:p>
@@ -6437,7 +7683,7 @@
 </p:sld>
 </file>
 
-<file path=ppt/slides/slide17.xml><?xml version="1.0" encoding="utf-8"?>
+<file path=ppt/slides/slide18.xml><?xml version="1.0" encoding="utf-8"?>
 <p:sld xmlns:a="http://schemas.openxmlformats.org/drawingml/2006/main" xmlns:r="http://schemas.openxmlformats.org/officeDocument/2006/relationships" xmlns:p="http://schemas.openxmlformats.org/presentationml/2006/main">
   <p:cSld>
     <p:spTree>
@@ -7165,20 +8411,9 @@
             </a:pPr>
             <a:r>
               <a:rPr lang="ja-JP" altLang="en-US" sz="2000" dirty="0"/>
-              <a:t>時間制限</a:t>
-            </a:r>
-            <a:r>
-              <a:rPr lang="en-US" altLang="ja-JP" sz="2000" dirty="0"/>
-              <a:t>       [</a:t>
-            </a:r>
-            <a:r>
-              <a:rPr lang="ja-JP" altLang="en-US" sz="2000" dirty="0"/>
-              <a:t>数入力</a:t>
-            </a:r>
-            <a:r>
-              <a:rPr lang="en-US" altLang="ja-JP" sz="2000" dirty="0"/>
-              <a:t>]</a:t>
-            </a:r>
+              <a:t>エンドレス</a:t>
+            </a:r>
+            <a:endParaRPr lang="en-US" altLang="ja-JP" sz="2000" dirty="0"/>
           </a:p>
           <a:p>
             <a:pPr marL="571500" indent="-571500">
@@ -7187,11 +8422,11 @@
             </a:pPr>
             <a:r>
               <a:rPr lang="ja-JP" altLang="en-US" sz="2000" dirty="0"/>
-              <a:t>固定問題数   </a:t>
+              <a:t>時間制限</a:t>
             </a:r>
             <a:r>
               <a:rPr lang="en-US" altLang="ja-JP" sz="2000" dirty="0"/>
-              <a:t>[</a:t>
+              <a:t>       [</a:t>
             </a:r>
             <a:r>
               <a:rPr lang="ja-JP" altLang="en-US" sz="2000" dirty="0"/>
@@ -7209,7 +8444,19 @@
             </a:pPr>
             <a:r>
               <a:rPr lang="ja-JP" altLang="en-US" sz="2000" dirty="0"/>
-              <a:t>エンドレス</a:t>
+              <a:t>固定問題数   </a:t>
+            </a:r>
+            <a:r>
+              <a:rPr lang="en-US" altLang="ja-JP" sz="2000" dirty="0"/>
+              <a:t>[</a:t>
+            </a:r>
+            <a:r>
+              <a:rPr lang="ja-JP" altLang="en-US" sz="2000" dirty="0"/>
+              <a:t>数入力</a:t>
+            </a:r>
+            <a:r>
+              <a:rPr lang="en-US" altLang="ja-JP" sz="2000" dirty="0"/>
+              <a:t>]</a:t>
             </a:r>
           </a:p>
         </p:txBody>
@@ -10684,8 +11931,8 @@
         </p:nvSpPr>
         <p:spPr>
           <a:xfrm>
-            <a:off x="8337727" y="4078472"/>
-            <a:ext cx="1764224" cy="923330"/>
+            <a:off x="8403714" y="3986139"/>
+            <a:ext cx="1764224" cy="1477328"/>
           </a:xfrm>
           <a:prstGeom prst="rect">
             <a:avLst/>
@@ -10713,7 +11960,7 @@
           <a:p>
             <a:r>
               <a:rPr lang="ja-JP" altLang="en-US" dirty="0"/>
-              <a:t>リタイアボタン（強制的に結果画面へ）</a:t>
+              <a:t>リタイアボタン（強制的に正解確認画面移行後、結果画面へ移行）</a:t>
             </a:r>
           </a:p>
         </p:txBody>
@@ -11057,10 +12304,10 @@
       </p:sp>
       <p:sp>
         <p:nvSpPr>
-          <p:cNvPr id="9" name="テキスト ボックス 8">
-            <a:extLst>
-              <a:ext uri="{FF2B5EF4-FFF2-40B4-BE49-F238E27FC236}">
-                <a16:creationId xmlns:a16="http://schemas.microsoft.com/office/drawing/2014/main" id="{DBDDC2F1-C1D1-B188-BE87-01E8E86B2599}"/>
+          <p:cNvPr id="8" name="テキスト ボックス 7">
+            <a:extLst>
+              <a:ext uri="{FF2B5EF4-FFF2-40B4-BE49-F238E27FC236}">
+                <a16:creationId xmlns:a16="http://schemas.microsoft.com/office/drawing/2014/main" id="{FA84E648-1395-1A8E-4C34-6E2D8CE29E9B}"/>
               </a:ext>
             </a:extLst>
           </p:cNvPr>
@@ -11069,8 +12316,8 @@
         </p:nvSpPr>
         <p:spPr>
           <a:xfrm>
-            <a:off x="8337727" y="4078472"/>
-            <a:ext cx="1764224" cy="923330"/>
+            <a:off x="8479968" y="3788903"/>
+            <a:ext cx="1764224" cy="1477328"/>
           </a:xfrm>
           <a:prstGeom prst="rect">
             <a:avLst/>
@@ -11098,7 +12345,7 @@
           <a:p>
             <a:r>
               <a:rPr lang="ja-JP" altLang="en-US" dirty="0"/>
-              <a:t>リタイアボタン（強制的に結果画面へ）</a:t>
+              <a:t>リタイアボタン（強制的に正解確認画面移行後、結果画面へ移行）</a:t>
             </a:r>
           </a:p>
         </p:txBody>

--- a/design.pptx
+++ b/design.pptx
@@ -18,11 +18,12 @@
     <p:sldId id="267" r:id="rId12"/>
     <p:sldId id="268" r:id="rId13"/>
     <p:sldId id="266" r:id="rId14"/>
-    <p:sldId id="274" r:id="rId15"/>
-    <p:sldId id="270" r:id="rId16"/>
-    <p:sldId id="272" r:id="rId17"/>
-    <p:sldId id="271" r:id="rId18"/>
-    <p:sldId id="273" r:id="rId19"/>
+    <p:sldId id="275" r:id="rId15"/>
+    <p:sldId id="274" r:id="rId16"/>
+    <p:sldId id="270" r:id="rId17"/>
+    <p:sldId id="272" r:id="rId18"/>
+    <p:sldId id="271" r:id="rId19"/>
+    <p:sldId id="273" r:id="rId20"/>
   </p:sldIdLst>
   <p:sldSz cx="12192000" cy="6858000"/>
   <p:notesSz cx="6858000" cy="9144000"/>
@@ -276,7 +277,7 @@
           <a:p>
             <a:fld id="{92A24FDA-9713-4B2A-B123-08E9636CCA2B}" type="datetimeFigureOut">
               <a:rPr kumimoji="1" lang="ja-JP" altLang="en-US" smtClean="0"/>
-              <a:t>2023/9/9</a:t>
+              <a:t>2023/9/13</a:t>
             </a:fld>
             <a:endParaRPr kumimoji="1" lang="ja-JP" altLang="en-US"/>
           </a:p>
@@ -506,7 +507,7 @@
           <a:p>
             <a:fld id="{92A24FDA-9713-4B2A-B123-08E9636CCA2B}" type="datetimeFigureOut">
               <a:rPr kumimoji="1" lang="ja-JP" altLang="en-US" smtClean="0"/>
-              <a:t>2023/9/9</a:t>
+              <a:t>2023/9/13</a:t>
             </a:fld>
             <a:endParaRPr kumimoji="1" lang="ja-JP" altLang="en-US"/>
           </a:p>
@@ -746,7 +747,7 @@
           <a:p>
             <a:fld id="{92A24FDA-9713-4B2A-B123-08E9636CCA2B}" type="datetimeFigureOut">
               <a:rPr kumimoji="1" lang="ja-JP" altLang="en-US" smtClean="0"/>
-              <a:t>2023/9/9</a:t>
+              <a:t>2023/9/13</a:t>
             </a:fld>
             <a:endParaRPr kumimoji="1" lang="ja-JP" altLang="en-US"/>
           </a:p>
@@ -976,7 +977,7 @@
           <a:p>
             <a:fld id="{92A24FDA-9713-4B2A-B123-08E9636CCA2B}" type="datetimeFigureOut">
               <a:rPr kumimoji="1" lang="ja-JP" altLang="en-US" smtClean="0"/>
-              <a:t>2023/9/9</a:t>
+              <a:t>2023/9/13</a:t>
             </a:fld>
             <a:endParaRPr kumimoji="1" lang="ja-JP" altLang="en-US"/>
           </a:p>
@@ -1251,7 +1252,7 @@
           <a:p>
             <a:fld id="{92A24FDA-9713-4B2A-B123-08E9636CCA2B}" type="datetimeFigureOut">
               <a:rPr kumimoji="1" lang="ja-JP" altLang="en-US" smtClean="0"/>
-              <a:t>2023/9/9</a:t>
+              <a:t>2023/9/13</a:t>
             </a:fld>
             <a:endParaRPr kumimoji="1" lang="ja-JP" altLang="en-US"/>
           </a:p>
@@ -1580,7 +1581,7 @@
           <a:p>
             <a:fld id="{92A24FDA-9713-4B2A-B123-08E9636CCA2B}" type="datetimeFigureOut">
               <a:rPr kumimoji="1" lang="ja-JP" altLang="en-US" smtClean="0"/>
-              <a:t>2023/9/9</a:t>
+              <a:t>2023/9/13</a:t>
             </a:fld>
             <a:endParaRPr kumimoji="1" lang="ja-JP" altLang="en-US"/>
           </a:p>
@@ -2056,7 +2057,7 @@
           <a:p>
             <a:fld id="{92A24FDA-9713-4B2A-B123-08E9636CCA2B}" type="datetimeFigureOut">
               <a:rPr kumimoji="1" lang="ja-JP" altLang="en-US" smtClean="0"/>
-              <a:t>2023/9/9</a:t>
+              <a:t>2023/9/13</a:t>
             </a:fld>
             <a:endParaRPr kumimoji="1" lang="ja-JP" altLang="en-US"/>
           </a:p>
@@ -2197,7 +2198,7 @@
           <a:p>
             <a:fld id="{92A24FDA-9713-4B2A-B123-08E9636CCA2B}" type="datetimeFigureOut">
               <a:rPr kumimoji="1" lang="ja-JP" altLang="en-US" smtClean="0"/>
-              <a:t>2023/9/9</a:t>
+              <a:t>2023/9/13</a:t>
             </a:fld>
             <a:endParaRPr kumimoji="1" lang="ja-JP" altLang="en-US"/>
           </a:p>
@@ -2310,7 +2311,7 @@
           <a:p>
             <a:fld id="{92A24FDA-9713-4B2A-B123-08E9636CCA2B}" type="datetimeFigureOut">
               <a:rPr kumimoji="1" lang="ja-JP" altLang="en-US" smtClean="0"/>
-              <a:t>2023/9/9</a:t>
+              <a:t>2023/9/13</a:t>
             </a:fld>
             <a:endParaRPr kumimoji="1" lang="ja-JP" altLang="en-US"/>
           </a:p>
@@ -2653,7 +2654,7 @@
           <a:p>
             <a:fld id="{92A24FDA-9713-4B2A-B123-08E9636CCA2B}" type="datetimeFigureOut">
               <a:rPr kumimoji="1" lang="ja-JP" altLang="en-US" smtClean="0"/>
-              <a:t>2023/9/9</a:t>
+              <a:t>2023/9/13</a:t>
             </a:fld>
             <a:endParaRPr kumimoji="1" lang="ja-JP" altLang="en-US"/>
           </a:p>
@@ -2941,7 +2942,7 @@
           <a:p>
             <a:fld id="{92A24FDA-9713-4B2A-B123-08E9636CCA2B}" type="datetimeFigureOut">
               <a:rPr kumimoji="1" lang="ja-JP" altLang="en-US" smtClean="0"/>
-              <a:t>2023/9/9</a:t>
+              <a:t>2023/9/13</a:t>
             </a:fld>
             <a:endParaRPr kumimoji="1" lang="ja-JP" altLang="en-US"/>
           </a:p>
@@ -3214,7 +3215,7 @@
           <a:p>
             <a:fld id="{92A24FDA-9713-4B2A-B123-08E9636CCA2B}" type="datetimeFigureOut">
               <a:rPr kumimoji="1" lang="ja-JP" altLang="en-US" smtClean="0"/>
-              <a:t>2023/9/9</a:t>
+              <a:t>2023/9/13</a:t>
             </a:fld>
             <a:endParaRPr kumimoji="1" lang="ja-JP" altLang="en-US"/>
           </a:p>
@@ -3765,7 +3766,7 @@
         <p:spPr>
           <a:xfrm>
             <a:off x="1055931" y="5369676"/>
-            <a:ext cx="5519040" cy="646331"/>
+            <a:ext cx="5519040" cy="923330"/>
           </a:xfrm>
           <a:prstGeom prst="rect">
             <a:avLst/>
@@ -3805,6 +3806,22 @@
               <a:rPr kumimoji="1" lang="ja-JP" altLang="en-US" dirty="0"/>
               <a:t>問題ログ一覧画面</a:t>
             </a:r>
+            <a:endParaRPr lang="en-US" altLang="ja-JP" dirty="0"/>
+          </a:p>
+          <a:p>
+            <a:r>
+              <a:rPr kumimoji="1" lang="ja-JP" altLang="en-US" dirty="0"/>
+              <a:t>音性設定 </a:t>
+            </a:r>
+            <a:r>
+              <a:rPr kumimoji="1" lang="en-US" altLang="ja-JP" dirty="0"/>
+              <a:t>-&gt; </a:t>
+            </a:r>
+            <a:r>
+              <a:rPr kumimoji="1" lang="ja-JP" altLang="en-US" dirty="0"/>
+              <a:t>音声設定画面</a:t>
+            </a:r>
+            <a:endParaRPr kumimoji="1" lang="en-US" altLang="ja-JP" dirty="0"/>
           </a:p>
         </p:txBody>
       </p:sp>
@@ -3935,6 +3952,54 @@
             <a:r>
               <a:rPr lang="ja-JP" altLang="en-US" sz="3600" dirty="0"/>
               <a:t>履歴</a:t>
+            </a:r>
+          </a:p>
+        </p:txBody>
+      </p:sp>
+      <p:sp>
+        <p:nvSpPr>
+          <p:cNvPr id="5" name="テキスト ボックス 4">
+            <a:extLst>
+              <a:ext uri="{FF2B5EF4-FFF2-40B4-BE49-F238E27FC236}">
+                <a16:creationId xmlns:a16="http://schemas.microsoft.com/office/drawing/2014/main" id="{16AE651C-A001-C8C7-A5DA-E774E63B6088}"/>
+              </a:ext>
+            </a:extLst>
+          </p:cNvPr>
+          <p:cNvSpPr txBox="1"/>
+          <p:nvPr/>
+        </p:nvSpPr>
+        <p:spPr>
+          <a:xfrm>
+            <a:off x="1290579" y="3429000"/>
+            <a:ext cx="1386633" cy="1200329"/>
+          </a:xfrm>
+          <a:prstGeom prst="rect">
+            <a:avLst/>
+          </a:prstGeom>
+        </p:spPr>
+        <p:style>
+          <a:lnRef idx="2">
+            <a:schemeClr val="dk1"/>
+          </a:lnRef>
+          <a:fillRef idx="1">
+            <a:schemeClr val="lt1"/>
+          </a:fillRef>
+          <a:effectRef idx="0">
+            <a:schemeClr val="dk1"/>
+          </a:effectRef>
+          <a:fontRef idx="minor">
+            <a:schemeClr val="dk1"/>
+          </a:fontRef>
+        </p:style>
+        <p:txBody>
+          <a:bodyPr wrap="square">
+            <a:spAutoFit/>
+          </a:bodyPr>
+          <a:lstStyle/>
+          <a:p>
+            <a:r>
+              <a:rPr lang="ja-JP" altLang="en-US" sz="3600" dirty="0"/>
+              <a:t>音声設定</a:t>
             </a:r>
           </a:p>
         </p:txBody>
@@ -6182,10 +6247,49 @@
       </p:grpSpPr>
       <p:sp>
         <p:nvSpPr>
-          <p:cNvPr id="2" name="楕円 1">
-            <a:extLst>
-              <a:ext uri="{FF2B5EF4-FFF2-40B4-BE49-F238E27FC236}">
-                <a16:creationId xmlns:a16="http://schemas.microsoft.com/office/drawing/2014/main" id="{39AF3BCB-5E0D-8E5B-DE79-35909C8C0308}"/>
+          <p:cNvPr id="2" name="テキスト ボックス 1">
+            <a:extLst>
+              <a:ext uri="{FF2B5EF4-FFF2-40B4-BE49-F238E27FC236}">
+                <a16:creationId xmlns:a16="http://schemas.microsoft.com/office/drawing/2014/main" id="{52D73C05-0569-C3C1-290B-35C2EADEDFAA}"/>
+              </a:ext>
+            </a:extLst>
+          </p:cNvPr>
+          <p:cNvSpPr txBox="1"/>
+          <p:nvPr/>
+        </p:nvSpPr>
+        <p:spPr>
+          <a:xfrm>
+            <a:off x="985173" y="426448"/>
+            <a:ext cx="7043056" cy="707886"/>
+          </a:xfrm>
+          <a:prstGeom prst="rect">
+            <a:avLst/>
+          </a:prstGeom>
+          <a:noFill/>
+        </p:spPr>
+        <p:txBody>
+          <a:bodyPr wrap="square" rtlCol="0">
+            <a:spAutoFit/>
+          </a:bodyPr>
+          <a:lstStyle/>
+          <a:p>
+            <a:r>
+              <a:rPr lang="ja-JP" altLang="en-US" sz="4000" b="1" dirty="0"/>
+              <a:t>音声設定</a:t>
+            </a:r>
+            <a:r>
+              <a:rPr kumimoji="1" lang="ja-JP" altLang="en-US" sz="4000" b="1" dirty="0"/>
+              <a:t>画面</a:t>
+            </a:r>
+          </a:p>
+        </p:txBody>
+      </p:sp>
+      <p:sp>
+        <p:nvSpPr>
+          <p:cNvPr id="3" name="正方形/長方形 2">
+            <a:extLst>
+              <a:ext uri="{FF2B5EF4-FFF2-40B4-BE49-F238E27FC236}">
+                <a16:creationId xmlns:a16="http://schemas.microsoft.com/office/drawing/2014/main" id="{4DDFE798-54E2-C7DD-1E81-0EE9DE9E86B0}"/>
               </a:ext>
             </a:extLst>
           </p:cNvPr>
@@ -6194,13 +6298,13 @@
         </p:nvSpPr>
         <p:spPr>
           <a:xfrm>
-            <a:off x="4920791" y="593887"/>
-            <a:ext cx="1640264" cy="1027521"/>
-          </a:xfrm>
-          <a:prstGeom prst="ellipse">
+            <a:off x="1055930" y="1488324"/>
+            <a:ext cx="10818017" cy="4315710"/>
+          </a:xfrm>
+          <a:prstGeom prst="rect">
             <a:avLst/>
           </a:prstGeom>
-          <a:ln w="28575">
+          <a:ln w="57150">
             <a:solidFill>
               <a:schemeClr val="tx1"/>
             </a:solidFill>
@@ -6225,31 +6329,28 @@
           <a:lstStyle/>
           <a:p>
             <a:pPr algn="ctr"/>
-            <a:r>
-              <a:rPr kumimoji="1" lang="ja-JP" altLang="en-US" dirty="0"/>
-              <a:t>タイトル画面</a:t>
-            </a:r>
-          </a:p>
-        </p:txBody>
-      </p:sp>
-      <p:sp>
-        <p:nvSpPr>
-          <p:cNvPr id="3" name="楕円 2">
-            <a:extLst>
-              <a:ext uri="{FF2B5EF4-FFF2-40B4-BE49-F238E27FC236}">
-                <a16:creationId xmlns:a16="http://schemas.microsoft.com/office/drawing/2014/main" id="{8EF062F2-90EE-6847-E171-CEF93D24BF97}"/>
-              </a:ext>
-            </a:extLst>
-          </p:cNvPr>
-          <p:cNvSpPr/>
+            <a:endParaRPr kumimoji="1" lang="ja-JP" altLang="en-US"/>
+          </a:p>
+        </p:txBody>
+      </p:sp>
+      <p:sp>
+        <p:nvSpPr>
+          <p:cNvPr id="4" name="テキスト ボックス 3">
+            <a:extLst>
+              <a:ext uri="{FF2B5EF4-FFF2-40B4-BE49-F238E27FC236}">
+                <a16:creationId xmlns:a16="http://schemas.microsoft.com/office/drawing/2014/main" id="{EB5B19E4-060F-A4F8-103E-2715C599B475}"/>
+              </a:ext>
+            </a:extLst>
+          </p:cNvPr>
+          <p:cNvSpPr txBox="1"/>
           <p:nvPr/>
         </p:nvSpPr>
         <p:spPr>
           <a:xfrm>
-            <a:off x="8077881" y="453402"/>
-            <a:ext cx="1640264" cy="1027521"/>
-          </a:xfrm>
-          <a:prstGeom prst="ellipse">
+            <a:off x="10416613" y="4667569"/>
+            <a:ext cx="1153836" cy="923330"/>
+          </a:xfrm>
+          <a:prstGeom prst="rect">
             <a:avLst/>
           </a:prstGeom>
           <a:ln w="28575">
@@ -6260,882 +6361,36 @@
         </p:spPr>
         <p:style>
           <a:lnRef idx="2">
-            <a:schemeClr val="accent6"/>
+            <a:schemeClr val="dk1"/>
           </a:lnRef>
           <a:fillRef idx="1">
             <a:schemeClr val="lt1"/>
           </a:fillRef>
           <a:effectRef idx="0">
-            <a:schemeClr val="accent6"/>
+            <a:schemeClr val="dk1"/>
           </a:effectRef>
           <a:fontRef idx="minor">
             <a:schemeClr val="dk1"/>
           </a:fontRef>
         </p:style>
         <p:txBody>
-          <a:bodyPr rtlCol="0" anchor="ctr"/>
-          <a:lstStyle/>
-          <a:p>
-            <a:pPr algn="ctr"/>
+          <a:bodyPr wrap="square" rtlCol="0">
+            <a:spAutoFit/>
+          </a:bodyPr>
+          <a:lstStyle/>
+          <a:p>
             <a:r>
               <a:rPr lang="ja-JP" altLang="en-US" dirty="0"/>
-              <a:t>ログ</a:t>
-            </a:r>
-            <a:r>
-              <a:rPr kumimoji="1" lang="ja-JP" altLang="en-US" dirty="0"/>
-              <a:t>画面</a:t>
-            </a:r>
-          </a:p>
-        </p:txBody>
-      </p:sp>
-      <p:sp>
-        <p:nvSpPr>
-          <p:cNvPr id="4" name="楕円 3">
-            <a:extLst>
-              <a:ext uri="{FF2B5EF4-FFF2-40B4-BE49-F238E27FC236}">
-                <a16:creationId xmlns:a16="http://schemas.microsoft.com/office/drawing/2014/main" id="{12A27FF8-FA3A-1306-2566-AA803F9AE303}"/>
-              </a:ext>
-            </a:extLst>
-          </p:cNvPr>
-          <p:cNvSpPr/>
-          <p:nvPr/>
-        </p:nvSpPr>
-        <p:spPr>
-          <a:xfrm>
-            <a:off x="1638693" y="593887"/>
-            <a:ext cx="1934066" cy="1027521"/>
-          </a:xfrm>
-          <a:prstGeom prst="ellipse">
-            <a:avLst/>
-          </a:prstGeom>
-          <a:ln w="28575">
-            <a:solidFill>
-              <a:schemeClr val="tx1"/>
-            </a:solidFill>
-          </a:ln>
-        </p:spPr>
-        <p:style>
-          <a:lnRef idx="2">
-            <a:schemeClr val="accent6"/>
-          </a:lnRef>
-          <a:fillRef idx="1">
-            <a:schemeClr val="lt1"/>
-          </a:fillRef>
-          <a:effectRef idx="0">
-            <a:schemeClr val="accent6"/>
-          </a:effectRef>
-          <a:fontRef idx="minor">
-            <a:schemeClr val="dk1"/>
-          </a:fontRef>
-        </p:style>
-        <p:txBody>
-          <a:bodyPr rtlCol="0" anchor="ctr"/>
-          <a:lstStyle/>
-          <a:p>
-            <a:pPr algn="ctr"/>
-            <a:r>
-              <a:rPr lang="en-US" altLang="ja-JP" dirty="0"/>
-              <a:t>(Windows </a:t>
-            </a:r>
-            <a:r>
-              <a:rPr lang="ja-JP" altLang="en-US" dirty="0"/>
-              <a:t>のみ</a:t>
-            </a:r>
-            <a:r>
-              <a:rPr lang="en-US" altLang="ja-JP" dirty="0"/>
-              <a:t>)</a:t>
-            </a:r>
-            <a:r>
-              <a:rPr lang="ja-JP" altLang="en-US" dirty="0"/>
-              <a:t>音声設定</a:t>
-            </a:r>
-            <a:r>
-              <a:rPr kumimoji="1" lang="ja-JP" altLang="en-US" dirty="0"/>
-              <a:t>画面</a:t>
-            </a:r>
-          </a:p>
-        </p:txBody>
-      </p:sp>
-      <p:sp>
-        <p:nvSpPr>
-          <p:cNvPr id="5" name="楕円 4">
-            <a:extLst>
-              <a:ext uri="{FF2B5EF4-FFF2-40B4-BE49-F238E27FC236}">
-                <a16:creationId xmlns:a16="http://schemas.microsoft.com/office/drawing/2014/main" id="{B7241839-DFA3-6712-54BC-3EF846853E09}"/>
-              </a:ext>
-            </a:extLst>
-          </p:cNvPr>
-          <p:cNvSpPr/>
-          <p:nvPr/>
-        </p:nvSpPr>
-        <p:spPr>
-          <a:xfrm>
-            <a:off x="1011810" y="3905748"/>
-            <a:ext cx="1640264" cy="1027521"/>
-          </a:xfrm>
-          <a:prstGeom prst="ellipse">
-            <a:avLst/>
-          </a:prstGeom>
-          <a:ln w="28575">
-            <a:solidFill>
-              <a:schemeClr val="tx1"/>
-            </a:solidFill>
-          </a:ln>
-        </p:spPr>
-        <p:style>
-          <a:lnRef idx="2">
-            <a:schemeClr val="accent6"/>
-          </a:lnRef>
-          <a:fillRef idx="1">
-            <a:schemeClr val="lt1"/>
-          </a:fillRef>
-          <a:effectRef idx="0">
-            <a:schemeClr val="accent6"/>
-          </a:effectRef>
-          <a:fontRef idx="minor">
-            <a:schemeClr val="dk1"/>
-          </a:fontRef>
-        </p:style>
-        <p:txBody>
-          <a:bodyPr rtlCol="0" anchor="ctr"/>
-          <a:lstStyle/>
-          <a:p>
-            <a:pPr algn="ctr"/>
-            <a:r>
-              <a:rPr lang="ja-JP" altLang="en-US" dirty="0"/>
-              <a:t>問題選択</a:t>
-            </a:r>
-            <a:r>
-              <a:rPr kumimoji="1" lang="ja-JP" altLang="en-US" dirty="0"/>
-              <a:t>画面</a:t>
-            </a:r>
-          </a:p>
-        </p:txBody>
-      </p:sp>
-      <p:sp>
-        <p:nvSpPr>
-          <p:cNvPr id="6" name="楕円 5">
-            <a:extLst>
-              <a:ext uri="{FF2B5EF4-FFF2-40B4-BE49-F238E27FC236}">
-                <a16:creationId xmlns:a16="http://schemas.microsoft.com/office/drawing/2014/main" id="{ECF0B877-C8BC-EB03-59A1-6EBB91370F37}"/>
-              </a:ext>
-            </a:extLst>
-          </p:cNvPr>
-          <p:cNvSpPr/>
-          <p:nvPr/>
-        </p:nvSpPr>
-        <p:spPr>
-          <a:xfrm>
-            <a:off x="8898013" y="3923901"/>
-            <a:ext cx="1640264" cy="1027521"/>
-          </a:xfrm>
-          <a:prstGeom prst="ellipse">
-            <a:avLst/>
-          </a:prstGeom>
-          <a:ln w="28575">
-            <a:solidFill>
-              <a:schemeClr val="tx1"/>
-            </a:solidFill>
-          </a:ln>
-        </p:spPr>
-        <p:style>
-          <a:lnRef idx="2">
-            <a:schemeClr val="accent6"/>
-          </a:lnRef>
-          <a:fillRef idx="1">
-            <a:schemeClr val="lt1"/>
-          </a:fillRef>
-          <a:effectRef idx="0">
-            <a:schemeClr val="accent6"/>
-          </a:effectRef>
-          <a:fontRef idx="minor">
-            <a:schemeClr val="dk1"/>
-          </a:fontRef>
-        </p:style>
-        <p:txBody>
-          <a:bodyPr rtlCol="0" anchor="ctr"/>
-          <a:lstStyle/>
-          <a:p>
-            <a:pPr algn="ctr"/>
-            <a:r>
-              <a:rPr kumimoji="1" lang="ja-JP" altLang="en-US" dirty="0"/>
-              <a:t>結果画面</a:t>
-            </a:r>
-          </a:p>
-        </p:txBody>
-      </p:sp>
-      <p:sp>
-        <p:nvSpPr>
-          <p:cNvPr id="7" name="楕円 6">
-            <a:extLst>
-              <a:ext uri="{FF2B5EF4-FFF2-40B4-BE49-F238E27FC236}">
-                <a16:creationId xmlns:a16="http://schemas.microsoft.com/office/drawing/2014/main" id="{BBA5039E-DFFC-2C22-303B-23F4E2CAF39B}"/>
-              </a:ext>
-            </a:extLst>
-          </p:cNvPr>
-          <p:cNvSpPr/>
-          <p:nvPr/>
-        </p:nvSpPr>
-        <p:spPr>
-          <a:xfrm>
-            <a:off x="6372519" y="3923901"/>
-            <a:ext cx="1640264" cy="1027521"/>
-          </a:xfrm>
-          <a:prstGeom prst="ellipse">
-            <a:avLst/>
-          </a:prstGeom>
-          <a:ln w="28575">
-            <a:solidFill>
-              <a:schemeClr val="tx1"/>
-            </a:solidFill>
-          </a:ln>
-        </p:spPr>
-        <p:style>
-          <a:lnRef idx="2">
-            <a:schemeClr val="accent6"/>
-          </a:lnRef>
-          <a:fillRef idx="1">
-            <a:schemeClr val="lt1"/>
-          </a:fillRef>
-          <a:effectRef idx="0">
-            <a:schemeClr val="accent6"/>
-          </a:effectRef>
-          <a:fontRef idx="minor">
-            <a:schemeClr val="dk1"/>
-          </a:fontRef>
-        </p:style>
-        <p:txBody>
-          <a:bodyPr rtlCol="0" anchor="ctr"/>
-          <a:lstStyle/>
-          <a:p>
-            <a:pPr algn="ctr"/>
-            <a:r>
-              <a:rPr lang="ja-JP" altLang="en-US" dirty="0"/>
-              <a:t>正解確認</a:t>
-            </a:r>
-            <a:r>
-              <a:rPr kumimoji="1" lang="ja-JP" altLang="en-US" dirty="0"/>
-              <a:t>画面</a:t>
-            </a:r>
-          </a:p>
-        </p:txBody>
-      </p:sp>
-      <p:sp>
-        <p:nvSpPr>
-          <p:cNvPr id="8" name="楕円 7">
-            <a:extLst>
-              <a:ext uri="{FF2B5EF4-FFF2-40B4-BE49-F238E27FC236}">
-                <a16:creationId xmlns:a16="http://schemas.microsoft.com/office/drawing/2014/main" id="{B552B3A3-A8FA-26C6-2C6A-8698363D668D}"/>
-              </a:ext>
-            </a:extLst>
-          </p:cNvPr>
-          <p:cNvSpPr/>
-          <p:nvPr/>
-        </p:nvSpPr>
-        <p:spPr>
-          <a:xfrm>
-            <a:off x="3566474" y="3923901"/>
-            <a:ext cx="1505147" cy="1027521"/>
-          </a:xfrm>
-          <a:prstGeom prst="ellipse">
-            <a:avLst/>
-          </a:prstGeom>
-          <a:ln w="28575">
-            <a:solidFill>
-              <a:schemeClr val="tx1"/>
-            </a:solidFill>
-          </a:ln>
-        </p:spPr>
-        <p:style>
-          <a:lnRef idx="2">
-            <a:schemeClr val="accent6"/>
-          </a:lnRef>
-          <a:fillRef idx="1">
-            <a:schemeClr val="lt1"/>
-          </a:fillRef>
-          <a:effectRef idx="0">
-            <a:schemeClr val="accent6"/>
-          </a:effectRef>
-          <a:fontRef idx="minor">
-            <a:schemeClr val="dk1"/>
-          </a:fontRef>
-        </p:style>
-        <p:txBody>
-          <a:bodyPr rtlCol="0" anchor="ctr"/>
-          <a:lstStyle/>
-          <a:p>
-            <a:pPr algn="ctr"/>
-            <a:r>
-              <a:rPr lang="ja-JP" altLang="en-US" dirty="0"/>
-              <a:t>クイズ</a:t>
-            </a:r>
-            <a:r>
-              <a:rPr kumimoji="1" lang="ja-JP" altLang="en-US" dirty="0"/>
-              <a:t>画面</a:t>
-            </a:r>
-          </a:p>
-        </p:txBody>
-      </p:sp>
-      <p:cxnSp>
-        <p:nvCxnSpPr>
-          <p:cNvPr id="20" name="コネクタ: 曲線 19">
-            <a:extLst>
-              <a:ext uri="{FF2B5EF4-FFF2-40B4-BE49-F238E27FC236}">
-                <a16:creationId xmlns:a16="http://schemas.microsoft.com/office/drawing/2014/main" id="{11A0BF3F-A699-C20A-8B8A-C21DE6788FE9}"/>
-              </a:ext>
-            </a:extLst>
-          </p:cNvPr>
-          <p:cNvCxnSpPr>
-            <a:cxnSpLocks/>
-            <a:stCxn id="4" idx="5"/>
-            <a:endCxn id="2" idx="3"/>
-          </p:cNvCxnSpPr>
-          <p:nvPr/>
-        </p:nvCxnSpPr>
-        <p:spPr>
-          <a:xfrm rot="16200000" flipH="1">
-            <a:off x="4225262" y="535191"/>
-            <a:ext cx="12700" cy="1871480"/>
-          </a:xfrm>
-          <a:prstGeom prst="curvedConnector3">
-            <a:avLst>
-              <a:gd name="adj1" fmla="val 2984858"/>
-            </a:avLst>
-          </a:prstGeom>
-          <a:ln w="28575">
-            <a:solidFill>
-              <a:schemeClr val="tx1"/>
-            </a:solidFill>
-            <a:tailEnd type="triangle"/>
-          </a:ln>
-        </p:spPr>
-        <p:style>
-          <a:lnRef idx="1">
-            <a:schemeClr val="dk1"/>
-          </a:lnRef>
-          <a:fillRef idx="0">
-            <a:schemeClr val="dk1"/>
-          </a:fillRef>
-          <a:effectRef idx="0">
-            <a:schemeClr val="dk1"/>
-          </a:effectRef>
-          <a:fontRef idx="minor">
-            <a:schemeClr val="tx1"/>
-          </a:fontRef>
-        </p:style>
-      </p:cxnSp>
-      <p:cxnSp>
-        <p:nvCxnSpPr>
-          <p:cNvPr id="22" name="コネクタ: 曲線 21">
-            <a:extLst>
-              <a:ext uri="{FF2B5EF4-FFF2-40B4-BE49-F238E27FC236}">
-                <a16:creationId xmlns:a16="http://schemas.microsoft.com/office/drawing/2014/main" id="{7E114CF6-5A08-FC35-62B8-9187CE8491C0}"/>
-              </a:ext>
-            </a:extLst>
-          </p:cNvPr>
-          <p:cNvCxnSpPr>
-            <a:cxnSpLocks/>
-            <a:stCxn id="2" idx="1"/>
-            <a:endCxn id="4" idx="7"/>
-          </p:cNvCxnSpPr>
-          <p:nvPr/>
-        </p:nvCxnSpPr>
-        <p:spPr>
-          <a:xfrm rot="16200000" flipV="1">
-            <a:off x="4225262" y="-191376"/>
-            <a:ext cx="12700" cy="1871480"/>
-          </a:xfrm>
-          <a:prstGeom prst="curvedConnector3">
-            <a:avLst>
-              <a:gd name="adj1" fmla="val 2984858"/>
-            </a:avLst>
-          </a:prstGeom>
-          <a:ln w="28575">
-            <a:solidFill>
-              <a:schemeClr val="tx1"/>
-            </a:solidFill>
-            <a:tailEnd type="triangle"/>
-          </a:ln>
-        </p:spPr>
-        <p:style>
-          <a:lnRef idx="1">
-            <a:schemeClr val="dk1"/>
-          </a:lnRef>
-          <a:fillRef idx="0">
-            <a:schemeClr val="dk1"/>
-          </a:fillRef>
-          <a:effectRef idx="0">
-            <a:schemeClr val="dk1"/>
-          </a:effectRef>
-          <a:fontRef idx="minor">
-            <a:schemeClr val="tx1"/>
-          </a:fontRef>
-        </p:style>
-      </p:cxnSp>
-      <p:cxnSp>
-        <p:nvCxnSpPr>
-          <p:cNvPr id="25" name="コネクタ: 曲線 24">
-            <a:extLst>
-              <a:ext uri="{FF2B5EF4-FFF2-40B4-BE49-F238E27FC236}">
-                <a16:creationId xmlns:a16="http://schemas.microsoft.com/office/drawing/2014/main" id="{EF22FA37-1BE5-5891-3B31-6CD9560D45D3}"/>
-              </a:ext>
-            </a:extLst>
-          </p:cNvPr>
-          <p:cNvCxnSpPr>
-            <a:cxnSpLocks/>
-            <a:stCxn id="2" idx="5"/>
-            <a:endCxn id="3" idx="3"/>
-          </p:cNvCxnSpPr>
-          <p:nvPr/>
-        </p:nvCxnSpPr>
-        <p:spPr>
-          <a:xfrm rot="5400000" flipH="1" flipV="1">
-            <a:off x="7249225" y="402065"/>
-            <a:ext cx="140485" cy="1997248"/>
-          </a:xfrm>
-          <a:prstGeom prst="curvedConnector3">
-            <a:avLst>
-              <a:gd name="adj1" fmla="val -269835"/>
-            </a:avLst>
-          </a:prstGeom>
-          <a:ln w="28575">
-            <a:solidFill>
-              <a:schemeClr val="tx1"/>
-            </a:solidFill>
-            <a:tailEnd type="triangle"/>
-          </a:ln>
-        </p:spPr>
-        <p:style>
-          <a:lnRef idx="1">
-            <a:schemeClr val="dk1"/>
-          </a:lnRef>
-          <a:fillRef idx="0">
-            <a:schemeClr val="dk1"/>
-          </a:fillRef>
-          <a:effectRef idx="0">
-            <a:schemeClr val="dk1"/>
-          </a:effectRef>
-          <a:fontRef idx="minor">
-            <a:schemeClr val="tx1"/>
-          </a:fontRef>
-        </p:style>
-      </p:cxnSp>
-      <p:cxnSp>
-        <p:nvCxnSpPr>
-          <p:cNvPr id="33" name="コネクタ: 曲線 32">
-            <a:extLst>
-              <a:ext uri="{FF2B5EF4-FFF2-40B4-BE49-F238E27FC236}">
-                <a16:creationId xmlns:a16="http://schemas.microsoft.com/office/drawing/2014/main" id="{0F8D5CC5-AE26-B0CE-C333-99DE63FD22CE}"/>
-              </a:ext>
-            </a:extLst>
-          </p:cNvPr>
-          <p:cNvCxnSpPr>
-            <a:cxnSpLocks/>
-            <a:stCxn id="3" idx="1"/>
-            <a:endCxn id="2" idx="7"/>
-          </p:cNvCxnSpPr>
-          <p:nvPr/>
-        </p:nvCxnSpPr>
-        <p:spPr>
-          <a:xfrm rot="16200000" flipH="1" flipV="1">
-            <a:off x="7249225" y="-324503"/>
-            <a:ext cx="140485" cy="1997248"/>
-          </a:xfrm>
-          <a:prstGeom prst="curvedConnector3">
-            <a:avLst>
-              <a:gd name="adj1" fmla="val -269835"/>
-            </a:avLst>
-          </a:prstGeom>
-          <a:ln w="28575">
-            <a:solidFill>
-              <a:schemeClr val="tx1"/>
-            </a:solidFill>
-            <a:tailEnd type="triangle"/>
-          </a:ln>
-        </p:spPr>
-        <p:style>
-          <a:lnRef idx="1">
-            <a:schemeClr val="dk1"/>
-          </a:lnRef>
-          <a:fillRef idx="0">
-            <a:schemeClr val="dk1"/>
-          </a:fillRef>
-          <a:effectRef idx="0">
-            <a:schemeClr val="dk1"/>
-          </a:effectRef>
-          <a:fontRef idx="minor">
-            <a:schemeClr val="tx1"/>
-          </a:fontRef>
-        </p:style>
-      </p:cxnSp>
-      <p:cxnSp>
-        <p:nvCxnSpPr>
-          <p:cNvPr id="37" name="コネクタ: 曲線 36">
-            <a:extLst>
-              <a:ext uri="{FF2B5EF4-FFF2-40B4-BE49-F238E27FC236}">
-                <a16:creationId xmlns:a16="http://schemas.microsoft.com/office/drawing/2014/main" id="{3BC688B6-FD40-0294-E9A7-E4143E887EBC}"/>
-              </a:ext>
-            </a:extLst>
-          </p:cNvPr>
-          <p:cNvCxnSpPr>
-            <a:cxnSpLocks/>
-            <a:stCxn id="8" idx="5"/>
-            <a:endCxn id="7" idx="3"/>
-          </p:cNvCxnSpPr>
-          <p:nvPr/>
-        </p:nvCxnSpPr>
-        <p:spPr>
-          <a:xfrm rot="16200000" flipH="1">
-            <a:off x="5731963" y="3920178"/>
-            <a:ext cx="12700" cy="1761533"/>
-          </a:xfrm>
-          <a:prstGeom prst="curvedConnector3">
-            <a:avLst>
-              <a:gd name="adj1" fmla="val 2984858"/>
-            </a:avLst>
-          </a:prstGeom>
-          <a:ln w="28575">
-            <a:solidFill>
-              <a:schemeClr val="tx1"/>
-            </a:solidFill>
-            <a:tailEnd type="triangle"/>
-          </a:ln>
-        </p:spPr>
-        <p:style>
-          <a:lnRef idx="1">
-            <a:schemeClr val="dk1"/>
-          </a:lnRef>
-          <a:fillRef idx="0">
-            <a:schemeClr val="dk1"/>
-          </a:fillRef>
-          <a:effectRef idx="0">
-            <a:schemeClr val="dk1"/>
-          </a:effectRef>
-          <a:fontRef idx="minor">
-            <a:schemeClr val="tx1"/>
-          </a:fontRef>
-        </p:style>
-      </p:cxnSp>
-      <p:cxnSp>
-        <p:nvCxnSpPr>
-          <p:cNvPr id="42" name="コネクタ: 曲線 41">
-            <a:extLst>
-              <a:ext uri="{FF2B5EF4-FFF2-40B4-BE49-F238E27FC236}">
-                <a16:creationId xmlns:a16="http://schemas.microsoft.com/office/drawing/2014/main" id="{F76429CE-282C-960B-32E0-ADD809A8A9BE}"/>
-              </a:ext>
-            </a:extLst>
-          </p:cNvPr>
-          <p:cNvCxnSpPr>
-            <a:cxnSpLocks/>
-            <a:stCxn id="7" idx="1"/>
-            <a:endCxn id="8" idx="7"/>
-          </p:cNvCxnSpPr>
-          <p:nvPr/>
-        </p:nvCxnSpPr>
-        <p:spPr>
-          <a:xfrm rot="16200000" flipV="1">
-            <a:off x="5731964" y="3193611"/>
-            <a:ext cx="12700" cy="1761533"/>
-          </a:xfrm>
-          <a:prstGeom prst="curvedConnector3">
-            <a:avLst>
-              <a:gd name="adj1" fmla="val 2984858"/>
-            </a:avLst>
-          </a:prstGeom>
-          <a:ln w="28575">
-            <a:solidFill>
-              <a:schemeClr val="tx1"/>
-            </a:solidFill>
-            <a:tailEnd type="triangle"/>
-          </a:ln>
-        </p:spPr>
-        <p:style>
-          <a:lnRef idx="1">
-            <a:schemeClr val="dk1"/>
-          </a:lnRef>
-          <a:fillRef idx="0">
-            <a:schemeClr val="dk1"/>
-          </a:fillRef>
-          <a:effectRef idx="0">
-            <a:schemeClr val="dk1"/>
-          </a:effectRef>
-          <a:fontRef idx="minor">
-            <a:schemeClr val="tx1"/>
-          </a:fontRef>
-        </p:style>
-      </p:cxnSp>
-      <p:cxnSp>
-        <p:nvCxnSpPr>
-          <p:cNvPr id="46" name="直線矢印コネクタ 45">
-            <a:extLst>
-              <a:ext uri="{FF2B5EF4-FFF2-40B4-BE49-F238E27FC236}">
-                <a16:creationId xmlns:a16="http://schemas.microsoft.com/office/drawing/2014/main" id="{BB928206-F2BD-B8A1-EB8D-7C9DF7F75A75}"/>
-              </a:ext>
-            </a:extLst>
-          </p:cNvPr>
-          <p:cNvCxnSpPr>
-            <a:cxnSpLocks/>
-            <a:stCxn id="2" idx="4"/>
-            <a:endCxn id="5" idx="0"/>
-          </p:cNvCxnSpPr>
-          <p:nvPr/>
-        </p:nvCxnSpPr>
-        <p:spPr>
-          <a:xfrm flipH="1">
-            <a:off x="1831942" y="1621408"/>
-            <a:ext cx="3908981" cy="2284340"/>
-          </a:xfrm>
-          <a:prstGeom prst="straightConnector1">
-            <a:avLst/>
-          </a:prstGeom>
-          <a:ln w="28575">
-            <a:tailEnd type="triangle"/>
-          </a:ln>
-        </p:spPr>
-        <p:style>
-          <a:lnRef idx="1">
-            <a:schemeClr val="dk1"/>
-          </a:lnRef>
-          <a:fillRef idx="0">
-            <a:schemeClr val="dk1"/>
-          </a:fillRef>
-          <a:effectRef idx="0">
-            <a:schemeClr val="dk1"/>
-          </a:effectRef>
-          <a:fontRef idx="minor">
-            <a:schemeClr val="tx1"/>
-          </a:fontRef>
-        </p:style>
-      </p:cxnSp>
-      <p:cxnSp>
-        <p:nvCxnSpPr>
-          <p:cNvPr id="50" name="直線矢印コネクタ 49">
-            <a:extLst>
-              <a:ext uri="{FF2B5EF4-FFF2-40B4-BE49-F238E27FC236}">
-                <a16:creationId xmlns:a16="http://schemas.microsoft.com/office/drawing/2014/main" id="{43A1E541-5E37-4FEA-D7FE-4164054A3E4B}"/>
-              </a:ext>
-            </a:extLst>
-          </p:cNvPr>
-          <p:cNvCxnSpPr>
-            <a:cxnSpLocks/>
-            <a:stCxn id="5" idx="6"/>
-            <a:endCxn id="8" idx="2"/>
-          </p:cNvCxnSpPr>
-          <p:nvPr/>
-        </p:nvCxnSpPr>
-        <p:spPr>
-          <a:xfrm>
-            <a:off x="2652074" y="4419509"/>
-            <a:ext cx="914400" cy="18153"/>
-          </a:xfrm>
-          <a:prstGeom prst="straightConnector1">
-            <a:avLst/>
-          </a:prstGeom>
-          <a:ln w="28575">
-            <a:tailEnd type="triangle"/>
-          </a:ln>
-        </p:spPr>
-        <p:style>
-          <a:lnRef idx="1">
-            <a:schemeClr val="dk1"/>
-          </a:lnRef>
-          <a:fillRef idx="0">
-            <a:schemeClr val="dk1"/>
-          </a:fillRef>
-          <a:effectRef idx="0">
-            <a:schemeClr val="dk1"/>
-          </a:effectRef>
-          <a:fontRef idx="minor">
-            <a:schemeClr val="tx1"/>
-          </a:fontRef>
-        </p:style>
-      </p:cxnSp>
-      <p:cxnSp>
-        <p:nvCxnSpPr>
-          <p:cNvPr id="53" name="直線矢印コネクタ 52">
-            <a:extLst>
-              <a:ext uri="{FF2B5EF4-FFF2-40B4-BE49-F238E27FC236}">
-                <a16:creationId xmlns:a16="http://schemas.microsoft.com/office/drawing/2014/main" id="{9D03604F-AB52-5858-92DC-4D461565D125}"/>
-              </a:ext>
-            </a:extLst>
-          </p:cNvPr>
-          <p:cNvCxnSpPr>
-            <a:cxnSpLocks/>
-            <a:stCxn id="7" idx="6"/>
-            <a:endCxn id="6" idx="2"/>
-          </p:cNvCxnSpPr>
-          <p:nvPr/>
-        </p:nvCxnSpPr>
-        <p:spPr>
-          <a:xfrm>
-            <a:off x="8012783" y="4437662"/>
-            <a:ext cx="885230" cy="0"/>
-          </a:xfrm>
-          <a:prstGeom prst="straightConnector1">
-            <a:avLst/>
-          </a:prstGeom>
-          <a:ln w="28575">
-            <a:tailEnd type="triangle"/>
-          </a:ln>
-        </p:spPr>
-        <p:style>
-          <a:lnRef idx="1">
-            <a:schemeClr val="dk1"/>
-          </a:lnRef>
-          <a:fillRef idx="0">
-            <a:schemeClr val="dk1"/>
-          </a:fillRef>
-          <a:effectRef idx="0">
-            <a:schemeClr val="dk1"/>
-          </a:effectRef>
-          <a:fontRef idx="minor">
-            <a:schemeClr val="tx1"/>
-          </a:fontRef>
-        </p:style>
-      </p:cxnSp>
-      <p:cxnSp>
-        <p:nvCxnSpPr>
-          <p:cNvPr id="56" name="コネクタ: 曲線 55">
-            <a:extLst>
-              <a:ext uri="{FF2B5EF4-FFF2-40B4-BE49-F238E27FC236}">
-                <a16:creationId xmlns:a16="http://schemas.microsoft.com/office/drawing/2014/main" id="{F33D45A3-14C0-805F-1018-BC45CFF56D3B}"/>
-              </a:ext>
-            </a:extLst>
-          </p:cNvPr>
-          <p:cNvCxnSpPr>
-            <a:cxnSpLocks/>
-            <a:stCxn id="6" idx="4"/>
-            <a:endCxn id="5" idx="4"/>
-          </p:cNvCxnSpPr>
-          <p:nvPr/>
-        </p:nvCxnSpPr>
-        <p:spPr>
-          <a:xfrm rot="5400000" flipH="1">
-            <a:off x="5765967" y="999245"/>
-            <a:ext cx="18153" cy="7886203"/>
-          </a:xfrm>
-          <a:prstGeom prst="curvedConnector3">
-            <a:avLst>
-              <a:gd name="adj1" fmla="val -4738589"/>
-            </a:avLst>
-          </a:prstGeom>
-          <a:ln w="28575">
-            <a:solidFill>
-              <a:schemeClr val="tx1"/>
-            </a:solidFill>
-            <a:tailEnd type="triangle"/>
-          </a:ln>
-        </p:spPr>
-        <p:style>
-          <a:lnRef idx="1">
-            <a:schemeClr val="dk1"/>
-          </a:lnRef>
-          <a:fillRef idx="0">
-            <a:schemeClr val="dk1"/>
-          </a:fillRef>
-          <a:effectRef idx="0">
-            <a:schemeClr val="dk1"/>
-          </a:effectRef>
-          <a:fontRef idx="minor">
-            <a:schemeClr val="tx1"/>
-          </a:fontRef>
-        </p:style>
-      </p:cxnSp>
-      <p:cxnSp>
-        <p:nvCxnSpPr>
-          <p:cNvPr id="81" name="直線矢印コネクタ 80">
-            <a:extLst>
-              <a:ext uri="{FF2B5EF4-FFF2-40B4-BE49-F238E27FC236}">
-                <a16:creationId xmlns:a16="http://schemas.microsoft.com/office/drawing/2014/main" id="{8A9655FA-AB0A-75B3-4E3C-08F564738AB1}"/>
-              </a:ext>
-            </a:extLst>
-          </p:cNvPr>
-          <p:cNvCxnSpPr>
-            <a:cxnSpLocks/>
-            <a:stCxn id="6" idx="0"/>
-            <a:endCxn id="2" idx="4"/>
-          </p:cNvCxnSpPr>
-          <p:nvPr/>
-        </p:nvCxnSpPr>
-        <p:spPr>
-          <a:xfrm flipH="1" flipV="1">
-            <a:off x="5740923" y="1621408"/>
-            <a:ext cx="3977222" cy="2302493"/>
-          </a:xfrm>
-          <a:prstGeom prst="straightConnector1">
-            <a:avLst/>
-          </a:prstGeom>
-          <a:ln w="28575">
-            <a:tailEnd type="triangle"/>
-          </a:ln>
-        </p:spPr>
-        <p:style>
-          <a:lnRef idx="1">
-            <a:schemeClr val="dk1"/>
-          </a:lnRef>
-          <a:fillRef idx="0">
-            <a:schemeClr val="dk1"/>
-          </a:fillRef>
-          <a:effectRef idx="0">
-            <a:schemeClr val="dk1"/>
-          </a:effectRef>
-          <a:fontRef idx="minor">
-            <a:schemeClr val="tx1"/>
-          </a:fontRef>
-        </p:style>
-      </p:cxnSp>
-      <p:cxnSp>
-        <p:nvCxnSpPr>
-          <p:cNvPr id="90" name="コネクタ: 曲線 89">
-            <a:extLst>
-              <a:ext uri="{FF2B5EF4-FFF2-40B4-BE49-F238E27FC236}">
-                <a16:creationId xmlns:a16="http://schemas.microsoft.com/office/drawing/2014/main" id="{D79A2586-E404-CDD3-E13C-CD52C0F64CEB}"/>
-              </a:ext>
-            </a:extLst>
-          </p:cNvPr>
-          <p:cNvCxnSpPr>
-            <a:cxnSpLocks/>
-            <a:stCxn id="6" idx="4"/>
-            <a:endCxn id="8" idx="4"/>
-          </p:cNvCxnSpPr>
-          <p:nvPr/>
-        </p:nvCxnSpPr>
-        <p:spPr>
-          <a:xfrm rot="5400000">
-            <a:off x="7018597" y="2251874"/>
-            <a:ext cx="12700" cy="5399097"/>
-          </a:xfrm>
-          <a:prstGeom prst="curvedConnector3">
-            <a:avLst>
-              <a:gd name="adj1" fmla="val 4175260"/>
-            </a:avLst>
-          </a:prstGeom>
-          <a:ln w="28575">
-            <a:solidFill>
-              <a:schemeClr val="tx1"/>
-            </a:solidFill>
-            <a:tailEnd type="triangle"/>
-          </a:ln>
-        </p:spPr>
-        <p:style>
-          <a:lnRef idx="1">
-            <a:schemeClr val="dk1"/>
-          </a:lnRef>
-          <a:fillRef idx="0">
-            <a:schemeClr val="dk1"/>
-          </a:fillRef>
-          <a:effectRef idx="0">
-            <a:schemeClr val="dk1"/>
-          </a:effectRef>
-          <a:fontRef idx="minor">
-            <a:schemeClr val="tx1"/>
-          </a:fontRef>
-        </p:style>
-      </p:cxnSp>
+              <a:t>タイトルへ戻るボタン</a:t>
+            </a:r>
+            <a:endParaRPr kumimoji="1" lang="ja-JP" altLang="en-US" dirty="0"/>
+          </a:p>
+        </p:txBody>
+      </p:sp>
     </p:spTree>
     <p:extLst>
       <p:ext uri="{BB962C8B-B14F-4D97-AF65-F5344CB8AC3E}">
-        <p14:creationId xmlns:p14="http://schemas.microsoft.com/office/powerpoint/2010/main" val="516124947"/>
+        <p14:creationId xmlns:p14="http://schemas.microsoft.com/office/powerpoint/2010/main" val="3648224866"/>
       </p:ext>
     </p:extLst>
   </p:cSld>
@@ -7164,151 +6419,960 @@
       </p:grpSpPr>
       <p:sp>
         <p:nvSpPr>
-          <p:cNvPr id="2" name="テキスト ボックス 1">
-            <a:extLst>
-              <a:ext uri="{FF2B5EF4-FFF2-40B4-BE49-F238E27FC236}">
-                <a16:creationId xmlns:a16="http://schemas.microsoft.com/office/drawing/2014/main" id="{21B82B96-5316-0995-B946-BFDEB437F778}"/>
-              </a:ext>
-            </a:extLst>
-          </p:cNvPr>
-          <p:cNvSpPr txBox="1"/>
+          <p:cNvPr id="2" name="楕円 1">
+            <a:extLst>
+              <a:ext uri="{FF2B5EF4-FFF2-40B4-BE49-F238E27FC236}">
+                <a16:creationId xmlns:a16="http://schemas.microsoft.com/office/drawing/2014/main" id="{39AF3BCB-5E0D-8E5B-DE79-35909C8C0308}"/>
+              </a:ext>
+            </a:extLst>
+          </p:cNvPr>
+          <p:cNvSpPr/>
           <p:nvPr/>
         </p:nvSpPr>
         <p:spPr>
           <a:xfrm>
-            <a:off x="906542" y="1084033"/>
-            <a:ext cx="9725527" cy="5262979"/>
-          </a:xfrm>
-          <a:prstGeom prst="rect">
+            <a:off x="4920791" y="593887"/>
+            <a:ext cx="1640264" cy="1027521"/>
+          </a:xfrm>
+          <a:prstGeom prst="ellipse">
             <a:avLst/>
           </a:prstGeom>
-          <a:noFill/>
-        </p:spPr>
-        <p:txBody>
-          <a:bodyPr wrap="square" rtlCol="0">
-            <a:spAutoFit/>
-          </a:bodyPr>
-          <a:lstStyle/>
-          <a:p>
-            <a:pPr marL="457200" indent="-457200">
-              <a:buFont typeface="Arial" panose="020B0604020202020204" pitchFamily="34" charset="0"/>
-              <a:buChar char="•"/>
-            </a:pPr>
-            <a:r>
-              <a:rPr lang="ja-JP" altLang="en-US" sz="2800" dirty="0"/>
-              <a:t>再配布禁止な音楽素材がプログラム起動時にあるかどうかを判定して、ない場合は音楽をなくす機能</a:t>
-            </a:r>
-            <a:endParaRPr lang="en-US" altLang="ja-JP" sz="2800" dirty="0"/>
-          </a:p>
-          <a:p>
-            <a:pPr marL="457200" indent="-457200">
-              <a:buFont typeface="Arial" panose="020B0604020202020204" pitchFamily="34" charset="0"/>
-              <a:buChar char="•"/>
-            </a:pPr>
-            <a:r>
-              <a:rPr lang="ja-JP" altLang="en-US" sz="2800" dirty="0"/>
-              <a:t>クイズを解くときの音楽の設定（</a:t>
-            </a:r>
-            <a:r>
-              <a:rPr lang="en-US" altLang="ja-JP" sz="2800" dirty="0"/>
-              <a:t>sound</a:t>
-            </a:r>
-            <a:r>
-              <a:rPr lang="ja-JP" altLang="en-US" sz="2800" dirty="0"/>
-              <a:t>フォルダに事前に入れておけば選択できるようにする）</a:t>
-            </a:r>
-            <a:endParaRPr lang="en-US" altLang="ja-JP" sz="2800" dirty="0"/>
-          </a:p>
-          <a:p>
-            <a:pPr marL="457200" indent="-457200">
-              <a:buFont typeface="Arial" panose="020B0604020202020204" pitchFamily="34" charset="0"/>
-              <a:buChar char="•"/>
-            </a:pPr>
-            <a:r>
-              <a:rPr lang="ja-JP" altLang="en-US" sz="2800" dirty="0"/>
-              <a:t>問題文や解説文の大きさに合わせて表の縦幅や横幅を調節できる機能</a:t>
-            </a:r>
-            <a:endParaRPr lang="en-US" altLang="ja-JP" sz="2800" dirty="0"/>
-          </a:p>
-          <a:p>
-            <a:pPr marL="457200" indent="-457200">
-              <a:buFont typeface="Arial" panose="020B0604020202020204" pitchFamily="34" charset="0"/>
-              <a:buChar char="•"/>
-            </a:pPr>
-            <a:r>
-              <a:rPr lang="ja-JP" altLang="en-US" sz="2800" dirty="0"/>
-              <a:t>背景画像の追加</a:t>
-            </a:r>
-            <a:endParaRPr lang="en-US" altLang="ja-JP" sz="2800" dirty="0"/>
-          </a:p>
-          <a:p>
-            <a:pPr marL="457200" indent="-457200">
-              <a:buFont typeface="Arial" panose="020B0604020202020204" pitchFamily="34" charset="0"/>
-              <a:buChar char="•"/>
-            </a:pPr>
-            <a:r>
-              <a:rPr lang="en-US" altLang="ja-JP" sz="2800" dirty="0"/>
-              <a:t>Python </a:t>
-            </a:r>
-            <a:r>
-              <a:rPr lang="ja-JP" altLang="en-US" sz="2800" dirty="0"/>
-              <a:t>の文章の差分を計算するモジュールを用いて、間違い部分だけを赤字で出力する</a:t>
-            </a:r>
-            <a:endParaRPr lang="en-US" altLang="ja-JP" sz="2800" dirty="0"/>
-          </a:p>
-          <a:p>
-            <a:pPr marL="457200" indent="-457200">
-              <a:buFont typeface="Arial" panose="020B0604020202020204" pitchFamily="34" charset="0"/>
-              <a:buChar char="•"/>
-            </a:pPr>
-            <a:r>
-              <a:rPr lang="ja-JP" altLang="en-US" sz="2800" dirty="0"/>
-              <a:t>画面のサイズが動かないように固定する（現状画面ごとにサイズが変わったり、一度マウスでサイズを変えると、そのサイズに固定されたりしている）</a:t>
-            </a:r>
-            <a:endParaRPr lang="en-US" altLang="ja-JP" sz="2800" dirty="0"/>
-          </a:p>
-        </p:txBody>
-      </p:sp>
-      <p:sp>
-        <p:nvSpPr>
-          <p:cNvPr id="3" name="テキスト ボックス 2">
-            <a:extLst>
-              <a:ext uri="{FF2B5EF4-FFF2-40B4-BE49-F238E27FC236}">
-                <a16:creationId xmlns:a16="http://schemas.microsoft.com/office/drawing/2014/main" id="{419620DA-EE65-F488-8D27-C3D68A7FC8E9}"/>
-              </a:ext>
-            </a:extLst>
-          </p:cNvPr>
-          <p:cNvSpPr txBox="1"/>
+          <a:ln w="28575">
+            <a:solidFill>
+              <a:schemeClr val="tx1"/>
+            </a:solidFill>
+          </a:ln>
+        </p:spPr>
+        <p:style>
+          <a:lnRef idx="2">
+            <a:schemeClr val="accent6"/>
+          </a:lnRef>
+          <a:fillRef idx="1">
+            <a:schemeClr val="lt1"/>
+          </a:fillRef>
+          <a:effectRef idx="0">
+            <a:schemeClr val="accent6"/>
+          </a:effectRef>
+          <a:fontRef idx="minor">
+            <a:schemeClr val="dk1"/>
+          </a:fontRef>
+        </p:style>
+        <p:txBody>
+          <a:bodyPr rtlCol="0" anchor="ctr"/>
+          <a:lstStyle/>
+          <a:p>
+            <a:pPr algn="ctr"/>
+            <a:r>
+              <a:rPr kumimoji="1" lang="ja-JP" altLang="en-US" dirty="0"/>
+              <a:t>タイトル画面</a:t>
+            </a:r>
+          </a:p>
+        </p:txBody>
+      </p:sp>
+      <p:sp>
+        <p:nvSpPr>
+          <p:cNvPr id="3" name="楕円 2">
+            <a:extLst>
+              <a:ext uri="{FF2B5EF4-FFF2-40B4-BE49-F238E27FC236}">
+                <a16:creationId xmlns:a16="http://schemas.microsoft.com/office/drawing/2014/main" id="{8EF062F2-90EE-6847-E171-CEF93D24BF97}"/>
+              </a:ext>
+            </a:extLst>
+          </p:cNvPr>
+          <p:cNvSpPr/>
           <p:nvPr/>
         </p:nvSpPr>
         <p:spPr>
           <a:xfrm>
-            <a:off x="489284" y="159792"/>
-            <a:ext cx="5606716" cy="646331"/>
-          </a:xfrm>
-          <a:prstGeom prst="rect">
+            <a:off x="8077881" y="453402"/>
+            <a:ext cx="1640264" cy="1027521"/>
+          </a:xfrm>
+          <a:prstGeom prst="ellipse">
             <a:avLst/>
           </a:prstGeom>
-          <a:noFill/>
-        </p:spPr>
-        <p:txBody>
-          <a:bodyPr wrap="square" rtlCol="0">
-            <a:spAutoFit/>
-          </a:bodyPr>
-          <a:lstStyle/>
-          <a:p>
-            <a:r>
-              <a:rPr kumimoji="1" lang="ja-JP" altLang="en-US" sz="3600" b="1" dirty="0"/>
-              <a:t>欲しい追加機能</a:t>
-            </a:r>
-            <a:endParaRPr kumimoji="1" lang="en-US" altLang="ja-JP" sz="3600" b="1" dirty="0"/>
-          </a:p>
-        </p:txBody>
-      </p:sp>
+          <a:ln w="28575">
+            <a:solidFill>
+              <a:schemeClr val="tx1"/>
+            </a:solidFill>
+          </a:ln>
+        </p:spPr>
+        <p:style>
+          <a:lnRef idx="2">
+            <a:schemeClr val="accent6"/>
+          </a:lnRef>
+          <a:fillRef idx="1">
+            <a:schemeClr val="lt1"/>
+          </a:fillRef>
+          <a:effectRef idx="0">
+            <a:schemeClr val="accent6"/>
+          </a:effectRef>
+          <a:fontRef idx="minor">
+            <a:schemeClr val="dk1"/>
+          </a:fontRef>
+        </p:style>
+        <p:txBody>
+          <a:bodyPr rtlCol="0" anchor="ctr"/>
+          <a:lstStyle/>
+          <a:p>
+            <a:pPr algn="ctr"/>
+            <a:r>
+              <a:rPr lang="ja-JP" altLang="en-US" dirty="0"/>
+              <a:t>ログ</a:t>
+            </a:r>
+            <a:r>
+              <a:rPr kumimoji="1" lang="ja-JP" altLang="en-US" dirty="0"/>
+              <a:t>画面</a:t>
+            </a:r>
+          </a:p>
+        </p:txBody>
+      </p:sp>
+      <p:sp>
+        <p:nvSpPr>
+          <p:cNvPr id="4" name="楕円 3">
+            <a:extLst>
+              <a:ext uri="{FF2B5EF4-FFF2-40B4-BE49-F238E27FC236}">
+                <a16:creationId xmlns:a16="http://schemas.microsoft.com/office/drawing/2014/main" id="{12A27FF8-FA3A-1306-2566-AA803F9AE303}"/>
+              </a:ext>
+            </a:extLst>
+          </p:cNvPr>
+          <p:cNvSpPr/>
+          <p:nvPr/>
+        </p:nvSpPr>
+        <p:spPr>
+          <a:xfrm>
+            <a:off x="1638693" y="593887"/>
+            <a:ext cx="1934066" cy="1027521"/>
+          </a:xfrm>
+          <a:prstGeom prst="ellipse">
+            <a:avLst/>
+          </a:prstGeom>
+          <a:ln w="28575">
+            <a:solidFill>
+              <a:schemeClr val="tx1"/>
+            </a:solidFill>
+          </a:ln>
+        </p:spPr>
+        <p:style>
+          <a:lnRef idx="2">
+            <a:schemeClr val="accent6"/>
+          </a:lnRef>
+          <a:fillRef idx="1">
+            <a:schemeClr val="lt1"/>
+          </a:fillRef>
+          <a:effectRef idx="0">
+            <a:schemeClr val="accent6"/>
+          </a:effectRef>
+          <a:fontRef idx="minor">
+            <a:schemeClr val="dk1"/>
+          </a:fontRef>
+        </p:style>
+        <p:txBody>
+          <a:bodyPr rtlCol="0" anchor="ctr"/>
+          <a:lstStyle/>
+          <a:p>
+            <a:pPr algn="ctr"/>
+            <a:r>
+              <a:rPr lang="en-US" altLang="ja-JP" dirty="0"/>
+              <a:t>(Windows </a:t>
+            </a:r>
+            <a:r>
+              <a:rPr lang="ja-JP" altLang="en-US" dirty="0"/>
+              <a:t>のみ</a:t>
+            </a:r>
+            <a:r>
+              <a:rPr lang="en-US" altLang="ja-JP" dirty="0"/>
+              <a:t>)</a:t>
+            </a:r>
+            <a:r>
+              <a:rPr lang="ja-JP" altLang="en-US" dirty="0"/>
+              <a:t>音声設定</a:t>
+            </a:r>
+            <a:r>
+              <a:rPr kumimoji="1" lang="ja-JP" altLang="en-US" dirty="0"/>
+              <a:t>画面</a:t>
+            </a:r>
+          </a:p>
+        </p:txBody>
+      </p:sp>
+      <p:sp>
+        <p:nvSpPr>
+          <p:cNvPr id="5" name="楕円 4">
+            <a:extLst>
+              <a:ext uri="{FF2B5EF4-FFF2-40B4-BE49-F238E27FC236}">
+                <a16:creationId xmlns:a16="http://schemas.microsoft.com/office/drawing/2014/main" id="{B7241839-DFA3-6712-54BC-3EF846853E09}"/>
+              </a:ext>
+            </a:extLst>
+          </p:cNvPr>
+          <p:cNvSpPr/>
+          <p:nvPr/>
+        </p:nvSpPr>
+        <p:spPr>
+          <a:xfrm>
+            <a:off x="1011810" y="3905748"/>
+            <a:ext cx="1640264" cy="1027521"/>
+          </a:xfrm>
+          <a:prstGeom prst="ellipse">
+            <a:avLst/>
+          </a:prstGeom>
+          <a:ln w="28575">
+            <a:solidFill>
+              <a:schemeClr val="tx1"/>
+            </a:solidFill>
+          </a:ln>
+        </p:spPr>
+        <p:style>
+          <a:lnRef idx="2">
+            <a:schemeClr val="accent6"/>
+          </a:lnRef>
+          <a:fillRef idx="1">
+            <a:schemeClr val="lt1"/>
+          </a:fillRef>
+          <a:effectRef idx="0">
+            <a:schemeClr val="accent6"/>
+          </a:effectRef>
+          <a:fontRef idx="minor">
+            <a:schemeClr val="dk1"/>
+          </a:fontRef>
+        </p:style>
+        <p:txBody>
+          <a:bodyPr rtlCol="0" anchor="ctr"/>
+          <a:lstStyle/>
+          <a:p>
+            <a:pPr algn="ctr"/>
+            <a:r>
+              <a:rPr lang="ja-JP" altLang="en-US" dirty="0"/>
+              <a:t>問題選択</a:t>
+            </a:r>
+            <a:r>
+              <a:rPr kumimoji="1" lang="ja-JP" altLang="en-US" dirty="0"/>
+              <a:t>画面</a:t>
+            </a:r>
+          </a:p>
+        </p:txBody>
+      </p:sp>
+      <p:sp>
+        <p:nvSpPr>
+          <p:cNvPr id="6" name="楕円 5">
+            <a:extLst>
+              <a:ext uri="{FF2B5EF4-FFF2-40B4-BE49-F238E27FC236}">
+                <a16:creationId xmlns:a16="http://schemas.microsoft.com/office/drawing/2014/main" id="{ECF0B877-C8BC-EB03-59A1-6EBB91370F37}"/>
+              </a:ext>
+            </a:extLst>
+          </p:cNvPr>
+          <p:cNvSpPr/>
+          <p:nvPr/>
+        </p:nvSpPr>
+        <p:spPr>
+          <a:xfrm>
+            <a:off x="8898013" y="3923901"/>
+            <a:ext cx="1640264" cy="1027521"/>
+          </a:xfrm>
+          <a:prstGeom prst="ellipse">
+            <a:avLst/>
+          </a:prstGeom>
+          <a:ln w="28575">
+            <a:solidFill>
+              <a:schemeClr val="tx1"/>
+            </a:solidFill>
+          </a:ln>
+        </p:spPr>
+        <p:style>
+          <a:lnRef idx="2">
+            <a:schemeClr val="accent6"/>
+          </a:lnRef>
+          <a:fillRef idx="1">
+            <a:schemeClr val="lt1"/>
+          </a:fillRef>
+          <a:effectRef idx="0">
+            <a:schemeClr val="accent6"/>
+          </a:effectRef>
+          <a:fontRef idx="minor">
+            <a:schemeClr val="dk1"/>
+          </a:fontRef>
+        </p:style>
+        <p:txBody>
+          <a:bodyPr rtlCol="0" anchor="ctr"/>
+          <a:lstStyle/>
+          <a:p>
+            <a:pPr algn="ctr"/>
+            <a:r>
+              <a:rPr kumimoji="1" lang="ja-JP" altLang="en-US" dirty="0"/>
+              <a:t>結果画面</a:t>
+            </a:r>
+          </a:p>
+        </p:txBody>
+      </p:sp>
+      <p:sp>
+        <p:nvSpPr>
+          <p:cNvPr id="7" name="楕円 6">
+            <a:extLst>
+              <a:ext uri="{FF2B5EF4-FFF2-40B4-BE49-F238E27FC236}">
+                <a16:creationId xmlns:a16="http://schemas.microsoft.com/office/drawing/2014/main" id="{BBA5039E-DFFC-2C22-303B-23F4E2CAF39B}"/>
+              </a:ext>
+            </a:extLst>
+          </p:cNvPr>
+          <p:cNvSpPr/>
+          <p:nvPr/>
+        </p:nvSpPr>
+        <p:spPr>
+          <a:xfrm>
+            <a:off x="6372519" y="3923901"/>
+            <a:ext cx="1640264" cy="1027521"/>
+          </a:xfrm>
+          <a:prstGeom prst="ellipse">
+            <a:avLst/>
+          </a:prstGeom>
+          <a:ln w="28575">
+            <a:solidFill>
+              <a:schemeClr val="tx1"/>
+            </a:solidFill>
+          </a:ln>
+        </p:spPr>
+        <p:style>
+          <a:lnRef idx="2">
+            <a:schemeClr val="accent6"/>
+          </a:lnRef>
+          <a:fillRef idx="1">
+            <a:schemeClr val="lt1"/>
+          </a:fillRef>
+          <a:effectRef idx="0">
+            <a:schemeClr val="accent6"/>
+          </a:effectRef>
+          <a:fontRef idx="minor">
+            <a:schemeClr val="dk1"/>
+          </a:fontRef>
+        </p:style>
+        <p:txBody>
+          <a:bodyPr rtlCol="0" anchor="ctr"/>
+          <a:lstStyle/>
+          <a:p>
+            <a:pPr algn="ctr"/>
+            <a:r>
+              <a:rPr lang="ja-JP" altLang="en-US" dirty="0"/>
+              <a:t>正解確認</a:t>
+            </a:r>
+            <a:r>
+              <a:rPr kumimoji="1" lang="ja-JP" altLang="en-US" dirty="0"/>
+              <a:t>画面</a:t>
+            </a:r>
+          </a:p>
+        </p:txBody>
+      </p:sp>
+      <p:sp>
+        <p:nvSpPr>
+          <p:cNvPr id="8" name="楕円 7">
+            <a:extLst>
+              <a:ext uri="{FF2B5EF4-FFF2-40B4-BE49-F238E27FC236}">
+                <a16:creationId xmlns:a16="http://schemas.microsoft.com/office/drawing/2014/main" id="{B552B3A3-A8FA-26C6-2C6A-8698363D668D}"/>
+              </a:ext>
+            </a:extLst>
+          </p:cNvPr>
+          <p:cNvSpPr/>
+          <p:nvPr/>
+        </p:nvSpPr>
+        <p:spPr>
+          <a:xfrm>
+            <a:off x="3566474" y="3923901"/>
+            <a:ext cx="1505147" cy="1027521"/>
+          </a:xfrm>
+          <a:prstGeom prst="ellipse">
+            <a:avLst/>
+          </a:prstGeom>
+          <a:ln w="28575">
+            <a:solidFill>
+              <a:schemeClr val="tx1"/>
+            </a:solidFill>
+          </a:ln>
+        </p:spPr>
+        <p:style>
+          <a:lnRef idx="2">
+            <a:schemeClr val="accent6"/>
+          </a:lnRef>
+          <a:fillRef idx="1">
+            <a:schemeClr val="lt1"/>
+          </a:fillRef>
+          <a:effectRef idx="0">
+            <a:schemeClr val="accent6"/>
+          </a:effectRef>
+          <a:fontRef idx="minor">
+            <a:schemeClr val="dk1"/>
+          </a:fontRef>
+        </p:style>
+        <p:txBody>
+          <a:bodyPr rtlCol="0" anchor="ctr"/>
+          <a:lstStyle/>
+          <a:p>
+            <a:pPr algn="ctr"/>
+            <a:r>
+              <a:rPr lang="ja-JP" altLang="en-US" dirty="0"/>
+              <a:t>クイズ</a:t>
+            </a:r>
+            <a:r>
+              <a:rPr kumimoji="1" lang="ja-JP" altLang="en-US" dirty="0"/>
+              <a:t>画面</a:t>
+            </a:r>
+          </a:p>
+        </p:txBody>
+      </p:sp>
+      <p:cxnSp>
+        <p:nvCxnSpPr>
+          <p:cNvPr id="20" name="コネクタ: 曲線 19">
+            <a:extLst>
+              <a:ext uri="{FF2B5EF4-FFF2-40B4-BE49-F238E27FC236}">
+                <a16:creationId xmlns:a16="http://schemas.microsoft.com/office/drawing/2014/main" id="{11A0BF3F-A699-C20A-8B8A-C21DE6788FE9}"/>
+              </a:ext>
+            </a:extLst>
+          </p:cNvPr>
+          <p:cNvCxnSpPr>
+            <a:cxnSpLocks/>
+            <a:stCxn id="4" idx="5"/>
+            <a:endCxn id="2" idx="3"/>
+          </p:cNvCxnSpPr>
+          <p:nvPr/>
+        </p:nvCxnSpPr>
+        <p:spPr>
+          <a:xfrm rot="16200000" flipH="1">
+            <a:off x="4225262" y="535191"/>
+            <a:ext cx="12700" cy="1871480"/>
+          </a:xfrm>
+          <a:prstGeom prst="curvedConnector3">
+            <a:avLst>
+              <a:gd name="adj1" fmla="val 2984858"/>
+            </a:avLst>
+          </a:prstGeom>
+          <a:ln w="28575">
+            <a:solidFill>
+              <a:schemeClr val="tx1"/>
+            </a:solidFill>
+            <a:tailEnd type="triangle"/>
+          </a:ln>
+        </p:spPr>
+        <p:style>
+          <a:lnRef idx="1">
+            <a:schemeClr val="dk1"/>
+          </a:lnRef>
+          <a:fillRef idx="0">
+            <a:schemeClr val="dk1"/>
+          </a:fillRef>
+          <a:effectRef idx="0">
+            <a:schemeClr val="dk1"/>
+          </a:effectRef>
+          <a:fontRef idx="minor">
+            <a:schemeClr val="tx1"/>
+          </a:fontRef>
+        </p:style>
+      </p:cxnSp>
+      <p:cxnSp>
+        <p:nvCxnSpPr>
+          <p:cNvPr id="22" name="コネクタ: 曲線 21">
+            <a:extLst>
+              <a:ext uri="{FF2B5EF4-FFF2-40B4-BE49-F238E27FC236}">
+                <a16:creationId xmlns:a16="http://schemas.microsoft.com/office/drawing/2014/main" id="{7E114CF6-5A08-FC35-62B8-9187CE8491C0}"/>
+              </a:ext>
+            </a:extLst>
+          </p:cNvPr>
+          <p:cNvCxnSpPr>
+            <a:cxnSpLocks/>
+            <a:stCxn id="2" idx="1"/>
+            <a:endCxn id="4" idx="7"/>
+          </p:cNvCxnSpPr>
+          <p:nvPr/>
+        </p:nvCxnSpPr>
+        <p:spPr>
+          <a:xfrm rot="16200000" flipV="1">
+            <a:off x="4225262" y="-191376"/>
+            <a:ext cx="12700" cy="1871480"/>
+          </a:xfrm>
+          <a:prstGeom prst="curvedConnector3">
+            <a:avLst>
+              <a:gd name="adj1" fmla="val 2984858"/>
+            </a:avLst>
+          </a:prstGeom>
+          <a:ln w="28575">
+            <a:solidFill>
+              <a:schemeClr val="tx1"/>
+            </a:solidFill>
+            <a:tailEnd type="triangle"/>
+          </a:ln>
+        </p:spPr>
+        <p:style>
+          <a:lnRef idx="1">
+            <a:schemeClr val="dk1"/>
+          </a:lnRef>
+          <a:fillRef idx="0">
+            <a:schemeClr val="dk1"/>
+          </a:fillRef>
+          <a:effectRef idx="0">
+            <a:schemeClr val="dk1"/>
+          </a:effectRef>
+          <a:fontRef idx="minor">
+            <a:schemeClr val="tx1"/>
+          </a:fontRef>
+        </p:style>
+      </p:cxnSp>
+      <p:cxnSp>
+        <p:nvCxnSpPr>
+          <p:cNvPr id="25" name="コネクタ: 曲線 24">
+            <a:extLst>
+              <a:ext uri="{FF2B5EF4-FFF2-40B4-BE49-F238E27FC236}">
+                <a16:creationId xmlns:a16="http://schemas.microsoft.com/office/drawing/2014/main" id="{EF22FA37-1BE5-5891-3B31-6CD9560D45D3}"/>
+              </a:ext>
+            </a:extLst>
+          </p:cNvPr>
+          <p:cNvCxnSpPr>
+            <a:cxnSpLocks/>
+            <a:stCxn id="2" idx="5"/>
+            <a:endCxn id="3" idx="3"/>
+          </p:cNvCxnSpPr>
+          <p:nvPr/>
+        </p:nvCxnSpPr>
+        <p:spPr>
+          <a:xfrm rot="5400000" flipH="1" flipV="1">
+            <a:off x="7249225" y="402065"/>
+            <a:ext cx="140485" cy="1997248"/>
+          </a:xfrm>
+          <a:prstGeom prst="curvedConnector3">
+            <a:avLst>
+              <a:gd name="adj1" fmla="val -269835"/>
+            </a:avLst>
+          </a:prstGeom>
+          <a:ln w="28575">
+            <a:solidFill>
+              <a:schemeClr val="tx1"/>
+            </a:solidFill>
+            <a:tailEnd type="triangle"/>
+          </a:ln>
+        </p:spPr>
+        <p:style>
+          <a:lnRef idx="1">
+            <a:schemeClr val="dk1"/>
+          </a:lnRef>
+          <a:fillRef idx="0">
+            <a:schemeClr val="dk1"/>
+          </a:fillRef>
+          <a:effectRef idx="0">
+            <a:schemeClr val="dk1"/>
+          </a:effectRef>
+          <a:fontRef idx="minor">
+            <a:schemeClr val="tx1"/>
+          </a:fontRef>
+        </p:style>
+      </p:cxnSp>
+      <p:cxnSp>
+        <p:nvCxnSpPr>
+          <p:cNvPr id="33" name="コネクタ: 曲線 32">
+            <a:extLst>
+              <a:ext uri="{FF2B5EF4-FFF2-40B4-BE49-F238E27FC236}">
+                <a16:creationId xmlns:a16="http://schemas.microsoft.com/office/drawing/2014/main" id="{0F8D5CC5-AE26-B0CE-C333-99DE63FD22CE}"/>
+              </a:ext>
+            </a:extLst>
+          </p:cNvPr>
+          <p:cNvCxnSpPr>
+            <a:cxnSpLocks/>
+            <a:stCxn id="3" idx="1"/>
+            <a:endCxn id="2" idx="7"/>
+          </p:cNvCxnSpPr>
+          <p:nvPr/>
+        </p:nvCxnSpPr>
+        <p:spPr>
+          <a:xfrm rot="16200000" flipH="1" flipV="1">
+            <a:off x="7249225" y="-324503"/>
+            <a:ext cx="140485" cy="1997248"/>
+          </a:xfrm>
+          <a:prstGeom prst="curvedConnector3">
+            <a:avLst>
+              <a:gd name="adj1" fmla="val -269835"/>
+            </a:avLst>
+          </a:prstGeom>
+          <a:ln w="28575">
+            <a:solidFill>
+              <a:schemeClr val="tx1"/>
+            </a:solidFill>
+            <a:tailEnd type="triangle"/>
+          </a:ln>
+        </p:spPr>
+        <p:style>
+          <a:lnRef idx="1">
+            <a:schemeClr val="dk1"/>
+          </a:lnRef>
+          <a:fillRef idx="0">
+            <a:schemeClr val="dk1"/>
+          </a:fillRef>
+          <a:effectRef idx="0">
+            <a:schemeClr val="dk1"/>
+          </a:effectRef>
+          <a:fontRef idx="minor">
+            <a:schemeClr val="tx1"/>
+          </a:fontRef>
+        </p:style>
+      </p:cxnSp>
+      <p:cxnSp>
+        <p:nvCxnSpPr>
+          <p:cNvPr id="37" name="コネクタ: 曲線 36">
+            <a:extLst>
+              <a:ext uri="{FF2B5EF4-FFF2-40B4-BE49-F238E27FC236}">
+                <a16:creationId xmlns:a16="http://schemas.microsoft.com/office/drawing/2014/main" id="{3BC688B6-FD40-0294-E9A7-E4143E887EBC}"/>
+              </a:ext>
+            </a:extLst>
+          </p:cNvPr>
+          <p:cNvCxnSpPr>
+            <a:cxnSpLocks/>
+            <a:stCxn id="8" idx="5"/>
+            <a:endCxn id="7" idx="3"/>
+          </p:cNvCxnSpPr>
+          <p:nvPr/>
+        </p:nvCxnSpPr>
+        <p:spPr>
+          <a:xfrm rot="16200000" flipH="1">
+            <a:off x="5731963" y="3920178"/>
+            <a:ext cx="12700" cy="1761533"/>
+          </a:xfrm>
+          <a:prstGeom prst="curvedConnector3">
+            <a:avLst>
+              <a:gd name="adj1" fmla="val 2984858"/>
+            </a:avLst>
+          </a:prstGeom>
+          <a:ln w="28575">
+            <a:solidFill>
+              <a:schemeClr val="tx1"/>
+            </a:solidFill>
+            <a:tailEnd type="triangle"/>
+          </a:ln>
+        </p:spPr>
+        <p:style>
+          <a:lnRef idx="1">
+            <a:schemeClr val="dk1"/>
+          </a:lnRef>
+          <a:fillRef idx="0">
+            <a:schemeClr val="dk1"/>
+          </a:fillRef>
+          <a:effectRef idx="0">
+            <a:schemeClr val="dk1"/>
+          </a:effectRef>
+          <a:fontRef idx="minor">
+            <a:schemeClr val="tx1"/>
+          </a:fontRef>
+        </p:style>
+      </p:cxnSp>
+      <p:cxnSp>
+        <p:nvCxnSpPr>
+          <p:cNvPr id="42" name="コネクタ: 曲線 41">
+            <a:extLst>
+              <a:ext uri="{FF2B5EF4-FFF2-40B4-BE49-F238E27FC236}">
+                <a16:creationId xmlns:a16="http://schemas.microsoft.com/office/drawing/2014/main" id="{F76429CE-282C-960B-32E0-ADD809A8A9BE}"/>
+              </a:ext>
+            </a:extLst>
+          </p:cNvPr>
+          <p:cNvCxnSpPr>
+            <a:cxnSpLocks/>
+            <a:stCxn id="7" idx="1"/>
+            <a:endCxn id="8" idx="7"/>
+          </p:cNvCxnSpPr>
+          <p:nvPr/>
+        </p:nvCxnSpPr>
+        <p:spPr>
+          <a:xfrm rot="16200000" flipV="1">
+            <a:off x="5731964" y="3193611"/>
+            <a:ext cx="12700" cy="1761533"/>
+          </a:xfrm>
+          <a:prstGeom prst="curvedConnector3">
+            <a:avLst>
+              <a:gd name="adj1" fmla="val 2984858"/>
+            </a:avLst>
+          </a:prstGeom>
+          <a:ln w="28575">
+            <a:solidFill>
+              <a:schemeClr val="tx1"/>
+            </a:solidFill>
+            <a:tailEnd type="triangle"/>
+          </a:ln>
+        </p:spPr>
+        <p:style>
+          <a:lnRef idx="1">
+            <a:schemeClr val="dk1"/>
+          </a:lnRef>
+          <a:fillRef idx="0">
+            <a:schemeClr val="dk1"/>
+          </a:fillRef>
+          <a:effectRef idx="0">
+            <a:schemeClr val="dk1"/>
+          </a:effectRef>
+          <a:fontRef idx="minor">
+            <a:schemeClr val="tx1"/>
+          </a:fontRef>
+        </p:style>
+      </p:cxnSp>
+      <p:cxnSp>
+        <p:nvCxnSpPr>
+          <p:cNvPr id="46" name="直線矢印コネクタ 45">
+            <a:extLst>
+              <a:ext uri="{FF2B5EF4-FFF2-40B4-BE49-F238E27FC236}">
+                <a16:creationId xmlns:a16="http://schemas.microsoft.com/office/drawing/2014/main" id="{BB928206-F2BD-B8A1-EB8D-7C9DF7F75A75}"/>
+              </a:ext>
+            </a:extLst>
+          </p:cNvPr>
+          <p:cNvCxnSpPr>
+            <a:cxnSpLocks/>
+            <a:stCxn id="2" idx="4"/>
+            <a:endCxn id="5" idx="0"/>
+          </p:cNvCxnSpPr>
+          <p:nvPr/>
+        </p:nvCxnSpPr>
+        <p:spPr>
+          <a:xfrm flipH="1">
+            <a:off x="1831942" y="1621408"/>
+            <a:ext cx="3908981" cy="2284340"/>
+          </a:xfrm>
+          <a:prstGeom prst="straightConnector1">
+            <a:avLst/>
+          </a:prstGeom>
+          <a:ln w="28575">
+            <a:tailEnd type="triangle"/>
+          </a:ln>
+        </p:spPr>
+        <p:style>
+          <a:lnRef idx="1">
+            <a:schemeClr val="dk1"/>
+          </a:lnRef>
+          <a:fillRef idx="0">
+            <a:schemeClr val="dk1"/>
+          </a:fillRef>
+          <a:effectRef idx="0">
+            <a:schemeClr val="dk1"/>
+          </a:effectRef>
+          <a:fontRef idx="minor">
+            <a:schemeClr val="tx1"/>
+          </a:fontRef>
+        </p:style>
+      </p:cxnSp>
+      <p:cxnSp>
+        <p:nvCxnSpPr>
+          <p:cNvPr id="50" name="直線矢印コネクタ 49">
+            <a:extLst>
+              <a:ext uri="{FF2B5EF4-FFF2-40B4-BE49-F238E27FC236}">
+                <a16:creationId xmlns:a16="http://schemas.microsoft.com/office/drawing/2014/main" id="{43A1E541-5E37-4FEA-D7FE-4164054A3E4B}"/>
+              </a:ext>
+            </a:extLst>
+          </p:cNvPr>
+          <p:cNvCxnSpPr>
+            <a:cxnSpLocks/>
+            <a:stCxn id="5" idx="6"/>
+            <a:endCxn id="8" idx="2"/>
+          </p:cNvCxnSpPr>
+          <p:nvPr/>
+        </p:nvCxnSpPr>
+        <p:spPr>
+          <a:xfrm>
+            <a:off x="2652074" y="4419509"/>
+            <a:ext cx="914400" cy="18153"/>
+          </a:xfrm>
+          <a:prstGeom prst="straightConnector1">
+            <a:avLst/>
+          </a:prstGeom>
+          <a:ln w="28575">
+            <a:tailEnd type="triangle"/>
+          </a:ln>
+        </p:spPr>
+        <p:style>
+          <a:lnRef idx="1">
+            <a:schemeClr val="dk1"/>
+          </a:lnRef>
+          <a:fillRef idx="0">
+            <a:schemeClr val="dk1"/>
+          </a:fillRef>
+          <a:effectRef idx="0">
+            <a:schemeClr val="dk1"/>
+          </a:effectRef>
+          <a:fontRef idx="minor">
+            <a:schemeClr val="tx1"/>
+          </a:fontRef>
+        </p:style>
+      </p:cxnSp>
+      <p:cxnSp>
+        <p:nvCxnSpPr>
+          <p:cNvPr id="53" name="直線矢印コネクタ 52">
+            <a:extLst>
+              <a:ext uri="{FF2B5EF4-FFF2-40B4-BE49-F238E27FC236}">
+                <a16:creationId xmlns:a16="http://schemas.microsoft.com/office/drawing/2014/main" id="{9D03604F-AB52-5858-92DC-4D461565D125}"/>
+              </a:ext>
+            </a:extLst>
+          </p:cNvPr>
+          <p:cNvCxnSpPr>
+            <a:cxnSpLocks/>
+            <a:stCxn id="7" idx="6"/>
+            <a:endCxn id="6" idx="2"/>
+          </p:cNvCxnSpPr>
+          <p:nvPr/>
+        </p:nvCxnSpPr>
+        <p:spPr>
+          <a:xfrm>
+            <a:off x="8012783" y="4437662"/>
+            <a:ext cx="885230" cy="0"/>
+          </a:xfrm>
+          <a:prstGeom prst="straightConnector1">
+            <a:avLst/>
+          </a:prstGeom>
+          <a:ln w="28575">
+            <a:tailEnd type="triangle"/>
+          </a:ln>
+        </p:spPr>
+        <p:style>
+          <a:lnRef idx="1">
+            <a:schemeClr val="dk1"/>
+          </a:lnRef>
+          <a:fillRef idx="0">
+            <a:schemeClr val="dk1"/>
+          </a:fillRef>
+          <a:effectRef idx="0">
+            <a:schemeClr val="dk1"/>
+          </a:effectRef>
+          <a:fontRef idx="minor">
+            <a:schemeClr val="tx1"/>
+          </a:fontRef>
+        </p:style>
+      </p:cxnSp>
+      <p:cxnSp>
+        <p:nvCxnSpPr>
+          <p:cNvPr id="56" name="コネクタ: 曲線 55">
+            <a:extLst>
+              <a:ext uri="{FF2B5EF4-FFF2-40B4-BE49-F238E27FC236}">
+                <a16:creationId xmlns:a16="http://schemas.microsoft.com/office/drawing/2014/main" id="{F33D45A3-14C0-805F-1018-BC45CFF56D3B}"/>
+              </a:ext>
+            </a:extLst>
+          </p:cNvPr>
+          <p:cNvCxnSpPr>
+            <a:cxnSpLocks/>
+            <a:stCxn id="6" idx="4"/>
+            <a:endCxn id="5" idx="4"/>
+          </p:cNvCxnSpPr>
+          <p:nvPr/>
+        </p:nvCxnSpPr>
+        <p:spPr>
+          <a:xfrm rot="5400000" flipH="1">
+            <a:off x="5765967" y="999245"/>
+            <a:ext cx="18153" cy="7886203"/>
+          </a:xfrm>
+          <a:prstGeom prst="curvedConnector3">
+            <a:avLst>
+              <a:gd name="adj1" fmla="val -4738589"/>
+            </a:avLst>
+          </a:prstGeom>
+          <a:ln w="28575">
+            <a:solidFill>
+              <a:schemeClr val="tx1"/>
+            </a:solidFill>
+            <a:tailEnd type="triangle"/>
+          </a:ln>
+        </p:spPr>
+        <p:style>
+          <a:lnRef idx="1">
+            <a:schemeClr val="dk1"/>
+          </a:lnRef>
+          <a:fillRef idx="0">
+            <a:schemeClr val="dk1"/>
+          </a:fillRef>
+          <a:effectRef idx="0">
+            <a:schemeClr val="dk1"/>
+          </a:effectRef>
+          <a:fontRef idx="minor">
+            <a:schemeClr val="tx1"/>
+          </a:fontRef>
+        </p:style>
+      </p:cxnSp>
+      <p:cxnSp>
+        <p:nvCxnSpPr>
+          <p:cNvPr id="81" name="直線矢印コネクタ 80">
+            <a:extLst>
+              <a:ext uri="{FF2B5EF4-FFF2-40B4-BE49-F238E27FC236}">
+                <a16:creationId xmlns:a16="http://schemas.microsoft.com/office/drawing/2014/main" id="{8A9655FA-AB0A-75B3-4E3C-08F564738AB1}"/>
+              </a:ext>
+            </a:extLst>
+          </p:cNvPr>
+          <p:cNvCxnSpPr>
+            <a:cxnSpLocks/>
+            <a:stCxn id="6" idx="0"/>
+            <a:endCxn id="2" idx="4"/>
+          </p:cNvCxnSpPr>
+          <p:nvPr/>
+        </p:nvCxnSpPr>
+        <p:spPr>
+          <a:xfrm flipH="1" flipV="1">
+            <a:off x="5740923" y="1621408"/>
+            <a:ext cx="3977222" cy="2302493"/>
+          </a:xfrm>
+          <a:prstGeom prst="straightConnector1">
+            <a:avLst/>
+          </a:prstGeom>
+          <a:ln w="28575">
+            <a:tailEnd type="triangle"/>
+          </a:ln>
+        </p:spPr>
+        <p:style>
+          <a:lnRef idx="1">
+            <a:schemeClr val="dk1"/>
+          </a:lnRef>
+          <a:fillRef idx="0">
+            <a:schemeClr val="dk1"/>
+          </a:fillRef>
+          <a:effectRef idx="0">
+            <a:schemeClr val="dk1"/>
+          </a:effectRef>
+          <a:fontRef idx="minor">
+            <a:schemeClr val="tx1"/>
+          </a:fontRef>
+        </p:style>
+      </p:cxnSp>
+      <p:cxnSp>
+        <p:nvCxnSpPr>
+          <p:cNvPr id="90" name="コネクタ: 曲線 89">
+            <a:extLst>
+              <a:ext uri="{FF2B5EF4-FFF2-40B4-BE49-F238E27FC236}">
+                <a16:creationId xmlns:a16="http://schemas.microsoft.com/office/drawing/2014/main" id="{D79A2586-E404-CDD3-E13C-CD52C0F64CEB}"/>
+              </a:ext>
+            </a:extLst>
+          </p:cNvPr>
+          <p:cNvCxnSpPr>
+            <a:cxnSpLocks/>
+            <a:stCxn id="6" idx="4"/>
+            <a:endCxn id="8" idx="4"/>
+          </p:cNvCxnSpPr>
+          <p:nvPr/>
+        </p:nvCxnSpPr>
+        <p:spPr>
+          <a:xfrm rot="5400000">
+            <a:off x="7018597" y="2251874"/>
+            <a:ext cx="12700" cy="5399097"/>
+          </a:xfrm>
+          <a:prstGeom prst="curvedConnector3">
+            <a:avLst>
+              <a:gd name="adj1" fmla="val 4175260"/>
+            </a:avLst>
+          </a:prstGeom>
+          <a:ln w="28575">
+            <a:solidFill>
+              <a:schemeClr val="tx1"/>
+            </a:solidFill>
+            <a:tailEnd type="triangle"/>
+          </a:ln>
+        </p:spPr>
+        <p:style>
+          <a:lnRef idx="1">
+            <a:schemeClr val="dk1"/>
+          </a:lnRef>
+          <a:fillRef idx="0">
+            <a:schemeClr val="dk1"/>
+          </a:fillRef>
+          <a:effectRef idx="0">
+            <a:schemeClr val="dk1"/>
+          </a:effectRef>
+          <a:fontRef idx="minor">
+            <a:schemeClr val="tx1"/>
+          </a:fontRef>
+        </p:style>
+      </p:cxnSp>
     </p:spTree>
     <p:extLst>
       <p:ext uri="{BB962C8B-B14F-4D97-AF65-F5344CB8AC3E}">
-        <p14:creationId xmlns:p14="http://schemas.microsoft.com/office/powerpoint/2010/main" val="4286174900"/>
+        <p14:creationId xmlns:p14="http://schemas.microsoft.com/office/powerpoint/2010/main" val="516124947"/>
       </p:ext>
     </p:extLst>
   </p:cSld>
@@ -7340,7 +7404,7 @@
           <p:cNvPr id="2" name="テキスト ボックス 1">
             <a:extLst>
               <a:ext uri="{FF2B5EF4-FFF2-40B4-BE49-F238E27FC236}">
-                <a16:creationId xmlns:a16="http://schemas.microsoft.com/office/drawing/2014/main" id="{A2570873-832A-7AA0-07EA-7B2F02CDE8BD}"/>
+                <a16:creationId xmlns:a16="http://schemas.microsoft.com/office/drawing/2014/main" id="{21B82B96-5316-0995-B946-BFDEB437F778}"/>
               </a:ext>
             </a:extLst>
           </p:cNvPr>
@@ -7349,8 +7413,8 @@
         </p:nvSpPr>
         <p:spPr>
           <a:xfrm>
-            <a:off x="1066799" y="659413"/>
-            <a:ext cx="5606716" cy="646331"/>
+            <a:off x="906542" y="1084033"/>
+            <a:ext cx="9725527" cy="5262979"/>
           </a:xfrm>
           <a:prstGeom prst="rect">
             <a:avLst/>
@@ -7363,11 +7427,82 @@
           </a:bodyPr>
           <a:lstStyle/>
           <a:p>
-            <a:r>
-              <a:rPr kumimoji="1" lang="ja-JP" altLang="en-US" sz="3600" b="1" dirty="0"/>
-              <a:t>欲しいクイズ（静的）</a:t>
-            </a:r>
-            <a:endParaRPr kumimoji="1" lang="en-US" altLang="ja-JP" sz="3600" b="1" dirty="0"/>
+            <a:pPr marL="457200" indent="-457200">
+              <a:buFont typeface="Arial" panose="020B0604020202020204" pitchFamily="34" charset="0"/>
+              <a:buChar char="•"/>
+            </a:pPr>
+            <a:r>
+              <a:rPr lang="ja-JP" altLang="en-US" sz="2800" dirty="0"/>
+              <a:t>再配布禁止な音楽素材がプログラム起動時にあるかどうかを判定して、ない場合は音楽をなくす機能</a:t>
+            </a:r>
+            <a:endParaRPr lang="en-US" altLang="ja-JP" sz="2800" dirty="0"/>
+          </a:p>
+          <a:p>
+            <a:pPr marL="457200" indent="-457200">
+              <a:buFont typeface="Arial" panose="020B0604020202020204" pitchFamily="34" charset="0"/>
+              <a:buChar char="•"/>
+            </a:pPr>
+            <a:r>
+              <a:rPr lang="ja-JP" altLang="en-US" sz="2800" dirty="0"/>
+              <a:t>クイズを解くときの音楽の設定（</a:t>
+            </a:r>
+            <a:r>
+              <a:rPr lang="en-US" altLang="ja-JP" sz="2800" dirty="0"/>
+              <a:t>sound</a:t>
+            </a:r>
+            <a:r>
+              <a:rPr lang="ja-JP" altLang="en-US" sz="2800" dirty="0"/>
+              <a:t>フォルダに事前に入れておけば選択できるようにする）</a:t>
+            </a:r>
+            <a:endParaRPr lang="en-US" altLang="ja-JP" sz="2800" dirty="0"/>
+          </a:p>
+          <a:p>
+            <a:pPr marL="457200" indent="-457200">
+              <a:buFont typeface="Arial" panose="020B0604020202020204" pitchFamily="34" charset="0"/>
+              <a:buChar char="•"/>
+            </a:pPr>
+            <a:r>
+              <a:rPr lang="ja-JP" altLang="en-US" sz="2800" dirty="0"/>
+              <a:t>問題文や解説文の大きさに合わせて表の縦幅や横幅を調節できる機能</a:t>
+            </a:r>
+            <a:endParaRPr lang="en-US" altLang="ja-JP" sz="2800" dirty="0"/>
+          </a:p>
+          <a:p>
+            <a:pPr marL="457200" indent="-457200">
+              <a:buFont typeface="Arial" panose="020B0604020202020204" pitchFamily="34" charset="0"/>
+              <a:buChar char="•"/>
+            </a:pPr>
+            <a:r>
+              <a:rPr lang="ja-JP" altLang="en-US" sz="2800" dirty="0"/>
+              <a:t>背景画像の追加</a:t>
+            </a:r>
+            <a:endParaRPr lang="en-US" altLang="ja-JP" sz="2800" dirty="0"/>
+          </a:p>
+          <a:p>
+            <a:pPr marL="457200" indent="-457200">
+              <a:buFont typeface="Arial" panose="020B0604020202020204" pitchFamily="34" charset="0"/>
+              <a:buChar char="•"/>
+            </a:pPr>
+            <a:r>
+              <a:rPr lang="en-US" altLang="ja-JP" sz="2800" dirty="0"/>
+              <a:t>Python </a:t>
+            </a:r>
+            <a:r>
+              <a:rPr lang="ja-JP" altLang="en-US" sz="2800" dirty="0"/>
+              <a:t>の文章の差分を計算するモジュールを用いて、間違い部分だけを赤字で出力する</a:t>
+            </a:r>
+            <a:endParaRPr lang="en-US" altLang="ja-JP" sz="2800" dirty="0"/>
+          </a:p>
+          <a:p>
+            <a:pPr marL="457200" indent="-457200">
+              <a:buFont typeface="Arial" panose="020B0604020202020204" pitchFamily="34" charset="0"/>
+              <a:buChar char="•"/>
+            </a:pPr>
+            <a:r>
+              <a:rPr lang="ja-JP" altLang="en-US" sz="2800" dirty="0"/>
+              <a:t>画面のサイズが動かないように固定する（現状画面ごとにサイズが変わったり、一度マウスでサイズを変えると、そのサイズに固定されたりしている）</a:t>
+            </a:r>
+            <a:endParaRPr lang="en-US" altLang="ja-JP" sz="2800" dirty="0"/>
           </a:p>
         </p:txBody>
       </p:sp>
@@ -7376,7 +7511,7 @@
           <p:cNvPr id="3" name="テキスト ボックス 2">
             <a:extLst>
               <a:ext uri="{FF2B5EF4-FFF2-40B4-BE49-F238E27FC236}">
-                <a16:creationId xmlns:a16="http://schemas.microsoft.com/office/drawing/2014/main" id="{11D084A0-FE85-A088-F6B2-3FC118518D1A}"/>
+                <a16:creationId xmlns:a16="http://schemas.microsoft.com/office/drawing/2014/main" id="{419620DA-EE65-F488-8D27-C3D68A7FC8E9}"/>
               </a:ext>
             </a:extLst>
           </p:cNvPr>
@@ -7385,8 +7520,8 @@
         </p:nvSpPr>
         <p:spPr>
           <a:xfrm>
-            <a:off x="1066798" y="1517666"/>
-            <a:ext cx="9725527" cy="3970318"/>
+            <a:off x="489284" y="159792"/>
+            <a:ext cx="5606716" cy="646331"/>
           </a:xfrm>
           <a:prstGeom prst="rect">
             <a:avLst/>
@@ -7399,123 +7534,18 @@
           </a:bodyPr>
           <a:lstStyle/>
           <a:p>
-            <a:pPr marL="457200" indent="-457200">
-              <a:buFont typeface="Arial" panose="020B0604020202020204" pitchFamily="34" charset="0"/>
-              <a:buChar char="•"/>
-            </a:pPr>
-            <a:r>
-              <a:rPr kumimoji="1" lang="en-US" altLang="ja-JP" sz="2800" dirty="0"/>
-              <a:t>Hallo world </a:t>
-            </a:r>
-            <a:r>
-              <a:rPr kumimoji="1" lang="ja-JP" altLang="en-US" sz="2800" dirty="0"/>
-              <a:t>のサンプルコードを見せて、プログラミング言語を当てるクイズ</a:t>
-            </a:r>
-            <a:endParaRPr kumimoji="1" lang="en-US" altLang="ja-JP" sz="2800" dirty="0"/>
-          </a:p>
-          <a:p>
-            <a:pPr marL="457200" indent="-457200">
-              <a:buFont typeface="Arial" panose="020B0604020202020204" pitchFamily="34" charset="0"/>
-              <a:buChar char="•"/>
-            </a:pPr>
-            <a:r>
-              <a:rPr lang="ja-JP" altLang="en-US" sz="2800" dirty="0"/>
-              <a:t>世界の首都 </a:t>
-            </a:r>
-            <a:r>
-              <a:rPr lang="en-US" altLang="ja-JP" sz="2800" dirty="0" err="1"/>
-              <a:t>CapitalQuizzes</a:t>
-            </a:r>
-            <a:endParaRPr lang="en-US" altLang="ja-JP" sz="2800" dirty="0"/>
-          </a:p>
-          <a:p>
-            <a:pPr marL="457200" indent="-457200">
-              <a:buFont typeface="Arial" panose="020B0604020202020204" pitchFamily="34" charset="0"/>
-              <a:buChar char="•"/>
-            </a:pPr>
-            <a:r>
-              <a:rPr lang="ja-JP" altLang="en-US" sz="2800" dirty="0"/>
-              <a:t>言語当てクイズ </a:t>
-            </a:r>
-            <a:r>
-              <a:rPr lang="en-US" altLang="ja-JP" sz="2800" dirty="0" err="1"/>
-              <a:t>LanguageQuizzes</a:t>
-            </a:r>
-            <a:endParaRPr lang="en-US" altLang="ja-JP" sz="2800" dirty="0"/>
-          </a:p>
-          <a:p>
-            <a:pPr marL="457200" indent="-457200">
-              <a:buFont typeface="Arial" panose="020B0604020202020204" pitchFamily="34" charset="0"/>
-              <a:buChar char="•"/>
-            </a:pPr>
-            <a:r>
-              <a:rPr lang="ja-JP" altLang="en-US" sz="2800" dirty="0"/>
-              <a:t>歴史的事象の年代クイズ </a:t>
-            </a:r>
-            <a:r>
-              <a:rPr lang="en-US" altLang="ja-JP" sz="2800" dirty="0" err="1"/>
-              <a:t>HistoricalEventsQuizzes</a:t>
-            </a:r>
-            <a:endParaRPr lang="en-US" altLang="ja-JP" sz="2800" dirty="0"/>
-          </a:p>
-          <a:p>
-            <a:pPr marL="457200" indent="-457200">
-              <a:buFont typeface="Arial" panose="020B0604020202020204" pitchFamily="34" charset="0"/>
-              <a:buChar char="•"/>
-            </a:pPr>
-            <a:r>
-              <a:rPr lang="ja-JP" altLang="en-US" sz="2800" dirty="0"/>
-              <a:t>元素記号の名前クイズ </a:t>
-            </a:r>
-            <a:r>
-              <a:rPr lang="en-US" altLang="ja-JP" sz="2800" dirty="0" err="1"/>
-              <a:t>ElementSymbolQuiz</a:t>
-            </a:r>
-            <a:endParaRPr lang="en-US" altLang="ja-JP" sz="2800" dirty="0"/>
-          </a:p>
-          <a:p>
-            <a:pPr marL="457200" indent="-457200">
-              <a:buFont typeface="Arial" panose="020B0604020202020204" pitchFamily="34" charset="0"/>
-              <a:buChar char="•"/>
-            </a:pPr>
-            <a:r>
-              <a:rPr lang="ja-JP" altLang="en-US" sz="2800" dirty="0"/>
-              <a:t>与えられた歌詞から曲のタイトルを当て </a:t>
-            </a:r>
-            <a:r>
-              <a:rPr lang="en-US" altLang="ja-JP" sz="2800" dirty="0" err="1"/>
-              <a:t>LyricsQuizzes</a:t>
-            </a:r>
-            <a:endParaRPr lang="en-US" altLang="ja-JP" sz="2800" dirty="0"/>
-          </a:p>
-          <a:p>
-            <a:pPr marL="457200" indent="-457200">
-              <a:buFont typeface="Arial" panose="020B0604020202020204" pitchFamily="34" charset="0"/>
-              <a:buChar char="•"/>
-            </a:pPr>
-            <a:r>
-              <a:rPr lang="ja-JP" altLang="en-US" sz="2800" dirty="0"/>
-              <a:t>有名な哲学的なフレーズのクイズ </a:t>
-            </a:r>
-            <a:r>
-              <a:rPr lang="en-US" altLang="ja-JP" sz="2800" dirty="0" err="1"/>
-              <a:t>FamousQuotesQuiz</a:t>
-            </a:r>
-            <a:endParaRPr lang="en-US" altLang="ja-JP" sz="2800" dirty="0"/>
-          </a:p>
-          <a:p>
-            <a:pPr marL="457200" indent="-457200">
-              <a:buFont typeface="Arial" panose="020B0604020202020204" pitchFamily="34" charset="0"/>
-              <a:buChar char="•"/>
-            </a:pPr>
-            <a:endParaRPr lang="en-US" altLang="ja-JP" sz="2800" dirty="0"/>
+            <a:r>
+              <a:rPr kumimoji="1" lang="ja-JP" altLang="en-US" sz="3600" b="1" dirty="0"/>
+              <a:t>欲しい追加機能</a:t>
+            </a:r>
+            <a:endParaRPr kumimoji="1" lang="en-US" altLang="ja-JP" sz="3600" b="1" dirty="0"/>
           </a:p>
         </p:txBody>
       </p:sp>
     </p:spTree>
     <p:extLst>
       <p:ext uri="{BB962C8B-B14F-4D97-AF65-F5344CB8AC3E}">
-        <p14:creationId xmlns:p14="http://schemas.microsoft.com/office/powerpoint/2010/main" val="193626412"/>
+        <p14:creationId xmlns:p14="http://schemas.microsoft.com/office/powerpoint/2010/main" val="4286174900"/>
       </p:ext>
     </p:extLst>
   </p:cSld>
@@ -7572,6 +7602,213 @@
           <a:p>
             <a:r>
               <a:rPr kumimoji="1" lang="ja-JP" altLang="en-US" sz="3600" b="1" dirty="0"/>
+              <a:t>欲しいクイズ（静的）</a:t>
+            </a:r>
+            <a:endParaRPr kumimoji="1" lang="en-US" altLang="ja-JP" sz="3600" b="1" dirty="0"/>
+          </a:p>
+        </p:txBody>
+      </p:sp>
+      <p:sp>
+        <p:nvSpPr>
+          <p:cNvPr id="3" name="テキスト ボックス 2">
+            <a:extLst>
+              <a:ext uri="{FF2B5EF4-FFF2-40B4-BE49-F238E27FC236}">
+                <a16:creationId xmlns:a16="http://schemas.microsoft.com/office/drawing/2014/main" id="{11D084A0-FE85-A088-F6B2-3FC118518D1A}"/>
+              </a:ext>
+            </a:extLst>
+          </p:cNvPr>
+          <p:cNvSpPr txBox="1"/>
+          <p:nvPr/>
+        </p:nvSpPr>
+        <p:spPr>
+          <a:xfrm>
+            <a:off x="1066798" y="1517666"/>
+            <a:ext cx="9725527" cy="3970318"/>
+          </a:xfrm>
+          <a:prstGeom prst="rect">
+            <a:avLst/>
+          </a:prstGeom>
+          <a:noFill/>
+        </p:spPr>
+        <p:txBody>
+          <a:bodyPr wrap="square" rtlCol="0">
+            <a:spAutoFit/>
+          </a:bodyPr>
+          <a:lstStyle/>
+          <a:p>
+            <a:pPr marL="457200" indent="-457200">
+              <a:buFont typeface="Arial" panose="020B0604020202020204" pitchFamily="34" charset="0"/>
+              <a:buChar char="•"/>
+            </a:pPr>
+            <a:r>
+              <a:rPr kumimoji="1" lang="en-US" altLang="ja-JP" sz="2800" dirty="0"/>
+              <a:t>Hallo world </a:t>
+            </a:r>
+            <a:r>
+              <a:rPr kumimoji="1" lang="ja-JP" altLang="en-US" sz="2800" dirty="0"/>
+              <a:t>のサンプルコードを見せて、プログラミング言語を当てるクイズ</a:t>
+            </a:r>
+            <a:endParaRPr kumimoji="1" lang="en-US" altLang="ja-JP" sz="2800" dirty="0"/>
+          </a:p>
+          <a:p>
+            <a:pPr marL="457200" indent="-457200">
+              <a:buFont typeface="Arial" panose="020B0604020202020204" pitchFamily="34" charset="0"/>
+              <a:buChar char="•"/>
+            </a:pPr>
+            <a:r>
+              <a:rPr lang="ja-JP" altLang="en-US" sz="2800" dirty="0"/>
+              <a:t>世界の首都 </a:t>
+            </a:r>
+            <a:r>
+              <a:rPr lang="en-US" altLang="ja-JP" sz="2800" dirty="0" err="1"/>
+              <a:t>CapitalQuizzes</a:t>
+            </a:r>
+            <a:endParaRPr lang="en-US" altLang="ja-JP" sz="2800" dirty="0"/>
+          </a:p>
+          <a:p>
+            <a:pPr marL="457200" indent="-457200">
+              <a:buFont typeface="Arial" panose="020B0604020202020204" pitchFamily="34" charset="0"/>
+              <a:buChar char="•"/>
+            </a:pPr>
+            <a:r>
+              <a:rPr lang="ja-JP" altLang="en-US" sz="2800" dirty="0"/>
+              <a:t>言語当てクイズ </a:t>
+            </a:r>
+            <a:r>
+              <a:rPr lang="en-US" altLang="ja-JP" sz="2800" dirty="0" err="1"/>
+              <a:t>LanguageQuizzes</a:t>
+            </a:r>
+            <a:endParaRPr lang="en-US" altLang="ja-JP" sz="2800" dirty="0"/>
+          </a:p>
+          <a:p>
+            <a:pPr marL="457200" indent="-457200">
+              <a:buFont typeface="Arial" panose="020B0604020202020204" pitchFamily="34" charset="0"/>
+              <a:buChar char="•"/>
+            </a:pPr>
+            <a:r>
+              <a:rPr lang="ja-JP" altLang="en-US" sz="2800" dirty="0"/>
+              <a:t>歴史的事象の年代クイズ </a:t>
+            </a:r>
+            <a:r>
+              <a:rPr lang="en-US" altLang="ja-JP" sz="2800" dirty="0" err="1"/>
+              <a:t>HistoricalEventsQuizzes</a:t>
+            </a:r>
+            <a:endParaRPr lang="en-US" altLang="ja-JP" sz="2800" dirty="0"/>
+          </a:p>
+          <a:p>
+            <a:pPr marL="457200" indent="-457200">
+              <a:buFont typeface="Arial" panose="020B0604020202020204" pitchFamily="34" charset="0"/>
+              <a:buChar char="•"/>
+            </a:pPr>
+            <a:r>
+              <a:rPr lang="ja-JP" altLang="en-US" sz="2800" dirty="0"/>
+              <a:t>元素記号の名前クイズ </a:t>
+            </a:r>
+            <a:r>
+              <a:rPr lang="en-US" altLang="ja-JP" sz="2800" dirty="0" err="1"/>
+              <a:t>ElementSymbolQuiz</a:t>
+            </a:r>
+            <a:endParaRPr lang="en-US" altLang="ja-JP" sz="2800" dirty="0"/>
+          </a:p>
+          <a:p>
+            <a:pPr marL="457200" indent="-457200">
+              <a:buFont typeface="Arial" panose="020B0604020202020204" pitchFamily="34" charset="0"/>
+              <a:buChar char="•"/>
+            </a:pPr>
+            <a:r>
+              <a:rPr lang="ja-JP" altLang="en-US" sz="2800" dirty="0"/>
+              <a:t>与えられた歌詞から曲のタイトルを当て </a:t>
+            </a:r>
+            <a:r>
+              <a:rPr lang="en-US" altLang="ja-JP" sz="2800" dirty="0" err="1"/>
+              <a:t>LyricsQuizzes</a:t>
+            </a:r>
+            <a:endParaRPr lang="en-US" altLang="ja-JP" sz="2800" dirty="0"/>
+          </a:p>
+          <a:p>
+            <a:pPr marL="457200" indent="-457200">
+              <a:buFont typeface="Arial" panose="020B0604020202020204" pitchFamily="34" charset="0"/>
+              <a:buChar char="•"/>
+            </a:pPr>
+            <a:r>
+              <a:rPr lang="ja-JP" altLang="en-US" sz="2800" dirty="0"/>
+              <a:t>有名な哲学的なフレーズのクイズ </a:t>
+            </a:r>
+            <a:r>
+              <a:rPr lang="en-US" altLang="ja-JP" sz="2800" dirty="0" err="1"/>
+              <a:t>FamousQuotesQuiz</a:t>
+            </a:r>
+            <a:endParaRPr lang="en-US" altLang="ja-JP" sz="2800" dirty="0"/>
+          </a:p>
+          <a:p>
+            <a:pPr marL="457200" indent="-457200">
+              <a:buFont typeface="Arial" panose="020B0604020202020204" pitchFamily="34" charset="0"/>
+              <a:buChar char="•"/>
+            </a:pPr>
+            <a:endParaRPr lang="en-US" altLang="ja-JP" sz="2800" dirty="0"/>
+          </a:p>
+        </p:txBody>
+      </p:sp>
+    </p:spTree>
+    <p:extLst>
+      <p:ext uri="{BB962C8B-B14F-4D97-AF65-F5344CB8AC3E}">
+        <p14:creationId xmlns:p14="http://schemas.microsoft.com/office/powerpoint/2010/main" val="193626412"/>
+      </p:ext>
+    </p:extLst>
+  </p:cSld>
+  <p:clrMapOvr>
+    <a:masterClrMapping/>
+  </p:clrMapOvr>
+</p:sld>
+</file>
+
+<file path=ppt/slides/slide18.xml><?xml version="1.0" encoding="utf-8"?>
+<p:sld xmlns:a="http://schemas.openxmlformats.org/drawingml/2006/main" xmlns:r="http://schemas.openxmlformats.org/officeDocument/2006/relationships" xmlns:p="http://schemas.openxmlformats.org/presentationml/2006/main">
+  <p:cSld>
+    <p:spTree>
+      <p:nvGrpSpPr>
+        <p:cNvPr id="1" name=""/>
+        <p:cNvGrpSpPr/>
+        <p:nvPr/>
+      </p:nvGrpSpPr>
+      <p:grpSpPr>
+        <a:xfrm>
+          <a:off x="0" y="0"/>
+          <a:ext cx="0" cy="0"/>
+          <a:chOff x="0" y="0"/>
+          <a:chExt cx="0" cy="0"/>
+        </a:xfrm>
+      </p:grpSpPr>
+      <p:sp>
+        <p:nvSpPr>
+          <p:cNvPr id="2" name="テキスト ボックス 1">
+            <a:extLst>
+              <a:ext uri="{FF2B5EF4-FFF2-40B4-BE49-F238E27FC236}">
+                <a16:creationId xmlns:a16="http://schemas.microsoft.com/office/drawing/2014/main" id="{A2570873-832A-7AA0-07EA-7B2F02CDE8BD}"/>
+              </a:ext>
+            </a:extLst>
+          </p:cNvPr>
+          <p:cNvSpPr txBox="1"/>
+          <p:nvPr/>
+        </p:nvSpPr>
+        <p:spPr>
+          <a:xfrm>
+            <a:off x="1066799" y="659413"/>
+            <a:ext cx="5606716" cy="646331"/>
+          </a:xfrm>
+          <a:prstGeom prst="rect">
+            <a:avLst/>
+          </a:prstGeom>
+          <a:noFill/>
+        </p:spPr>
+        <p:txBody>
+          <a:bodyPr wrap="square" rtlCol="0">
+            <a:spAutoFit/>
+          </a:bodyPr>
+          <a:lstStyle/>
+          <a:p>
+            <a:r>
+              <a:rPr kumimoji="1" lang="ja-JP" altLang="en-US" sz="3600" b="1" dirty="0"/>
               <a:t>欲しいクイズ（動的）</a:t>
             </a:r>
             <a:endParaRPr kumimoji="1" lang="en-US" altLang="ja-JP" sz="3600" b="1" dirty="0"/>
@@ -7683,7 +7920,7 @@
 </p:sld>
 </file>
 
-<file path=ppt/slides/slide18.xml><?xml version="1.0" encoding="utf-8"?>
+<file path=ppt/slides/slide19.xml><?xml version="1.0" encoding="utf-8"?>
 <p:sld xmlns:a="http://schemas.openxmlformats.org/drawingml/2006/main" xmlns:r="http://schemas.openxmlformats.org/officeDocument/2006/relationships" xmlns:p="http://schemas.openxmlformats.org/presentationml/2006/main">
   <p:cSld>
     <p:spTree>

--- a/design.pptx
+++ b/design.pptx
@@ -20,10 +20,6 @@
     <p:sldId id="266" r:id="rId14"/>
     <p:sldId id="275" r:id="rId15"/>
     <p:sldId id="274" r:id="rId16"/>
-    <p:sldId id="270" r:id="rId17"/>
-    <p:sldId id="272" r:id="rId18"/>
-    <p:sldId id="271" r:id="rId19"/>
-    <p:sldId id="273" r:id="rId20"/>
   </p:sldIdLst>
   <p:sldSz cx="12192000" cy="6858000"/>
   <p:notesSz cx="6858000" cy="9144000"/>
@@ -277,7 +273,7 @@
           <a:p>
             <a:fld id="{92A24FDA-9713-4B2A-B123-08E9636CCA2B}" type="datetimeFigureOut">
               <a:rPr kumimoji="1" lang="ja-JP" altLang="en-US" smtClean="0"/>
-              <a:t>2023/9/13</a:t>
+              <a:t>2023/10/8</a:t>
             </a:fld>
             <a:endParaRPr kumimoji="1" lang="ja-JP" altLang="en-US"/>
           </a:p>
@@ -507,7 +503,7 @@
           <a:p>
             <a:fld id="{92A24FDA-9713-4B2A-B123-08E9636CCA2B}" type="datetimeFigureOut">
               <a:rPr kumimoji="1" lang="ja-JP" altLang="en-US" smtClean="0"/>
-              <a:t>2023/9/13</a:t>
+              <a:t>2023/10/8</a:t>
             </a:fld>
             <a:endParaRPr kumimoji="1" lang="ja-JP" altLang="en-US"/>
           </a:p>
@@ -747,7 +743,7 @@
           <a:p>
             <a:fld id="{92A24FDA-9713-4B2A-B123-08E9636CCA2B}" type="datetimeFigureOut">
               <a:rPr kumimoji="1" lang="ja-JP" altLang="en-US" smtClean="0"/>
-              <a:t>2023/9/13</a:t>
+              <a:t>2023/10/8</a:t>
             </a:fld>
             <a:endParaRPr kumimoji="1" lang="ja-JP" altLang="en-US"/>
           </a:p>
@@ -977,7 +973,7 @@
           <a:p>
             <a:fld id="{92A24FDA-9713-4B2A-B123-08E9636CCA2B}" type="datetimeFigureOut">
               <a:rPr kumimoji="1" lang="ja-JP" altLang="en-US" smtClean="0"/>
-              <a:t>2023/9/13</a:t>
+              <a:t>2023/10/8</a:t>
             </a:fld>
             <a:endParaRPr kumimoji="1" lang="ja-JP" altLang="en-US"/>
           </a:p>
@@ -1252,7 +1248,7 @@
           <a:p>
             <a:fld id="{92A24FDA-9713-4B2A-B123-08E9636CCA2B}" type="datetimeFigureOut">
               <a:rPr kumimoji="1" lang="ja-JP" altLang="en-US" smtClean="0"/>
-              <a:t>2023/9/13</a:t>
+              <a:t>2023/10/8</a:t>
             </a:fld>
             <a:endParaRPr kumimoji="1" lang="ja-JP" altLang="en-US"/>
           </a:p>
@@ -1581,7 +1577,7 @@
           <a:p>
             <a:fld id="{92A24FDA-9713-4B2A-B123-08E9636CCA2B}" type="datetimeFigureOut">
               <a:rPr kumimoji="1" lang="ja-JP" altLang="en-US" smtClean="0"/>
-              <a:t>2023/9/13</a:t>
+              <a:t>2023/10/8</a:t>
             </a:fld>
             <a:endParaRPr kumimoji="1" lang="ja-JP" altLang="en-US"/>
           </a:p>
@@ -2057,7 +2053,7 @@
           <a:p>
             <a:fld id="{92A24FDA-9713-4B2A-B123-08E9636CCA2B}" type="datetimeFigureOut">
               <a:rPr kumimoji="1" lang="ja-JP" altLang="en-US" smtClean="0"/>
-              <a:t>2023/9/13</a:t>
+              <a:t>2023/10/8</a:t>
             </a:fld>
             <a:endParaRPr kumimoji="1" lang="ja-JP" altLang="en-US"/>
           </a:p>
@@ -2198,7 +2194,7 @@
           <a:p>
             <a:fld id="{92A24FDA-9713-4B2A-B123-08E9636CCA2B}" type="datetimeFigureOut">
               <a:rPr kumimoji="1" lang="ja-JP" altLang="en-US" smtClean="0"/>
-              <a:t>2023/9/13</a:t>
+              <a:t>2023/10/8</a:t>
             </a:fld>
             <a:endParaRPr kumimoji="1" lang="ja-JP" altLang="en-US"/>
           </a:p>
@@ -2311,7 +2307,7 @@
           <a:p>
             <a:fld id="{92A24FDA-9713-4B2A-B123-08E9636CCA2B}" type="datetimeFigureOut">
               <a:rPr kumimoji="1" lang="ja-JP" altLang="en-US" smtClean="0"/>
-              <a:t>2023/9/13</a:t>
+              <a:t>2023/10/8</a:t>
             </a:fld>
             <a:endParaRPr kumimoji="1" lang="ja-JP" altLang="en-US"/>
           </a:p>
@@ -2654,7 +2650,7 @@
           <a:p>
             <a:fld id="{92A24FDA-9713-4B2A-B123-08E9636CCA2B}" type="datetimeFigureOut">
               <a:rPr kumimoji="1" lang="ja-JP" altLang="en-US" smtClean="0"/>
-              <a:t>2023/9/13</a:t>
+              <a:t>2023/10/8</a:t>
             </a:fld>
             <a:endParaRPr kumimoji="1" lang="ja-JP" altLang="en-US"/>
           </a:p>
@@ -2942,7 +2938,7 @@
           <a:p>
             <a:fld id="{92A24FDA-9713-4B2A-B123-08E9636CCA2B}" type="datetimeFigureOut">
               <a:rPr kumimoji="1" lang="ja-JP" altLang="en-US" smtClean="0"/>
-              <a:t>2023/9/13</a:t>
+              <a:t>2023/10/8</a:t>
             </a:fld>
             <a:endParaRPr kumimoji="1" lang="ja-JP" altLang="en-US"/>
           </a:p>
@@ -3215,7 +3211,7 @@
           <a:p>
             <a:fld id="{92A24FDA-9713-4B2A-B123-08E9636CCA2B}" type="datetimeFigureOut">
               <a:rPr kumimoji="1" lang="ja-JP" altLang="en-US" smtClean="0"/>
-              <a:t>2023/9/13</a:t>
+              <a:t>2023/10/8</a:t>
             </a:fld>
             <a:endParaRPr kumimoji="1" lang="ja-JP" altLang="en-US"/>
           </a:p>
@@ -7382,684 +7378,6 @@
 </p:sld>
 </file>
 
-<file path=ppt/slides/slide16.xml><?xml version="1.0" encoding="utf-8"?>
-<p:sld xmlns:a="http://schemas.openxmlformats.org/drawingml/2006/main" xmlns:r="http://schemas.openxmlformats.org/officeDocument/2006/relationships" xmlns:p="http://schemas.openxmlformats.org/presentationml/2006/main">
-  <p:cSld>
-    <p:spTree>
-      <p:nvGrpSpPr>
-        <p:cNvPr id="1" name=""/>
-        <p:cNvGrpSpPr/>
-        <p:nvPr/>
-      </p:nvGrpSpPr>
-      <p:grpSpPr>
-        <a:xfrm>
-          <a:off x="0" y="0"/>
-          <a:ext cx="0" cy="0"/>
-          <a:chOff x="0" y="0"/>
-          <a:chExt cx="0" cy="0"/>
-        </a:xfrm>
-      </p:grpSpPr>
-      <p:sp>
-        <p:nvSpPr>
-          <p:cNvPr id="2" name="テキスト ボックス 1">
-            <a:extLst>
-              <a:ext uri="{FF2B5EF4-FFF2-40B4-BE49-F238E27FC236}">
-                <a16:creationId xmlns:a16="http://schemas.microsoft.com/office/drawing/2014/main" id="{21B82B96-5316-0995-B946-BFDEB437F778}"/>
-              </a:ext>
-            </a:extLst>
-          </p:cNvPr>
-          <p:cNvSpPr txBox="1"/>
-          <p:nvPr/>
-        </p:nvSpPr>
-        <p:spPr>
-          <a:xfrm>
-            <a:off x="906542" y="1084033"/>
-            <a:ext cx="9725527" cy="5262979"/>
-          </a:xfrm>
-          <a:prstGeom prst="rect">
-            <a:avLst/>
-          </a:prstGeom>
-          <a:noFill/>
-        </p:spPr>
-        <p:txBody>
-          <a:bodyPr wrap="square" rtlCol="0">
-            <a:spAutoFit/>
-          </a:bodyPr>
-          <a:lstStyle/>
-          <a:p>
-            <a:pPr marL="457200" indent="-457200">
-              <a:buFont typeface="Arial" panose="020B0604020202020204" pitchFamily="34" charset="0"/>
-              <a:buChar char="•"/>
-            </a:pPr>
-            <a:r>
-              <a:rPr lang="ja-JP" altLang="en-US" sz="2800" dirty="0"/>
-              <a:t>再配布禁止な音楽素材がプログラム起動時にあるかどうかを判定して、ない場合は音楽をなくす機能</a:t>
-            </a:r>
-            <a:endParaRPr lang="en-US" altLang="ja-JP" sz="2800" dirty="0"/>
-          </a:p>
-          <a:p>
-            <a:pPr marL="457200" indent="-457200">
-              <a:buFont typeface="Arial" panose="020B0604020202020204" pitchFamily="34" charset="0"/>
-              <a:buChar char="•"/>
-            </a:pPr>
-            <a:r>
-              <a:rPr lang="ja-JP" altLang="en-US" sz="2800" dirty="0"/>
-              <a:t>クイズを解くときの音楽の設定（</a:t>
-            </a:r>
-            <a:r>
-              <a:rPr lang="en-US" altLang="ja-JP" sz="2800" dirty="0"/>
-              <a:t>sound</a:t>
-            </a:r>
-            <a:r>
-              <a:rPr lang="ja-JP" altLang="en-US" sz="2800" dirty="0"/>
-              <a:t>フォルダに事前に入れておけば選択できるようにする）</a:t>
-            </a:r>
-            <a:endParaRPr lang="en-US" altLang="ja-JP" sz="2800" dirty="0"/>
-          </a:p>
-          <a:p>
-            <a:pPr marL="457200" indent="-457200">
-              <a:buFont typeface="Arial" panose="020B0604020202020204" pitchFamily="34" charset="0"/>
-              <a:buChar char="•"/>
-            </a:pPr>
-            <a:r>
-              <a:rPr lang="ja-JP" altLang="en-US" sz="2800" dirty="0"/>
-              <a:t>問題文や解説文の大きさに合わせて表の縦幅や横幅を調節できる機能</a:t>
-            </a:r>
-            <a:endParaRPr lang="en-US" altLang="ja-JP" sz="2800" dirty="0"/>
-          </a:p>
-          <a:p>
-            <a:pPr marL="457200" indent="-457200">
-              <a:buFont typeface="Arial" panose="020B0604020202020204" pitchFamily="34" charset="0"/>
-              <a:buChar char="•"/>
-            </a:pPr>
-            <a:r>
-              <a:rPr lang="ja-JP" altLang="en-US" sz="2800" dirty="0"/>
-              <a:t>背景画像の追加</a:t>
-            </a:r>
-            <a:endParaRPr lang="en-US" altLang="ja-JP" sz="2800" dirty="0"/>
-          </a:p>
-          <a:p>
-            <a:pPr marL="457200" indent="-457200">
-              <a:buFont typeface="Arial" panose="020B0604020202020204" pitchFamily="34" charset="0"/>
-              <a:buChar char="•"/>
-            </a:pPr>
-            <a:r>
-              <a:rPr lang="en-US" altLang="ja-JP" sz="2800" dirty="0"/>
-              <a:t>Python </a:t>
-            </a:r>
-            <a:r>
-              <a:rPr lang="ja-JP" altLang="en-US" sz="2800" dirty="0"/>
-              <a:t>の文章の差分を計算するモジュールを用いて、間違い部分だけを赤字で出力する</a:t>
-            </a:r>
-            <a:endParaRPr lang="en-US" altLang="ja-JP" sz="2800" dirty="0"/>
-          </a:p>
-          <a:p>
-            <a:pPr marL="457200" indent="-457200">
-              <a:buFont typeface="Arial" panose="020B0604020202020204" pitchFamily="34" charset="0"/>
-              <a:buChar char="•"/>
-            </a:pPr>
-            <a:r>
-              <a:rPr lang="ja-JP" altLang="en-US" sz="2800" dirty="0"/>
-              <a:t>画面のサイズが動かないように固定する（現状画面ごとにサイズが変わったり、一度マウスでサイズを変えると、そのサイズに固定されたりしている）</a:t>
-            </a:r>
-            <a:endParaRPr lang="en-US" altLang="ja-JP" sz="2800" dirty="0"/>
-          </a:p>
-        </p:txBody>
-      </p:sp>
-      <p:sp>
-        <p:nvSpPr>
-          <p:cNvPr id="3" name="テキスト ボックス 2">
-            <a:extLst>
-              <a:ext uri="{FF2B5EF4-FFF2-40B4-BE49-F238E27FC236}">
-                <a16:creationId xmlns:a16="http://schemas.microsoft.com/office/drawing/2014/main" id="{419620DA-EE65-F488-8D27-C3D68A7FC8E9}"/>
-              </a:ext>
-            </a:extLst>
-          </p:cNvPr>
-          <p:cNvSpPr txBox="1"/>
-          <p:nvPr/>
-        </p:nvSpPr>
-        <p:spPr>
-          <a:xfrm>
-            <a:off x="489284" y="159792"/>
-            <a:ext cx="5606716" cy="646331"/>
-          </a:xfrm>
-          <a:prstGeom prst="rect">
-            <a:avLst/>
-          </a:prstGeom>
-          <a:noFill/>
-        </p:spPr>
-        <p:txBody>
-          <a:bodyPr wrap="square" rtlCol="0">
-            <a:spAutoFit/>
-          </a:bodyPr>
-          <a:lstStyle/>
-          <a:p>
-            <a:r>
-              <a:rPr kumimoji="1" lang="ja-JP" altLang="en-US" sz="3600" b="1" dirty="0"/>
-              <a:t>欲しい追加機能</a:t>
-            </a:r>
-            <a:endParaRPr kumimoji="1" lang="en-US" altLang="ja-JP" sz="3600" b="1" dirty="0"/>
-          </a:p>
-        </p:txBody>
-      </p:sp>
-    </p:spTree>
-    <p:extLst>
-      <p:ext uri="{BB962C8B-B14F-4D97-AF65-F5344CB8AC3E}">
-        <p14:creationId xmlns:p14="http://schemas.microsoft.com/office/powerpoint/2010/main" val="4286174900"/>
-      </p:ext>
-    </p:extLst>
-  </p:cSld>
-  <p:clrMapOvr>
-    <a:masterClrMapping/>
-  </p:clrMapOvr>
-</p:sld>
-</file>
-
-<file path=ppt/slides/slide17.xml><?xml version="1.0" encoding="utf-8"?>
-<p:sld xmlns:a="http://schemas.openxmlformats.org/drawingml/2006/main" xmlns:r="http://schemas.openxmlformats.org/officeDocument/2006/relationships" xmlns:p="http://schemas.openxmlformats.org/presentationml/2006/main">
-  <p:cSld>
-    <p:spTree>
-      <p:nvGrpSpPr>
-        <p:cNvPr id="1" name=""/>
-        <p:cNvGrpSpPr/>
-        <p:nvPr/>
-      </p:nvGrpSpPr>
-      <p:grpSpPr>
-        <a:xfrm>
-          <a:off x="0" y="0"/>
-          <a:ext cx="0" cy="0"/>
-          <a:chOff x="0" y="0"/>
-          <a:chExt cx="0" cy="0"/>
-        </a:xfrm>
-      </p:grpSpPr>
-      <p:sp>
-        <p:nvSpPr>
-          <p:cNvPr id="2" name="テキスト ボックス 1">
-            <a:extLst>
-              <a:ext uri="{FF2B5EF4-FFF2-40B4-BE49-F238E27FC236}">
-                <a16:creationId xmlns:a16="http://schemas.microsoft.com/office/drawing/2014/main" id="{A2570873-832A-7AA0-07EA-7B2F02CDE8BD}"/>
-              </a:ext>
-            </a:extLst>
-          </p:cNvPr>
-          <p:cNvSpPr txBox="1"/>
-          <p:nvPr/>
-        </p:nvSpPr>
-        <p:spPr>
-          <a:xfrm>
-            <a:off x="1066799" y="659413"/>
-            <a:ext cx="5606716" cy="646331"/>
-          </a:xfrm>
-          <a:prstGeom prst="rect">
-            <a:avLst/>
-          </a:prstGeom>
-          <a:noFill/>
-        </p:spPr>
-        <p:txBody>
-          <a:bodyPr wrap="square" rtlCol="0">
-            <a:spAutoFit/>
-          </a:bodyPr>
-          <a:lstStyle/>
-          <a:p>
-            <a:r>
-              <a:rPr kumimoji="1" lang="ja-JP" altLang="en-US" sz="3600" b="1" dirty="0"/>
-              <a:t>欲しいクイズ（静的）</a:t>
-            </a:r>
-            <a:endParaRPr kumimoji="1" lang="en-US" altLang="ja-JP" sz="3600" b="1" dirty="0"/>
-          </a:p>
-        </p:txBody>
-      </p:sp>
-      <p:sp>
-        <p:nvSpPr>
-          <p:cNvPr id="3" name="テキスト ボックス 2">
-            <a:extLst>
-              <a:ext uri="{FF2B5EF4-FFF2-40B4-BE49-F238E27FC236}">
-                <a16:creationId xmlns:a16="http://schemas.microsoft.com/office/drawing/2014/main" id="{11D084A0-FE85-A088-F6B2-3FC118518D1A}"/>
-              </a:ext>
-            </a:extLst>
-          </p:cNvPr>
-          <p:cNvSpPr txBox="1"/>
-          <p:nvPr/>
-        </p:nvSpPr>
-        <p:spPr>
-          <a:xfrm>
-            <a:off x="1066798" y="1517666"/>
-            <a:ext cx="9725527" cy="3970318"/>
-          </a:xfrm>
-          <a:prstGeom prst="rect">
-            <a:avLst/>
-          </a:prstGeom>
-          <a:noFill/>
-        </p:spPr>
-        <p:txBody>
-          <a:bodyPr wrap="square" rtlCol="0">
-            <a:spAutoFit/>
-          </a:bodyPr>
-          <a:lstStyle/>
-          <a:p>
-            <a:pPr marL="457200" indent="-457200">
-              <a:buFont typeface="Arial" panose="020B0604020202020204" pitchFamily="34" charset="0"/>
-              <a:buChar char="•"/>
-            </a:pPr>
-            <a:r>
-              <a:rPr kumimoji="1" lang="en-US" altLang="ja-JP" sz="2800" dirty="0"/>
-              <a:t>Hallo world </a:t>
-            </a:r>
-            <a:r>
-              <a:rPr kumimoji="1" lang="ja-JP" altLang="en-US" sz="2800" dirty="0"/>
-              <a:t>のサンプルコードを見せて、プログラミング言語を当てるクイズ</a:t>
-            </a:r>
-            <a:endParaRPr kumimoji="1" lang="en-US" altLang="ja-JP" sz="2800" dirty="0"/>
-          </a:p>
-          <a:p>
-            <a:pPr marL="457200" indent="-457200">
-              <a:buFont typeface="Arial" panose="020B0604020202020204" pitchFamily="34" charset="0"/>
-              <a:buChar char="•"/>
-            </a:pPr>
-            <a:r>
-              <a:rPr lang="ja-JP" altLang="en-US" sz="2800" dirty="0"/>
-              <a:t>世界の首都 </a:t>
-            </a:r>
-            <a:r>
-              <a:rPr lang="en-US" altLang="ja-JP" sz="2800" dirty="0" err="1"/>
-              <a:t>CapitalQuizzes</a:t>
-            </a:r>
-            <a:endParaRPr lang="en-US" altLang="ja-JP" sz="2800" dirty="0"/>
-          </a:p>
-          <a:p>
-            <a:pPr marL="457200" indent="-457200">
-              <a:buFont typeface="Arial" panose="020B0604020202020204" pitchFamily="34" charset="0"/>
-              <a:buChar char="•"/>
-            </a:pPr>
-            <a:r>
-              <a:rPr lang="ja-JP" altLang="en-US" sz="2800" dirty="0"/>
-              <a:t>言語当てクイズ </a:t>
-            </a:r>
-            <a:r>
-              <a:rPr lang="en-US" altLang="ja-JP" sz="2800" dirty="0" err="1"/>
-              <a:t>LanguageQuizzes</a:t>
-            </a:r>
-            <a:endParaRPr lang="en-US" altLang="ja-JP" sz="2800" dirty="0"/>
-          </a:p>
-          <a:p>
-            <a:pPr marL="457200" indent="-457200">
-              <a:buFont typeface="Arial" panose="020B0604020202020204" pitchFamily="34" charset="0"/>
-              <a:buChar char="•"/>
-            </a:pPr>
-            <a:r>
-              <a:rPr lang="ja-JP" altLang="en-US" sz="2800" dirty="0"/>
-              <a:t>歴史的事象の年代クイズ </a:t>
-            </a:r>
-            <a:r>
-              <a:rPr lang="en-US" altLang="ja-JP" sz="2800" dirty="0" err="1"/>
-              <a:t>HistoricalEventsQuizzes</a:t>
-            </a:r>
-            <a:endParaRPr lang="en-US" altLang="ja-JP" sz="2800" dirty="0"/>
-          </a:p>
-          <a:p>
-            <a:pPr marL="457200" indent="-457200">
-              <a:buFont typeface="Arial" panose="020B0604020202020204" pitchFamily="34" charset="0"/>
-              <a:buChar char="•"/>
-            </a:pPr>
-            <a:r>
-              <a:rPr lang="ja-JP" altLang="en-US" sz="2800" dirty="0"/>
-              <a:t>元素記号の名前クイズ </a:t>
-            </a:r>
-            <a:r>
-              <a:rPr lang="en-US" altLang="ja-JP" sz="2800" dirty="0" err="1"/>
-              <a:t>ElementSymbolQuiz</a:t>
-            </a:r>
-            <a:endParaRPr lang="en-US" altLang="ja-JP" sz="2800" dirty="0"/>
-          </a:p>
-          <a:p>
-            <a:pPr marL="457200" indent="-457200">
-              <a:buFont typeface="Arial" panose="020B0604020202020204" pitchFamily="34" charset="0"/>
-              <a:buChar char="•"/>
-            </a:pPr>
-            <a:r>
-              <a:rPr lang="ja-JP" altLang="en-US" sz="2800" dirty="0"/>
-              <a:t>与えられた歌詞から曲のタイトルを当て </a:t>
-            </a:r>
-            <a:r>
-              <a:rPr lang="en-US" altLang="ja-JP" sz="2800" dirty="0" err="1"/>
-              <a:t>LyricsQuizzes</a:t>
-            </a:r>
-            <a:endParaRPr lang="en-US" altLang="ja-JP" sz="2800" dirty="0"/>
-          </a:p>
-          <a:p>
-            <a:pPr marL="457200" indent="-457200">
-              <a:buFont typeface="Arial" panose="020B0604020202020204" pitchFamily="34" charset="0"/>
-              <a:buChar char="•"/>
-            </a:pPr>
-            <a:r>
-              <a:rPr lang="ja-JP" altLang="en-US" sz="2800" dirty="0"/>
-              <a:t>有名な哲学的なフレーズのクイズ </a:t>
-            </a:r>
-            <a:r>
-              <a:rPr lang="en-US" altLang="ja-JP" sz="2800" dirty="0" err="1"/>
-              <a:t>FamousQuotesQuiz</a:t>
-            </a:r>
-            <a:endParaRPr lang="en-US" altLang="ja-JP" sz="2800" dirty="0"/>
-          </a:p>
-          <a:p>
-            <a:pPr marL="457200" indent="-457200">
-              <a:buFont typeface="Arial" panose="020B0604020202020204" pitchFamily="34" charset="0"/>
-              <a:buChar char="•"/>
-            </a:pPr>
-            <a:endParaRPr lang="en-US" altLang="ja-JP" sz="2800" dirty="0"/>
-          </a:p>
-        </p:txBody>
-      </p:sp>
-    </p:spTree>
-    <p:extLst>
-      <p:ext uri="{BB962C8B-B14F-4D97-AF65-F5344CB8AC3E}">
-        <p14:creationId xmlns:p14="http://schemas.microsoft.com/office/powerpoint/2010/main" val="193626412"/>
-      </p:ext>
-    </p:extLst>
-  </p:cSld>
-  <p:clrMapOvr>
-    <a:masterClrMapping/>
-  </p:clrMapOvr>
-</p:sld>
-</file>
-
-<file path=ppt/slides/slide18.xml><?xml version="1.0" encoding="utf-8"?>
-<p:sld xmlns:a="http://schemas.openxmlformats.org/drawingml/2006/main" xmlns:r="http://schemas.openxmlformats.org/officeDocument/2006/relationships" xmlns:p="http://schemas.openxmlformats.org/presentationml/2006/main">
-  <p:cSld>
-    <p:spTree>
-      <p:nvGrpSpPr>
-        <p:cNvPr id="1" name=""/>
-        <p:cNvGrpSpPr/>
-        <p:nvPr/>
-      </p:nvGrpSpPr>
-      <p:grpSpPr>
-        <a:xfrm>
-          <a:off x="0" y="0"/>
-          <a:ext cx="0" cy="0"/>
-          <a:chOff x="0" y="0"/>
-          <a:chExt cx="0" cy="0"/>
-        </a:xfrm>
-      </p:grpSpPr>
-      <p:sp>
-        <p:nvSpPr>
-          <p:cNvPr id="2" name="テキスト ボックス 1">
-            <a:extLst>
-              <a:ext uri="{FF2B5EF4-FFF2-40B4-BE49-F238E27FC236}">
-                <a16:creationId xmlns:a16="http://schemas.microsoft.com/office/drawing/2014/main" id="{A2570873-832A-7AA0-07EA-7B2F02CDE8BD}"/>
-              </a:ext>
-            </a:extLst>
-          </p:cNvPr>
-          <p:cNvSpPr txBox="1"/>
-          <p:nvPr/>
-        </p:nvSpPr>
-        <p:spPr>
-          <a:xfrm>
-            <a:off x="1066799" y="659413"/>
-            <a:ext cx="5606716" cy="646331"/>
-          </a:xfrm>
-          <a:prstGeom prst="rect">
-            <a:avLst/>
-          </a:prstGeom>
-          <a:noFill/>
-        </p:spPr>
-        <p:txBody>
-          <a:bodyPr wrap="square" rtlCol="0">
-            <a:spAutoFit/>
-          </a:bodyPr>
-          <a:lstStyle/>
-          <a:p>
-            <a:r>
-              <a:rPr kumimoji="1" lang="ja-JP" altLang="en-US" sz="3600" b="1" dirty="0"/>
-              <a:t>欲しいクイズ（動的）</a:t>
-            </a:r>
-            <a:endParaRPr kumimoji="1" lang="en-US" altLang="ja-JP" sz="3600" b="1" dirty="0"/>
-          </a:p>
-        </p:txBody>
-      </p:sp>
-      <p:sp>
-        <p:nvSpPr>
-          <p:cNvPr id="3" name="テキスト ボックス 2">
-            <a:extLst>
-              <a:ext uri="{FF2B5EF4-FFF2-40B4-BE49-F238E27FC236}">
-                <a16:creationId xmlns:a16="http://schemas.microsoft.com/office/drawing/2014/main" id="{11D084A0-FE85-A088-F6B2-3FC118518D1A}"/>
-              </a:ext>
-            </a:extLst>
-          </p:cNvPr>
-          <p:cNvSpPr txBox="1"/>
-          <p:nvPr/>
-        </p:nvSpPr>
-        <p:spPr>
-          <a:xfrm>
-            <a:off x="1066798" y="1517666"/>
-            <a:ext cx="9725527" cy="2246769"/>
-          </a:xfrm>
-          <a:prstGeom prst="rect">
-            <a:avLst/>
-          </a:prstGeom>
-          <a:noFill/>
-        </p:spPr>
-        <p:txBody>
-          <a:bodyPr wrap="square" rtlCol="0">
-            <a:spAutoFit/>
-          </a:bodyPr>
-          <a:lstStyle/>
-          <a:p>
-            <a:pPr marL="457200" indent="-457200">
-              <a:buFont typeface="Arial" panose="020B0604020202020204" pitchFamily="34" charset="0"/>
-              <a:buChar char="•"/>
-            </a:pPr>
-            <a:r>
-              <a:rPr lang="en-US" altLang="ja-JP" sz="2800" dirty="0"/>
-              <a:t>Python </a:t>
-            </a:r>
-            <a:r>
-              <a:rPr lang="ja-JP" altLang="en-US" sz="2800" dirty="0"/>
-              <a:t>のキーワードやモジュール名の英単語タイピング</a:t>
-            </a:r>
-            <a:endParaRPr lang="en-US" altLang="ja-JP" sz="2800" dirty="0"/>
-          </a:p>
-          <a:p>
-            <a:pPr marL="457200" indent="-457200">
-              <a:buFont typeface="Arial" panose="020B0604020202020204" pitchFamily="34" charset="0"/>
-              <a:buChar char="•"/>
-            </a:pPr>
-            <a:r>
-              <a:rPr lang="ja-JP" altLang="en-US" sz="2800" dirty="0"/>
-              <a:t>シーザー暗号</a:t>
-            </a:r>
-            <a:endParaRPr lang="en-US" altLang="ja-JP" sz="2800" dirty="0"/>
-          </a:p>
-          <a:p>
-            <a:pPr marL="457200" indent="-457200">
-              <a:buFont typeface="Arial" panose="020B0604020202020204" pitchFamily="34" charset="0"/>
-              <a:buChar char="•"/>
-            </a:pPr>
-            <a:r>
-              <a:rPr lang="ja-JP" altLang="en-US" sz="2800" dirty="0"/>
-              <a:t>素因数分解クイズ </a:t>
-            </a:r>
-            <a:r>
-              <a:rPr lang="en-US" altLang="ja-JP" sz="2800" dirty="0" err="1"/>
-              <a:t>PrimeFactorizationQuizzes</a:t>
-            </a:r>
-            <a:endParaRPr lang="en-US" altLang="ja-JP" sz="2800" dirty="0"/>
-          </a:p>
-          <a:p>
-            <a:pPr marL="457200" indent="-457200">
-              <a:buFont typeface="Arial" panose="020B0604020202020204" pitchFamily="34" charset="0"/>
-              <a:buChar char="•"/>
-            </a:pPr>
-            <a:r>
-              <a:rPr lang="ja-JP" altLang="en-US" sz="2800" dirty="0"/>
-              <a:t>素数判定クイズ  </a:t>
-            </a:r>
-            <a:r>
-              <a:rPr lang="en-US" altLang="ja-JP" sz="2800" dirty="0" err="1"/>
-              <a:t>PrimeQuizzes</a:t>
-            </a:r>
-            <a:endParaRPr lang="en-US" altLang="ja-JP" sz="2800" dirty="0"/>
-          </a:p>
-          <a:p>
-            <a:pPr marL="457200" indent="-457200">
-              <a:buFont typeface="Arial" panose="020B0604020202020204" pitchFamily="34" charset="0"/>
-              <a:buChar char="•"/>
-            </a:pPr>
-            <a:endParaRPr lang="en-US" altLang="ja-JP" sz="2800" dirty="0"/>
-          </a:p>
-        </p:txBody>
-      </p:sp>
-    </p:spTree>
-    <p:extLst>
-      <p:ext uri="{BB962C8B-B14F-4D97-AF65-F5344CB8AC3E}">
-        <p14:creationId xmlns:p14="http://schemas.microsoft.com/office/powerpoint/2010/main" val="99756"/>
-      </p:ext>
-    </p:extLst>
-  </p:cSld>
-  <p:clrMapOvr>
-    <a:masterClrMapping/>
-  </p:clrMapOvr>
-</p:sld>
-</file>
-
-<file path=ppt/slides/slide19.xml><?xml version="1.0" encoding="utf-8"?>
-<p:sld xmlns:a="http://schemas.openxmlformats.org/drawingml/2006/main" xmlns:r="http://schemas.openxmlformats.org/officeDocument/2006/relationships" xmlns:p="http://schemas.openxmlformats.org/presentationml/2006/main">
-  <p:cSld>
-    <p:spTree>
-      <p:nvGrpSpPr>
-        <p:cNvPr id="1" name=""/>
-        <p:cNvGrpSpPr/>
-        <p:nvPr/>
-      </p:nvGrpSpPr>
-      <p:grpSpPr>
-        <a:xfrm>
-          <a:off x="0" y="0"/>
-          <a:ext cx="0" cy="0"/>
-          <a:chOff x="0" y="0"/>
-          <a:chExt cx="0" cy="0"/>
-        </a:xfrm>
-      </p:grpSpPr>
-      <p:sp>
-        <p:nvSpPr>
-          <p:cNvPr id="2" name="テキスト ボックス 1">
-            <a:extLst>
-              <a:ext uri="{FF2B5EF4-FFF2-40B4-BE49-F238E27FC236}">
-                <a16:creationId xmlns:a16="http://schemas.microsoft.com/office/drawing/2014/main" id="{F46D5EE6-9779-8D1B-E58D-1D251899DA97}"/>
-              </a:ext>
-            </a:extLst>
-          </p:cNvPr>
-          <p:cNvSpPr txBox="1"/>
-          <p:nvPr/>
-        </p:nvSpPr>
-        <p:spPr>
-          <a:xfrm>
-            <a:off x="585536" y="442845"/>
-            <a:ext cx="5606716" cy="646331"/>
-          </a:xfrm>
-          <a:prstGeom prst="rect">
-            <a:avLst/>
-          </a:prstGeom>
-          <a:noFill/>
-        </p:spPr>
-        <p:txBody>
-          <a:bodyPr wrap="square" rtlCol="0">
-            <a:spAutoFit/>
-          </a:bodyPr>
-          <a:lstStyle/>
-          <a:p>
-            <a:r>
-              <a:rPr lang="ja-JP" altLang="en-US" sz="3600" b="1" dirty="0"/>
-              <a:t>メモ</a:t>
-            </a:r>
-            <a:endParaRPr kumimoji="1" lang="en-US" altLang="ja-JP" sz="3600" b="1" dirty="0"/>
-          </a:p>
-        </p:txBody>
-      </p:sp>
-      <p:sp>
-        <p:nvSpPr>
-          <p:cNvPr id="3" name="テキスト ボックス 2">
-            <a:extLst>
-              <a:ext uri="{FF2B5EF4-FFF2-40B4-BE49-F238E27FC236}">
-                <a16:creationId xmlns:a16="http://schemas.microsoft.com/office/drawing/2014/main" id="{46EA2493-3C67-1A7D-2AA3-1D5270D3FC29}"/>
-              </a:ext>
-            </a:extLst>
-          </p:cNvPr>
-          <p:cNvSpPr txBox="1"/>
-          <p:nvPr/>
-        </p:nvSpPr>
-        <p:spPr>
-          <a:xfrm>
-            <a:off x="1233236" y="1089176"/>
-            <a:ext cx="9725527" cy="5693866"/>
-          </a:xfrm>
-          <a:prstGeom prst="rect">
-            <a:avLst/>
-          </a:prstGeom>
-          <a:noFill/>
-        </p:spPr>
-        <p:txBody>
-          <a:bodyPr wrap="square" rtlCol="0">
-            <a:spAutoFit/>
-          </a:bodyPr>
-          <a:lstStyle/>
-          <a:p>
-            <a:pPr marL="457200" indent="-457200">
-              <a:buFont typeface="Arial" panose="020B0604020202020204" pitchFamily="34" charset="0"/>
-              <a:buChar char="•"/>
-            </a:pPr>
-            <a:r>
-              <a:rPr lang="ja-JP" altLang="en-US" sz="2800" dirty="0"/>
-              <a:t>（テーブル、スクロールバー、詳細ボタン、詳細ボタンを押したら、表の下に詳細として表示されるラベル）をまとめたフレームを用意する。こうすると、タイトルからのログ画面、クイズのログ画面、クイズデータの選択画面に使える</a:t>
-            </a:r>
-            <a:endParaRPr lang="en-US" altLang="ja-JP" sz="2800" dirty="0"/>
-          </a:p>
-          <a:p>
-            <a:pPr marL="457200" indent="-457200">
-              <a:buFont typeface="Arial" panose="020B0604020202020204" pitchFamily="34" charset="0"/>
-              <a:buChar char="•"/>
-            </a:pPr>
-            <a:endParaRPr lang="en-US" altLang="ja-JP" sz="2800" dirty="0"/>
-          </a:p>
-          <a:p>
-            <a:pPr marL="457200" indent="-457200">
-              <a:buFont typeface="Arial" panose="020B0604020202020204" pitchFamily="34" charset="0"/>
-              <a:buChar char="•"/>
-            </a:pPr>
-            <a:r>
-              <a:rPr lang="ja-JP" altLang="en-US" sz="2800" dirty="0"/>
-              <a:t>現状クイズデータは起動時にデータベースを全て読み込んで作成している．起動中にデータを追加しても反映されない。クイズのデータフォルダから各クイズの </a:t>
-            </a:r>
-            <a:r>
-              <a:rPr lang="en-US" altLang="ja-JP" sz="2800" dirty="0"/>
-              <a:t>overview </a:t>
-            </a:r>
-            <a:r>
-              <a:rPr lang="ja-JP" altLang="en-US" sz="2800" dirty="0"/>
-              <a:t>だけを取得してクイズデータの選択画面に表示し、クイズデータは問題に選ばれたと時に動的に取得する方が良いか？毎回読み込み直す </a:t>
-            </a:r>
-            <a:r>
-              <a:rPr lang="en-US" altLang="ja-JP" sz="2800" dirty="0"/>
-              <a:t>or </a:t>
-            </a:r>
-            <a:r>
-              <a:rPr lang="ja-JP" altLang="en-US" sz="2800" dirty="0"/>
-              <a:t>最初にそのクイズを使うときに読み込みゲーム終了時まで保持しておく</a:t>
-            </a:r>
-            <a:endParaRPr lang="en-US" altLang="ja-JP" sz="2800" dirty="0"/>
-          </a:p>
-        </p:txBody>
-      </p:sp>
-    </p:spTree>
-    <p:extLst>
-      <p:ext uri="{BB962C8B-B14F-4D97-AF65-F5344CB8AC3E}">
-        <p14:creationId xmlns:p14="http://schemas.microsoft.com/office/powerpoint/2010/main" val="1366685118"/>
-      </p:ext>
-    </p:extLst>
-  </p:cSld>
-  <p:clrMapOvr>
-    <a:masterClrMapping/>
-  </p:clrMapOvr>
-</p:sld>
-</file>
-
 <file path=ppt/slides/slide2.xml><?xml version="1.0" encoding="utf-8"?>
 <p:sld xmlns:a="http://schemas.openxmlformats.org/drawingml/2006/main" xmlns:r="http://schemas.openxmlformats.org/officeDocument/2006/relationships" xmlns:p="http://schemas.openxmlformats.org/presentationml/2006/main">
   <p:cSld>
